--- a/fundamentals/3-Binary Numbers, Operations.pptx
+++ b/fundamentals/3-Binary Numbers, Operations.pptx
@@ -5542,7 +5542,7 @@
             <p:ph idx="1"/>
             <p:extLst>
               <p:ext uri="{D42A27DB-BD31-4B8C-83A1-F6EECF244321}">
-                <p14:modId xmlns:p14="http://schemas.microsoft.com/office/powerpoint/2010/main" val="3064458641"/>
+                <p14:modId xmlns:p14="http://schemas.microsoft.com/office/powerpoint/2010/main" val="3948045312"/>
               </p:ext>
             </p:extLst>
           </p:nvPr>
@@ -5555,7 +5555,7 @@
           <a:graphicData uri="http://schemas.openxmlformats.org/drawingml/2006/table">
             <a:tbl>
               <a:tblPr firstRow="1" bandRow="1">
-                <a:tableStyleId>{5C22544A-7EE6-4342-B048-85BDC9FD1C3A}</a:tableStyleId>
+                <a:tableStyleId>{72833802-FEF1-4C79-8D5D-14CF1EAF98D9}</a:tableStyleId>
               </a:tblPr>
               <a:tblGrid>
                 <a:gridCol w="1227152">
@@ -5674,7 +5674,40 @@
                       </a:r>
                     </a:p>
                   </a:txBody>
-                  <a:tcPr/>
+                  <a:tcPr>
+                    <a:lnL w="12700" cap="flat" cmpd="sng" algn="ctr">
+                      <a:noFill/>
+                      <a:prstDash val="solid"/>
+                      <a:round/>
+                      <a:headEnd type="none" w="med" len="med"/>
+                      <a:tailEnd type="none" w="med" len="med"/>
+                    </a:lnL>
+                    <a:lnR w="12700" cap="flat" cmpd="sng" algn="ctr">
+                      <a:solidFill>
+                        <a:schemeClr val="tx1"/>
+                      </a:solidFill>
+                      <a:prstDash val="solid"/>
+                      <a:round/>
+                      <a:headEnd type="none" w="med" len="med"/>
+                      <a:tailEnd type="none" w="med" len="med"/>
+                    </a:lnR>
+                    <a:lnT w="12700" cap="flat" cmpd="sng" algn="ctr">
+                      <a:noFill/>
+                      <a:prstDash val="solid"/>
+                      <a:round/>
+                      <a:headEnd type="none" w="med" len="med"/>
+                      <a:tailEnd type="none" w="med" len="med"/>
+                    </a:lnT>
+                    <a:lnB w="12700" cap="flat" cmpd="sng" algn="ctr">
+                      <a:solidFill>
+                        <a:schemeClr val="tx1"/>
+                      </a:solidFill>
+                      <a:prstDash val="solid"/>
+                      <a:round/>
+                      <a:headEnd type="none" w="med" len="med"/>
+                      <a:tailEnd type="none" w="med" len="med"/>
+                    </a:lnB>
+                  </a:tcPr>
                 </a:tc>
                 <a:tc>
                   <a:txBody>
@@ -5693,7 +5726,42 @@
                       </a:r>
                     </a:p>
                   </a:txBody>
-                  <a:tcPr/>
+                  <a:tcPr>
+                    <a:lnL w="12700" cap="flat" cmpd="sng" algn="ctr">
+                      <a:solidFill>
+                        <a:schemeClr val="tx1"/>
+                      </a:solidFill>
+                      <a:prstDash val="solid"/>
+                      <a:round/>
+                      <a:headEnd type="none" w="med" len="med"/>
+                      <a:tailEnd type="none" w="med" len="med"/>
+                    </a:lnL>
+                    <a:lnR w="12700" cap="flat" cmpd="sng" algn="ctr">
+                      <a:solidFill>
+                        <a:schemeClr val="tx1"/>
+                      </a:solidFill>
+                      <a:prstDash val="solid"/>
+                      <a:round/>
+                      <a:headEnd type="none" w="med" len="med"/>
+                      <a:tailEnd type="none" w="med" len="med"/>
+                    </a:lnR>
+                    <a:lnT w="12700" cap="flat" cmpd="sng" algn="ctr">
+                      <a:noFill/>
+                      <a:prstDash val="solid"/>
+                      <a:round/>
+                      <a:headEnd type="none" w="med" len="med"/>
+                      <a:tailEnd type="none" w="med" len="med"/>
+                    </a:lnT>
+                    <a:lnB w="12700" cap="flat" cmpd="sng" algn="ctr">
+                      <a:solidFill>
+                        <a:schemeClr val="tx1"/>
+                      </a:solidFill>
+                      <a:prstDash val="solid"/>
+                      <a:round/>
+                      <a:headEnd type="none" w="med" len="med"/>
+                      <a:tailEnd type="none" w="med" len="med"/>
+                    </a:lnB>
+                  </a:tcPr>
                 </a:tc>
                 <a:tc>
                   <a:txBody>
@@ -5712,7 +5780,42 @@
                       </a:r>
                     </a:p>
                   </a:txBody>
-                  <a:tcPr/>
+                  <a:tcPr>
+                    <a:lnL w="12700" cap="flat" cmpd="sng" algn="ctr">
+                      <a:solidFill>
+                        <a:schemeClr val="tx1"/>
+                      </a:solidFill>
+                      <a:prstDash val="solid"/>
+                      <a:round/>
+                      <a:headEnd type="none" w="med" len="med"/>
+                      <a:tailEnd type="none" w="med" len="med"/>
+                    </a:lnL>
+                    <a:lnR w="12700" cap="flat" cmpd="sng" algn="ctr">
+                      <a:solidFill>
+                        <a:schemeClr val="tx1"/>
+                      </a:solidFill>
+                      <a:prstDash val="solid"/>
+                      <a:round/>
+                      <a:headEnd type="none" w="med" len="med"/>
+                      <a:tailEnd type="none" w="med" len="med"/>
+                    </a:lnR>
+                    <a:lnT w="12700" cap="flat" cmpd="sng" algn="ctr">
+                      <a:noFill/>
+                      <a:prstDash val="solid"/>
+                      <a:round/>
+                      <a:headEnd type="none" w="med" len="med"/>
+                      <a:tailEnd type="none" w="med" len="med"/>
+                    </a:lnT>
+                    <a:lnB w="12700" cap="flat" cmpd="sng" algn="ctr">
+                      <a:solidFill>
+                        <a:schemeClr val="tx1"/>
+                      </a:solidFill>
+                      <a:prstDash val="solid"/>
+                      <a:round/>
+                      <a:headEnd type="none" w="med" len="med"/>
+                      <a:tailEnd type="none" w="med" len="med"/>
+                    </a:lnB>
+                  </a:tcPr>
                 </a:tc>
                 <a:tc>
                   <a:txBody>
@@ -5731,7 +5834,42 @@
                       </a:r>
                     </a:p>
                   </a:txBody>
-                  <a:tcPr/>
+                  <a:tcPr>
+                    <a:lnL w="12700" cap="flat" cmpd="sng" algn="ctr">
+                      <a:solidFill>
+                        <a:schemeClr val="tx1"/>
+                      </a:solidFill>
+                      <a:prstDash val="solid"/>
+                      <a:round/>
+                      <a:headEnd type="none" w="med" len="med"/>
+                      <a:tailEnd type="none" w="med" len="med"/>
+                    </a:lnL>
+                    <a:lnR w="12700" cap="flat" cmpd="sng" algn="ctr">
+                      <a:solidFill>
+                        <a:schemeClr val="tx1"/>
+                      </a:solidFill>
+                      <a:prstDash val="solid"/>
+                      <a:round/>
+                      <a:headEnd type="none" w="med" len="med"/>
+                      <a:tailEnd type="none" w="med" len="med"/>
+                    </a:lnR>
+                    <a:lnT w="12700" cap="flat" cmpd="sng" algn="ctr">
+                      <a:noFill/>
+                      <a:prstDash val="solid"/>
+                      <a:round/>
+                      <a:headEnd type="none" w="med" len="med"/>
+                      <a:tailEnd type="none" w="med" len="med"/>
+                    </a:lnT>
+                    <a:lnB w="12700" cap="flat" cmpd="sng" algn="ctr">
+                      <a:solidFill>
+                        <a:schemeClr val="tx1"/>
+                      </a:solidFill>
+                      <a:prstDash val="solid"/>
+                      <a:round/>
+                      <a:headEnd type="none" w="med" len="med"/>
+                      <a:tailEnd type="none" w="med" len="med"/>
+                    </a:lnB>
+                  </a:tcPr>
                 </a:tc>
                 <a:tc>
                   <a:txBody>
@@ -5750,7 +5888,42 @@
                       </a:r>
                     </a:p>
                   </a:txBody>
-                  <a:tcPr/>
+                  <a:tcPr>
+                    <a:lnL w="12700" cap="flat" cmpd="sng" algn="ctr">
+                      <a:solidFill>
+                        <a:schemeClr val="tx1"/>
+                      </a:solidFill>
+                      <a:prstDash val="solid"/>
+                      <a:round/>
+                      <a:headEnd type="none" w="med" len="med"/>
+                      <a:tailEnd type="none" w="med" len="med"/>
+                    </a:lnL>
+                    <a:lnR w="12700" cap="flat" cmpd="sng" algn="ctr">
+                      <a:solidFill>
+                        <a:schemeClr val="tx1"/>
+                      </a:solidFill>
+                      <a:prstDash val="solid"/>
+                      <a:round/>
+                      <a:headEnd type="none" w="med" len="med"/>
+                      <a:tailEnd type="none" w="med" len="med"/>
+                    </a:lnR>
+                    <a:lnT w="12700" cap="flat" cmpd="sng" algn="ctr">
+                      <a:noFill/>
+                      <a:prstDash val="solid"/>
+                      <a:round/>
+                      <a:headEnd type="none" w="med" len="med"/>
+                      <a:tailEnd type="none" w="med" len="med"/>
+                    </a:lnT>
+                    <a:lnB w="12700" cap="flat" cmpd="sng" algn="ctr">
+                      <a:solidFill>
+                        <a:schemeClr val="tx1"/>
+                      </a:solidFill>
+                      <a:prstDash val="solid"/>
+                      <a:round/>
+                      <a:headEnd type="none" w="med" len="med"/>
+                      <a:tailEnd type="none" w="med" len="med"/>
+                    </a:lnB>
+                  </a:tcPr>
                 </a:tc>
                 <a:tc>
                   <a:txBody>
@@ -5769,7 +5942,42 @@
                       </a:r>
                     </a:p>
                   </a:txBody>
-                  <a:tcPr/>
+                  <a:tcPr>
+                    <a:lnL w="12700" cap="flat" cmpd="sng" algn="ctr">
+                      <a:solidFill>
+                        <a:schemeClr val="tx1"/>
+                      </a:solidFill>
+                      <a:prstDash val="solid"/>
+                      <a:round/>
+                      <a:headEnd type="none" w="med" len="med"/>
+                      <a:tailEnd type="none" w="med" len="med"/>
+                    </a:lnL>
+                    <a:lnR w="12700" cap="flat" cmpd="sng" algn="ctr">
+                      <a:solidFill>
+                        <a:schemeClr val="tx1"/>
+                      </a:solidFill>
+                      <a:prstDash val="solid"/>
+                      <a:round/>
+                      <a:headEnd type="none" w="med" len="med"/>
+                      <a:tailEnd type="none" w="med" len="med"/>
+                    </a:lnR>
+                    <a:lnT w="12700" cap="flat" cmpd="sng" algn="ctr">
+                      <a:noFill/>
+                      <a:prstDash val="solid"/>
+                      <a:round/>
+                      <a:headEnd type="none" w="med" len="med"/>
+                      <a:tailEnd type="none" w="med" len="med"/>
+                    </a:lnT>
+                    <a:lnB w="12700" cap="flat" cmpd="sng" algn="ctr">
+                      <a:solidFill>
+                        <a:schemeClr val="tx1"/>
+                      </a:solidFill>
+                      <a:prstDash val="solid"/>
+                      <a:round/>
+                      <a:headEnd type="none" w="med" len="med"/>
+                      <a:tailEnd type="none" w="med" len="med"/>
+                    </a:lnB>
+                  </a:tcPr>
                 </a:tc>
                 <a:tc>
                   <a:txBody>
@@ -5788,7 +5996,42 @@
                       </a:r>
                     </a:p>
                   </a:txBody>
-                  <a:tcPr/>
+                  <a:tcPr>
+                    <a:lnL w="12700" cap="flat" cmpd="sng" algn="ctr">
+                      <a:solidFill>
+                        <a:schemeClr val="tx1"/>
+                      </a:solidFill>
+                      <a:prstDash val="solid"/>
+                      <a:round/>
+                      <a:headEnd type="none" w="med" len="med"/>
+                      <a:tailEnd type="none" w="med" len="med"/>
+                    </a:lnL>
+                    <a:lnR w="12700" cap="flat" cmpd="sng" algn="ctr">
+                      <a:solidFill>
+                        <a:schemeClr val="tx1"/>
+                      </a:solidFill>
+                      <a:prstDash val="solid"/>
+                      <a:round/>
+                      <a:headEnd type="none" w="med" len="med"/>
+                      <a:tailEnd type="none" w="med" len="med"/>
+                    </a:lnR>
+                    <a:lnT w="12700" cap="flat" cmpd="sng" algn="ctr">
+                      <a:noFill/>
+                      <a:prstDash val="solid"/>
+                      <a:round/>
+                      <a:headEnd type="none" w="med" len="med"/>
+                      <a:tailEnd type="none" w="med" len="med"/>
+                    </a:lnT>
+                    <a:lnB w="12700" cap="flat" cmpd="sng" algn="ctr">
+                      <a:solidFill>
+                        <a:schemeClr val="tx1"/>
+                      </a:solidFill>
+                      <a:prstDash val="solid"/>
+                      <a:round/>
+                      <a:headEnd type="none" w="med" len="med"/>
+                      <a:tailEnd type="none" w="med" len="med"/>
+                    </a:lnB>
+                  </a:tcPr>
                 </a:tc>
                 <a:tc>
                   <a:txBody>
@@ -5807,7 +6050,42 @@
                       </a:r>
                     </a:p>
                   </a:txBody>
-                  <a:tcPr/>
+                  <a:tcPr>
+                    <a:lnL w="12700" cap="flat" cmpd="sng" algn="ctr">
+                      <a:solidFill>
+                        <a:schemeClr val="tx1"/>
+                      </a:solidFill>
+                      <a:prstDash val="solid"/>
+                      <a:round/>
+                      <a:headEnd type="none" w="med" len="med"/>
+                      <a:tailEnd type="none" w="med" len="med"/>
+                    </a:lnL>
+                    <a:lnR w="12700" cap="flat" cmpd="sng" algn="ctr">
+                      <a:solidFill>
+                        <a:schemeClr val="tx1"/>
+                      </a:solidFill>
+                      <a:prstDash val="solid"/>
+                      <a:round/>
+                      <a:headEnd type="none" w="med" len="med"/>
+                      <a:tailEnd type="none" w="med" len="med"/>
+                    </a:lnR>
+                    <a:lnT w="12700" cap="flat" cmpd="sng" algn="ctr">
+                      <a:noFill/>
+                      <a:prstDash val="solid"/>
+                      <a:round/>
+                      <a:headEnd type="none" w="med" len="med"/>
+                      <a:tailEnd type="none" w="med" len="med"/>
+                    </a:lnT>
+                    <a:lnB w="12700" cap="flat" cmpd="sng" algn="ctr">
+                      <a:solidFill>
+                        <a:schemeClr val="tx1"/>
+                      </a:solidFill>
+                      <a:prstDash val="solid"/>
+                      <a:round/>
+                      <a:headEnd type="none" w="med" len="med"/>
+                      <a:tailEnd type="none" w="med" len="med"/>
+                    </a:lnB>
+                  </a:tcPr>
                 </a:tc>
                 <a:tc>
                   <a:txBody>
@@ -5820,7 +6098,40 @@
                       </a:r>
                     </a:p>
                   </a:txBody>
-                  <a:tcPr/>
+                  <a:tcPr>
+                    <a:lnL w="12700" cap="flat" cmpd="sng" algn="ctr">
+                      <a:solidFill>
+                        <a:schemeClr val="tx1"/>
+                      </a:solidFill>
+                      <a:prstDash val="solid"/>
+                      <a:round/>
+                      <a:headEnd type="none" w="med" len="med"/>
+                      <a:tailEnd type="none" w="med" len="med"/>
+                    </a:lnL>
+                    <a:lnR w="12700" cap="flat" cmpd="sng" algn="ctr">
+                      <a:noFill/>
+                      <a:prstDash val="solid"/>
+                      <a:round/>
+                      <a:headEnd type="none" w="med" len="med"/>
+                      <a:tailEnd type="none" w="med" len="med"/>
+                    </a:lnR>
+                    <a:lnT w="12700" cap="flat" cmpd="sng" algn="ctr">
+                      <a:noFill/>
+                      <a:prstDash val="solid"/>
+                      <a:round/>
+                      <a:headEnd type="none" w="med" len="med"/>
+                      <a:tailEnd type="none" w="med" len="med"/>
+                    </a:lnT>
+                    <a:lnB w="12700" cap="flat" cmpd="sng" algn="ctr">
+                      <a:solidFill>
+                        <a:schemeClr val="tx1"/>
+                      </a:solidFill>
+                      <a:prstDash val="solid"/>
+                      <a:round/>
+                      <a:headEnd type="none" w="med" len="med"/>
+                      <a:tailEnd type="none" w="med" len="med"/>
+                    </a:lnB>
+                  </a:tcPr>
                 </a:tc>
                 <a:extLst>
                   <a:ext uri="{0D108BD9-81ED-4DB2-BD59-A6C34878D82A}">
@@ -5834,80 +6145,406 @@
                     <a:bodyPr/>
                     <a:lstStyle/>
                     <a:p>
-                      <a:endParaRPr lang="en-US" dirty="0"/>
-                    </a:p>
-                  </a:txBody>
-                  <a:tcPr/>
-                </a:tc>
-                <a:tc>
-                  <a:txBody>
-                    <a:bodyPr/>
-                    <a:lstStyle/>
-                    <a:p>
-                      <a:endParaRPr lang="en-US"/>
-                    </a:p>
-                  </a:txBody>
-                  <a:tcPr/>
-                </a:tc>
-                <a:tc>
-                  <a:txBody>
-                    <a:bodyPr/>
-                    <a:lstStyle/>
-                    <a:p>
-                      <a:endParaRPr lang="en-US"/>
-                    </a:p>
-                  </a:txBody>
-                  <a:tcPr/>
-                </a:tc>
-                <a:tc>
-                  <a:txBody>
-                    <a:bodyPr/>
-                    <a:lstStyle/>
-                    <a:p>
-                      <a:endParaRPr lang="en-US"/>
-                    </a:p>
-                  </a:txBody>
-                  <a:tcPr/>
-                </a:tc>
-                <a:tc>
-                  <a:txBody>
-                    <a:bodyPr/>
-                    <a:lstStyle/>
-                    <a:p>
-                      <a:endParaRPr lang="en-US"/>
-                    </a:p>
-                  </a:txBody>
-                  <a:tcPr/>
-                </a:tc>
-                <a:tc>
-                  <a:txBody>
-                    <a:bodyPr/>
-                    <a:lstStyle/>
-                    <a:p>
-                      <a:endParaRPr lang="en-US"/>
-                    </a:p>
-                  </a:txBody>
-                  <a:tcPr/>
-                </a:tc>
-                <a:tc>
-                  <a:txBody>
-                    <a:bodyPr/>
-                    <a:lstStyle/>
-                    <a:p>
-                      <a:endParaRPr lang="en-US"/>
-                    </a:p>
-                  </a:txBody>
-                  <a:tcPr/>
-                </a:tc>
-                <a:tc>
-                  <a:txBody>
-                    <a:bodyPr/>
-                    <a:lstStyle/>
-                    <a:p>
-                      <a:endParaRPr lang="en-US" dirty="0"/>
-                    </a:p>
-                  </a:txBody>
-                  <a:tcPr/>
+                      <a:endParaRPr lang="en-US" dirty="0">
+                        <a:solidFill>
+                          <a:srgbClr val="0070C0"/>
+                        </a:solidFill>
+                      </a:endParaRPr>
+                    </a:p>
+                  </a:txBody>
+                  <a:tcPr>
+                    <a:lnL w="12700" cap="flat" cmpd="sng" algn="ctr">
+                      <a:noFill/>
+                      <a:prstDash val="solid"/>
+                      <a:round/>
+                      <a:headEnd type="none" w="med" len="med"/>
+                      <a:tailEnd type="none" w="med" len="med"/>
+                    </a:lnL>
+                    <a:lnR w="12700" cap="flat" cmpd="sng" algn="ctr">
+                      <a:solidFill>
+                        <a:schemeClr val="tx1"/>
+                      </a:solidFill>
+                      <a:prstDash val="solid"/>
+                      <a:round/>
+                      <a:headEnd type="none" w="med" len="med"/>
+                      <a:tailEnd type="none" w="med" len="med"/>
+                    </a:lnR>
+                    <a:lnT w="12700" cap="flat" cmpd="sng" algn="ctr">
+                      <a:solidFill>
+                        <a:schemeClr val="tx1"/>
+                      </a:solidFill>
+                      <a:prstDash val="solid"/>
+                      <a:round/>
+                      <a:headEnd type="none" w="med" len="med"/>
+                      <a:tailEnd type="none" w="med" len="med"/>
+                    </a:lnT>
+                    <a:lnB w="12700" cap="flat" cmpd="sng" algn="ctr">
+                      <a:solidFill>
+                        <a:schemeClr val="tx1"/>
+                      </a:solidFill>
+                      <a:prstDash val="solid"/>
+                      <a:round/>
+                      <a:headEnd type="none" w="med" len="med"/>
+                      <a:tailEnd type="none" w="med" len="med"/>
+                    </a:lnB>
+                  </a:tcPr>
+                </a:tc>
+                <a:tc>
+                  <a:txBody>
+                    <a:bodyPr/>
+                    <a:lstStyle/>
+                    <a:p>
+                      <a:endParaRPr lang="en-US" dirty="0">
+                        <a:solidFill>
+                          <a:srgbClr val="0070C0"/>
+                        </a:solidFill>
+                      </a:endParaRPr>
+                    </a:p>
+                  </a:txBody>
+                  <a:tcPr>
+                    <a:lnL w="12700" cap="flat" cmpd="sng" algn="ctr">
+                      <a:solidFill>
+                        <a:schemeClr val="tx1"/>
+                      </a:solidFill>
+                      <a:prstDash val="solid"/>
+                      <a:round/>
+                      <a:headEnd type="none" w="med" len="med"/>
+                      <a:tailEnd type="none" w="med" len="med"/>
+                    </a:lnL>
+                    <a:lnR w="12700" cap="flat" cmpd="sng" algn="ctr">
+                      <a:solidFill>
+                        <a:schemeClr val="tx1"/>
+                      </a:solidFill>
+                      <a:prstDash val="solid"/>
+                      <a:round/>
+                      <a:headEnd type="none" w="med" len="med"/>
+                      <a:tailEnd type="none" w="med" len="med"/>
+                    </a:lnR>
+                    <a:lnT w="12700" cap="flat" cmpd="sng" algn="ctr">
+                      <a:solidFill>
+                        <a:schemeClr val="tx1"/>
+                      </a:solidFill>
+                      <a:prstDash val="solid"/>
+                      <a:round/>
+                      <a:headEnd type="none" w="med" len="med"/>
+                      <a:tailEnd type="none" w="med" len="med"/>
+                    </a:lnT>
+                    <a:lnB w="12700" cap="flat" cmpd="sng" algn="ctr">
+                      <a:solidFill>
+                        <a:schemeClr val="tx1"/>
+                      </a:solidFill>
+                      <a:prstDash val="solid"/>
+                      <a:round/>
+                      <a:headEnd type="none" w="med" len="med"/>
+                      <a:tailEnd type="none" w="med" len="med"/>
+                    </a:lnB>
+                  </a:tcPr>
+                </a:tc>
+                <a:tc>
+                  <a:txBody>
+                    <a:bodyPr/>
+                    <a:lstStyle/>
+                    <a:p>
+                      <a:endParaRPr lang="en-US" dirty="0">
+                        <a:solidFill>
+                          <a:srgbClr val="0070C0"/>
+                        </a:solidFill>
+                      </a:endParaRPr>
+                    </a:p>
+                  </a:txBody>
+                  <a:tcPr>
+                    <a:lnL w="12700" cap="flat" cmpd="sng" algn="ctr">
+                      <a:solidFill>
+                        <a:schemeClr val="tx1"/>
+                      </a:solidFill>
+                      <a:prstDash val="solid"/>
+                      <a:round/>
+                      <a:headEnd type="none" w="med" len="med"/>
+                      <a:tailEnd type="none" w="med" len="med"/>
+                    </a:lnL>
+                    <a:lnR w="12700" cap="flat" cmpd="sng" algn="ctr">
+                      <a:solidFill>
+                        <a:schemeClr val="tx1"/>
+                      </a:solidFill>
+                      <a:prstDash val="solid"/>
+                      <a:round/>
+                      <a:headEnd type="none" w="med" len="med"/>
+                      <a:tailEnd type="none" w="med" len="med"/>
+                    </a:lnR>
+                    <a:lnT w="12700" cap="flat" cmpd="sng" algn="ctr">
+                      <a:solidFill>
+                        <a:schemeClr val="tx1"/>
+                      </a:solidFill>
+                      <a:prstDash val="solid"/>
+                      <a:round/>
+                      <a:headEnd type="none" w="med" len="med"/>
+                      <a:tailEnd type="none" w="med" len="med"/>
+                    </a:lnT>
+                    <a:lnB w="12700" cap="flat" cmpd="sng" algn="ctr">
+                      <a:solidFill>
+                        <a:schemeClr val="tx1"/>
+                      </a:solidFill>
+                      <a:prstDash val="solid"/>
+                      <a:round/>
+                      <a:headEnd type="none" w="med" len="med"/>
+                      <a:tailEnd type="none" w="med" len="med"/>
+                    </a:lnB>
+                  </a:tcPr>
+                </a:tc>
+                <a:tc>
+                  <a:txBody>
+                    <a:bodyPr/>
+                    <a:lstStyle/>
+                    <a:p>
+                      <a:endParaRPr lang="en-US">
+                        <a:solidFill>
+                          <a:srgbClr val="0070C0"/>
+                        </a:solidFill>
+                      </a:endParaRPr>
+                    </a:p>
+                  </a:txBody>
+                  <a:tcPr>
+                    <a:lnL w="12700" cap="flat" cmpd="sng" algn="ctr">
+                      <a:solidFill>
+                        <a:schemeClr val="tx1"/>
+                      </a:solidFill>
+                      <a:prstDash val="solid"/>
+                      <a:round/>
+                      <a:headEnd type="none" w="med" len="med"/>
+                      <a:tailEnd type="none" w="med" len="med"/>
+                    </a:lnL>
+                    <a:lnR w="12700" cap="flat" cmpd="sng" algn="ctr">
+                      <a:solidFill>
+                        <a:schemeClr val="tx1"/>
+                      </a:solidFill>
+                      <a:prstDash val="solid"/>
+                      <a:round/>
+                      <a:headEnd type="none" w="med" len="med"/>
+                      <a:tailEnd type="none" w="med" len="med"/>
+                    </a:lnR>
+                    <a:lnT w="12700" cap="flat" cmpd="sng" algn="ctr">
+                      <a:solidFill>
+                        <a:schemeClr val="tx1"/>
+                      </a:solidFill>
+                      <a:prstDash val="solid"/>
+                      <a:round/>
+                      <a:headEnd type="none" w="med" len="med"/>
+                      <a:tailEnd type="none" w="med" len="med"/>
+                    </a:lnT>
+                    <a:lnB w="12700" cap="flat" cmpd="sng" algn="ctr">
+                      <a:solidFill>
+                        <a:schemeClr val="tx1"/>
+                      </a:solidFill>
+                      <a:prstDash val="solid"/>
+                      <a:round/>
+                      <a:headEnd type="none" w="med" len="med"/>
+                      <a:tailEnd type="none" w="med" len="med"/>
+                    </a:lnB>
+                  </a:tcPr>
+                </a:tc>
+                <a:tc>
+                  <a:txBody>
+                    <a:bodyPr/>
+                    <a:lstStyle/>
+                    <a:p>
+                      <a:endParaRPr lang="en-US">
+                        <a:solidFill>
+                          <a:srgbClr val="0070C0"/>
+                        </a:solidFill>
+                      </a:endParaRPr>
+                    </a:p>
+                  </a:txBody>
+                  <a:tcPr>
+                    <a:lnL w="12700" cap="flat" cmpd="sng" algn="ctr">
+                      <a:solidFill>
+                        <a:schemeClr val="tx1"/>
+                      </a:solidFill>
+                      <a:prstDash val="solid"/>
+                      <a:round/>
+                      <a:headEnd type="none" w="med" len="med"/>
+                      <a:tailEnd type="none" w="med" len="med"/>
+                    </a:lnL>
+                    <a:lnR w="12700" cap="flat" cmpd="sng" algn="ctr">
+                      <a:solidFill>
+                        <a:schemeClr val="tx1"/>
+                      </a:solidFill>
+                      <a:prstDash val="solid"/>
+                      <a:round/>
+                      <a:headEnd type="none" w="med" len="med"/>
+                      <a:tailEnd type="none" w="med" len="med"/>
+                    </a:lnR>
+                    <a:lnT w="12700" cap="flat" cmpd="sng" algn="ctr">
+                      <a:solidFill>
+                        <a:schemeClr val="tx1"/>
+                      </a:solidFill>
+                      <a:prstDash val="solid"/>
+                      <a:round/>
+                      <a:headEnd type="none" w="med" len="med"/>
+                      <a:tailEnd type="none" w="med" len="med"/>
+                    </a:lnT>
+                    <a:lnB w="12700" cap="flat" cmpd="sng" algn="ctr">
+                      <a:solidFill>
+                        <a:schemeClr val="tx1"/>
+                      </a:solidFill>
+                      <a:prstDash val="solid"/>
+                      <a:round/>
+                      <a:headEnd type="none" w="med" len="med"/>
+                      <a:tailEnd type="none" w="med" len="med"/>
+                    </a:lnB>
+                  </a:tcPr>
+                </a:tc>
+                <a:tc>
+                  <a:txBody>
+                    <a:bodyPr/>
+                    <a:lstStyle/>
+                    <a:p>
+                      <a:endParaRPr lang="en-US">
+                        <a:solidFill>
+                          <a:srgbClr val="0070C0"/>
+                        </a:solidFill>
+                      </a:endParaRPr>
+                    </a:p>
+                  </a:txBody>
+                  <a:tcPr>
+                    <a:lnL w="12700" cap="flat" cmpd="sng" algn="ctr">
+                      <a:solidFill>
+                        <a:schemeClr val="tx1"/>
+                      </a:solidFill>
+                      <a:prstDash val="solid"/>
+                      <a:round/>
+                      <a:headEnd type="none" w="med" len="med"/>
+                      <a:tailEnd type="none" w="med" len="med"/>
+                    </a:lnL>
+                    <a:lnR w="12700" cap="flat" cmpd="sng" algn="ctr">
+                      <a:solidFill>
+                        <a:schemeClr val="tx1"/>
+                      </a:solidFill>
+                      <a:prstDash val="solid"/>
+                      <a:round/>
+                      <a:headEnd type="none" w="med" len="med"/>
+                      <a:tailEnd type="none" w="med" len="med"/>
+                    </a:lnR>
+                    <a:lnT w="12700" cap="flat" cmpd="sng" algn="ctr">
+                      <a:solidFill>
+                        <a:schemeClr val="tx1"/>
+                      </a:solidFill>
+                      <a:prstDash val="solid"/>
+                      <a:round/>
+                      <a:headEnd type="none" w="med" len="med"/>
+                      <a:tailEnd type="none" w="med" len="med"/>
+                    </a:lnT>
+                    <a:lnB w="12700" cap="flat" cmpd="sng" algn="ctr">
+                      <a:solidFill>
+                        <a:schemeClr val="tx1"/>
+                      </a:solidFill>
+                      <a:prstDash val="solid"/>
+                      <a:round/>
+                      <a:headEnd type="none" w="med" len="med"/>
+                      <a:tailEnd type="none" w="med" len="med"/>
+                    </a:lnB>
+                  </a:tcPr>
+                </a:tc>
+                <a:tc>
+                  <a:txBody>
+                    <a:bodyPr/>
+                    <a:lstStyle/>
+                    <a:p>
+                      <a:endParaRPr lang="en-US">
+                        <a:solidFill>
+                          <a:srgbClr val="0070C0"/>
+                        </a:solidFill>
+                      </a:endParaRPr>
+                    </a:p>
+                  </a:txBody>
+                  <a:tcPr>
+                    <a:lnL w="12700" cap="flat" cmpd="sng" algn="ctr">
+                      <a:solidFill>
+                        <a:schemeClr val="tx1"/>
+                      </a:solidFill>
+                      <a:prstDash val="solid"/>
+                      <a:round/>
+                      <a:headEnd type="none" w="med" len="med"/>
+                      <a:tailEnd type="none" w="med" len="med"/>
+                    </a:lnL>
+                    <a:lnR w="12700" cap="flat" cmpd="sng" algn="ctr">
+                      <a:solidFill>
+                        <a:schemeClr val="tx1"/>
+                      </a:solidFill>
+                      <a:prstDash val="solid"/>
+                      <a:round/>
+                      <a:headEnd type="none" w="med" len="med"/>
+                      <a:tailEnd type="none" w="med" len="med"/>
+                    </a:lnR>
+                    <a:lnT w="12700" cap="flat" cmpd="sng" algn="ctr">
+                      <a:solidFill>
+                        <a:schemeClr val="tx1"/>
+                      </a:solidFill>
+                      <a:prstDash val="solid"/>
+                      <a:round/>
+                      <a:headEnd type="none" w="med" len="med"/>
+                      <a:tailEnd type="none" w="med" len="med"/>
+                    </a:lnT>
+                    <a:lnB w="12700" cap="flat" cmpd="sng" algn="ctr">
+                      <a:solidFill>
+                        <a:schemeClr val="tx1"/>
+                      </a:solidFill>
+                      <a:prstDash val="solid"/>
+                      <a:round/>
+                      <a:headEnd type="none" w="med" len="med"/>
+                      <a:tailEnd type="none" w="med" len="med"/>
+                    </a:lnB>
+                  </a:tcPr>
+                </a:tc>
+                <a:tc>
+                  <a:txBody>
+                    <a:bodyPr/>
+                    <a:lstStyle/>
+                    <a:p>
+                      <a:endParaRPr lang="en-US" dirty="0">
+                        <a:solidFill>
+                          <a:srgbClr val="0070C0"/>
+                        </a:solidFill>
+                      </a:endParaRPr>
+                    </a:p>
+                  </a:txBody>
+                  <a:tcPr>
+                    <a:lnL w="12700" cap="flat" cmpd="sng" algn="ctr">
+                      <a:solidFill>
+                        <a:schemeClr val="tx1"/>
+                      </a:solidFill>
+                      <a:prstDash val="solid"/>
+                      <a:round/>
+                      <a:headEnd type="none" w="med" len="med"/>
+                      <a:tailEnd type="none" w="med" len="med"/>
+                    </a:lnL>
+                    <a:lnR w="12700" cap="flat" cmpd="sng" algn="ctr">
+                      <a:solidFill>
+                        <a:schemeClr val="tx1"/>
+                      </a:solidFill>
+                      <a:prstDash val="solid"/>
+                      <a:round/>
+                      <a:headEnd type="none" w="med" len="med"/>
+                      <a:tailEnd type="none" w="med" len="med"/>
+                    </a:lnR>
+                    <a:lnT w="12700" cap="flat" cmpd="sng" algn="ctr">
+                      <a:solidFill>
+                        <a:schemeClr val="tx1"/>
+                      </a:solidFill>
+                      <a:prstDash val="solid"/>
+                      <a:round/>
+                      <a:headEnd type="none" w="med" len="med"/>
+                      <a:tailEnd type="none" w="med" len="med"/>
+                    </a:lnT>
+                    <a:lnB w="12700" cap="flat" cmpd="sng" algn="ctr">
+                      <a:solidFill>
+                        <a:schemeClr val="tx1"/>
+                      </a:solidFill>
+                      <a:prstDash val="solid"/>
+                      <a:round/>
+                      <a:headEnd type="none" w="med" len="med"/>
+                      <a:tailEnd type="none" w="med" len="med"/>
+                    </a:lnB>
+                  </a:tcPr>
                 </a:tc>
                 <a:tc>
                   <a:txBody>
@@ -5915,12 +6552,51 @@
                     <a:lstStyle/>
                     <a:p>
                       <a:r>
-                        <a:rPr lang="en-US" dirty="0"/>
+                        <a:rPr lang="en-US" dirty="0">
+                          <a:solidFill>
+                            <a:srgbClr val="0070C0"/>
+                          </a:solidFill>
+                        </a:rPr>
                         <a:t>0</a:t>
                       </a:r>
                     </a:p>
                   </a:txBody>
-                  <a:tcPr/>
+                  <a:tcPr>
+                    <a:lnL w="12700" cap="flat" cmpd="sng" algn="ctr">
+                      <a:solidFill>
+                        <a:schemeClr val="tx1"/>
+                      </a:solidFill>
+                      <a:prstDash val="solid"/>
+                      <a:round/>
+                      <a:headEnd type="none" w="med" len="med"/>
+                      <a:tailEnd type="none" w="med" len="med"/>
+                    </a:lnL>
+                    <a:lnR w="12700" cap="flat" cmpd="sng" algn="ctr">
+                      <a:noFill/>
+                      <a:prstDash val="solid"/>
+                      <a:round/>
+                      <a:headEnd type="none" w="med" len="med"/>
+                      <a:tailEnd type="none" w="med" len="med"/>
+                    </a:lnR>
+                    <a:lnT w="12700" cap="flat" cmpd="sng" algn="ctr">
+                      <a:solidFill>
+                        <a:schemeClr val="tx1"/>
+                      </a:solidFill>
+                      <a:prstDash val="solid"/>
+                      <a:round/>
+                      <a:headEnd type="none" w="med" len="med"/>
+                      <a:tailEnd type="none" w="med" len="med"/>
+                    </a:lnT>
+                    <a:lnB w="12700" cap="flat" cmpd="sng" algn="ctr">
+                      <a:solidFill>
+                        <a:schemeClr val="tx1"/>
+                      </a:solidFill>
+                      <a:prstDash val="solid"/>
+                      <a:round/>
+                      <a:headEnd type="none" w="med" len="med"/>
+                      <a:tailEnd type="none" w="med" len="med"/>
+                    </a:lnB>
+                  </a:tcPr>
                 </a:tc>
                 <a:extLst>
                   <a:ext uri="{0D108BD9-81ED-4DB2-BD59-A6C34878D82A}">
@@ -5934,80 +6610,406 @@
                     <a:bodyPr/>
                     <a:lstStyle/>
                     <a:p>
-                      <a:endParaRPr lang="en-US" dirty="0"/>
-                    </a:p>
-                  </a:txBody>
-                  <a:tcPr/>
-                </a:tc>
-                <a:tc>
-                  <a:txBody>
-                    <a:bodyPr/>
-                    <a:lstStyle/>
-                    <a:p>
-                      <a:endParaRPr lang="en-US" dirty="0"/>
-                    </a:p>
-                  </a:txBody>
-                  <a:tcPr/>
-                </a:tc>
-                <a:tc>
-                  <a:txBody>
-                    <a:bodyPr/>
-                    <a:lstStyle/>
-                    <a:p>
-                      <a:endParaRPr lang="en-US" dirty="0"/>
-                    </a:p>
-                  </a:txBody>
-                  <a:tcPr/>
-                </a:tc>
-                <a:tc>
-                  <a:txBody>
-                    <a:bodyPr/>
-                    <a:lstStyle/>
-                    <a:p>
-                      <a:endParaRPr lang="en-US" dirty="0"/>
-                    </a:p>
-                  </a:txBody>
-                  <a:tcPr/>
-                </a:tc>
-                <a:tc>
-                  <a:txBody>
-                    <a:bodyPr/>
-                    <a:lstStyle/>
-                    <a:p>
-                      <a:endParaRPr lang="en-US" dirty="0"/>
-                    </a:p>
-                  </a:txBody>
-                  <a:tcPr/>
-                </a:tc>
-                <a:tc>
-                  <a:txBody>
-                    <a:bodyPr/>
-                    <a:lstStyle/>
-                    <a:p>
-                      <a:endParaRPr lang="en-US" dirty="0"/>
-                    </a:p>
-                  </a:txBody>
-                  <a:tcPr/>
-                </a:tc>
-                <a:tc>
-                  <a:txBody>
-                    <a:bodyPr/>
-                    <a:lstStyle/>
-                    <a:p>
-                      <a:endParaRPr lang="en-US" dirty="0"/>
-                    </a:p>
-                  </a:txBody>
-                  <a:tcPr/>
-                </a:tc>
-                <a:tc>
-                  <a:txBody>
-                    <a:bodyPr/>
-                    <a:lstStyle/>
-                    <a:p>
-                      <a:endParaRPr lang="en-US" dirty="0"/>
-                    </a:p>
-                  </a:txBody>
-                  <a:tcPr/>
+                      <a:endParaRPr lang="en-US" dirty="0">
+                        <a:solidFill>
+                          <a:srgbClr val="0070C0"/>
+                        </a:solidFill>
+                      </a:endParaRPr>
+                    </a:p>
+                  </a:txBody>
+                  <a:tcPr>
+                    <a:lnL w="12700" cap="flat" cmpd="sng" algn="ctr">
+                      <a:noFill/>
+                      <a:prstDash val="solid"/>
+                      <a:round/>
+                      <a:headEnd type="none" w="med" len="med"/>
+                      <a:tailEnd type="none" w="med" len="med"/>
+                    </a:lnL>
+                    <a:lnR w="12700" cap="flat" cmpd="sng" algn="ctr">
+                      <a:solidFill>
+                        <a:schemeClr val="tx1"/>
+                      </a:solidFill>
+                      <a:prstDash val="solid"/>
+                      <a:round/>
+                      <a:headEnd type="none" w="med" len="med"/>
+                      <a:tailEnd type="none" w="med" len="med"/>
+                    </a:lnR>
+                    <a:lnT w="12700" cap="flat" cmpd="sng" algn="ctr">
+                      <a:solidFill>
+                        <a:schemeClr val="tx1"/>
+                      </a:solidFill>
+                      <a:prstDash val="solid"/>
+                      <a:round/>
+                      <a:headEnd type="none" w="med" len="med"/>
+                      <a:tailEnd type="none" w="med" len="med"/>
+                    </a:lnT>
+                    <a:lnB w="12700" cap="flat" cmpd="sng" algn="ctr">
+                      <a:solidFill>
+                        <a:schemeClr val="tx1"/>
+                      </a:solidFill>
+                      <a:prstDash val="solid"/>
+                      <a:round/>
+                      <a:headEnd type="none" w="med" len="med"/>
+                      <a:tailEnd type="none" w="med" len="med"/>
+                    </a:lnB>
+                  </a:tcPr>
+                </a:tc>
+                <a:tc>
+                  <a:txBody>
+                    <a:bodyPr/>
+                    <a:lstStyle/>
+                    <a:p>
+                      <a:endParaRPr lang="en-US" dirty="0">
+                        <a:solidFill>
+                          <a:srgbClr val="0070C0"/>
+                        </a:solidFill>
+                      </a:endParaRPr>
+                    </a:p>
+                  </a:txBody>
+                  <a:tcPr>
+                    <a:lnL w="12700" cap="flat" cmpd="sng" algn="ctr">
+                      <a:solidFill>
+                        <a:schemeClr val="tx1"/>
+                      </a:solidFill>
+                      <a:prstDash val="solid"/>
+                      <a:round/>
+                      <a:headEnd type="none" w="med" len="med"/>
+                      <a:tailEnd type="none" w="med" len="med"/>
+                    </a:lnL>
+                    <a:lnR w="12700" cap="flat" cmpd="sng" algn="ctr">
+                      <a:solidFill>
+                        <a:schemeClr val="tx1"/>
+                      </a:solidFill>
+                      <a:prstDash val="solid"/>
+                      <a:round/>
+                      <a:headEnd type="none" w="med" len="med"/>
+                      <a:tailEnd type="none" w="med" len="med"/>
+                    </a:lnR>
+                    <a:lnT w="12700" cap="flat" cmpd="sng" algn="ctr">
+                      <a:solidFill>
+                        <a:schemeClr val="tx1"/>
+                      </a:solidFill>
+                      <a:prstDash val="solid"/>
+                      <a:round/>
+                      <a:headEnd type="none" w="med" len="med"/>
+                      <a:tailEnd type="none" w="med" len="med"/>
+                    </a:lnT>
+                    <a:lnB w="12700" cap="flat" cmpd="sng" algn="ctr">
+                      <a:solidFill>
+                        <a:schemeClr val="tx1"/>
+                      </a:solidFill>
+                      <a:prstDash val="solid"/>
+                      <a:round/>
+                      <a:headEnd type="none" w="med" len="med"/>
+                      <a:tailEnd type="none" w="med" len="med"/>
+                    </a:lnB>
+                  </a:tcPr>
+                </a:tc>
+                <a:tc>
+                  <a:txBody>
+                    <a:bodyPr/>
+                    <a:lstStyle/>
+                    <a:p>
+                      <a:endParaRPr lang="en-US" dirty="0">
+                        <a:solidFill>
+                          <a:srgbClr val="0070C0"/>
+                        </a:solidFill>
+                      </a:endParaRPr>
+                    </a:p>
+                  </a:txBody>
+                  <a:tcPr>
+                    <a:lnL w="12700" cap="flat" cmpd="sng" algn="ctr">
+                      <a:solidFill>
+                        <a:schemeClr val="tx1"/>
+                      </a:solidFill>
+                      <a:prstDash val="solid"/>
+                      <a:round/>
+                      <a:headEnd type="none" w="med" len="med"/>
+                      <a:tailEnd type="none" w="med" len="med"/>
+                    </a:lnL>
+                    <a:lnR w="12700" cap="flat" cmpd="sng" algn="ctr">
+                      <a:solidFill>
+                        <a:schemeClr val="tx1"/>
+                      </a:solidFill>
+                      <a:prstDash val="solid"/>
+                      <a:round/>
+                      <a:headEnd type="none" w="med" len="med"/>
+                      <a:tailEnd type="none" w="med" len="med"/>
+                    </a:lnR>
+                    <a:lnT w="12700" cap="flat" cmpd="sng" algn="ctr">
+                      <a:solidFill>
+                        <a:schemeClr val="tx1"/>
+                      </a:solidFill>
+                      <a:prstDash val="solid"/>
+                      <a:round/>
+                      <a:headEnd type="none" w="med" len="med"/>
+                      <a:tailEnd type="none" w="med" len="med"/>
+                    </a:lnT>
+                    <a:lnB w="12700" cap="flat" cmpd="sng" algn="ctr">
+                      <a:solidFill>
+                        <a:schemeClr val="tx1"/>
+                      </a:solidFill>
+                      <a:prstDash val="solid"/>
+                      <a:round/>
+                      <a:headEnd type="none" w="med" len="med"/>
+                      <a:tailEnd type="none" w="med" len="med"/>
+                    </a:lnB>
+                  </a:tcPr>
+                </a:tc>
+                <a:tc>
+                  <a:txBody>
+                    <a:bodyPr/>
+                    <a:lstStyle/>
+                    <a:p>
+                      <a:endParaRPr lang="en-US" dirty="0">
+                        <a:solidFill>
+                          <a:srgbClr val="0070C0"/>
+                        </a:solidFill>
+                      </a:endParaRPr>
+                    </a:p>
+                  </a:txBody>
+                  <a:tcPr>
+                    <a:lnL w="12700" cap="flat" cmpd="sng" algn="ctr">
+                      <a:solidFill>
+                        <a:schemeClr val="tx1"/>
+                      </a:solidFill>
+                      <a:prstDash val="solid"/>
+                      <a:round/>
+                      <a:headEnd type="none" w="med" len="med"/>
+                      <a:tailEnd type="none" w="med" len="med"/>
+                    </a:lnL>
+                    <a:lnR w="12700" cap="flat" cmpd="sng" algn="ctr">
+                      <a:solidFill>
+                        <a:schemeClr val="tx1"/>
+                      </a:solidFill>
+                      <a:prstDash val="solid"/>
+                      <a:round/>
+                      <a:headEnd type="none" w="med" len="med"/>
+                      <a:tailEnd type="none" w="med" len="med"/>
+                    </a:lnR>
+                    <a:lnT w="12700" cap="flat" cmpd="sng" algn="ctr">
+                      <a:solidFill>
+                        <a:schemeClr val="tx1"/>
+                      </a:solidFill>
+                      <a:prstDash val="solid"/>
+                      <a:round/>
+                      <a:headEnd type="none" w="med" len="med"/>
+                      <a:tailEnd type="none" w="med" len="med"/>
+                    </a:lnT>
+                    <a:lnB w="12700" cap="flat" cmpd="sng" algn="ctr">
+                      <a:solidFill>
+                        <a:schemeClr val="tx1"/>
+                      </a:solidFill>
+                      <a:prstDash val="solid"/>
+                      <a:round/>
+                      <a:headEnd type="none" w="med" len="med"/>
+                      <a:tailEnd type="none" w="med" len="med"/>
+                    </a:lnB>
+                  </a:tcPr>
+                </a:tc>
+                <a:tc>
+                  <a:txBody>
+                    <a:bodyPr/>
+                    <a:lstStyle/>
+                    <a:p>
+                      <a:endParaRPr lang="en-US" dirty="0">
+                        <a:solidFill>
+                          <a:srgbClr val="0070C0"/>
+                        </a:solidFill>
+                      </a:endParaRPr>
+                    </a:p>
+                  </a:txBody>
+                  <a:tcPr>
+                    <a:lnL w="12700" cap="flat" cmpd="sng" algn="ctr">
+                      <a:solidFill>
+                        <a:schemeClr val="tx1"/>
+                      </a:solidFill>
+                      <a:prstDash val="solid"/>
+                      <a:round/>
+                      <a:headEnd type="none" w="med" len="med"/>
+                      <a:tailEnd type="none" w="med" len="med"/>
+                    </a:lnL>
+                    <a:lnR w="12700" cap="flat" cmpd="sng" algn="ctr">
+                      <a:solidFill>
+                        <a:schemeClr val="tx1"/>
+                      </a:solidFill>
+                      <a:prstDash val="solid"/>
+                      <a:round/>
+                      <a:headEnd type="none" w="med" len="med"/>
+                      <a:tailEnd type="none" w="med" len="med"/>
+                    </a:lnR>
+                    <a:lnT w="12700" cap="flat" cmpd="sng" algn="ctr">
+                      <a:solidFill>
+                        <a:schemeClr val="tx1"/>
+                      </a:solidFill>
+                      <a:prstDash val="solid"/>
+                      <a:round/>
+                      <a:headEnd type="none" w="med" len="med"/>
+                      <a:tailEnd type="none" w="med" len="med"/>
+                    </a:lnT>
+                    <a:lnB w="12700" cap="flat" cmpd="sng" algn="ctr">
+                      <a:solidFill>
+                        <a:schemeClr val="tx1"/>
+                      </a:solidFill>
+                      <a:prstDash val="solid"/>
+                      <a:round/>
+                      <a:headEnd type="none" w="med" len="med"/>
+                      <a:tailEnd type="none" w="med" len="med"/>
+                    </a:lnB>
+                  </a:tcPr>
+                </a:tc>
+                <a:tc>
+                  <a:txBody>
+                    <a:bodyPr/>
+                    <a:lstStyle/>
+                    <a:p>
+                      <a:endParaRPr lang="en-US" dirty="0">
+                        <a:solidFill>
+                          <a:srgbClr val="0070C0"/>
+                        </a:solidFill>
+                      </a:endParaRPr>
+                    </a:p>
+                  </a:txBody>
+                  <a:tcPr>
+                    <a:lnL w="12700" cap="flat" cmpd="sng" algn="ctr">
+                      <a:solidFill>
+                        <a:schemeClr val="tx1"/>
+                      </a:solidFill>
+                      <a:prstDash val="solid"/>
+                      <a:round/>
+                      <a:headEnd type="none" w="med" len="med"/>
+                      <a:tailEnd type="none" w="med" len="med"/>
+                    </a:lnL>
+                    <a:lnR w="12700" cap="flat" cmpd="sng" algn="ctr">
+                      <a:solidFill>
+                        <a:schemeClr val="tx1"/>
+                      </a:solidFill>
+                      <a:prstDash val="solid"/>
+                      <a:round/>
+                      <a:headEnd type="none" w="med" len="med"/>
+                      <a:tailEnd type="none" w="med" len="med"/>
+                    </a:lnR>
+                    <a:lnT w="12700" cap="flat" cmpd="sng" algn="ctr">
+                      <a:solidFill>
+                        <a:schemeClr val="tx1"/>
+                      </a:solidFill>
+                      <a:prstDash val="solid"/>
+                      <a:round/>
+                      <a:headEnd type="none" w="med" len="med"/>
+                      <a:tailEnd type="none" w="med" len="med"/>
+                    </a:lnT>
+                    <a:lnB w="12700" cap="flat" cmpd="sng" algn="ctr">
+                      <a:solidFill>
+                        <a:schemeClr val="tx1"/>
+                      </a:solidFill>
+                      <a:prstDash val="solid"/>
+                      <a:round/>
+                      <a:headEnd type="none" w="med" len="med"/>
+                      <a:tailEnd type="none" w="med" len="med"/>
+                    </a:lnB>
+                  </a:tcPr>
+                </a:tc>
+                <a:tc>
+                  <a:txBody>
+                    <a:bodyPr/>
+                    <a:lstStyle/>
+                    <a:p>
+                      <a:endParaRPr lang="en-US" dirty="0">
+                        <a:solidFill>
+                          <a:srgbClr val="0070C0"/>
+                        </a:solidFill>
+                      </a:endParaRPr>
+                    </a:p>
+                  </a:txBody>
+                  <a:tcPr>
+                    <a:lnL w="12700" cap="flat" cmpd="sng" algn="ctr">
+                      <a:solidFill>
+                        <a:schemeClr val="tx1"/>
+                      </a:solidFill>
+                      <a:prstDash val="solid"/>
+                      <a:round/>
+                      <a:headEnd type="none" w="med" len="med"/>
+                      <a:tailEnd type="none" w="med" len="med"/>
+                    </a:lnL>
+                    <a:lnR w="12700" cap="flat" cmpd="sng" algn="ctr">
+                      <a:solidFill>
+                        <a:schemeClr val="tx1"/>
+                      </a:solidFill>
+                      <a:prstDash val="solid"/>
+                      <a:round/>
+                      <a:headEnd type="none" w="med" len="med"/>
+                      <a:tailEnd type="none" w="med" len="med"/>
+                    </a:lnR>
+                    <a:lnT w="12700" cap="flat" cmpd="sng" algn="ctr">
+                      <a:solidFill>
+                        <a:schemeClr val="tx1"/>
+                      </a:solidFill>
+                      <a:prstDash val="solid"/>
+                      <a:round/>
+                      <a:headEnd type="none" w="med" len="med"/>
+                      <a:tailEnd type="none" w="med" len="med"/>
+                    </a:lnT>
+                    <a:lnB w="12700" cap="flat" cmpd="sng" algn="ctr">
+                      <a:solidFill>
+                        <a:schemeClr val="tx1"/>
+                      </a:solidFill>
+                      <a:prstDash val="solid"/>
+                      <a:round/>
+                      <a:headEnd type="none" w="med" len="med"/>
+                      <a:tailEnd type="none" w="med" len="med"/>
+                    </a:lnB>
+                  </a:tcPr>
+                </a:tc>
+                <a:tc>
+                  <a:txBody>
+                    <a:bodyPr/>
+                    <a:lstStyle/>
+                    <a:p>
+                      <a:endParaRPr lang="en-US" dirty="0">
+                        <a:solidFill>
+                          <a:srgbClr val="0070C0"/>
+                        </a:solidFill>
+                      </a:endParaRPr>
+                    </a:p>
+                  </a:txBody>
+                  <a:tcPr>
+                    <a:lnL w="12700" cap="flat" cmpd="sng" algn="ctr">
+                      <a:solidFill>
+                        <a:schemeClr val="tx1"/>
+                      </a:solidFill>
+                      <a:prstDash val="solid"/>
+                      <a:round/>
+                      <a:headEnd type="none" w="med" len="med"/>
+                      <a:tailEnd type="none" w="med" len="med"/>
+                    </a:lnL>
+                    <a:lnR w="12700" cap="flat" cmpd="sng" algn="ctr">
+                      <a:solidFill>
+                        <a:schemeClr val="tx1"/>
+                      </a:solidFill>
+                      <a:prstDash val="solid"/>
+                      <a:round/>
+                      <a:headEnd type="none" w="med" len="med"/>
+                      <a:tailEnd type="none" w="med" len="med"/>
+                    </a:lnR>
+                    <a:lnT w="12700" cap="flat" cmpd="sng" algn="ctr">
+                      <a:solidFill>
+                        <a:schemeClr val="tx1"/>
+                      </a:solidFill>
+                      <a:prstDash val="solid"/>
+                      <a:round/>
+                      <a:headEnd type="none" w="med" len="med"/>
+                      <a:tailEnd type="none" w="med" len="med"/>
+                    </a:lnT>
+                    <a:lnB w="12700" cap="flat" cmpd="sng" algn="ctr">
+                      <a:solidFill>
+                        <a:schemeClr val="tx1"/>
+                      </a:solidFill>
+                      <a:prstDash val="solid"/>
+                      <a:round/>
+                      <a:headEnd type="none" w="med" len="med"/>
+                      <a:tailEnd type="none" w="med" len="med"/>
+                    </a:lnB>
+                  </a:tcPr>
                 </a:tc>
                 <a:tc>
                   <a:txBody>
@@ -6015,12 +7017,51 @@
                     <a:lstStyle/>
                     <a:p>
                       <a:r>
-                        <a:rPr lang="en-US" dirty="0"/>
+                        <a:rPr lang="en-US" dirty="0">
+                          <a:solidFill>
+                            <a:srgbClr val="0070C0"/>
+                          </a:solidFill>
+                        </a:rPr>
                         <a:t>1</a:t>
                       </a:r>
                     </a:p>
                   </a:txBody>
-                  <a:tcPr/>
+                  <a:tcPr>
+                    <a:lnL w="12700" cap="flat" cmpd="sng" algn="ctr">
+                      <a:solidFill>
+                        <a:schemeClr val="tx1"/>
+                      </a:solidFill>
+                      <a:prstDash val="solid"/>
+                      <a:round/>
+                      <a:headEnd type="none" w="med" len="med"/>
+                      <a:tailEnd type="none" w="med" len="med"/>
+                    </a:lnL>
+                    <a:lnR w="12700" cap="flat" cmpd="sng" algn="ctr">
+                      <a:noFill/>
+                      <a:prstDash val="solid"/>
+                      <a:round/>
+                      <a:headEnd type="none" w="med" len="med"/>
+                      <a:tailEnd type="none" w="med" len="med"/>
+                    </a:lnR>
+                    <a:lnT w="12700" cap="flat" cmpd="sng" algn="ctr">
+                      <a:solidFill>
+                        <a:schemeClr val="tx1"/>
+                      </a:solidFill>
+                      <a:prstDash val="solid"/>
+                      <a:round/>
+                      <a:headEnd type="none" w="med" len="med"/>
+                      <a:tailEnd type="none" w="med" len="med"/>
+                    </a:lnT>
+                    <a:lnB w="12700" cap="flat" cmpd="sng" algn="ctr">
+                      <a:solidFill>
+                        <a:schemeClr val="tx1"/>
+                      </a:solidFill>
+                      <a:prstDash val="solid"/>
+                      <a:round/>
+                      <a:headEnd type="none" w="med" len="med"/>
+                      <a:tailEnd type="none" w="med" len="med"/>
+                    </a:lnB>
+                  </a:tcPr>
                 </a:tc>
                 <a:extLst>
                   <a:ext uri="{0D108BD9-81ED-4DB2-BD59-A6C34878D82A}">
@@ -6034,80 +7075,406 @@
                     <a:bodyPr/>
                     <a:lstStyle/>
                     <a:p>
-                      <a:endParaRPr lang="en-US" dirty="0"/>
-                    </a:p>
-                  </a:txBody>
-                  <a:tcPr/>
-                </a:tc>
-                <a:tc>
-                  <a:txBody>
-                    <a:bodyPr/>
-                    <a:lstStyle/>
-                    <a:p>
-                      <a:endParaRPr lang="en-US" dirty="0"/>
-                    </a:p>
-                  </a:txBody>
-                  <a:tcPr/>
-                </a:tc>
-                <a:tc>
-                  <a:txBody>
-                    <a:bodyPr/>
-                    <a:lstStyle/>
-                    <a:p>
-                      <a:endParaRPr lang="en-US" dirty="0"/>
-                    </a:p>
-                  </a:txBody>
-                  <a:tcPr/>
-                </a:tc>
-                <a:tc>
-                  <a:txBody>
-                    <a:bodyPr/>
-                    <a:lstStyle/>
-                    <a:p>
-                      <a:endParaRPr lang="en-US" dirty="0"/>
-                    </a:p>
-                  </a:txBody>
-                  <a:tcPr/>
-                </a:tc>
-                <a:tc>
-                  <a:txBody>
-                    <a:bodyPr/>
-                    <a:lstStyle/>
-                    <a:p>
-                      <a:endParaRPr lang="en-US" dirty="0"/>
-                    </a:p>
-                  </a:txBody>
-                  <a:tcPr/>
-                </a:tc>
-                <a:tc>
-                  <a:txBody>
-                    <a:bodyPr/>
-                    <a:lstStyle/>
-                    <a:p>
-                      <a:endParaRPr lang="en-US" dirty="0"/>
-                    </a:p>
-                  </a:txBody>
-                  <a:tcPr/>
-                </a:tc>
-                <a:tc>
-                  <a:txBody>
-                    <a:bodyPr/>
-                    <a:lstStyle/>
-                    <a:p>
-                      <a:endParaRPr lang="en-US" dirty="0"/>
-                    </a:p>
-                  </a:txBody>
-                  <a:tcPr/>
-                </a:tc>
-                <a:tc>
-                  <a:txBody>
-                    <a:bodyPr/>
-                    <a:lstStyle/>
-                    <a:p>
-                      <a:endParaRPr lang="en-US" dirty="0"/>
-                    </a:p>
-                  </a:txBody>
-                  <a:tcPr/>
+                      <a:endParaRPr lang="en-US" dirty="0">
+                        <a:solidFill>
+                          <a:srgbClr val="0070C0"/>
+                        </a:solidFill>
+                      </a:endParaRPr>
+                    </a:p>
+                  </a:txBody>
+                  <a:tcPr>
+                    <a:lnL w="12700" cap="flat" cmpd="sng" algn="ctr">
+                      <a:noFill/>
+                      <a:prstDash val="solid"/>
+                      <a:round/>
+                      <a:headEnd type="none" w="med" len="med"/>
+                      <a:tailEnd type="none" w="med" len="med"/>
+                    </a:lnL>
+                    <a:lnR w="12700" cap="flat" cmpd="sng" algn="ctr">
+                      <a:solidFill>
+                        <a:schemeClr val="tx1"/>
+                      </a:solidFill>
+                      <a:prstDash val="solid"/>
+                      <a:round/>
+                      <a:headEnd type="none" w="med" len="med"/>
+                      <a:tailEnd type="none" w="med" len="med"/>
+                    </a:lnR>
+                    <a:lnT w="12700" cap="flat" cmpd="sng" algn="ctr">
+                      <a:solidFill>
+                        <a:schemeClr val="tx1"/>
+                      </a:solidFill>
+                      <a:prstDash val="solid"/>
+                      <a:round/>
+                      <a:headEnd type="none" w="med" len="med"/>
+                      <a:tailEnd type="none" w="med" len="med"/>
+                    </a:lnT>
+                    <a:lnB w="12700" cap="flat" cmpd="sng" algn="ctr">
+                      <a:solidFill>
+                        <a:schemeClr val="tx1"/>
+                      </a:solidFill>
+                      <a:prstDash val="solid"/>
+                      <a:round/>
+                      <a:headEnd type="none" w="med" len="med"/>
+                      <a:tailEnd type="none" w="med" len="med"/>
+                    </a:lnB>
+                  </a:tcPr>
+                </a:tc>
+                <a:tc>
+                  <a:txBody>
+                    <a:bodyPr/>
+                    <a:lstStyle/>
+                    <a:p>
+                      <a:endParaRPr lang="en-US" dirty="0">
+                        <a:solidFill>
+                          <a:srgbClr val="0070C0"/>
+                        </a:solidFill>
+                      </a:endParaRPr>
+                    </a:p>
+                  </a:txBody>
+                  <a:tcPr>
+                    <a:lnL w="12700" cap="flat" cmpd="sng" algn="ctr">
+                      <a:solidFill>
+                        <a:schemeClr val="tx1"/>
+                      </a:solidFill>
+                      <a:prstDash val="solid"/>
+                      <a:round/>
+                      <a:headEnd type="none" w="med" len="med"/>
+                      <a:tailEnd type="none" w="med" len="med"/>
+                    </a:lnL>
+                    <a:lnR w="12700" cap="flat" cmpd="sng" algn="ctr">
+                      <a:solidFill>
+                        <a:schemeClr val="tx1"/>
+                      </a:solidFill>
+                      <a:prstDash val="solid"/>
+                      <a:round/>
+                      <a:headEnd type="none" w="med" len="med"/>
+                      <a:tailEnd type="none" w="med" len="med"/>
+                    </a:lnR>
+                    <a:lnT w="12700" cap="flat" cmpd="sng" algn="ctr">
+                      <a:solidFill>
+                        <a:schemeClr val="tx1"/>
+                      </a:solidFill>
+                      <a:prstDash val="solid"/>
+                      <a:round/>
+                      <a:headEnd type="none" w="med" len="med"/>
+                      <a:tailEnd type="none" w="med" len="med"/>
+                    </a:lnT>
+                    <a:lnB w="12700" cap="flat" cmpd="sng" algn="ctr">
+                      <a:solidFill>
+                        <a:schemeClr val="tx1"/>
+                      </a:solidFill>
+                      <a:prstDash val="solid"/>
+                      <a:round/>
+                      <a:headEnd type="none" w="med" len="med"/>
+                      <a:tailEnd type="none" w="med" len="med"/>
+                    </a:lnB>
+                  </a:tcPr>
+                </a:tc>
+                <a:tc>
+                  <a:txBody>
+                    <a:bodyPr/>
+                    <a:lstStyle/>
+                    <a:p>
+                      <a:endParaRPr lang="en-US" dirty="0">
+                        <a:solidFill>
+                          <a:srgbClr val="0070C0"/>
+                        </a:solidFill>
+                      </a:endParaRPr>
+                    </a:p>
+                  </a:txBody>
+                  <a:tcPr>
+                    <a:lnL w="12700" cap="flat" cmpd="sng" algn="ctr">
+                      <a:solidFill>
+                        <a:schemeClr val="tx1"/>
+                      </a:solidFill>
+                      <a:prstDash val="solid"/>
+                      <a:round/>
+                      <a:headEnd type="none" w="med" len="med"/>
+                      <a:tailEnd type="none" w="med" len="med"/>
+                    </a:lnL>
+                    <a:lnR w="12700" cap="flat" cmpd="sng" algn="ctr">
+                      <a:solidFill>
+                        <a:schemeClr val="tx1"/>
+                      </a:solidFill>
+                      <a:prstDash val="solid"/>
+                      <a:round/>
+                      <a:headEnd type="none" w="med" len="med"/>
+                      <a:tailEnd type="none" w="med" len="med"/>
+                    </a:lnR>
+                    <a:lnT w="12700" cap="flat" cmpd="sng" algn="ctr">
+                      <a:solidFill>
+                        <a:schemeClr val="tx1"/>
+                      </a:solidFill>
+                      <a:prstDash val="solid"/>
+                      <a:round/>
+                      <a:headEnd type="none" w="med" len="med"/>
+                      <a:tailEnd type="none" w="med" len="med"/>
+                    </a:lnT>
+                    <a:lnB w="12700" cap="flat" cmpd="sng" algn="ctr">
+                      <a:solidFill>
+                        <a:schemeClr val="tx1"/>
+                      </a:solidFill>
+                      <a:prstDash val="solid"/>
+                      <a:round/>
+                      <a:headEnd type="none" w="med" len="med"/>
+                      <a:tailEnd type="none" w="med" len="med"/>
+                    </a:lnB>
+                  </a:tcPr>
+                </a:tc>
+                <a:tc>
+                  <a:txBody>
+                    <a:bodyPr/>
+                    <a:lstStyle/>
+                    <a:p>
+                      <a:endParaRPr lang="en-US" dirty="0">
+                        <a:solidFill>
+                          <a:srgbClr val="0070C0"/>
+                        </a:solidFill>
+                      </a:endParaRPr>
+                    </a:p>
+                  </a:txBody>
+                  <a:tcPr>
+                    <a:lnL w="12700" cap="flat" cmpd="sng" algn="ctr">
+                      <a:solidFill>
+                        <a:schemeClr val="tx1"/>
+                      </a:solidFill>
+                      <a:prstDash val="solid"/>
+                      <a:round/>
+                      <a:headEnd type="none" w="med" len="med"/>
+                      <a:tailEnd type="none" w="med" len="med"/>
+                    </a:lnL>
+                    <a:lnR w="12700" cap="flat" cmpd="sng" algn="ctr">
+                      <a:solidFill>
+                        <a:schemeClr val="tx1"/>
+                      </a:solidFill>
+                      <a:prstDash val="solid"/>
+                      <a:round/>
+                      <a:headEnd type="none" w="med" len="med"/>
+                      <a:tailEnd type="none" w="med" len="med"/>
+                    </a:lnR>
+                    <a:lnT w="12700" cap="flat" cmpd="sng" algn="ctr">
+                      <a:solidFill>
+                        <a:schemeClr val="tx1"/>
+                      </a:solidFill>
+                      <a:prstDash val="solid"/>
+                      <a:round/>
+                      <a:headEnd type="none" w="med" len="med"/>
+                      <a:tailEnd type="none" w="med" len="med"/>
+                    </a:lnT>
+                    <a:lnB w="12700" cap="flat" cmpd="sng" algn="ctr">
+                      <a:solidFill>
+                        <a:schemeClr val="tx1"/>
+                      </a:solidFill>
+                      <a:prstDash val="solid"/>
+                      <a:round/>
+                      <a:headEnd type="none" w="med" len="med"/>
+                      <a:tailEnd type="none" w="med" len="med"/>
+                    </a:lnB>
+                  </a:tcPr>
+                </a:tc>
+                <a:tc>
+                  <a:txBody>
+                    <a:bodyPr/>
+                    <a:lstStyle/>
+                    <a:p>
+                      <a:endParaRPr lang="en-US" dirty="0">
+                        <a:solidFill>
+                          <a:srgbClr val="0070C0"/>
+                        </a:solidFill>
+                      </a:endParaRPr>
+                    </a:p>
+                  </a:txBody>
+                  <a:tcPr>
+                    <a:lnL w="12700" cap="flat" cmpd="sng" algn="ctr">
+                      <a:solidFill>
+                        <a:schemeClr val="tx1"/>
+                      </a:solidFill>
+                      <a:prstDash val="solid"/>
+                      <a:round/>
+                      <a:headEnd type="none" w="med" len="med"/>
+                      <a:tailEnd type="none" w="med" len="med"/>
+                    </a:lnL>
+                    <a:lnR w="12700" cap="flat" cmpd="sng" algn="ctr">
+                      <a:solidFill>
+                        <a:schemeClr val="tx1"/>
+                      </a:solidFill>
+                      <a:prstDash val="solid"/>
+                      <a:round/>
+                      <a:headEnd type="none" w="med" len="med"/>
+                      <a:tailEnd type="none" w="med" len="med"/>
+                    </a:lnR>
+                    <a:lnT w="12700" cap="flat" cmpd="sng" algn="ctr">
+                      <a:solidFill>
+                        <a:schemeClr val="tx1"/>
+                      </a:solidFill>
+                      <a:prstDash val="solid"/>
+                      <a:round/>
+                      <a:headEnd type="none" w="med" len="med"/>
+                      <a:tailEnd type="none" w="med" len="med"/>
+                    </a:lnT>
+                    <a:lnB w="12700" cap="flat" cmpd="sng" algn="ctr">
+                      <a:solidFill>
+                        <a:schemeClr val="tx1"/>
+                      </a:solidFill>
+                      <a:prstDash val="solid"/>
+                      <a:round/>
+                      <a:headEnd type="none" w="med" len="med"/>
+                      <a:tailEnd type="none" w="med" len="med"/>
+                    </a:lnB>
+                  </a:tcPr>
+                </a:tc>
+                <a:tc>
+                  <a:txBody>
+                    <a:bodyPr/>
+                    <a:lstStyle/>
+                    <a:p>
+                      <a:endParaRPr lang="en-US" dirty="0">
+                        <a:solidFill>
+                          <a:srgbClr val="0070C0"/>
+                        </a:solidFill>
+                      </a:endParaRPr>
+                    </a:p>
+                  </a:txBody>
+                  <a:tcPr>
+                    <a:lnL w="12700" cap="flat" cmpd="sng" algn="ctr">
+                      <a:solidFill>
+                        <a:schemeClr val="tx1"/>
+                      </a:solidFill>
+                      <a:prstDash val="solid"/>
+                      <a:round/>
+                      <a:headEnd type="none" w="med" len="med"/>
+                      <a:tailEnd type="none" w="med" len="med"/>
+                    </a:lnL>
+                    <a:lnR w="12700" cap="flat" cmpd="sng" algn="ctr">
+                      <a:solidFill>
+                        <a:schemeClr val="tx1"/>
+                      </a:solidFill>
+                      <a:prstDash val="solid"/>
+                      <a:round/>
+                      <a:headEnd type="none" w="med" len="med"/>
+                      <a:tailEnd type="none" w="med" len="med"/>
+                    </a:lnR>
+                    <a:lnT w="12700" cap="flat" cmpd="sng" algn="ctr">
+                      <a:solidFill>
+                        <a:schemeClr val="tx1"/>
+                      </a:solidFill>
+                      <a:prstDash val="solid"/>
+                      <a:round/>
+                      <a:headEnd type="none" w="med" len="med"/>
+                      <a:tailEnd type="none" w="med" len="med"/>
+                    </a:lnT>
+                    <a:lnB w="12700" cap="flat" cmpd="sng" algn="ctr">
+                      <a:solidFill>
+                        <a:schemeClr val="tx1"/>
+                      </a:solidFill>
+                      <a:prstDash val="solid"/>
+                      <a:round/>
+                      <a:headEnd type="none" w="med" len="med"/>
+                      <a:tailEnd type="none" w="med" len="med"/>
+                    </a:lnB>
+                  </a:tcPr>
+                </a:tc>
+                <a:tc>
+                  <a:txBody>
+                    <a:bodyPr/>
+                    <a:lstStyle/>
+                    <a:p>
+                      <a:endParaRPr lang="en-US" dirty="0">
+                        <a:solidFill>
+                          <a:srgbClr val="0070C0"/>
+                        </a:solidFill>
+                      </a:endParaRPr>
+                    </a:p>
+                  </a:txBody>
+                  <a:tcPr>
+                    <a:lnL w="12700" cap="flat" cmpd="sng" algn="ctr">
+                      <a:solidFill>
+                        <a:schemeClr val="tx1"/>
+                      </a:solidFill>
+                      <a:prstDash val="solid"/>
+                      <a:round/>
+                      <a:headEnd type="none" w="med" len="med"/>
+                      <a:tailEnd type="none" w="med" len="med"/>
+                    </a:lnL>
+                    <a:lnR w="12700" cap="flat" cmpd="sng" algn="ctr">
+                      <a:solidFill>
+                        <a:schemeClr val="tx1"/>
+                      </a:solidFill>
+                      <a:prstDash val="solid"/>
+                      <a:round/>
+                      <a:headEnd type="none" w="med" len="med"/>
+                      <a:tailEnd type="none" w="med" len="med"/>
+                    </a:lnR>
+                    <a:lnT w="12700" cap="flat" cmpd="sng" algn="ctr">
+                      <a:solidFill>
+                        <a:schemeClr val="tx1"/>
+                      </a:solidFill>
+                      <a:prstDash val="solid"/>
+                      <a:round/>
+                      <a:headEnd type="none" w="med" len="med"/>
+                      <a:tailEnd type="none" w="med" len="med"/>
+                    </a:lnT>
+                    <a:lnB w="12700" cap="flat" cmpd="sng" algn="ctr">
+                      <a:solidFill>
+                        <a:schemeClr val="tx1"/>
+                      </a:solidFill>
+                      <a:prstDash val="solid"/>
+                      <a:round/>
+                      <a:headEnd type="none" w="med" len="med"/>
+                      <a:tailEnd type="none" w="med" len="med"/>
+                    </a:lnB>
+                  </a:tcPr>
+                </a:tc>
+                <a:tc>
+                  <a:txBody>
+                    <a:bodyPr/>
+                    <a:lstStyle/>
+                    <a:p>
+                      <a:endParaRPr lang="en-US" dirty="0">
+                        <a:solidFill>
+                          <a:srgbClr val="0070C0"/>
+                        </a:solidFill>
+                      </a:endParaRPr>
+                    </a:p>
+                  </a:txBody>
+                  <a:tcPr>
+                    <a:lnL w="12700" cap="flat" cmpd="sng" algn="ctr">
+                      <a:solidFill>
+                        <a:schemeClr val="tx1"/>
+                      </a:solidFill>
+                      <a:prstDash val="solid"/>
+                      <a:round/>
+                      <a:headEnd type="none" w="med" len="med"/>
+                      <a:tailEnd type="none" w="med" len="med"/>
+                    </a:lnL>
+                    <a:lnR w="12700" cap="flat" cmpd="sng" algn="ctr">
+                      <a:solidFill>
+                        <a:schemeClr val="tx1"/>
+                      </a:solidFill>
+                      <a:prstDash val="solid"/>
+                      <a:round/>
+                      <a:headEnd type="none" w="med" len="med"/>
+                      <a:tailEnd type="none" w="med" len="med"/>
+                    </a:lnR>
+                    <a:lnT w="12700" cap="flat" cmpd="sng" algn="ctr">
+                      <a:solidFill>
+                        <a:schemeClr val="tx1"/>
+                      </a:solidFill>
+                      <a:prstDash val="solid"/>
+                      <a:round/>
+                      <a:headEnd type="none" w="med" len="med"/>
+                      <a:tailEnd type="none" w="med" len="med"/>
+                    </a:lnT>
+                    <a:lnB w="12700" cap="flat" cmpd="sng" algn="ctr">
+                      <a:solidFill>
+                        <a:schemeClr val="tx1"/>
+                      </a:solidFill>
+                      <a:prstDash val="solid"/>
+                      <a:round/>
+                      <a:headEnd type="none" w="med" len="med"/>
+                      <a:tailEnd type="none" w="med" len="med"/>
+                    </a:lnB>
+                  </a:tcPr>
                 </a:tc>
                 <a:tc>
                   <a:txBody>
@@ -6115,12 +7482,51 @@
                     <a:lstStyle/>
                     <a:p>
                       <a:r>
-                        <a:rPr lang="en-US" dirty="0"/>
+                        <a:rPr lang="en-US" dirty="0">
+                          <a:solidFill>
+                            <a:srgbClr val="0070C0"/>
+                          </a:solidFill>
+                        </a:rPr>
                         <a:t>2</a:t>
                       </a:r>
                     </a:p>
                   </a:txBody>
-                  <a:tcPr/>
+                  <a:tcPr>
+                    <a:lnL w="12700" cap="flat" cmpd="sng" algn="ctr">
+                      <a:solidFill>
+                        <a:schemeClr val="tx1"/>
+                      </a:solidFill>
+                      <a:prstDash val="solid"/>
+                      <a:round/>
+                      <a:headEnd type="none" w="med" len="med"/>
+                      <a:tailEnd type="none" w="med" len="med"/>
+                    </a:lnL>
+                    <a:lnR w="12700" cap="flat" cmpd="sng" algn="ctr">
+                      <a:noFill/>
+                      <a:prstDash val="solid"/>
+                      <a:round/>
+                      <a:headEnd type="none" w="med" len="med"/>
+                      <a:tailEnd type="none" w="med" len="med"/>
+                    </a:lnR>
+                    <a:lnT w="12700" cap="flat" cmpd="sng" algn="ctr">
+                      <a:solidFill>
+                        <a:schemeClr val="tx1"/>
+                      </a:solidFill>
+                      <a:prstDash val="solid"/>
+                      <a:round/>
+                      <a:headEnd type="none" w="med" len="med"/>
+                      <a:tailEnd type="none" w="med" len="med"/>
+                    </a:lnT>
+                    <a:lnB w="12700" cap="flat" cmpd="sng" algn="ctr">
+                      <a:solidFill>
+                        <a:schemeClr val="tx1"/>
+                      </a:solidFill>
+                      <a:prstDash val="solid"/>
+                      <a:round/>
+                      <a:headEnd type="none" w="med" len="med"/>
+                      <a:tailEnd type="none" w="med" len="med"/>
+                    </a:lnB>
+                  </a:tcPr>
                 </a:tc>
                 <a:extLst>
                   <a:ext uri="{0D108BD9-81ED-4DB2-BD59-A6C34878D82A}">
@@ -6134,80 +7540,406 @@
                     <a:bodyPr/>
                     <a:lstStyle/>
                     <a:p>
-                      <a:endParaRPr lang="en-US" dirty="0"/>
-                    </a:p>
-                  </a:txBody>
-                  <a:tcPr/>
-                </a:tc>
-                <a:tc>
-                  <a:txBody>
-                    <a:bodyPr/>
-                    <a:lstStyle/>
-                    <a:p>
-                      <a:endParaRPr lang="en-US" dirty="0"/>
-                    </a:p>
-                  </a:txBody>
-                  <a:tcPr/>
-                </a:tc>
-                <a:tc>
-                  <a:txBody>
-                    <a:bodyPr/>
-                    <a:lstStyle/>
-                    <a:p>
-                      <a:endParaRPr lang="en-US" dirty="0"/>
-                    </a:p>
-                  </a:txBody>
-                  <a:tcPr/>
-                </a:tc>
-                <a:tc>
-                  <a:txBody>
-                    <a:bodyPr/>
-                    <a:lstStyle/>
-                    <a:p>
-                      <a:endParaRPr lang="en-US" dirty="0"/>
-                    </a:p>
-                  </a:txBody>
-                  <a:tcPr/>
-                </a:tc>
-                <a:tc>
-                  <a:txBody>
-                    <a:bodyPr/>
-                    <a:lstStyle/>
-                    <a:p>
-                      <a:endParaRPr lang="en-US" dirty="0"/>
-                    </a:p>
-                  </a:txBody>
-                  <a:tcPr/>
-                </a:tc>
-                <a:tc>
-                  <a:txBody>
-                    <a:bodyPr/>
-                    <a:lstStyle/>
-                    <a:p>
-                      <a:endParaRPr lang="en-US" dirty="0"/>
-                    </a:p>
-                  </a:txBody>
-                  <a:tcPr/>
-                </a:tc>
-                <a:tc>
-                  <a:txBody>
-                    <a:bodyPr/>
-                    <a:lstStyle/>
-                    <a:p>
-                      <a:endParaRPr lang="en-US" dirty="0"/>
-                    </a:p>
-                  </a:txBody>
-                  <a:tcPr/>
-                </a:tc>
-                <a:tc>
-                  <a:txBody>
-                    <a:bodyPr/>
-                    <a:lstStyle/>
-                    <a:p>
-                      <a:endParaRPr lang="en-US" dirty="0"/>
-                    </a:p>
-                  </a:txBody>
-                  <a:tcPr/>
+                      <a:endParaRPr lang="en-US" dirty="0">
+                        <a:solidFill>
+                          <a:srgbClr val="0070C0"/>
+                        </a:solidFill>
+                      </a:endParaRPr>
+                    </a:p>
+                  </a:txBody>
+                  <a:tcPr>
+                    <a:lnL w="12700" cap="flat" cmpd="sng" algn="ctr">
+                      <a:noFill/>
+                      <a:prstDash val="solid"/>
+                      <a:round/>
+                      <a:headEnd type="none" w="med" len="med"/>
+                      <a:tailEnd type="none" w="med" len="med"/>
+                    </a:lnL>
+                    <a:lnR w="12700" cap="flat" cmpd="sng" algn="ctr">
+                      <a:solidFill>
+                        <a:schemeClr val="tx1"/>
+                      </a:solidFill>
+                      <a:prstDash val="solid"/>
+                      <a:round/>
+                      <a:headEnd type="none" w="med" len="med"/>
+                      <a:tailEnd type="none" w="med" len="med"/>
+                    </a:lnR>
+                    <a:lnT w="12700" cap="flat" cmpd="sng" algn="ctr">
+                      <a:solidFill>
+                        <a:schemeClr val="tx1"/>
+                      </a:solidFill>
+                      <a:prstDash val="solid"/>
+                      <a:round/>
+                      <a:headEnd type="none" w="med" len="med"/>
+                      <a:tailEnd type="none" w="med" len="med"/>
+                    </a:lnT>
+                    <a:lnB w="12700" cap="flat" cmpd="sng" algn="ctr">
+                      <a:solidFill>
+                        <a:schemeClr val="tx1"/>
+                      </a:solidFill>
+                      <a:prstDash val="solid"/>
+                      <a:round/>
+                      <a:headEnd type="none" w="med" len="med"/>
+                      <a:tailEnd type="none" w="med" len="med"/>
+                    </a:lnB>
+                  </a:tcPr>
+                </a:tc>
+                <a:tc>
+                  <a:txBody>
+                    <a:bodyPr/>
+                    <a:lstStyle/>
+                    <a:p>
+                      <a:endParaRPr lang="en-US" dirty="0">
+                        <a:solidFill>
+                          <a:srgbClr val="0070C0"/>
+                        </a:solidFill>
+                      </a:endParaRPr>
+                    </a:p>
+                  </a:txBody>
+                  <a:tcPr>
+                    <a:lnL w="12700" cap="flat" cmpd="sng" algn="ctr">
+                      <a:solidFill>
+                        <a:schemeClr val="tx1"/>
+                      </a:solidFill>
+                      <a:prstDash val="solid"/>
+                      <a:round/>
+                      <a:headEnd type="none" w="med" len="med"/>
+                      <a:tailEnd type="none" w="med" len="med"/>
+                    </a:lnL>
+                    <a:lnR w="12700" cap="flat" cmpd="sng" algn="ctr">
+                      <a:solidFill>
+                        <a:schemeClr val="tx1"/>
+                      </a:solidFill>
+                      <a:prstDash val="solid"/>
+                      <a:round/>
+                      <a:headEnd type="none" w="med" len="med"/>
+                      <a:tailEnd type="none" w="med" len="med"/>
+                    </a:lnR>
+                    <a:lnT w="12700" cap="flat" cmpd="sng" algn="ctr">
+                      <a:solidFill>
+                        <a:schemeClr val="tx1"/>
+                      </a:solidFill>
+                      <a:prstDash val="solid"/>
+                      <a:round/>
+                      <a:headEnd type="none" w="med" len="med"/>
+                      <a:tailEnd type="none" w="med" len="med"/>
+                    </a:lnT>
+                    <a:lnB w="12700" cap="flat" cmpd="sng" algn="ctr">
+                      <a:solidFill>
+                        <a:schemeClr val="tx1"/>
+                      </a:solidFill>
+                      <a:prstDash val="solid"/>
+                      <a:round/>
+                      <a:headEnd type="none" w="med" len="med"/>
+                      <a:tailEnd type="none" w="med" len="med"/>
+                    </a:lnB>
+                  </a:tcPr>
+                </a:tc>
+                <a:tc>
+                  <a:txBody>
+                    <a:bodyPr/>
+                    <a:lstStyle/>
+                    <a:p>
+                      <a:endParaRPr lang="en-US" dirty="0">
+                        <a:solidFill>
+                          <a:srgbClr val="0070C0"/>
+                        </a:solidFill>
+                      </a:endParaRPr>
+                    </a:p>
+                  </a:txBody>
+                  <a:tcPr>
+                    <a:lnL w="12700" cap="flat" cmpd="sng" algn="ctr">
+                      <a:solidFill>
+                        <a:schemeClr val="tx1"/>
+                      </a:solidFill>
+                      <a:prstDash val="solid"/>
+                      <a:round/>
+                      <a:headEnd type="none" w="med" len="med"/>
+                      <a:tailEnd type="none" w="med" len="med"/>
+                    </a:lnL>
+                    <a:lnR w="12700" cap="flat" cmpd="sng" algn="ctr">
+                      <a:solidFill>
+                        <a:schemeClr val="tx1"/>
+                      </a:solidFill>
+                      <a:prstDash val="solid"/>
+                      <a:round/>
+                      <a:headEnd type="none" w="med" len="med"/>
+                      <a:tailEnd type="none" w="med" len="med"/>
+                    </a:lnR>
+                    <a:lnT w="12700" cap="flat" cmpd="sng" algn="ctr">
+                      <a:solidFill>
+                        <a:schemeClr val="tx1"/>
+                      </a:solidFill>
+                      <a:prstDash val="solid"/>
+                      <a:round/>
+                      <a:headEnd type="none" w="med" len="med"/>
+                      <a:tailEnd type="none" w="med" len="med"/>
+                    </a:lnT>
+                    <a:lnB w="12700" cap="flat" cmpd="sng" algn="ctr">
+                      <a:solidFill>
+                        <a:schemeClr val="tx1"/>
+                      </a:solidFill>
+                      <a:prstDash val="solid"/>
+                      <a:round/>
+                      <a:headEnd type="none" w="med" len="med"/>
+                      <a:tailEnd type="none" w="med" len="med"/>
+                    </a:lnB>
+                  </a:tcPr>
+                </a:tc>
+                <a:tc>
+                  <a:txBody>
+                    <a:bodyPr/>
+                    <a:lstStyle/>
+                    <a:p>
+                      <a:endParaRPr lang="en-US" dirty="0">
+                        <a:solidFill>
+                          <a:srgbClr val="0070C0"/>
+                        </a:solidFill>
+                      </a:endParaRPr>
+                    </a:p>
+                  </a:txBody>
+                  <a:tcPr>
+                    <a:lnL w="12700" cap="flat" cmpd="sng" algn="ctr">
+                      <a:solidFill>
+                        <a:schemeClr val="tx1"/>
+                      </a:solidFill>
+                      <a:prstDash val="solid"/>
+                      <a:round/>
+                      <a:headEnd type="none" w="med" len="med"/>
+                      <a:tailEnd type="none" w="med" len="med"/>
+                    </a:lnL>
+                    <a:lnR w="12700" cap="flat" cmpd="sng" algn="ctr">
+                      <a:solidFill>
+                        <a:schemeClr val="tx1"/>
+                      </a:solidFill>
+                      <a:prstDash val="solid"/>
+                      <a:round/>
+                      <a:headEnd type="none" w="med" len="med"/>
+                      <a:tailEnd type="none" w="med" len="med"/>
+                    </a:lnR>
+                    <a:lnT w="12700" cap="flat" cmpd="sng" algn="ctr">
+                      <a:solidFill>
+                        <a:schemeClr val="tx1"/>
+                      </a:solidFill>
+                      <a:prstDash val="solid"/>
+                      <a:round/>
+                      <a:headEnd type="none" w="med" len="med"/>
+                      <a:tailEnd type="none" w="med" len="med"/>
+                    </a:lnT>
+                    <a:lnB w="12700" cap="flat" cmpd="sng" algn="ctr">
+                      <a:solidFill>
+                        <a:schemeClr val="tx1"/>
+                      </a:solidFill>
+                      <a:prstDash val="solid"/>
+                      <a:round/>
+                      <a:headEnd type="none" w="med" len="med"/>
+                      <a:tailEnd type="none" w="med" len="med"/>
+                    </a:lnB>
+                  </a:tcPr>
+                </a:tc>
+                <a:tc>
+                  <a:txBody>
+                    <a:bodyPr/>
+                    <a:lstStyle/>
+                    <a:p>
+                      <a:endParaRPr lang="en-US" dirty="0">
+                        <a:solidFill>
+                          <a:srgbClr val="0070C0"/>
+                        </a:solidFill>
+                      </a:endParaRPr>
+                    </a:p>
+                  </a:txBody>
+                  <a:tcPr>
+                    <a:lnL w="12700" cap="flat" cmpd="sng" algn="ctr">
+                      <a:solidFill>
+                        <a:schemeClr val="tx1"/>
+                      </a:solidFill>
+                      <a:prstDash val="solid"/>
+                      <a:round/>
+                      <a:headEnd type="none" w="med" len="med"/>
+                      <a:tailEnd type="none" w="med" len="med"/>
+                    </a:lnL>
+                    <a:lnR w="12700" cap="flat" cmpd="sng" algn="ctr">
+                      <a:solidFill>
+                        <a:schemeClr val="tx1"/>
+                      </a:solidFill>
+                      <a:prstDash val="solid"/>
+                      <a:round/>
+                      <a:headEnd type="none" w="med" len="med"/>
+                      <a:tailEnd type="none" w="med" len="med"/>
+                    </a:lnR>
+                    <a:lnT w="12700" cap="flat" cmpd="sng" algn="ctr">
+                      <a:solidFill>
+                        <a:schemeClr val="tx1"/>
+                      </a:solidFill>
+                      <a:prstDash val="solid"/>
+                      <a:round/>
+                      <a:headEnd type="none" w="med" len="med"/>
+                      <a:tailEnd type="none" w="med" len="med"/>
+                    </a:lnT>
+                    <a:lnB w="12700" cap="flat" cmpd="sng" algn="ctr">
+                      <a:solidFill>
+                        <a:schemeClr val="tx1"/>
+                      </a:solidFill>
+                      <a:prstDash val="solid"/>
+                      <a:round/>
+                      <a:headEnd type="none" w="med" len="med"/>
+                      <a:tailEnd type="none" w="med" len="med"/>
+                    </a:lnB>
+                  </a:tcPr>
+                </a:tc>
+                <a:tc>
+                  <a:txBody>
+                    <a:bodyPr/>
+                    <a:lstStyle/>
+                    <a:p>
+                      <a:endParaRPr lang="en-US" dirty="0">
+                        <a:solidFill>
+                          <a:srgbClr val="0070C0"/>
+                        </a:solidFill>
+                      </a:endParaRPr>
+                    </a:p>
+                  </a:txBody>
+                  <a:tcPr>
+                    <a:lnL w="12700" cap="flat" cmpd="sng" algn="ctr">
+                      <a:solidFill>
+                        <a:schemeClr val="tx1"/>
+                      </a:solidFill>
+                      <a:prstDash val="solid"/>
+                      <a:round/>
+                      <a:headEnd type="none" w="med" len="med"/>
+                      <a:tailEnd type="none" w="med" len="med"/>
+                    </a:lnL>
+                    <a:lnR w="12700" cap="flat" cmpd="sng" algn="ctr">
+                      <a:solidFill>
+                        <a:schemeClr val="tx1"/>
+                      </a:solidFill>
+                      <a:prstDash val="solid"/>
+                      <a:round/>
+                      <a:headEnd type="none" w="med" len="med"/>
+                      <a:tailEnd type="none" w="med" len="med"/>
+                    </a:lnR>
+                    <a:lnT w="12700" cap="flat" cmpd="sng" algn="ctr">
+                      <a:solidFill>
+                        <a:schemeClr val="tx1"/>
+                      </a:solidFill>
+                      <a:prstDash val="solid"/>
+                      <a:round/>
+                      <a:headEnd type="none" w="med" len="med"/>
+                      <a:tailEnd type="none" w="med" len="med"/>
+                    </a:lnT>
+                    <a:lnB w="12700" cap="flat" cmpd="sng" algn="ctr">
+                      <a:solidFill>
+                        <a:schemeClr val="tx1"/>
+                      </a:solidFill>
+                      <a:prstDash val="solid"/>
+                      <a:round/>
+                      <a:headEnd type="none" w="med" len="med"/>
+                      <a:tailEnd type="none" w="med" len="med"/>
+                    </a:lnB>
+                  </a:tcPr>
+                </a:tc>
+                <a:tc>
+                  <a:txBody>
+                    <a:bodyPr/>
+                    <a:lstStyle/>
+                    <a:p>
+                      <a:endParaRPr lang="en-US" dirty="0">
+                        <a:solidFill>
+                          <a:srgbClr val="0070C0"/>
+                        </a:solidFill>
+                      </a:endParaRPr>
+                    </a:p>
+                  </a:txBody>
+                  <a:tcPr>
+                    <a:lnL w="12700" cap="flat" cmpd="sng" algn="ctr">
+                      <a:solidFill>
+                        <a:schemeClr val="tx1"/>
+                      </a:solidFill>
+                      <a:prstDash val="solid"/>
+                      <a:round/>
+                      <a:headEnd type="none" w="med" len="med"/>
+                      <a:tailEnd type="none" w="med" len="med"/>
+                    </a:lnL>
+                    <a:lnR w="12700" cap="flat" cmpd="sng" algn="ctr">
+                      <a:solidFill>
+                        <a:schemeClr val="tx1"/>
+                      </a:solidFill>
+                      <a:prstDash val="solid"/>
+                      <a:round/>
+                      <a:headEnd type="none" w="med" len="med"/>
+                      <a:tailEnd type="none" w="med" len="med"/>
+                    </a:lnR>
+                    <a:lnT w="12700" cap="flat" cmpd="sng" algn="ctr">
+                      <a:solidFill>
+                        <a:schemeClr val="tx1"/>
+                      </a:solidFill>
+                      <a:prstDash val="solid"/>
+                      <a:round/>
+                      <a:headEnd type="none" w="med" len="med"/>
+                      <a:tailEnd type="none" w="med" len="med"/>
+                    </a:lnT>
+                    <a:lnB w="12700" cap="flat" cmpd="sng" algn="ctr">
+                      <a:solidFill>
+                        <a:schemeClr val="tx1"/>
+                      </a:solidFill>
+                      <a:prstDash val="solid"/>
+                      <a:round/>
+                      <a:headEnd type="none" w="med" len="med"/>
+                      <a:tailEnd type="none" w="med" len="med"/>
+                    </a:lnB>
+                  </a:tcPr>
+                </a:tc>
+                <a:tc>
+                  <a:txBody>
+                    <a:bodyPr/>
+                    <a:lstStyle/>
+                    <a:p>
+                      <a:endParaRPr lang="en-US" dirty="0">
+                        <a:solidFill>
+                          <a:srgbClr val="0070C0"/>
+                        </a:solidFill>
+                      </a:endParaRPr>
+                    </a:p>
+                  </a:txBody>
+                  <a:tcPr>
+                    <a:lnL w="12700" cap="flat" cmpd="sng" algn="ctr">
+                      <a:solidFill>
+                        <a:schemeClr val="tx1"/>
+                      </a:solidFill>
+                      <a:prstDash val="solid"/>
+                      <a:round/>
+                      <a:headEnd type="none" w="med" len="med"/>
+                      <a:tailEnd type="none" w="med" len="med"/>
+                    </a:lnL>
+                    <a:lnR w="12700" cap="flat" cmpd="sng" algn="ctr">
+                      <a:solidFill>
+                        <a:schemeClr val="tx1"/>
+                      </a:solidFill>
+                      <a:prstDash val="solid"/>
+                      <a:round/>
+                      <a:headEnd type="none" w="med" len="med"/>
+                      <a:tailEnd type="none" w="med" len="med"/>
+                    </a:lnR>
+                    <a:lnT w="12700" cap="flat" cmpd="sng" algn="ctr">
+                      <a:solidFill>
+                        <a:schemeClr val="tx1"/>
+                      </a:solidFill>
+                      <a:prstDash val="solid"/>
+                      <a:round/>
+                      <a:headEnd type="none" w="med" len="med"/>
+                      <a:tailEnd type="none" w="med" len="med"/>
+                    </a:lnT>
+                    <a:lnB w="12700" cap="flat" cmpd="sng" algn="ctr">
+                      <a:solidFill>
+                        <a:schemeClr val="tx1"/>
+                      </a:solidFill>
+                      <a:prstDash val="solid"/>
+                      <a:round/>
+                      <a:headEnd type="none" w="med" len="med"/>
+                      <a:tailEnd type="none" w="med" len="med"/>
+                    </a:lnB>
+                  </a:tcPr>
                 </a:tc>
                 <a:tc>
                   <a:txBody>
@@ -6215,12 +7947,51 @@
                     <a:lstStyle/>
                     <a:p>
                       <a:r>
-                        <a:rPr lang="en-US" dirty="0"/>
+                        <a:rPr lang="en-US" dirty="0">
+                          <a:solidFill>
+                            <a:srgbClr val="0070C0"/>
+                          </a:solidFill>
+                        </a:rPr>
                         <a:t>3</a:t>
                       </a:r>
                     </a:p>
                   </a:txBody>
-                  <a:tcPr/>
+                  <a:tcPr>
+                    <a:lnL w="12700" cap="flat" cmpd="sng" algn="ctr">
+                      <a:solidFill>
+                        <a:schemeClr val="tx1"/>
+                      </a:solidFill>
+                      <a:prstDash val="solid"/>
+                      <a:round/>
+                      <a:headEnd type="none" w="med" len="med"/>
+                      <a:tailEnd type="none" w="med" len="med"/>
+                    </a:lnL>
+                    <a:lnR w="12700" cap="flat" cmpd="sng" algn="ctr">
+                      <a:noFill/>
+                      <a:prstDash val="solid"/>
+                      <a:round/>
+                      <a:headEnd type="none" w="med" len="med"/>
+                      <a:tailEnd type="none" w="med" len="med"/>
+                    </a:lnR>
+                    <a:lnT w="12700" cap="flat" cmpd="sng" algn="ctr">
+                      <a:solidFill>
+                        <a:schemeClr val="tx1"/>
+                      </a:solidFill>
+                      <a:prstDash val="solid"/>
+                      <a:round/>
+                      <a:headEnd type="none" w="med" len="med"/>
+                      <a:tailEnd type="none" w="med" len="med"/>
+                    </a:lnT>
+                    <a:lnB w="12700" cap="flat" cmpd="sng" algn="ctr">
+                      <a:solidFill>
+                        <a:schemeClr val="tx1"/>
+                      </a:solidFill>
+                      <a:prstDash val="solid"/>
+                      <a:round/>
+                      <a:headEnd type="none" w="med" len="med"/>
+                      <a:tailEnd type="none" w="med" len="med"/>
+                    </a:lnB>
+                  </a:tcPr>
                 </a:tc>
                 <a:extLst>
                   <a:ext uri="{0D108BD9-81ED-4DB2-BD59-A6C34878D82A}">
@@ -6234,80 +8005,406 @@
                     <a:bodyPr/>
                     <a:lstStyle/>
                     <a:p>
-                      <a:endParaRPr lang="en-US" dirty="0"/>
-                    </a:p>
-                  </a:txBody>
-                  <a:tcPr/>
-                </a:tc>
-                <a:tc>
-                  <a:txBody>
-                    <a:bodyPr/>
-                    <a:lstStyle/>
-                    <a:p>
-                      <a:endParaRPr lang="en-US" dirty="0"/>
-                    </a:p>
-                  </a:txBody>
-                  <a:tcPr/>
-                </a:tc>
-                <a:tc>
-                  <a:txBody>
-                    <a:bodyPr/>
-                    <a:lstStyle/>
-                    <a:p>
-                      <a:endParaRPr lang="en-US" dirty="0"/>
-                    </a:p>
-                  </a:txBody>
-                  <a:tcPr/>
-                </a:tc>
-                <a:tc>
-                  <a:txBody>
-                    <a:bodyPr/>
-                    <a:lstStyle/>
-                    <a:p>
-                      <a:endParaRPr lang="en-US" dirty="0"/>
-                    </a:p>
-                  </a:txBody>
-                  <a:tcPr/>
-                </a:tc>
-                <a:tc>
-                  <a:txBody>
-                    <a:bodyPr/>
-                    <a:lstStyle/>
-                    <a:p>
-                      <a:endParaRPr lang="en-US" dirty="0"/>
-                    </a:p>
-                  </a:txBody>
-                  <a:tcPr/>
-                </a:tc>
-                <a:tc>
-                  <a:txBody>
-                    <a:bodyPr/>
-                    <a:lstStyle/>
-                    <a:p>
-                      <a:endParaRPr lang="en-US" dirty="0"/>
-                    </a:p>
-                  </a:txBody>
-                  <a:tcPr/>
-                </a:tc>
-                <a:tc>
-                  <a:txBody>
-                    <a:bodyPr/>
-                    <a:lstStyle/>
-                    <a:p>
-                      <a:endParaRPr lang="en-US" dirty="0"/>
-                    </a:p>
-                  </a:txBody>
-                  <a:tcPr/>
-                </a:tc>
-                <a:tc>
-                  <a:txBody>
-                    <a:bodyPr/>
-                    <a:lstStyle/>
-                    <a:p>
-                      <a:endParaRPr lang="en-US" dirty="0"/>
-                    </a:p>
-                  </a:txBody>
-                  <a:tcPr/>
+                      <a:endParaRPr lang="en-US" dirty="0">
+                        <a:solidFill>
+                          <a:srgbClr val="0070C0"/>
+                        </a:solidFill>
+                      </a:endParaRPr>
+                    </a:p>
+                  </a:txBody>
+                  <a:tcPr>
+                    <a:lnL w="12700" cap="flat" cmpd="sng" algn="ctr">
+                      <a:noFill/>
+                      <a:prstDash val="solid"/>
+                      <a:round/>
+                      <a:headEnd type="none" w="med" len="med"/>
+                      <a:tailEnd type="none" w="med" len="med"/>
+                    </a:lnL>
+                    <a:lnR w="12700" cap="flat" cmpd="sng" algn="ctr">
+                      <a:solidFill>
+                        <a:schemeClr val="tx1"/>
+                      </a:solidFill>
+                      <a:prstDash val="solid"/>
+                      <a:round/>
+                      <a:headEnd type="none" w="med" len="med"/>
+                      <a:tailEnd type="none" w="med" len="med"/>
+                    </a:lnR>
+                    <a:lnT w="12700" cap="flat" cmpd="sng" algn="ctr">
+                      <a:solidFill>
+                        <a:schemeClr val="tx1"/>
+                      </a:solidFill>
+                      <a:prstDash val="solid"/>
+                      <a:round/>
+                      <a:headEnd type="none" w="med" len="med"/>
+                      <a:tailEnd type="none" w="med" len="med"/>
+                    </a:lnT>
+                    <a:lnB w="12700" cap="flat" cmpd="sng" algn="ctr">
+                      <a:solidFill>
+                        <a:schemeClr val="tx1"/>
+                      </a:solidFill>
+                      <a:prstDash val="solid"/>
+                      <a:round/>
+                      <a:headEnd type="none" w="med" len="med"/>
+                      <a:tailEnd type="none" w="med" len="med"/>
+                    </a:lnB>
+                  </a:tcPr>
+                </a:tc>
+                <a:tc>
+                  <a:txBody>
+                    <a:bodyPr/>
+                    <a:lstStyle/>
+                    <a:p>
+                      <a:endParaRPr lang="en-US" dirty="0">
+                        <a:solidFill>
+                          <a:srgbClr val="0070C0"/>
+                        </a:solidFill>
+                      </a:endParaRPr>
+                    </a:p>
+                  </a:txBody>
+                  <a:tcPr>
+                    <a:lnL w="12700" cap="flat" cmpd="sng" algn="ctr">
+                      <a:solidFill>
+                        <a:schemeClr val="tx1"/>
+                      </a:solidFill>
+                      <a:prstDash val="solid"/>
+                      <a:round/>
+                      <a:headEnd type="none" w="med" len="med"/>
+                      <a:tailEnd type="none" w="med" len="med"/>
+                    </a:lnL>
+                    <a:lnR w="12700" cap="flat" cmpd="sng" algn="ctr">
+                      <a:solidFill>
+                        <a:schemeClr val="tx1"/>
+                      </a:solidFill>
+                      <a:prstDash val="solid"/>
+                      <a:round/>
+                      <a:headEnd type="none" w="med" len="med"/>
+                      <a:tailEnd type="none" w="med" len="med"/>
+                    </a:lnR>
+                    <a:lnT w="12700" cap="flat" cmpd="sng" algn="ctr">
+                      <a:solidFill>
+                        <a:schemeClr val="tx1"/>
+                      </a:solidFill>
+                      <a:prstDash val="solid"/>
+                      <a:round/>
+                      <a:headEnd type="none" w="med" len="med"/>
+                      <a:tailEnd type="none" w="med" len="med"/>
+                    </a:lnT>
+                    <a:lnB w="12700" cap="flat" cmpd="sng" algn="ctr">
+                      <a:solidFill>
+                        <a:schemeClr val="tx1"/>
+                      </a:solidFill>
+                      <a:prstDash val="solid"/>
+                      <a:round/>
+                      <a:headEnd type="none" w="med" len="med"/>
+                      <a:tailEnd type="none" w="med" len="med"/>
+                    </a:lnB>
+                  </a:tcPr>
+                </a:tc>
+                <a:tc>
+                  <a:txBody>
+                    <a:bodyPr/>
+                    <a:lstStyle/>
+                    <a:p>
+                      <a:endParaRPr lang="en-US" dirty="0">
+                        <a:solidFill>
+                          <a:srgbClr val="0070C0"/>
+                        </a:solidFill>
+                      </a:endParaRPr>
+                    </a:p>
+                  </a:txBody>
+                  <a:tcPr>
+                    <a:lnL w="12700" cap="flat" cmpd="sng" algn="ctr">
+                      <a:solidFill>
+                        <a:schemeClr val="tx1"/>
+                      </a:solidFill>
+                      <a:prstDash val="solid"/>
+                      <a:round/>
+                      <a:headEnd type="none" w="med" len="med"/>
+                      <a:tailEnd type="none" w="med" len="med"/>
+                    </a:lnL>
+                    <a:lnR w="12700" cap="flat" cmpd="sng" algn="ctr">
+                      <a:solidFill>
+                        <a:schemeClr val="tx1"/>
+                      </a:solidFill>
+                      <a:prstDash val="solid"/>
+                      <a:round/>
+                      <a:headEnd type="none" w="med" len="med"/>
+                      <a:tailEnd type="none" w="med" len="med"/>
+                    </a:lnR>
+                    <a:lnT w="12700" cap="flat" cmpd="sng" algn="ctr">
+                      <a:solidFill>
+                        <a:schemeClr val="tx1"/>
+                      </a:solidFill>
+                      <a:prstDash val="solid"/>
+                      <a:round/>
+                      <a:headEnd type="none" w="med" len="med"/>
+                      <a:tailEnd type="none" w="med" len="med"/>
+                    </a:lnT>
+                    <a:lnB w="12700" cap="flat" cmpd="sng" algn="ctr">
+                      <a:solidFill>
+                        <a:schemeClr val="tx1"/>
+                      </a:solidFill>
+                      <a:prstDash val="solid"/>
+                      <a:round/>
+                      <a:headEnd type="none" w="med" len="med"/>
+                      <a:tailEnd type="none" w="med" len="med"/>
+                    </a:lnB>
+                  </a:tcPr>
+                </a:tc>
+                <a:tc>
+                  <a:txBody>
+                    <a:bodyPr/>
+                    <a:lstStyle/>
+                    <a:p>
+                      <a:endParaRPr lang="en-US" dirty="0">
+                        <a:solidFill>
+                          <a:srgbClr val="0070C0"/>
+                        </a:solidFill>
+                      </a:endParaRPr>
+                    </a:p>
+                  </a:txBody>
+                  <a:tcPr>
+                    <a:lnL w="12700" cap="flat" cmpd="sng" algn="ctr">
+                      <a:solidFill>
+                        <a:schemeClr val="tx1"/>
+                      </a:solidFill>
+                      <a:prstDash val="solid"/>
+                      <a:round/>
+                      <a:headEnd type="none" w="med" len="med"/>
+                      <a:tailEnd type="none" w="med" len="med"/>
+                    </a:lnL>
+                    <a:lnR w="12700" cap="flat" cmpd="sng" algn="ctr">
+                      <a:solidFill>
+                        <a:schemeClr val="tx1"/>
+                      </a:solidFill>
+                      <a:prstDash val="solid"/>
+                      <a:round/>
+                      <a:headEnd type="none" w="med" len="med"/>
+                      <a:tailEnd type="none" w="med" len="med"/>
+                    </a:lnR>
+                    <a:lnT w="12700" cap="flat" cmpd="sng" algn="ctr">
+                      <a:solidFill>
+                        <a:schemeClr val="tx1"/>
+                      </a:solidFill>
+                      <a:prstDash val="solid"/>
+                      <a:round/>
+                      <a:headEnd type="none" w="med" len="med"/>
+                      <a:tailEnd type="none" w="med" len="med"/>
+                    </a:lnT>
+                    <a:lnB w="12700" cap="flat" cmpd="sng" algn="ctr">
+                      <a:solidFill>
+                        <a:schemeClr val="tx1"/>
+                      </a:solidFill>
+                      <a:prstDash val="solid"/>
+                      <a:round/>
+                      <a:headEnd type="none" w="med" len="med"/>
+                      <a:tailEnd type="none" w="med" len="med"/>
+                    </a:lnB>
+                  </a:tcPr>
+                </a:tc>
+                <a:tc>
+                  <a:txBody>
+                    <a:bodyPr/>
+                    <a:lstStyle/>
+                    <a:p>
+                      <a:endParaRPr lang="en-US" dirty="0">
+                        <a:solidFill>
+                          <a:srgbClr val="0070C0"/>
+                        </a:solidFill>
+                      </a:endParaRPr>
+                    </a:p>
+                  </a:txBody>
+                  <a:tcPr>
+                    <a:lnL w="12700" cap="flat" cmpd="sng" algn="ctr">
+                      <a:solidFill>
+                        <a:schemeClr val="tx1"/>
+                      </a:solidFill>
+                      <a:prstDash val="solid"/>
+                      <a:round/>
+                      <a:headEnd type="none" w="med" len="med"/>
+                      <a:tailEnd type="none" w="med" len="med"/>
+                    </a:lnL>
+                    <a:lnR w="12700" cap="flat" cmpd="sng" algn="ctr">
+                      <a:solidFill>
+                        <a:schemeClr val="tx1"/>
+                      </a:solidFill>
+                      <a:prstDash val="solid"/>
+                      <a:round/>
+                      <a:headEnd type="none" w="med" len="med"/>
+                      <a:tailEnd type="none" w="med" len="med"/>
+                    </a:lnR>
+                    <a:lnT w="12700" cap="flat" cmpd="sng" algn="ctr">
+                      <a:solidFill>
+                        <a:schemeClr val="tx1"/>
+                      </a:solidFill>
+                      <a:prstDash val="solid"/>
+                      <a:round/>
+                      <a:headEnd type="none" w="med" len="med"/>
+                      <a:tailEnd type="none" w="med" len="med"/>
+                    </a:lnT>
+                    <a:lnB w="12700" cap="flat" cmpd="sng" algn="ctr">
+                      <a:solidFill>
+                        <a:schemeClr val="tx1"/>
+                      </a:solidFill>
+                      <a:prstDash val="solid"/>
+                      <a:round/>
+                      <a:headEnd type="none" w="med" len="med"/>
+                      <a:tailEnd type="none" w="med" len="med"/>
+                    </a:lnB>
+                  </a:tcPr>
+                </a:tc>
+                <a:tc>
+                  <a:txBody>
+                    <a:bodyPr/>
+                    <a:lstStyle/>
+                    <a:p>
+                      <a:endParaRPr lang="en-US" dirty="0">
+                        <a:solidFill>
+                          <a:srgbClr val="0070C0"/>
+                        </a:solidFill>
+                      </a:endParaRPr>
+                    </a:p>
+                  </a:txBody>
+                  <a:tcPr>
+                    <a:lnL w="12700" cap="flat" cmpd="sng" algn="ctr">
+                      <a:solidFill>
+                        <a:schemeClr val="tx1"/>
+                      </a:solidFill>
+                      <a:prstDash val="solid"/>
+                      <a:round/>
+                      <a:headEnd type="none" w="med" len="med"/>
+                      <a:tailEnd type="none" w="med" len="med"/>
+                    </a:lnL>
+                    <a:lnR w="12700" cap="flat" cmpd="sng" algn="ctr">
+                      <a:solidFill>
+                        <a:schemeClr val="tx1"/>
+                      </a:solidFill>
+                      <a:prstDash val="solid"/>
+                      <a:round/>
+                      <a:headEnd type="none" w="med" len="med"/>
+                      <a:tailEnd type="none" w="med" len="med"/>
+                    </a:lnR>
+                    <a:lnT w="12700" cap="flat" cmpd="sng" algn="ctr">
+                      <a:solidFill>
+                        <a:schemeClr val="tx1"/>
+                      </a:solidFill>
+                      <a:prstDash val="solid"/>
+                      <a:round/>
+                      <a:headEnd type="none" w="med" len="med"/>
+                      <a:tailEnd type="none" w="med" len="med"/>
+                    </a:lnT>
+                    <a:lnB w="12700" cap="flat" cmpd="sng" algn="ctr">
+                      <a:solidFill>
+                        <a:schemeClr val="tx1"/>
+                      </a:solidFill>
+                      <a:prstDash val="solid"/>
+                      <a:round/>
+                      <a:headEnd type="none" w="med" len="med"/>
+                      <a:tailEnd type="none" w="med" len="med"/>
+                    </a:lnB>
+                  </a:tcPr>
+                </a:tc>
+                <a:tc>
+                  <a:txBody>
+                    <a:bodyPr/>
+                    <a:lstStyle/>
+                    <a:p>
+                      <a:endParaRPr lang="en-US" dirty="0">
+                        <a:solidFill>
+                          <a:srgbClr val="0070C0"/>
+                        </a:solidFill>
+                      </a:endParaRPr>
+                    </a:p>
+                  </a:txBody>
+                  <a:tcPr>
+                    <a:lnL w="12700" cap="flat" cmpd="sng" algn="ctr">
+                      <a:solidFill>
+                        <a:schemeClr val="tx1"/>
+                      </a:solidFill>
+                      <a:prstDash val="solid"/>
+                      <a:round/>
+                      <a:headEnd type="none" w="med" len="med"/>
+                      <a:tailEnd type="none" w="med" len="med"/>
+                    </a:lnL>
+                    <a:lnR w="12700" cap="flat" cmpd="sng" algn="ctr">
+                      <a:solidFill>
+                        <a:schemeClr val="tx1"/>
+                      </a:solidFill>
+                      <a:prstDash val="solid"/>
+                      <a:round/>
+                      <a:headEnd type="none" w="med" len="med"/>
+                      <a:tailEnd type="none" w="med" len="med"/>
+                    </a:lnR>
+                    <a:lnT w="12700" cap="flat" cmpd="sng" algn="ctr">
+                      <a:solidFill>
+                        <a:schemeClr val="tx1"/>
+                      </a:solidFill>
+                      <a:prstDash val="solid"/>
+                      <a:round/>
+                      <a:headEnd type="none" w="med" len="med"/>
+                      <a:tailEnd type="none" w="med" len="med"/>
+                    </a:lnT>
+                    <a:lnB w="12700" cap="flat" cmpd="sng" algn="ctr">
+                      <a:solidFill>
+                        <a:schemeClr val="tx1"/>
+                      </a:solidFill>
+                      <a:prstDash val="solid"/>
+                      <a:round/>
+                      <a:headEnd type="none" w="med" len="med"/>
+                      <a:tailEnd type="none" w="med" len="med"/>
+                    </a:lnB>
+                  </a:tcPr>
+                </a:tc>
+                <a:tc>
+                  <a:txBody>
+                    <a:bodyPr/>
+                    <a:lstStyle/>
+                    <a:p>
+                      <a:endParaRPr lang="en-US" dirty="0">
+                        <a:solidFill>
+                          <a:srgbClr val="0070C0"/>
+                        </a:solidFill>
+                      </a:endParaRPr>
+                    </a:p>
+                  </a:txBody>
+                  <a:tcPr>
+                    <a:lnL w="12700" cap="flat" cmpd="sng" algn="ctr">
+                      <a:solidFill>
+                        <a:schemeClr val="tx1"/>
+                      </a:solidFill>
+                      <a:prstDash val="solid"/>
+                      <a:round/>
+                      <a:headEnd type="none" w="med" len="med"/>
+                      <a:tailEnd type="none" w="med" len="med"/>
+                    </a:lnL>
+                    <a:lnR w="12700" cap="flat" cmpd="sng" algn="ctr">
+                      <a:solidFill>
+                        <a:schemeClr val="tx1"/>
+                      </a:solidFill>
+                      <a:prstDash val="solid"/>
+                      <a:round/>
+                      <a:headEnd type="none" w="med" len="med"/>
+                      <a:tailEnd type="none" w="med" len="med"/>
+                    </a:lnR>
+                    <a:lnT w="12700" cap="flat" cmpd="sng" algn="ctr">
+                      <a:solidFill>
+                        <a:schemeClr val="tx1"/>
+                      </a:solidFill>
+                      <a:prstDash val="solid"/>
+                      <a:round/>
+                      <a:headEnd type="none" w="med" len="med"/>
+                      <a:tailEnd type="none" w="med" len="med"/>
+                    </a:lnT>
+                    <a:lnB w="12700" cap="flat" cmpd="sng" algn="ctr">
+                      <a:solidFill>
+                        <a:schemeClr val="tx1"/>
+                      </a:solidFill>
+                      <a:prstDash val="solid"/>
+                      <a:round/>
+                      <a:headEnd type="none" w="med" len="med"/>
+                      <a:tailEnd type="none" w="med" len="med"/>
+                    </a:lnB>
+                  </a:tcPr>
                 </a:tc>
                 <a:tc>
                   <a:txBody>
@@ -6315,12 +8412,51 @@
                     <a:lstStyle/>
                     <a:p>
                       <a:r>
-                        <a:rPr lang="en-US" dirty="0"/>
+                        <a:rPr lang="en-US" dirty="0">
+                          <a:solidFill>
+                            <a:srgbClr val="0070C0"/>
+                          </a:solidFill>
+                        </a:rPr>
                         <a:t>4</a:t>
                       </a:r>
                     </a:p>
                   </a:txBody>
-                  <a:tcPr/>
+                  <a:tcPr>
+                    <a:lnL w="12700" cap="flat" cmpd="sng" algn="ctr">
+                      <a:solidFill>
+                        <a:schemeClr val="tx1"/>
+                      </a:solidFill>
+                      <a:prstDash val="solid"/>
+                      <a:round/>
+                      <a:headEnd type="none" w="med" len="med"/>
+                      <a:tailEnd type="none" w="med" len="med"/>
+                    </a:lnL>
+                    <a:lnR w="12700" cap="flat" cmpd="sng" algn="ctr">
+                      <a:noFill/>
+                      <a:prstDash val="solid"/>
+                      <a:round/>
+                      <a:headEnd type="none" w="med" len="med"/>
+                      <a:tailEnd type="none" w="med" len="med"/>
+                    </a:lnR>
+                    <a:lnT w="12700" cap="flat" cmpd="sng" algn="ctr">
+                      <a:solidFill>
+                        <a:schemeClr val="tx1"/>
+                      </a:solidFill>
+                      <a:prstDash val="solid"/>
+                      <a:round/>
+                      <a:headEnd type="none" w="med" len="med"/>
+                      <a:tailEnd type="none" w="med" len="med"/>
+                    </a:lnT>
+                    <a:lnB w="12700" cap="flat" cmpd="sng" algn="ctr">
+                      <a:solidFill>
+                        <a:schemeClr val="tx1"/>
+                      </a:solidFill>
+                      <a:prstDash val="solid"/>
+                      <a:round/>
+                      <a:headEnd type="none" w="med" len="med"/>
+                      <a:tailEnd type="none" w="med" len="med"/>
+                    </a:lnB>
+                  </a:tcPr>
                 </a:tc>
                 <a:extLst>
                   <a:ext uri="{0D108BD9-81ED-4DB2-BD59-A6C34878D82A}">
@@ -6334,80 +8470,406 @@
                     <a:bodyPr/>
                     <a:lstStyle/>
                     <a:p>
-                      <a:endParaRPr lang="en-US" dirty="0"/>
-                    </a:p>
-                  </a:txBody>
-                  <a:tcPr/>
-                </a:tc>
-                <a:tc>
-                  <a:txBody>
-                    <a:bodyPr/>
-                    <a:lstStyle/>
-                    <a:p>
-                      <a:endParaRPr lang="en-US" dirty="0"/>
-                    </a:p>
-                  </a:txBody>
-                  <a:tcPr/>
-                </a:tc>
-                <a:tc>
-                  <a:txBody>
-                    <a:bodyPr/>
-                    <a:lstStyle/>
-                    <a:p>
-                      <a:endParaRPr lang="en-US" dirty="0"/>
-                    </a:p>
-                  </a:txBody>
-                  <a:tcPr/>
-                </a:tc>
-                <a:tc>
-                  <a:txBody>
-                    <a:bodyPr/>
-                    <a:lstStyle/>
-                    <a:p>
-                      <a:endParaRPr lang="en-US" dirty="0"/>
-                    </a:p>
-                  </a:txBody>
-                  <a:tcPr/>
-                </a:tc>
-                <a:tc>
-                  <a:txBody>
-                    <a:bodyPr/>
-                    <a:lstStyle/>
-                    <a:p>
-                      <a:endParaRPr lang="en-US" dirty="0"/>
-                    </a:p>
-                  </a:txBody>
-                  <a:tcPr/>
-                </a:tc>
-                <a:tc>
-                  <a:txBody>
-                    <a:bodyPr/>
-                    <a:lstStyle/>
-                    <a:p>
-                      <a:endParaRPr lang="en-US" dirty="0"/>
-                    </a:p>
-                  </a:txBody>
-                  <a:tcPr/>
-                </a:tc>
-                <a:tc>
-                  <a:txBody>
-                    <a:bodyPr/>
-                    <a:lstStyle/>
-                    <a:p>
-                      <a:endParaRPr lang="en-US" dirty="0"/>
-                    </a:p>
-                  </a:txBody>
-                  <a:tcPr/>
-                </a:tc>
-                <a:tc>
-                  <a:txBody>
-                    <a:bodyPr/>
-                    <a:lstStyle/>
-                    <a:p>
-                      <a:endParaRPr lang="en-US" dirty="0"/>
-                    </a:p>
-                  </a:txBody>
-                  <a:tcPr/>
+                      <a:endParaRPr lang="en-US" dirty="0">
+                        <a:solidFill>
+                          <a:srgbClr val="0070C0"/>
+                        </a:solidFill>
+                      </a:endParaRPr>
+                    </a:p>
+                  </a:txBody>
+                  <a:tcPr>
+                    <a:lnL w="12700" cap="flat" cmpd="sng" algn="ctr">
+                      <a:noFill/>
+                      <a:prstDash val="solid"/>
+                      <a:round/>
+                      <a:headEnd type="none" w="med" len="med"/>
+                      <a:tailEnd type="none" w="med" len="med"/>
+                    </a:lnL>
+                    <a:lnR w="12700" cap="flat" cmpd="sng" algn="ctr">
+                      <a:solidFill>
+                        <a:schemeClr val="tx1"/>
+                      </a:solidFill>
+                      <a:prstDash val="solid"/>
+                      <a:round/>
+                      <a:headEnd type="none" w="med" len="med"/>
+                      <a:tailEnd type="none" w="med" len="med"/>
+                    </a:lnR>
+                    <a:lnT w="12700" cap="flat" cmpd="sng" algn="ctr">
+                      <a:solidFill>
+                        <a:schemeClr val="tx1"/>
+                      </a:solidFill>
+                      <a:prstDash val="solid"/>
+                      <a:round/>
+                      <a:headEnd type="none" w="med" len="med"/>
+                      <a:tailEnd type="none" w="med" len="med"/>
+                    </a:lnT>
+                    <a:lnB w="12700" cap="flat" cmpd="sng" algn="ctr">
+                      <a:solidFill>
+                        <a:schemeClr val="tx1"/>
+                      </a:solidFill>
+                      <a:prstDash val="solid"/>
+                      <a:round/>
+                      <a:headEnd type="none" w="med" len="med"/>
+                      <a:tailEnd type="none" w="med" len="med"/>
+                    </a:lnB>
+                  </a:tcPr>
+                </a:tc>
+                <a:tc>
+                  <a:txBody>
+                    <a:bodyPr/>
+                    <a:lstStyle/>
+                    <a:p>
+                      <a:endParaRPr lang="en-US" dirty="0">
+                        <a:solidFill>
+                          <a:srgbClr val="0070C0"/>
+                        </a:solidFill>
+                      </a:endParaRPr>
+                    </a:p>
+                  </a:txBody>
+                  <a:tcPr>
+                    <a:lnL w="12700" cap="flat" cmpd="sng" algn="ctr">
+                      <a:solidFill>
+                        <a:schemeClr val="tx1"/>
+                      </a:solidFill>
+                      <a:prstDash val="solid"/>
+                      <a:round/>
+                      <a:headEnd type="none" w="med" len="med"/>
+                      <a:tailEnd type="none" w="med" len="med"/>
+                    </a:lnL>
+                    <a:lnR w="12700" cap="flat" cmpd="sng" algn="ctr">
+                      <a:solidFill>
+                        <a:schemeClr val="tx1"/>
+                      </a:solidFill>
+                      <a:prstDash val="solid"/>
+                      <a:round/>
+                      <a:headEnd type="none" w="med" len="med"/>
+                      <a:tailEnd type="none" w="med" len="med"/>
+                    </a:lnR>
+                    <a:lnT w="12700" cap="flat" cmpd="sng" algn="ctr">
+                      <a:solidFill>
+                        <a:schemeClr val="tx1"/>
+                      </a:solidFill>
+                      <a:prstDash val="solid"/>
+                      <a:round/>
+                      <a:headEnd type="none" w="med" len="med"/>
+                      <a:tailEnd type="none" w="med" len="med"/>
+                    </a:lnT>
+                    <a:lnB w="12700" cap="flat" cmpd="sng" algn="ctr">
+                      <a:solidFill>
+                        <a:schemeClr val="tx1"/>
+                      </a:solidFill>
+                      <a:prstDash val="solid"/>
+                      <a:round/>
+                      <a:headEnd type="none" w="med" len="med"/>
+                      <a:tailEnd type="none" w="med" len="med"/>
+                    </a:lnB>
+                  </a:tcPr>
+                </a:tc>
+                <a:tc>
+                  <a:txBody>
+                    <a:bodyPr/>
+                    <a:lstStyle/>
+                    <a:p>
+                      <a:endParaRPr lang="en-US" dirty="0">
+                        <a:solidFill>
+                          <a:srgbClr val="0070C0"/>
+                        </a:solidFill>
+                      </a:endParaRPr>
+                    </a:p>
+                  </a:txBody>
+                  <a:tcPr>
+                    <a:lnL w="12700" cap="flat" cmpd="sng" algn="ctr">
+                      <a:solidFill>
+                        <a:schemeClr val="tx1"/>
+                      </a:solidFill>
+                      <a:prstDash val="solid"/>
+                      <a:round/>
+                      <a:headEnd type="none" w="med" len="med"/>
+                      <a:tailEnd type="none" w="med" len="med"/>
+                    </a:lnL>
+                    <a:lnR w="12700" cap="flat" cmpd="sng" algn="ctr">
+                      <a:solidFill>
+                        <a:schemeClr val="tx1"/>
+                      </a:solidFill>
+                      <a:prstDash val="solid"/>
+                      <a:round/>
+                      <a:headEnd type="none" w="med" len="med"/>
+                      <a:tailEnd type="none" w="med" len="med"/>
+                    </a:lnR>
+                    <a:lnT w="12700" cap="flat" cmpd="sng" algn="ctr">
+                      <a:solidFill>
+                        <a:schemeClr val="tx1"/>
+                      </a:solidFill>
+                      <a:prstDash val="solid"/>
+                      <a:round/>
+                      <a:headEnd type="none" w="med" len="med"/>
+                      <a:tailEnd type="none" w="med" len="med"/>
+                    </a:lnT>
+                    <a:lnB w="12700" cap="flat" cmpd="sng" algn="ctr">
+                      <a:solidFill>
+                        <a:schemeClr val="tx1"/>
+                      </a:solidFill>
+                      <a:prstDash val="solid"/>
+                      <a:round/>
+                      <a:headEnd type="none" w="med" len="med"/>
+                      <a:tailEnd type="none" w="med" len="med"/>
+                    </a:lnB>
+                  </a:tcPr>
+                </a:tc>
+                <a:tc>
+                  <a:txBody>
+                    <a:bodyPr/>
+                    <a:lstStyle/>
+                    <a:p>
+                      <a:endParaRPr lang="en-US" dirty="0">
+                        <a:solidFill>
+                          <a:srgbClr val="0070C0"/>
+                        </a:solidFill>
+                      </a:endParaRPr>
+                    </a:p>
+                  </a:txBody>
+                  <a:tcPr>
+                    <a:lnL w="12700" cap="flat" cmpd="sng" algn="ctr">
+                      <a:solidFill>
+                        <a:schemeClr val="tx1"/>
+                      </a:solidFill>
+                      <a:prstDash val="solid"/>
+                      <a:round/>
+                      <a:headEnd type="none" w="med" len="med"/>
+                      <a:tailEnd type="none" w="med" len="med"/>
+                    </a:lnL>
+                    <a:lnR w="12700" cap="flat" cmpd="sng" algn="ctr">
+                      <a:solidFill>
+                        <a:schemeClr val="tx1"/>
+                      </a:solidFill>
+                      <a:prstDash val="solid"/>
+                      <a:round/>
+                      <a:headEnd type="none" w="med" len="med"/>
+                      <a:tailEnd type="none" w="med" len="med"/>
+                    </a:lnR>
+                    <a:lnT w="12700" cap="flat" cmpd="sng" algn="ctr">
+                      <a:solidFill>
+                        <a:schemeClr val="tx1"/>
+                      </a:solidFill>
+                      <a:prstDash val="solid"/>
+                      <a:round/>
+                      <a:headEnd type="none" w="med" len="med"/>
+                      <a:tailEnd type="none" w="med" len="med"/>
+                    </a:lnT>
+                    <a:lnB w="12700" cap="flat" cmpd="sng" algn="ctr">
+                      <a:solidFill>
+                        <a:schemeClr val="tx1"/>
+                      </a:solidFill>
+                      <a:prstDash val="solid"/>
+                      <a:round/>
+                      <a:headEnd type="none" w="med" len="med"/>
+                      <a:tailEnd type="none" w="med" len="med"/>
+                    </a:lnB>
+                  </a:tcPr>
+                </a:tc>
+                <a:tc>
+                  <a:txBody>
+                    <a:bodyPr/>
+                    <a:lstStyle/>
+                    <a:p>
+                      <a:endParaRPr lang="en-US" dirty="0">
+                        <a:solidFill>
+                          <a:srgbClr val="0070C0"/>
+                        </a:solidFill>
+                      </a:endParaRPr>
+                    </a:p>
+                  </a:txBody>
+                  <a:tcPr>
+                    <a:lnL w="12700" cap="flat" cmpd="sng" algn="ctr">
+                      <a:solidFill>
+                        <a:schemeClr val="tx1"/>
+                      </a:solidFill>
+                      <a:prstDash val="solid"/>
+                      <a:round/>
+                      <a:headEnd type="none" w="med" len="med"/>
+                      <a:tailEnd type="none" w="med" len="med"/>
+                    </a:lnL>
+                    <a:lnR w="12700" cap="flat" cmpd="sng" algn="ctr">
+                      <a:solidFill>
+                        <a:schemeClr val="tx1"/>
+                      </a:solidFill>
+                      <a:prstDash val="solid"/>
+                      <a:round/>
+                      <a:headEnd type="none" w="med" len="med"/>
+                      <a:tailEnd type="none" w="med" len="med"/>
+                    </a:lnR>
+                    <a:lnT w="12700" cap="flat" cmpd="sng" algn="ctr">
+                      <a:solidFill>
+                        <a:schemeClr val="tx1"/>
+                      </a:solidFill>
+                      <a:prstDash val="solid"/>
+                      <a:round/>
+                      <a:headEnd type="none" w="med" len="med"/>
+                      <a:tailEnd type="none" w="med" len="med"/>
+                    </a:lnT>
+                    <a:lnB w="12700" cap="flat" cmpd="sng" algn="ctr">
+                      <a:solidFill>
+                        <a:schemeClr val="tx1"/>
+                      </a:solidFill>
+                      <a:prstDash val="solid"/>
+                      <a:round/>
+                      <a:headEnd type="none" w="med" len="med"/>
+                      <a:tailEnd type="none" w="med" len="med"/>
+                    </a:lnB>
+                  </a:tcPr>
+                </a:tc>
+                <a:tc>
+                  <a:txBody>
+                    <a:bodyPr/>
+                    <a:lstStyle/>
+                    <a:p>
+                      <a:endParaRPr lang="en-US" dirty="0">
+                        <a:solidFill>
+                          <a:srgbClr val="0070C0"/>
+                        </a:solidFill>
+                      </a:endParaRPr>
+                    </a:p>
+                  </a:txBody>
+                  <a:tcPr>
+                    <a:lnL w="12700" cap="flat" cmpd="sng" algn="ctr">
+                      <a:solidFill>
+                        <a:schemeClr val="tx1"/>
+                      </a:solidFill>
+                      <a:prstDash val="solid"/>
+                      <a:round/>
+                      <a:headEnd type="none" w="med" len="med"/>
+                      <a:tailEnd type="none" w="med" len="med"/>
+                    </a:lnL>
+                    <a:lnR w="12700" cap="flat" cmpd="sng" algn="ctr">
+                      <a:solidFill>
+                        <a:schemeClr val="tx1"/>
+                      </a:solidFill>
+                      <a:prstDash val="solid"/>
+                      <a:round/>
+                      <a:headEnd type="none" w="med" len="med"/>
+                      <a:tailEnd type="none" w="med" len="med"/>
+                    </a:lnR>
+                    <a:lnT w="12700" cap="flat" cmpd="sng" algn="ctr">
+                      <a:solidFill>
+                        <a:schemeClr val="tx1"/>
+                      </a:solidFill>
+                      <a:prstDash val="solid"/>
+                      <a:round/>
+                      <a:headEnd type="none" w="med" len="med"/>
+                      <a:tailEnd type="none" w="med" len="med"/>
+                    </a:lnT>
+                    <a:lnB w="12700" cap="flat" cmpd="sng" algn="ctr">
+                      <a:solidFill>
+                        <a:schemeClr val="tx1"/>
+                      </a:solidFill>
+                      <a:prstDash val="solid"/>
+                      <a:round/>
+                      <a:headEnd type="none" w="med" len="med"/>
+                      <a:tailEnd type="none" w="med" len="med"/>
+                    </a:lnB>
+                  </a:tcPr>
+                </a:tc>
+                <a:tc>
+                  <a:txBody>
+                    <a:bodyPr/>
+                    <a:lstStyle/>
+                    <a:p>
+                      <a:endParaRPr lang="en-US" dirty="0">
+                        <a:solidFill>
+                          <a:srgbClr val="0070C0"/>
+                        </a:solidFill>
+                      </a:endParaRPr>
+                    </a:p>
+                  </a:txBody>
+                  <a:tcPr>
+                    <a:lnL w="12700" cap="flat" cmpd="sng" algn="ctr">
+                      <a:solidFill>
+                        <a:schemeClr val="tx1"/>
+                      </a:solidFill>
+                      <a:prstDash val="solid"/>
+                      <a:round/>
+                      <a:headEnd type="none" w="med" len="med"/>
+                      <a:tailEnd type="none" w="med" len="med"/>
+                    </a:lnL>
+                    <a:lnR w="12700" cap="flat" cmpd="sng" algn="ctr">
+                      <a:solidFill>
+                        <a:schemeClr val="tx1"/>
+                      </a:solidFill>
+                      <a:prstDash val="solid"/>
+                      <a:round/>
+                      <a:headEnd type="none" w="med" len="med"/>
+                      <a:tailEnd type="none" w="med" len="med"/>
+                    </a:lnR>
+                    <a:lnT w="12700" cap="flat" cmpd="sng" algn="ctr">
+                      <a:solidFill>
+                        <a:schemeClr val="tx1"/>
+                      </a:solidFill>
+                      <a:prstDash val="solid"/>
+                      <a:round/>
+                      <a:headEnd type="none" w="med" len="med"/>
+                      <a:tailEnd type="none" w="med" len="med"/>
+                    </a:lnT>
+                    <a:lnB w="12700" cap="flat" cmpd="sng" algn="ctr">
+                      <a:solidFill>
+                        <a:schemeClr val="tx1"/>
+                      </a:solidFill>
+                      <a:prstDash val="solid"/>
+                      <a:round/>
+                      <a:headEnd type="none" w="med" len="med"/>
+                      <a:tailEnd type="none" w="med" len="med"/>
+                    </a:lnB>
+                  </a:tcPr>
+                </a:tc>
+                <a:tc>
+                  <a:txBody>
+                    <a:bodyPr/>
+                    <a:lstStyle/>
+                    <a:p>
+                      <a:endParaRPr lang="en-US" dirty="0">
+                        <a:solidFill>
+                          <a:srgbClr val="0070C0"/>
+                        </a:solidFill>
+                      </a:endParaRPr>
+                    </a:p>
+                  </a:txBody>
+                  <a:tcPr>
+                    <a:lnL w="12700" cap="flat" cmpd="sng" algn="ctr">
+                      <a:solidFill>
+                        <a:schemeClr val="tx1"/>
+                      </a:solidFill>
+                      <a:prstDash val="solid"/>
+                      <a:round/>
+                      <a:headEnd type="none" w="med" len="med"/>
+                      <a:tailEnd type="none" w="med" len="med"/>
+                    </a:lnL>
+                    <a:lnR w="12700" cap="flat" cmpd="sng" algn="ctr">
+                      <a:solidFill>
+                        <a:schemeClr val="tx1"/>
+                      </a:solidFill>
+                      <a:prstDash val="solid"/>
+                      <a:round/>
+                      <a:headEnd type="none" w="med" len="med"/>
+                      <a:tailEnd type="none" w="med" len="med"/>
+                    </a:lnR>
+                    <a:lnT w="12700" cap="flat" cmpd="sng" algn="ctr">
+                      <a:solidFill>
+                        <a:schemeClr val="tx1"/>
+                      </a:solidFill>
+                      <a:prstDash val="solid"/>
+                      <a:round/>
+                      <a:headEnd type="none" w="med" len="med"/>
+                      <a:tailEnd type="none" w="med" len="med"/>
+                    </a:lnT>
+                    <a:lnB w="12700" cap="flat" cmpd="sng" algn="ctr">
+                      <a:solidFill>
+                        <a:schemeClr val="tx1"/>
+                      </a:solidFill>
+                      <a:prstDash val="solid"/>
+                      <a:round/>
+                      <a:headEnd type="none" w="med" len="med"/>
+                      <a:tailEnd type="none" w="med" len="med"/>
+                    </a:lnB>
+                  </a:tcPr>
                 </a:tc>
                 <a:tc>
                   <a:txBody>
@@ -6415,12 +8877,51 @@
                     <a:lstStyle/>
                     <a:p>
                       <a:r>
-                        <a:rPr lang="en-US" dirty="0"/>
+                        <a:rPr lang="en-US" dirty="0">
+                          <a:solidFill>
+                            <a:srgbClr val="0070C0"/>
+                          </a:solidFill>
+                        </a:rPr>
                         <a:t>5</a:t>
                       </a:r>
                     </a:p>
                   </a:txBody>
-                  <a:tcPr/>
+                  <a:tcPr>
+                    <a:lnL w="12700" cap="flat" cmpd="sng" algn="ctr">
+                      <a:solidFill>
+                        <a:schemeClr val="tx1"/>
+                      </a:solidFill>
+                      <a:prstDash val="solid"/>
+                      <a:round/>
+                      <a:headEnd type="none" w="med" len="med"/>
+                      <a:tailEnd type="none" w="med" len="med"/>
+                    </a:lnL>
+                    <a:lnR w="12700" cap="flat" cmpd="sng" algn="ctr">
+                      <a:noFill/>
+                      <a:prstDash val="solid"/>
+                      <a:round/>
+                      <a:headEnd type="none" w="med" len="med"/>
+                      <a:tailEnd type="none" w="med" len="med"/>
+                    </a:lnR>
+                    <a:lnT w="12700" cap="flat" cmpd="sng" algn="ctr">
+                      <a:solidFill>
+                        <a:schemeClr val="tx1"/>
+                      </a:solidFill>
+                      <a:prstDash val="solid"/>
+                      <a:round/>
+                      <a:headEnd type="none" w="med" len="med"/>
+                      <a:tailEnd type="none" w="med" len="med"/>
+                    </a:lnT>
+                    <a:lnB w="12700" cap="flat" cmpd="sng" algn="ctr">
+                      <a:solidFill>
+                        <a:schemeClr val="tx1"/>
+                      </a:solidFill>
+                      <a:prstDash val="solid"/>
+                      <a:round/>
+                      <a:headEnd type="none" w="med" len="med"/>
+                      <a:tailEnd type="none" w="med" len="med"/>
+                    </a:lnB>
+                  </a:tcPr>
                 </a:tc>
                 <a:extLst>
                   <a:ext uri="{0D108BD9-81ED-4DB2-BD59-A6C34878D82A}">
@@ -6434,80 +8935,406 @@
                     <a:bodyPr/>
                     <a:lstStyle/>
                     <a:p>
-                      <a:endParaRPr lang="en-US" dirty="0"/>
-                    </a:p>
-                  </a:txBody>
-                  <a:tcPr/>
-                </a:tc>
-                <a:tc>
-                  <a:txBody>
-                    <a:bodyPr/>
-                    <a:lstStyle/>
-                    <a:p>
-                      <a:endParaRPr lang="en-US" dirty="0"/>
-                    </a:p>
-                  </a:txBody>
-                  <a:tcPr/>
-                </a:tc>
-                <a:tc>
-                  <a:txBody>
-                    <a:bodyPr/>
-                    <a:lstStyle/>
-                    <a:p>
-                      <a:endParaRPr lang="en-US" dirty="0"/>
-                    </a:p>
-                  </a:txBody>
-                  <a:tcPr/>
-                </a:tc>
-                <a:tc>
-                  <a:txBody>
-                    <a:bodyPr/>
-                    <a:lstStyle/>
-                    <a:p>
-                      <a:endParaRPr lang="en-US" dirty="0"/>
-                    </a:p>
-                  </a:txBody>
-                  <a:tcPr/>
-                </a:tc>
-                <a:tc>
-                  <a:txBody>
-                    <a:bodyPr/>
-                    <a:lstStyle/>
-                    <a:p>
-                      <a:endParaRPr lang="en-US" dirty="0"/>
-                    </a:p>
-                  </a:txBody>
-                  <a:tcPr/>
-                </a:tc>
-                <a:tc>
-                  <a:txBody>
-                    <a:bodyPr/>
-                    <a:lstStyle/>
-                    <a:p>
-                      <a:endParaRPr lang="en-US" dirty="0"/>
-                    </a:p>
-                  </a:txBody>
-                  <a:tcPr/>
-                </a:tc>
-                <a:tc>
-                  <a:txBody>
-                    <a:bodyPr/>
-                    <a:lstStyle/>
-                    <a:p>
-                      <a:endParaRPr lang="en-US" dirty="0"/>
-                    </a:p>
-                  </a:txBody>
-                  <a:tcPr/>
-                </a:tc>
-                <a:tc>
-                  <a:txBody>
-                    <a:bodyPr/>
-                    <a:lstStyle/>
-                    <a:p>
-                      <a:endParaRPr lang="en-US" dirty="0"/>
-                    </a:p>
-                  </a:txBody>
-                  <a:tcPr/>
+                      <a:endParaRPr lang="en-US" dirty="0">
+                        <a:solidFill>
+                          <a:srgbClr val="0070C0"/>
+                        </a:solidFill>
+                      </a:endParaRPr>
+                    </a:p>
+                  </a:txBody>
+                  <a:tcPr>
+                    <a:lnL w="12700" cap="flat" cmpd="sng" algn="ctr">
+                      <a:noFill/>
+                      <a:prstDash val="solid"/>
+                      <a:round/>
+                      <a:headEnd type="none" w="med" len="med"/>
+                      <a:tailEnd type="none" w="med" len="med"/>
+                    </a:lnL>
+                    <a:lnR w="12700" cap="flat" cmpd="sng" algn="ctr">
+                      <a:solidFill>
+                        <a:schemeClr val="tx1"/>
+                      </a:solidFill>
+                      <a:prstDash val="solid"/>
+                      <a:round/>
+                      <a:headEnd type="none" w="med" len="med"/>
+                      <a:tailEnd type="none" w="med" len="med"/>
+                    </a:lnR>
+                    <a:lnT w="12700" cap="flat" cmpd="sng" algn="ctr">
+                      <a:solidFill>
+                        <a:schemeClr val="tx1"/>
+                      </a:solidFill>
+                      <a:prstDash val="solid"/>
+                      <a:round/>
+                      <a:headEnd type="none" w="med" len="med"/>
+                      <a:tailEnd type="none" w="med" len="med"/>
+                    </a:lnT>
+                    <a:lnB w="12700" cap="flat" cmpd="sng" algn="ctr">
+                      <a:solidFill>
+                        <a:schemeClr val="tx1"/>
+                      </a:solidFill>
+                      <a:prstDash val="solid"/>
+                      <a:round/>
+                      <a:headEnd type="none" w="med" len="med"/>
+                      <a:tailEnd type="none" w="med" len="med"/>
+                    </a:lnB>
+                  </a:tcPr>
+                </a:tc>
+                <a:tc>
+                  <a:txBody>
+                    <a:bodyPr/>
+                    <a:lstStyle/>
+                    <a:p>
+                      <a:endParaRPr lang="en-US" dirty="0">
+                        <a:solidFill>
+                          <a:srgbClr val="0070C0"/>
+                        </a:solidFill>
+                      </a:endParaRPr>
+                    </a:p>
+                  </a:txBody>
+                  <a:tcPr>
+                    <a:lnL w="12700" cap="flat" cmpd="sng" algn="ctr">
+                      <a:solidFill>
+                        <a:schemeClr val="tx1"/>
+                      </a:solidFill>
+                      <a:prstDash val="solid"/>
+                      <a:round/>
+                      <a:headEnd type="none" w="med" len="med"/>
+                      <a:tailEnd type="none" w="med" len="med"/>
+                    </a:lnL>
+                    <a:lnR w="12700" cap="flat" cmpd="sng" algn="ctr">
+                      <a:solidFill>
+                        <a:schemeClr val="tx1"/>
+                      </a:solidFill>
+                      <a:prstDash val="solid"/>
+                      <a:round/>
+                      <a:headEnd type="none" w="med" len="med"/>
+                      <a:tailEnd type="none" w="med" len="med"/>
+                    </a:lnR>
+                    <a:lnT w="12700" cap="flat" cmpd="sng" algn="ctr">
+                      <a:solidFill>
+                        <a:schemeClr val="tx1"/>
+                      </a:solidFill>
+                      <a:prstDash val="solid"/>
+                      <a:round/>
+                      <a:headEnd type="none" w="med" len="med"/>
+                      <a:tailEnd type="none" w="med" len="med"/>
+                    </a:lnT>
+                    <a:lnB w="12700" cap="flat" cmpd="sng" algn="ctr">
+                      <a:solidFill>
+                        <a:schemeClr val="tx1"/>
+                      </a:solidFill>
+                      <a:prstDash val="solid"/>
+                      <a:round/>
+                      <a:headEnd type="none" w="med" len="med"/>
+                      <a:tailEnd type="none" w="med" len="med"/>
+                    </a:lnB>
+                  </a:tcPr>
+                </a:tc>
+                <a:tc>
+                  <a:txBody>
+                    <a:bodyPr/>
+                    <a:lstStyle/>
+                    <a:p>
+                      <a:endParaRPr lang="en-US" dirty="0">
+                        <a:solidFill>
+                          <a:srgbClr val="0070C0"/>
+                        </a:solidFill>
+                      </a:endParaRPr>
+                    </a:p>
+                  </a:txBody>
+                  <a:tcPr>
+                    <a:lnL w="12700" cap="flat" cmpd="sng" algn="ctr">
+                      <a:solidFill>
+                        <a:schemeClr val="tx1"/>
+                      </a:solidFill>
+                      <a:prstDash val="solid"/>
+                      <a:round/>
+                      <a:headEnd type="none" w="med" len="med"/>
+                      <a:tailEnd type="none" w="med" len="med"/>
+                    </a:lnL>
+                    <a:lnR w="12700" cap="flat" cmpd="sng" algn="ctr">
+                      <a:solidFill>
+                        <a:schemeClr val="tx1"/>
+                      </a:solidFill>
+                      <a:prstDash val="solid"/>
+                      <a:round/>
+                      <a:headEnd type="none" w="med" len="med"/>
+                      <a:tailEnd type="none" w="med" len="med"/>
+                    </a:lnR>
+                    <a:lnT w="12700" cap="flat" cmpd="sng" algn="ctr">
+                      <a:solidFill>
+                        <a:schemeClr val="tx1"/>
+                      </a:solidFill>
+                      <a:prstDash val="solid"/>
+                      <a:round/>
+                      <a:headEnd type="none" w="med" len="med"/>
+                      <a:tailEnd type="none" w="med" len="med"/>
+                    </a:lnT>
+                    <a:lnB w="12700" cap="flat" cmpd="sng" algn="ctr">
+                      <a:solidFill>
+                        <a:schemeClr val="tx1"/>
+                      </a:solidFill>
+                      <a:prstDash val="solid"/>
+                      <a:round/>
+                      <a:headEnd type="none" w="med" len="med"/>
+                      <a:tailEnd type="none" w="med" len="med"/>
+                    </a:lnB>
+                  </a:tcPr>
+                </a:tc>
+                <a:tc>
+                  <a:txBody>
+                    <a:bodyPr/>
+                    <a:lstStyle/>
+                    <a:p>
+                      <a:endParaRPr lang="en-US" dirty="0">
+                        <a:solidFill>
+                          <a:srgbClr val="0070C0"/>
+                        </a:solidFill>
+                      </a:endParaRPr>
+                    </a:p>
+                  </a:txBody>
+                  <a:tcPr>
+                    <a:lnL w="12700" cap="flat" cmpd="sng" algn="ctr">
+                      <a:solidFill>
+                        <a:schemeClr val="tx1"/>
+                      </a:solidFill>
+                      <a:prstDash val="solid"/>
+                      <a:round/>
+                      <a:headEnd type="none" w="med" len="med"/>
+                      <a:tailEnd type="none" w="med" len="med"/>
+                    </a:lnL>
+                    <a:lnR w="12700" cap="flat" cmpd="sng" algn="ctr">
+                      <a:solidFill>
+                        <a:schemeClr val="tx1"/>
+                      </a:solidFill>
+                      <a:prstDash val="solid"/>
+                      <a:round/>
+                      <a:headEnd type="none" w="med" len="med"/>
+                      <a:tailEnd type="none" w="med" len="med"/>
+                    </a:lnR>
+                    <a:lnT w="12700" cap="flat" cmpd="sng" algn="ctr">
+                      <a:solidFill>
+                        <a:schemeClr val="tx1"/>
+                      </a:solidFill>
+                      <a:prstDash val="solid"/>
+                      <a:round/>
+                      <a:headEnd type="none" w="med" len="med"/>
+                      <a:tailEnd type="none" w="med" len="med"/>
+                    </a:lnT>
+                    <a:lnB w="12700" cap="flat" cmpd="sng" algn="ctr">
+                      <a:solidFill>
+                        <a:schemeClr val="tx1"/>
+                      </a:solidFill>
+                      <a:prstDash val="solid"/>
+                      <a:round/>
+                      <a:headEnd type="none" w="med" len="med"/>
+                      <a:tailEnd type="none" w="med" len="med"/>
+                    </a:lnB>
+                  </a:tcPr>
+                </a:tc>
+                <a:tc>
+                  <a:txBody>
+                    <a:bodyPr/>
+                    <a:lstStyle/>
+                    <a:p>
+                      <a:endParaRPr lang="en-US" dirty="0">
+                        <a:solidFill>
+                          <a:srgbClr val="0070C0"/>
+                        </a:solidFill>
+                      </a:endParaRPr>
+                    </a:p>
+                  </a:txBody>
+                  <a:tcPr>
+                    <a:lnL w="12700" cap="flat" cmpd="sng" algn="ctr">
+                      <a:solidFill>
+                        <a:schemeClr val="tx1"/>
+                      </a:solidFill>
+                      <a:prstDash val="solid"/>
+                      <a:round/>
+                      <a:headEnd type="none" w="med" len="med"/>
+                      <a:tailEnd type="none" w="med" len="med"/>
+                    </a:lnL>
+                    <a:lnR w="12700" cap="flat" cmpd="sng" algn="ctr">
+                      <a:solidFill>
+                        <a:schemeClr val="tx1"/>
+                      </a:solidFill>
+                      <a:prstDash val="solid"/>
+                      <a:round/>
+                      <a:headEnd type="none" w="med" len="med"/>
+                      <a:tailEnd type="none" w="med" len="med"/>
+                    </a:lnR>
+                    <a:lnT w="12700" cap="flat" cmpd="sng" algn="ctr">
+                      <a:solidFill>
+                        <a:schemeClr val="tx1"/>
+                      </a:solidFill>
+                      <a:prstDash val="solid"/>
+                      <a:round/>
+                      <a:headEnd type="none" w="med" len="med"/>
+                      <a:tailEnd type="none" w="med" len="med"/>
+                    </a:lnT>
+                    <a:lnB w="12700" cap="flat" cmpd="sng" algn="ctr">
+                      <a:solidFill>
+                        <a:schemeClr val="tx1"/>
+                      </a:solidFill>
+                      <a:prstDash val="solid"/>
+                      <a:round/>
+                      <a:headEnd type="none" w="med" len="med"/>
+                      <a:tailEnd type="none" w="med" len="med"/>
+                    </a:lnB>
+                  </a:tcPr>
+                </a:tc>
+                <a:tc>
+                  <a:txBody>
+                    <a:bodyPr/>
+                    <a:lstStyle/>
+                    <a:p>
+                      <a:endParaRPr lang="en-US" dirty="0">
+                        <a:solidFill>
+                          <a:srgbClr val="0070C0"/>
+                        </a:solidFill>
+                      </a:endParaRPr>
+                    </a:p>
+                  </a:txBody>
+                  <a:tcPr>
+                    <a:lnL w="12700" cap="flat" cmpd="sng" algn="ctr">
+                      <a:solidFill>
+                        <a:schemeClr val="tx1"/>
+                      </a:solidFill>
+                      <a:prstDash val="solid"/>
+                      <a:round/>
+                      <a:headEnd type="none" w="med" len="med"/>
+                      <a:tailEnd type="none" w="med" len="med"/>
+                    </a:lnL>
+                    <a:lnR w="12700" cap="flat" cmpd="sng" algn="ctr">
+                      <a:solidFill>
+                        <a:schemeClr val="tx1"/>
+                      </a:solidFill>
+                      <a:prstDash val="solid"/>
+                      <a:round/>
+                      <a:headEnd type="none" w="med" len="med"/>
+                      <a:tailEnd type="none" w="med" len="med"/>
+                    </a:lnR>
+                    <a:lnT w="12700" cap="flat" cmpd="sng" algn="ctr">
+                      <a:solidFill>
+                        <a:schemeClr val="tx1"/>
+                      </a:solidFill>
+                      <a:prstDash val="solid"/>
+                      <a:round/>
+                      <a:headEnd type="none" w="med" len="med"/>
+                      <a:tailEnd type="none" w="med" len="med"/>
+                    </a:lnT>
+                    <a:lnB w="12700" cap="flat" cmpd="sng" algn="ctr">
+                      <a:solidFill>
+                        <a:schemeClr val="tx1"/>
+                      </a:solidFill>
+                      <a:prstDash val="solid"/>
+                      <a:round/>
+                      <a:headEnd type="none" w="med" len="med"/>
+                      <a:tailEnd type="none" w="med" len="med"/>
+                    </a:lnB>
+                  </a:tcPr>
+                </a:tc>
+                <a:tc>
+                  <a:txBody>
+                    <a:bodyPr/>
+                    <a:lstStyle/>
+                    <a:p>
+                      <a:endParaRPr lang="en-US" dirty="0">
+                        <a:solidFill>
+                          <a:srgbClr val="0070C0"/>
+                        </a:solidFill>
+                      </a:endParaRPr>
+                    </a:p>
+                  </a:txBody>
+                  <a:tcPr>
+                    <a:lnL w="12700" cap="flat" cmpd="sng" algn="ctr">
+                      <a:solidFill>
+                        <a:schemeClr val="tx1"/>
+                      </a:solidFill>
+                      <a:prstDash val="solid"/>
+                      <a:round/>
+                      <a:headEnd type="none" w="med" len="med"/>
+                      <a:tailEnd type="none" w="med" len="med"/>
+                    </a:lnL>
+                    <a:lnR w="12700" cap="flat" cmpd="sng" algn="ctr">
+                      <a:solidFill>
+                        <a:schemeClr val="tx1"/>
+                      </a:solidFill>
+                      <a:prstDash val="solid"/>
+                      <a:round/>
+                      <a:headEnd type="none" w="med" len="med"/>
+                      <a:tailEnd type="none" w="med" len="med"/>
+                    </a:lnR>
+                    <a:lnT w="12700" cap="flat" cmpd="sng" algn="ctr">
+                      <a:solidFill>
+                        <a:schemeClr val="tx1"/>
+                      </a:solidFill>
+                      <a:prstDash val="solid"/>
+                      <a:round/>
+                      <a:headEnd type="none" w="med" len="med"/>
+                      <a:tailEnd type="none" w="med" len="med"/>
+                    </a:lnT>
+                    <a:lnB w="12700" cap="flat" cmpd="sng" algn="ctr">
+                      <a:solidFill>
+                        <a:schemeClr val="tx1"/>
+                      </a:solidFill>
+                      <a:prstDash val="solid"/>
+                      <a:round/>
+                      <a:headEnd type="none" w="med" len="med"/>
+                      <a:tailEnd type="none" w="med" len="med"/>
+                    </a:lnB>
+                  </a:tcPr>
+                </a:tc>
+                <a:tc>
+                  <a:txBody>
+                    <a:bodyPr/>
+                    <a:lstStyle/>
+                    <a:p>
+                      <a:endParaRPr lang="en-US" dirty="0">
+                        <a:solidFill>
+                          <a:srgbClr val="0070C0"/>
+                        </a:solidFill>
+                      </a:endParaRPr>
+                    </a:p>
+                  </a:txBody>
+                  <a:tcPr>
+                    <a:lnL w="12700" cap="flat" cmpd="sng" algn="ctr">
+                      <a:solidFill>
+                        <a:schemeClr val="tx1"/>
+                      </a:solidFill>
+                      <a:prstDash val="solid"/>
+                      <a:round/>
+                      <a:headEnd type="none" w="med" len="med"/>
+                      <a:tailEnd type="none" w="med" len="med"/>
+                    </a:lnL>
+                    <a:lnR w="12700" cap="flat" cmpd="sng" algn="ctr">
+                      <a:solidFill>
+                        <a:schemeClr val="tx1"/>
+                      </a:solidFill>
+                      <a:prstDash val="solid"/>
+                      <a:round/>
+                      <a:headEnd type="none" w="med" len="med"/>
+                      <a:tailEnd type="none" w="med" len="med"/>
+                    </a:lnR>
+                    <a:lnT w="12700" cap="flat" cmpd="sng" algn="ctr">
+                      <a:solidFill>
+                        <a:schemeClr val="tx1"/>
+                      </a:solidFill>
+                      <a:prstDash val="solid"/>
+                      <a:round/>
+                      <a:headEnd type="none" w="med" len="med"/>
+                      <a:tailEnd type="none" w="med" len="med"/>
+                    </a:lnT>
+                    <a:lnB w="12700" cap="flat" cmpd="sng" algn="ctr">
+                      <a:solidFill>
+                        <a:schemeClr val="tx1"/>
+                      </a:solidFill>
+                      <a:prstDash val="solid"/>
+                      <a:round/>
+                      <a:headEnd type="none" w="med" len="med"/>
+                      <a:tailEnd type="none" w="med" len="med"/>
+                    </a:lnB>
+                  </a:tcPr>
                 </a:tc>
                 <a:tc>
                   <a:txBody>
@@ -6515,12 +9342,51 @@
                     <a:lstStyle/>
                     <a:p>
                       <a:r>
-                        <a:rPr lang="en-US" dirty="0"/>
+                        <a:rPr lang="en-US" dirty="0">
+                          <a:solidFill>
+                            <a:srgbClr val="0070C0"/>
+                          </a:solidFill>
+                        </a:rPr>
                         <a:t>10</a:t>
                       </a:r>
                     </a:p>
                   </a:txBody>
-                  <a:tcPr/>
+                  <a:tcPr>
+                    <a:lnL w="12700" cap="flat" cmpd="sng" algn="ctr">
+                      <a:solidFill>
+                        <a:schemeClr val="tx1"/>
+                      </a:solidFill>
+                      <a:prstDash val="solid"/>
+                      <a:round/>
+                      <a:headEnd type="none" w="med" len="med"/>
+                      <a:tailEnd type="none" w="med" len="med"/>
+                    </a:lnL>
+                    <a:lnR w="12700" cap="flat" cmpd="sng" algn="ctr">
+                      <a:noFill/>
+                      <a:prstDash val="solid"/>
+                      <a:round/>
+                      <a:headEnd type="none" w="med" len="med"/>
+                      <a:tailEnd type="none" w="med" len="med"/>
+                    </a:lnR>
+                    <a:lnT w="12700" cap="flat" cmpd="sng" algn="ctr">
+                      <a:solidFill>
+                        <a:schemeClr val="tx1"/>
+                      </a:solidFill>
+                      <a:prstDash val="solid"/>
+                      <a:round/>
+                      <a:headEnd type="none" w="med" len="med"/>
+                      <a:tailEnd type="none" w="med" len="med"/>
+                    </a:lnT>
+                    <a:lnB w="12700" cap="flat" cmpd="sng" algn="ctr">
+                      <a:solidFill>
+                        <a:schemeClr val="tx1"/>
+                      </a:solidFill>
+                      <a:prstDash val="solid"/>
+                      <a:round/>
+                      <a:headEnd type="none" w="med" len="med"/>
+                      <a:tailEnd type="none" w="med" len="med"/>
+                    </a:lnB>
+                  </a:tcPr>
                 </a:tc>
                 <a:extLst>
                   <a:ext uri="{0D108BD9-81ED-4DB2-BD59-A6C34878D82A}">
@@ -6534,80 +9400,390 @@
                     <a:bodyPr/>
                     <a:lstStyle/>
                     <a:p>
-                      <a:endParaRPr lang="en-US" dirty="0"/>
-                    </a:p>
-                  </a:txBody>
-                  <a:tcPr/>
-                </a:tc>
-                <a:tc>
-                  <a:txBody>
-                    <a:bodyPr/>
-                    <a:lstStyle/>
-                    <a:p>
-                      <a:endParaRPr lang="en-US" dirty="0"/>
-                    </a:p>
-                  </a:txBody>
-                  <a:tcPr/>
-                </a:tc>
-                <a:tc>
-                  <a:txBody>
-                    <a:bodyPr/>
-                    <a:lstStyle/>
-                    <a:p>
-                      <a:endParaRPr lang="en-US" dirty="0"/>
-                    </a:p>
-                  </a:txBody>
-                  <a:tcPr/>
-                </a:tc>
-                <a:tc>
-                  <a:txBody>
-                    <a:bodyPr/>
-                    <a:lstStyle/>
-                    <a:p>
-                      <a:endParaRPr lang="en-US" dirty="0"/>
-                    </a:p>
-                  </a:txBody>
-                  <a:tcPr/>
-                </a:tc>
-                <a:tc>
-                  <a:txBody>
-                    <a:bodyPr/>
-                    <a:lstStyle/>
-                    <a:p>
-                      <a:endParaRPr lang="en-US" dirty="0"/>
-                    </a:p>
-                  </a:txBody>
-                  <a:tcPr/>
-                </a:tc>
-                <a:tc>
-                  <a:txBody>
-                    <a:bodyPr/>
-                    <a:lstStyle/>
-                    <a:p>
-                      <a:endParaRPr lang="en-US" dirty="0"/>
-                    </a:p>
-                  </a:txBody>
-                  <a:tcPr/>
-                </a:tc>
-                <a:tc>
-                  <a:txBody>
-                    <a:bodyPr/>
-                    <a:lstStyle/>
-                    <a:p>
-                      <a:endParaRPr lang="en-US" dirty="0"/>
-                    </a:p>
-                  </a:txBody>
-                  <a:tcPr/>
-                </a:tc>
-                <a:tc>
-                  <a:txBody>
-                    <a:bodyPr/>
-                    <a:lstStyle/>
-                    <a:p>
-                      <a:endParaRPr lang="en-US" dirty="0"/>
-                    </a:p>
-                  </a:txBody>
-                  <a:tcPr/>
+                      <a:endParaRPr lang="en-US" dirty="0">
+                        <a:solidFill>
+                          <a:srgbClr val="0070C0"/>
+                        </a:solidFill>
+                      </a:endParaRPr>
+                    </a:p>
+                  </a:txBody>
+                  <a:tcPr>
+                    <a:lnL w="12700" cap="flat" cmpd="sng" algn="ctr">
+                      <a:noFill/>
+                      <a:prstDash val="solid"/>
+                      <a:round/>
+                      <a:headEnd type="none" w="med" len="med"/>
+                      <a:tailEnd type="none" w="med" len="med"/>
+                    </a:lnL>
+                    <a:lnR w="12700" cap="flat" cmpd="sng" algn="ctr">
+                      <a:solidFill>
+                        <a:schemeClr val="tx1"/>
+                      </a:solidFill>
+                      <a:prstDash val="solid"/>
+                      <a:round/>
+                      <a:headEnd type="none" w="med" len="med"/>
+                      <a:tailEnd type="none" w="med" len="med"/>
+                    </a:lnR>
+                    <a:lnT w="12700" cap="flat" cmpd="sng" algn="ctr">
+                      <a:solidFill>
+                        <a:schemeClr val="tx1"/>
+                      </a:solidFill>
+                      <a:prstDash val="solid"/>
+                      <a:round/>
+                      <a:headEnd type="none" w="med" len="med"/>
+                      <a:tailEnd type="none" w="med" len="med"/>
+                    </a:lnT>
+                    <a:lnB w="12700" cap="flat" cmpd="sng" algn="ctr">
+                      <a:noFill/>
+                      <a:prstDash val="solid"/>
+                      <a:round/>
+                      <a:headEnd type="none" w="med" len="med"/>
+                      <a:tailEnd type="none" w="med" len="med"/>
+                    </a:lnB>
+                  </a:tcPr>
+                </a:tc>
+                <a:tc>
+                  <a:txBody>
+                    <a:bodyPr/>
+                    <a:lstStyle/>
+                    <a:p>
+                      <a:endParaRPr lang="en-US" dirty="0">
+                        <a:solidFill>
+                          <a:srgbClr val="0070C0"/>
+                        </a:solidFill>
+                      </a:endParaRPr>
+                    </a:p>
+                  </a:txBody>
+                  <a:tcPr>
+                    <a:lnL w="12700" cap="flat" cmpd="sng" algn="ctr">
+                      <a:solidFill>
+                        <a:schemeClr val="tx1"/>
+                      </a:solidFill>
+                      <a:prstDash val="solid"/>
+                      <a:round/>
+                      <a:headEnd type="none" w="med" len="med"/>
+                      <a:tailEnd type="none" w="med" len="med"/>
+                    </a:lnL>
+                    <a:lnR w="12700" cap="flat" cmpd="sng" algn="ctr">
+                      <a:solidFill>
+                        <a:schemeClr val="tx1"/>
+                      </a:solidFill>
+                      <a:prstDash val="solid"/>
+                      <a:round/>
+                      <a:headEnd type="none" w="med" len="med"/>
+                      <a:tailEnd type="none" w="med" len="med"/>
+                    </a:lnR>
+                    <a:lnT w="12700" cap="flat" cmpd="sng" algn="ctr">
+                      <a:solidFill>
+                        <a:schemeClr val="tx1"/>
+                      </a:solidFill>
+                      <a:prstDash val="solid"/>
+                      <a:round/>
+                      <a:headEnd type="none" w="med" len="med"/>
+                      <a:tailEnd type="none" w="med" len="med"/>
+                    </a:lnT>
+                    <a:lnB w="12700" cap="flat" cmpd="sng" algn="ctr">
+                      <a:noFill/>
+                      <a:prstDash val="solid"/>
+                      <a:round/>
+                      <a:headEnd type="none" w="med" len="med"/>
+                      <a:tailEnd type="none" w="med" len="med"/>
+                    </a:lnB>
+                  </a:tcPr>
+                </a:tc>
+                <a:tc>
+                  <a:txBody>
+                    <a:bodyPr/>
+                    <a:lstStyle/>
+                    <a:p>
+                      <a:endParaRPr lang="en-US" dirty="0">
+                        <a:solidFill>
+                          <a:srgbClr val="0070C0"/>
+                        </a:solidFill>
+                      </a:endParaRPr>
+                    </a:p>
+                  </a:txBody>
+                  <a:tcPr>
+                    <a:lnL w="12700" cap="flat" cmpd="sng" algn="ctr">
+                      <a:solidFill>
+                        <a:schemeClr val="tx1"/>
+                      </a:solidFill>
+                      <a:prstDash val="solid"/>
+                      <a:round/>
+                      <a:headEnd type="none" w="med" len="med"/>
+                      <a:tailEnd type="none" w="med" len="med"/>
+                    </a:lnL>
+                    <a:lnR w="12700" cap="flat" cmpd="sng" algn="ctr">
+                      <a:solidFill>
+                        <a:schemeClr val="tx1"/>
+                      </a:solidFill>
+                      <a:prstDash val="solid"/>
+                      <a:round/>
+                      <a:headEnd type="none" w="med" len="med"/>
+                      <a:tailEnd type="none" w="med" len="med"/>
+                    </a:lnR>
+                    <a:lnT w="12700" cap="flat" cmpd="sng" algn="ctr">
+                      <a:solidFill>
+                        <a:schemeClr val="tx1"/>
+                      </a:solidFill>
+                      <a:prstDash val="solid"/>
+                      <a:round/>
+                      <a:headEnd type="none" w="med" len="med"/>
+                      <a:tailEnd type="none" w="med" len="med"/>
+                    </a:lnT>
+                    <a:lnB w="12700" cap="flat" cmpd="sng" algn="ctr">
+                      <a:noFill/>
+                      <a:prstDash val="solid"/>
+                      <a:round/>
+                      <a:headEnd type="none" w="med" len="med"/>
+                      <a:tailEnd type="none" w="med" len="med"/>
+                    </a:lnB>
+                  </a:tcPr>
+                </a:tc>
+                <a:tc>
+                  <a:txBody>
+                    <a:bodyPr/>
+                    <a:lstStyle/>
+                    <a:p>
+                      <a:endParaRPr lang="en-US" dirty="0">
+                        <a:solidFill>
+                          <a:srgbClr val="0070C0"/>
+                        </a:solidFill>
+                      </a:endParaRPr>
+                    </a:p>
+                  </a:txBody>
+                  <a:tcPr>
+                    <a:lnL w="12700" cap="flat" cmpd="sng" algn="ctr">
+                      <a:solidFill>
+                        <a:schemeClr val="tx1"/>
+                      </a:solidFill>
+                      <a:prstDash val="solid"/>
+                      <a:round/>
+                      <a:headEnd type="none" w="med" len="med"/>
+                      <a:tailEnd type="none" w="med" len="med"/>
+                    </a:lnL>
+                    <a:lnR w="12700" cap="flat" cmpd="sng" algn="ctr">
+                      <a:solidFill>
+                        <a:schemeClr val="tx1"/>
+                      </a:solidFill>
+                      <a:prstDash val="solid"/>
+                      <a:round/>
+                      <a:headEnd type="none" w="med" len="med"/>
+                      <a:tailEnd type="none" w="med" len="med"/>
+                    </a:lnR>
+                    <a:lnT w="12700" cap="flat" cmpd="sng" algn="ctr">
+                      <a:solidFill>
+                        <a:schemeClr val="tx1"/>
+                      </a:solidFill>
+                      <a:prstDash val="solid"/>
+                      <a:round/>
+                      <a:headEnd type="none" w="med" len="med"/>
+                      <a:tailEnd type="none" w="med" len="med"/>
+                    </a:lnT>
+                    <a:lnB w="12700" cap="flat" cmpd="sng" algn="ctr">
+                      <a:noFill/>
+                      <a:prstDash val="solid"/>
+                      <a:round/>
+                      <a:headEnd type="none" w="med" len="med"/>
+                      <a:tailEnd type="none" w="med" len="med"/>
+                    </a:lnB>
+                  </a:tcPr>
+                </a:tc>
+                <a:tc>
+                  <a:txBody>
+                    <a:bodyPr/>
+                    <a:lstStyle/>
+                    <a:p>
+                      <a:endParaRPr lang="en-US" dirty="0">
+                        <a:solidFill>
+                          <a:srgbClr val="0070C0"/>
+                        </a:solidFill>
+                      </a:endParaRPr>
+                    </a:p>
+                  </a:txBody>
+                  <a:tcPr>
+                    <a:lnL w="12700" cap="flat" cmpd="sng" algn="ctr">
+                      <a:solidFill>
+                        <a:schemeClr val="tx1"/>
+                      </a:solidFill>
+                      <a:prstDash val="solid"/>
+                      <a:round/>
+                      <a:headEnd type="none" w="med" len="med"/>
+                      <a:tailEnd type="none" w="med" len="med"/>
+                    </a:lnL>
+                    <a:lnR w="12700" cap="flat" cmpd="sng" algn="ctr">
+                      <a:solidFill>
+                        <a:schemeClr val="tx1"/>
+                      </a:solidFill>
+                      <a:prstDash val="solid"/>
+                      <a:round/>
+                      <a:headEnd type="none" w="med" len="med"/>
+                      <a:tailEnd type="none" w="med" len="med"/>
+                    </a:lnR>
+                    <a:lnT w="12700" cap="flat" cmpd="sng" algn="ctr">
+                      <a:solidFill>
+                        <a:schemeClr val="tx1"/>
+                      </a:solidFill>
+                      <a:prstDash val="solid"/>
+                      <a:round/>
+                      <a:headEnd type="none" w="med" len="med"/>
+                      <a:tailEnd type="none" w="med" len="med"/>
+                    </a:lnT>
+                    <a:lnB w="12700" cap="flat" cmpd="sng" algn="ctr">
+                      <a:noFill/>
+                      <a:prstDash val="solid"/>
+                      <a:round/>
+                      <a:headEnd type="none" w="med" len="med"/>
+                      <a:tailEnd type="none" w="med" len="med"/>
+                    </a:lnB>
+                  </a:tcPr>
+                </a:tc>
+                <a:tc>
+                  <a:txBody>
+                    <a:bodyPr/>
+                    <a:lstStyle/>
+                    <a:p>
+                      <a:endParaRPr lang="en-US" dirty="0">
+                        <a:solidFill>
+                          <a:srgbClr val="0070C0"/>
+                        </a:solidFill>
+                      </a:endParaRPr>
+                    </a:p>
+                  </a:txBody>
+                  <a:tcPr>
+                    <a:lnL w="12700" cap="flat" cmpd="sng" algn="ctr">
+                      <a:solidFill>
+                        <a:schemeClr val="tx1"/>
+                      </a:solidFill>
+                      <a:prstDash val="solid"/>
+                      <a:round/>
+                      <a:headEnd type="none" w="med" len="med"/>
+                      <a:tailEnd type="none" w="med" len="med"/>
+                    </a:lnL>
+                    <a:lnR w="12700" cap="flat" cmpd="sng" algn="ctr">
+                      <a:solidFill>
+                        <a:schemeClr val="tx1"/>
+                      </a:solidFill>
+                      <a:prstDash val="solid"/>
+                      <a:round/>
+                      <a:headEnd type="none" w="med" len="med"/>
+                      <a:tailEnd type="none" w="med" len="med"/>
+                    </a:lnR>
+                    <a:lnT w="12700" cap="flat" cmpd="sng" algn="ctr">
+                      <a:solidFill>
+                        <a:schemeClr val="tx1"/>
+                      </a:solidFill>
+                      <a:prstDash val="solid"/>
+                      <a:round/>
+                      <a:headEnd type="none" w="med" len="med"/>
+                      <a:tailEnd type="none" w="med" len="med"/>
+                    </a:lnT>
+                    <a:lnB w="12700" cap="flat" cmpd="sng" algn="ctr">
+                      <a:noFill/>
+                      <a:prstDash val="solid"/>
+                      <a:round/>
+                      <a:headEnd type="none" w="med" len="med"/>
+                      <a:tailEnd type="none" w="med" len="med"/>
+                    </a:lnB>
+                  </a:tcPr>
+                </a:tc>
+                <a:tc>
+                  <a:txBody>
+                    <a:bodyPr/>
+                    <a:lstStyle/>
+                    <a:p>
+                      <a:endParaRPr lang="en-US" dirty="0">
+                        <a:solidFill>
+                          <a:srgbClr val="0070C0"/>
+                        </a:solidFill>
+                      </a:endParaRPr>
+                    </a:p>
+                  </a:txBody>
+                  <a:tcPr>
+                    <a:lnL w="12700" cap="flat" cmpd="sng" algn="ctr">
+                      <a:solidFill>
+                        <a:schemeClr val="tx1"/>
+                      </a:solidFill>
+                      <a:prstDash val="solid"/>
+                      <a:round/>
+                      <a:headEnd type="none" w="med" len="med"/>
+                      <a:tailEnd type="none" w="med" len="med"/>
+                    </a:lnL>
+                    <a:lnR w="12700" cap="flat" cmpd="sng" algn="ctr">
+                      <a:solidFill>
+                        <a:schemeClr val="tx1"/>
+                      </a:solidFill>
+                      <a:prstDash val="solid"/>
+                      <a:round/>
+                      <a:headEnd type="none" w="med" len="med"/>
+                      <a:tailEnd type="none" w="med" len="med"/>
+                    </a:lnR>
+                    <a:lnT w="12700" cap="flat" cmpd="sng" algn="ctr">
+                      <a:solidFill>
+                        <a:schemeClr val="tx1"/>
+                      </a:solidFill>
+                      <a:prstDash val="solid"/>
+                      <a:round/>
+                      <a:headEnd type="none" w="med" len="med"/>
+                      <a:tailEnd type="none" w="med" len="med"/>
+                    </a:lnT>
+                    <a:lnB w="12700" cap="flat" cmpd="sng" algn="ctr">
+                      <a:noFill/>
+                      <a:prstDash val="solid"/>
+                      <a:round/>
+                      <a:headEnd type="none" w="med" len="med"/>
+                      <a:tailEnd type="none" w="med" len="med"/>
+                    </a:lnB>
+                  </a:tcPr>
+                </a:tc>
+                <a:tc>
+                  <a:txBody>
+                    <a:bodyPr/>
+                    <a:lstStyle/>
+                    <a:p>
+                      <a:endParaRPr lang="en-US" dirty="0">
+                        <a:solidFill>
+                          <a:srgbClr val="0070C0"/>
+                        </a:solidFill>
+                      </a:endParaRPr>
+                    </a:p>
+                  </a:txBody>
+                  <a:tcPr>
+                    <a:lnL w="12700" cap="flat" cmpd="sng" algn="ctr">
+                      <a:solidFill>
+                        <a:schemeClr val="tx1"/>
+                      </a:solidFill>
+                      <a:prstDash val="solid"/>
+                      <a:round/>
+                      <a:headEnd type="none" w="med" len="med"/>
+                      <a:tailEnd type="none" w="med" len="med"/>
+                    </a:lnL>
+                    <a:lnR w="12700" cap="flat" cmpd="sng" algn="ctr">
+                      <a:solidFill>
+                        <a:schemeClr val="tx1"/>
+                      </a:solidFill>
+                      <a:prstDash val="solid"/>
+                      <a:round/>
+                      <a:headEnd type="none" w="med" len="med"/>
+                      <a:tailEnd type="none" w="med" len="med"/>
+                    </a:lnR>
+                    <a:lnT w="12700" cap="flat" cmpd="sng" algn="ctr">
+                      <a:solidFill>
+                        <a:schemeClr val="tx1"/>
+                      </a:solidFill>
+                      <a:prstDash val="solid"/>
+                      <a:round/>
+                      <a:headEnd type="none" w="med" len="med"/>
+                      <a:tailEnd type="none" w="med" len="med"/>
+                    </a:lnT>
+                    <a:lnB w="12700" cap="flat" cmpd="sng" algn="ctr">
+                      <a:noFill/>
+                      <a:prstDash val="solid"/>
+                      <a:round/>
+                      <a:headEnd type="none" w="med" len="med"/>
+                      <a:tailEnd type="none" w="med" len="med"/>
+                    </a:lnB>
+                  </a:tcPr>
                 </a:tc>
                 <a:tc>
                   <a:txBody>
@@ -6615,12 +9791,49 @@
                     <a:lstStyle/>
                     <a:p>
                       <a:r>
-                        <a:rPr lang="en-US" dirty="0"/>
+                        <a:rPr lang="en-US" dirty="0">
+                          <a:solidFill>
+                            <a:srgbClr val="0070C0"/>
+                          </a:solidFill>
+                        </a:rPr>
                         <a:t>20</a:t>
                       </a:r>
                     </a:p>
                   </a:txBody>
-                  <a:tcPr/>
+                  <a:tcPr>
+                    <a:lnL w="12700" cap="flat" cmpd="sng" algn="ctr">
+                      <a:solidFill>
+                        <a:schemeClr val="tx1"/>
+                      </a:solidFill>
+                      <a:prstDash val="solid"/>
+                      <a:round/>
+                      <a:headEnd type="none" w="med" len="med"/>
+                      <a:tailEnd type="none" w="med" len="med"/>
+                    </a:lnL>
+                    <a:lnR w="12700" cap="flat" cmpd="sng" algn="ctr">
+                      <a:noFill/>
+                      <a:prstDash val="solid"/>
+                      <a:round/>
+                      <a:headEnd type="none" w="med" len="med"/>
+                      <a:tailEnd type="none" w="med" len="med"/>
+                    </a:lnR>
+                    <a:lnT w="12700" cap="flat" cmpd="sng" algn="ctr">
+                      <a:solidFill>
+                        <a:schemeClr val="tx1"/>
+                      </a:solidFill>
+                      <a:prstDash val="solid"/>
+                      <a:round/>
+                      <a:headEnd type="none" w="med" len="med"/>
+                      <a:tailEnd type="none" w="med" len="med"/>
+                    </a:lnT>
+                    <a:lnB w="12700" cap="flat" cmpd="sng" algn="ctr">
+                      <a:noFill/>
+                      <a:prstDash val="solid"/>
+                      <a:round/>
+                      <a:headEnd type="none" w="med" len="med"/>
+                      <a:tailEnd type="none" w="med" len="med"/>
+                    </a:lnB>
+                  </a:tcPr>
                 </a:tc>
                 <a:extLst>
                   <a:ext uri="{0D108BD9-81ED-4DB2-BD59-A6C34878D82A}">
@@ -6678,7 +9891,7 @@
             <p:ph idx="1"/>
             <p:extLst>
               <p:ext uri="{D42A27DB-BD31-4B8C-83A1-F6EECF244321}">
-                <p14:modId xmlns:p14="http://schemas.microsoft.com/office/powerpoint/2010/main" val="191809420"/>
+                <p14:modId xmlns:p14="http://schemas.microsoft.com/office/powerpoint/2010/main" val="2561705145"/>
               </p:ext>
             </p:extLst>
           </p:nvPr>
@@ -6691,7 +9904,7 @@
           <a:graphicData uri="http://schemas.openxmlformats.org/drawingml/2006/table">
             <a:tbl>
               <a:tblPr firstRow="1" bandRow="1">
-                <a:tableStyleId>{5C22544A-7EE6-4342-B048-85BDC9FD1C3A}</a:tableStyleId>
+                <a:tableStyleId>{72833802-FEF1-4C79-8D5D-14CF1EAF98D9}</a:tableStyleId>
               </a:tblPr>
               <a:tblGrid>
                 <a:gridCol w="1300480">
@@ -6810,7 +10023,15 @@
                       </a:r>
                     </a:p>
                   </a:txBody>
-                  <a:tcPr/>
+                  <a:tcPr>
+                    <a:lnB w="12700" cap="flat" cmpd="sng" algn="ctr">
+                      <a:noFill/>
+                      <a:prstDash val="solid"/>
+                      <a:round/>
+                      <a:headEnd type="none" w="med" len="med"/>
+                      <a:tailEnd type="none" w="med" len="med"/>
+                    </a:lnB>
+                  </a:tcPr>
                 </a:tc>
                 <a:tc>
                   <a:txBody>
@@ -6829,7 +10050,15 @@
                       </a:r>
                     </a:p>
                   </a:txBody>
-                  <a:tcPr/>
+                  <a:tcPr>
+                    <a:lnB w="12700" cap="flat" cmpd="sng" algn="ctr">
+                      <a:noFill/>
+                      <a:prstDash val="solid"/>
+                      <a:round/>
+                      <a:headEnd type="none" w="med" len="med"/>
+                      <a:tailEnd type="none" w="med" len="med"/>
+                    </a:lnB>
+                  </a:tcPr>
                 </a:tc>
                 <a:tc>
                   <a:txBody>
@@ -6848,7 +10077,15 @@
                       </a:r>
                     </a:p>
                   </a:txBody>
-                  <a:tcPr/>
+                  <a:tcPr>
+                    <a:lnB w="12700" cap="flat" cmpd="sng" algn="ctr">
+                      <a:noFill/>
+                      <a:prstDash val="solid"/>
+                      <a:round/>
+                      <a:headEnd type="none" w="med" len="med"/>
+                      <a:tailEnd type="none" w="med" len="med"/>
+                    </a:lnB>
+                  </a:tcPr>
                 </a:tc>
                 <a:tc>
                   <a:txBody>
@@ -6867,7 +10104,15 @@
                       </a:r>
                     </a:p>
                   </a:txBody>
-                  <a:tcPr/>
+                  <a:tcPr>
+                    <a:lnB w="12700" cap="flat" cmpd="sng" algn="ctr">
+                      <a:noFill/>
+                      <a:prstDash val="solid"/>
+                      <a:round/>
+                      <a:headEnd type="none" w="med" len="med"/>
+                      <a:tailEnd type="none" w="med" len="med"/>
+                    </a:lnB>
+                  </a:tcPr>
                 </a:tc>
                 <a:tc>
                   <a:txBody>
@@ -6886,7 +10131,15 @@
                       </a:r>
                     </a:p>
                   </a:txBody>
-                  <a:tcPr/>
+                  <a:tcPr>
+                    <a:lnB w="12700" cap="flat" cmpd="sng" algn="ctr">
+                      <a:noFill/>
+                      <a:prstDash val="solid"/>
+                      <a:round/>
+                      <a:headEnd type="none" w="med" len="med"/>
+                      <a:tailEnd type="none" w="med" len="med"/>
+                    </a:lnB>
+                  </a:tcPr>
                 </a:tc>
                 <a:tc>
                   <a:txBody>
@@ -6905,7 +10158,15 @@
                       </a:r>
                     </a:p>
                   </a:txBody>
-                  <a:tcPr/>
+                  <a:tcPr>
+                    <a:lnB w="12700" cap="flat" cmpd="sng" algn="ctr">
+                      <a:noFill/>
+                      <a:prstDash val="solid"/>
+                      <a:round/>
+                      <a:headEnd type="none" w="med" len="med"/>
+                      <a:tailEnd type="none" w="med" len="med"/>
+                    </a:lnB>
+                  </a:tcPr>
                 </a:tc>
                 <a:tc>
                   <a:txBody>
@@ -6924,7 +10185,15 @@
                       </a:r>
                     </a:p>
                   </a:txBody>
-                  <a:tcPr/>
+                  <a:tcPr>
+                    <a:lnB w="12700" cap="flat" cmpd="sng" algn="ctr">
+                      <a:noFill/>
+                      <a:prstDash val="solid"/>
+                      <a:round/>
+                      <a:headEnd type="none" w="med" len="med"/>
+                      <a:tailEnd type="none" w="med" len="med"/>
+                    </a:lnB>
+                  </a:tcPr>
                 </a:tc>
                 <a:tc>
                   <a:txBody>
@@ -6943,7 +10212,15 @@
                       </a:r>
                     </a:p>
                   </a:txBody>
-                  <a:tcPr/>
+                  <a:tcPr>
+                    <a:lnB w="12700" cap="flat" cmpd="sng" algn="ctr">
+                      <a:noFill/>
+                      <a:prstDash val="solid"/>
+                      <a:round/>
+                      <a:headEnd type="none" w="med" len="med"/>
+                      <a:tailEnd type="none" w="med" len="med"/>
+                    </a:lnB>
+                  </a:tcPr>
                 </a:tc>
                 <a:tc>
                   <a:txBody>
@@ -6956,7 +10233,15 @@
                       </a:r>
                     </a:p>
                   </a:txBody>
-                  <a:tcPr/>
+                  <a:tcPr>
+                    <a:lnB w="12700" cap="flat" cmpd="sng" algn="ctr">
+                      <a:noFill/>
+                      <a:prstDash val="solid"/>
+                      <a:round/>
+                      <a:headEnd type="none" w="med" len="med"/>
+                      <a:tailEnd type="none" w="med" len="med"/>
+                    </a:lnB>
+                  </a:tcPr>
                 </a:tc>
                 <a:extLst>
                   <a:ext uri="{0D108BD9-81ED-4DB2-BD59-A6C34878D82A}">
@@ -6970,80 +10255,390 @@
                     <a:bodyPr/>
                     <a:lstStyle/>
                     <a:p>
-                      <a:endParaRPr lang="en-US" dirty="0"/>
-                    </a:p>
-                  </a:txBody>
-                  <a:tcPr/>
-                </a:tc>
-                <a:tc>
-                  <a:txBody>
-                    <a:bodyPr/>
-                    <a:lstStyle/>
-                    <a:p>
-                      <a:endParaRPr lang="en-US"/>
-                    </a:p>
-                  </a:txBody>
-                  <a:tcPr/>
-                </a:tc>
-                <a:tc>
-                  <a:txBody>
-                    <a:bodyPr/>
-                    <a:lstStyle/>
-                    <a:p>
-                      <a:endParaRPr lang="en-US"/>
-                    </a:p>
-                  </a:txBody>
-                  <a:tcPr/>
-                </a:tc>
-                <a:tc>
-                  <a:txBody>
-                    <a:bodyPr/>
-                    <a:lstStyle/>
-                    <a:p>
-                      <a:endParaRPr lang="en-US"/>
-                    </a:p>
-                  </a:txBody>
-                  <a:tcPr/>
-                </a:tc>
-                <a:tc>
-                  <a:txBody>
-                    <a:bodyPr/>
-                    <a:lstStyle/>
-                    <a:p>
-                      <a:endParaRPr lang="en-US" dirty="0"/>
-                    </a:p>
-                  </a:txBody>
-                  <a:tcPr/>
-                </a:tc>
-                <a:tc>
-                  <a:txBody>
-                    <a:bodyPr/>
-                    <a:lstStyle/>
-                    <a:p>
-                      <a:endParaRPr lang="en-US"/>
-                    </a:p>
-                  </a:txBody>
-                  <a:tcPr/>
-                </a:tc>
-                <a:tc>
-                  <a:txBody>
-                    <a:bodyPr/>
-                    <a:lstStyle/>
-                    <a:p>
-                      <a:endParaRPr lang="en-US"/>
-                    </a:p>
-                  </a:txBody>
-                  <a:tcPr/>
-                </a:tc>
-                <a:tc>
-                  <a:txBody>
-                    <a:bodyPr/>
-                    <a:lstStyle/>
-                    <a:p>
-                      <a:endParaRPr lang="en-US" dirty="0"/>
-                    </a:p>
-                  </a:txBody>
-                  <a:tcPr/>
+                      <a:endParaRPr lang="en-US" dirty="0">
+                        <a:solidFill>
+                          <a:srgbClr val="0070C0"/>
+                        </a:solidFill>
+                      </a:endParaRPr>
+                    </a:p>
+                  </a:txBody>
+                  <a:tcPr>
+                    <a:lnL w="12700" cap="flat" cmpd="sng" algn="ctr">
+                      <a:noFill/>
+                      <a:prstDash val="solid"/>
+                      <a:round/>
+                      <a:headEnd type="none" w="med" len="med"/>
+                      <a:tailEnd type="none" w="med" len="med"/>
+                    </a:lnL>
+                    <a:lnR w="12700" cap="flat" cmpd="sng" algn="ctr">
+                      <a:solidFill>
+                        <a:schemeClr val="tx1"/>
+                      </a:solidFill>
+                      <a:prstDash val="solid"/>
+                      <a:round/>
+                      <a:headEnd type="none" w="med" len="med"/>
+                      <a:tailEnd type="none" w="med" len="med"/>
+                    </a:lnR>
+                    <a:lnT w="12700" cap="flat" cmpd="sng" algn="ctr">
+                      <a:noFill/>
+                      <a:prstDash val="solid"/>
+                      <a:round/>
+                      <a:headEnd type="none" w="med" len="med"/>
+                      <a:tailEnd type="none" w="med" len="med"/>
+                    </a:lnT>
+                    <a:lnB w="12700" cap="flat" cmpd="sng" algn="ctr">
+                      <a:solidFill>
+                        <a:schemeClr val="tx1"/>
+                      </a:solidFill>
+                      <a:prstDash val="solid"/>
+                      <a:round/>
+                      <a:headEnd type="none" w="med" len="med"/>
+                      <a:tailEnd type="none" w="med" len="med"/>
+                    </a:lnB>
+                  </a:tcPr>
+                </a:tc>
+                <a:tc>
+                  <a:txBody>
+                    <a:bodyPr/>
+                    <a:lstStyle/>
+                    <a:p>
+                      <a:endParaRPr lang="en-US" dirty="0">
+                        <a:solidFill>
+                          <a:srgbClr val="0070C0"/>
+                        </a:solidFill>
+                      </a:endParaRPr>
+                    </a:p>
+                  </a:txBody>
+                  <a:tcPr>
+                    <a:lnL w="12700" cap="flat" cmpd="sng" algn="ctr">
+                      <a:solidFill>
+                        <a:schemeClr val="tx1"/>
+                      </a:solidFill>
+                      <a:prstDash val="solid"/>
+                      <a:round/>
+                      <a:headEnd type="none" w="med" len="med"/>
+                      <a:tailEnd type="none" w="med" len="med"/>
+                    </a:lnL>
+                    <a:lnR w="12700" cap="flat" cmpd="sng" algn="ctr">
+                      <a:solidFill>
+                        <a:schemeClr val="tx1"/>
+                      </a:solidFill>
+                      <a:prstDash val="solid"/>
+                      <a:round/>
+                      <a:headEnd type="none" w="med" len="med"/>
+                      <a:tailEnd type="none" w="med" len="med"/>
+                    </a:lnR>
+                    <a:lnT w="12700" cap="flat" cmpd="sng" algn="ctr">
+                      <a:noFill/>
+                      <a:prstDash val="solid"/>
+                      <a:round/>
+                      <a:headEnd type="none" w="med" len="med"/>
+                      <a:tailEnd type="none" w="med" len="med"/>
+                    </a:lnT>
+                    <a:lnB w="12700" cap="flat" cmpd="sng" algn="ctr">
+                      <a:solidFill>
+                        <a:schemeClr val="tx1"/>
+                      </a:solidFill>
+                      <a:prstDash val="solid"/>
+                      <a:round/>
+                      <a:headEnd type="none" w="med" len="med"/>
+                      <a:tailEnd type="none" w="med" len="med"/>
+                    </a:lnB>
+                  </a:tcPr>
+                </a:tc>
+                <a:tc>
+                  <a:txBody>
+                    <a:bodyPr/>
+                    <a:lstStyle/>
+                    <a:p>
+                      <a:endParaRPr lang="en-US">
+                        <a:solidFill>
+                          <a:srgbClr val="0070C0"/>
+                        </a:solidFill>
+                      </a:endParaRPr>
+                    </a:p>
+                  </a:txBody>
+                  <a:tcPr>
+                    <a:lnL w="12700" cap="flat" cmpd="sng" algn="ctr">
+                      <a:solidFill>
+                        <a:schemeClr val="tx1"/>
+                      </a:solidFill>
+                      <a:prstDash val="solid"/>
+                      <a:round/>
+                      <a:headEnd type="none" w="med" len="med"/>
+                      <a:tailEnd type="none" w="med" len="med"/>
+                    </a:lnL>
+                    <a:lnR w="12700" cap="flat" cmpd="sng" algn="ctr">
+                      <a:solidFill>
+                        <a:schemeClr val="tx1"/>
+                      </a:solidFill>
+                      <a:prstDash val="solid"/>
+                      <a:round/>
+                      <a:headEnd type="none" w="med" len="med"/>
+                      <a:tailEnd type="none" w="med" len="med"/>
+                    </a:lnR>
+                    <a:lnT w="12700" cap="flat" cmpd="sng" algn="ctr">
+                      <a:noFill/>
+                      <a:prstDash val="solid"/>
+                      <a:round/>
+                      <a:headEnd type="none" w="med" len="med"/>
+                      <a:tailEnd type="none" w="med" len="med"/>
+                    </a:lnT>
+                    <a:lnB w="12700" cap="flat" cmpd="sng" algn="ctr">
+                      <a:solidFill>
+                        <a:schemeClr val="tx1"/>
+                      </a:solidFill>
+                      <a:prstDash val="solid"/>
+                      <a:round/>
+                      <a:headEnd type="none" w="med" len="med"/>
+                      <a:tailEnd type="none" w="med" len="med"/>
+                    </a:lnB>
+                  </a:tcPr>
+                </a:tc>
+                <a:tc>
+                  <a:txBody>
+                    <a:bodyPr/>
+                    <a:lstStyle/>
+                    <a:p>
+                      <a:endParaRPr lang="en-US">
+                        <a:solidFill>
+                          <a:srgbClr val="0070C0"/>
+                        </a:solidFill>
+                      </a:endParaRPr>
+                    </a:p>
+                  </a:txBody>
+                  <a:tcPr>
+                    <a:lnL w="12700" cap="flat" cmpd="sng" algn="ctr">
+                      <a:solidFill>
+                        <a:schemeClr val="tx1"/>
+                      </a:solidFill>
+                      <a:prstDash val="solid"/>
+                      <a:round/>
+                      <a:headEnd type="none" w="med" len="med"/>
+                      <a:tailEnd type="none" w="med" len="med"/>
+                    </a:lnL>
+                    <a:lnR w="12700" cap="flat" cmpd="sng" algn="ctr">
+                      <a:solidFill>
+                        <a:schemeClr val="tx1"/>
+                      </a:solidFill>
+                      <a:prstDash val="solid"/>
+                      <a:round/>
+                      <a:headEnd type="none" w="med" len="med"/>
+                      <a:tailEnd type="none" w="med" len="med"/>
+                    </a:lnR>
+                    <a:lnT w="12700" cap="flat" cmpd="sng" algn="ctr">
+                      <a:noFill/>
+                      <a:prstDash val="solid"/>
+                      <a:round/>
+                      <a:headEnd type="none" w="med" len="med"/>
+                      <a:tailEnd type="none" w="med" len="med"/>
+                    </a:lnT>
+                    <a:lnB w="12700" cap="flat" cmpd="sng" algn="ctr">
+                      <a:solidFill>
+                        <a:schemeClr val="tx1"/>
+                      </a:solidFill>
+                      <a:prstDash val="solid"/>
+                      <a:round/>
+                      <a:headEnd type="none" w="med" len="med"/>
+                      <a:tailEnd type="none" w="med" len="med"/>
+                    </a:lnB>
+                  </a:tcPr>
+                </a:tc>
+                <a:tc>
+                  <a:txBody>
+                    <a:bodyPr/>
+                    <a:lstStyle/>
+                    <a:p>
+                      <a:endParaRPr lang="en-US" dirty="0">
+                        <a:solidFill>
+                          <a:srgbClr val="0070C0"/>
+                        </a:solidFill>
+                      </a:endParaRPr>
+                    </a:p>
+                  </a:txBody>
+                  <a:tcPr>
+                    <a:lnL w="12700" cap="flat" cmpd="sng" algn="ctr">
+                      <a:solidFill>
+                        <a:schemeClr val="tx1"/>
+                      </a:solidFill>
+                      <a:prstDash val="solid"/>
+                      <a:round/>
+                      <a:headEnd type="none" w="med" len="med"/>
+                      <a:tailEnd type="none" w="med" len="med"/>
+                    </a:lnL>
+                    <a:lnR w="12700" cap="flat" cmpd="sng" algn="ctr">
+                      <a:solidFill>
+                        <a:schemeClr val="tx1"/>
+                      </a:solidFill>
+                      <a:prstDash val="solid"/>
+                      <a:round/>
+                      <a:headEnd type="none" w="med" len="med"/>
+                      <a:tailEnd type="none" w="med" len="med"/>
+                    </a:lnR>
+                    <a:lnT w="12700" cap="flat" cmpd="sng" algn="ctr">
+                      <a:noFill/>
+                      <a:prstDash val="solid"/>
+                      <a:round/>
+                      <a:headEnd type="none" w="med" len="med"/>
+                      <a:tailEnd type="none" w="med" len="med"/>
+                    </a:lnT>
+                    <a:lnB w="12700" cap="flat" cmpd="sng" algn="ctr">
+                      <a:solidFill>
+                        <a:schemeClr val="tx1"/>
+                      </a:solidFill>
+                      <a:prstDash val="solid"/>
+                      <a:round/>
+                      <a:headEnd type="none" w="med" len="med"/>
+                      <a:tailEnd type="none" w="med" len="med"/>
+                    </a:lnB>
+                  </a:tcPr>
+                </a:tc>
+                <a:tc>
+                  <a:txBody>
+                    <a:bodyPr/>
+                    <a:lstStyle/>
+                    <a:p>
+                      <a:endParaRPr lang="en-US">
+                        <a:solidFill>
+                          <a:srgbClr val="0070C0"/>
+                        </a:solidFill>
+                      </a:endParaRPr>
+                    </a:p>
+                  </a:txBody>
+                  <a:tcPr>
+                    <a:lnL w="12700" cap="flat" cmpd="sng" algn="ctr">
+                      <a:solidFill>
+                        <a:schemeClr val="tx1"/>
+                      </a:solidFill>
+                      <a:prstDash val="solid"/>
+                      <a:round/>
+                      <a:headEnd type="none" w="med" len="med"/>
+                      <a:tailEnd type="none" w="med" len="med"/>
+                    </a:lnL>
+                    <a:lnR w="12700" cap="flat" cmpd="sng" algn="ctr">
+                      <a:solidFill>
+                        <a:schemeClr val="tx1"/>
+                      </a:solidFill>
+                      <a:prstDash val="solid"/>
+                      <a:round/>
+                      <a:headEnd type="none" w="med" len="med"/>
+                      <a:tailEnd type="none" w="med" len="med"/>
+                    </a:lnR>
+                    <a:lnT w="12700" cap="flat" cmpd="sng" algn="ctr">
+                      <a:noFill/>
+                      <a:prstDash val="solid"/>
+                      <a:round/>
+                      <a:headEnd type="none" w="med" len="med"/>
+                      <a:tailEnd type="none" w="med" len="med"/>
+                    </a:lnT>
+                    <a:lnB w="12700" cap="flat" cmpd="sng" algn="ctr">
+                      <a:solidFill>
+                        <a:schemeClr val="tx1"/>
+                      </a:solidFill>
+                      <a:prstDash val="solid"/>
+                      <a:round/>
+                      <a:headEnd type="none" w="med" len="med"/>
+                      <a:tailEnd type="none" w="med" len="med"/>
+                    </a:lnB>
+                  </a:tcPr>
+                </a:tc>
+                <a:tc>
+                  <a:txBody>
+                    <a:bodyPr/>
+                    <a:lstStyle/>
+                    <a:p>
+                      <a:endParaRPr lang="en-US">
+                        <a:solidFill>
+                          <a:srgbClr val="0070C0"/>
+                        </a:solidFill>
+                      </a:endParaRPr>
+                    </a:p>
+                  </a:txBody>
+                  <a:tcPr>
+                    <a:lnL w="12700" cap="flat" cmpd="sng" algn="ctr">
+                      <a:solidFill>
+                        <a:schemeClr val="tx1"/>
+                      </a:solidFill>
+                      <a:prstDash val="solid"/>
+                      <a:round/>
+                      <a:headEnd type="none" w="med" len="med"/>
+                      <a:tailEnd type="none" w="med" len="med"/>
+                    </a:lnL>
+                    <a:lnR w="12700" cap="flat" cmpd="sng" algn="ctr">
+                      <a:solidFill>
+                        <a:schemeClr val="tx1"/>
+                      </a:solidFill>
+                      <a:prstDash val="solid"/>
+                      <a:round/>
+                      <a:headEnd type="none" w="med" len="med"/>
+                      <a:tailEnd type="none" w="med" len="med"/>
+                    </a:lnR>
+                    <a:lnT w="12700" cap="flat" cmpd="sng" algn="ctr">
+                      <a:noFill/>
+                      <a:prstDash val="solid"/>
+                      <a:round/>
+                      <a:headEnd type="none" w="med" len="med"/>
+                      <a:tailEnd type="none" w="med" len="med"/>
+                    </a:lnT>
+                    <a:lnB w="12700" cap="flat" cmpd="sng" algn="ctr">
+                      <a:solidFill>
+                        <a:schemeClr val="tx1"/>
+                      </a:solidFill>
+                      <a:prstDash val="solid"/>
+                      <a:round/>
+                      <a:headEnd type="none" w="med" len="med"/>
+                      <a:tailEnd type="none" w="med" len="med"/>
+                    </a:lnB>
+                  </a:tcPr>
+                </a:tc>
+                <a:tc>
+                  <a:txBody>
+                    <a:bodyPr/>
+                    <a:lstStyle/>
+                    <a:p>
+                      <a:endParaRPr lang="en-US" dirty="0">
+                        <a:solidFill>
+                          <a:srgbClr val="0070C0"/>
+                        </a:solidFill>
+                      </a:endParaRPr>
+                    </a:p>
+                  </a:txBody>
+                  <a:tcPr>
+                    <a:lnL w="12700" cap="flat" cmpd="sng" algn="ctr">
+                      <a:solidFill>
+                        <a:schemeClr val="tx1"/>
+                      </a:solidFill>
+                      <a:prstDash val="solid"/>
+                      <a:round/>
+                      <a:headEnd type="none" w="med" len="med"/>
+                      <a:tailEnd type="none" w="med" len="med"/>
+                    </a:lnL>
+                    <a:lnR w="12700" cap="flat" cmpd="sng" algn="ctr">
+                      <a:solidFill>
+                        <a:schemeClr val="tx1"/>
+                      </a:solidFill>
+                      <a:prstDash val="solid"/>
+                      <a:round/>
+                      <a:headEnd type="none" w="med" len="med"/>
+                      <a:tailEnd type="none" w="med" len="med"/>
+                    </a:lnR>
+                    <a:lnT w="12700" cap="flat" cmpd="sng" algn="ctr">
+                      <a:noFill/>
+                      <a:prstDash val="solid"/>
+                      <a:round/>
+                      <a:headEnd type="none" w="med" len="med"/>
+                      <a:tailEnd type="none" w="med" len="med"/>
+                    </a:lnT>
+                    <a:lnB w="12700" cap="flat" cmpd="sng" algn="ctr">
+                      <a:solidFill>
+                        <a:schemeClr val="tx1"/>
+                      </a:solidFill>
+                      <a:prstDash val="solid"/>
+                      <a:round/>
+                      <a:headEnd type="none" w="med" len="med"/>
+                      <a:tailEnd type="none" w="med" len="med"/>
+                    </a:lnB>
+                  </a:tcPr>
                 </a:tc>
                 <a:tc>
                   <a:txBody>
@@ -7051,12 +10646,49 @@
                     <a:lstStyle/>
                     <a:p>
                       <a:r>
-                        <a:rPr lang="en-US" dirty="0"/>
+                        <a:rPr lang="en-US" dirty="0">
+                          <a:solidFill>
+                            <a:srgbClr val="0070C0"/>
+                          </a:solidFill>
+                        </a:rPr>
                         <a:t>43</a:t>
                       </a:r>
                     </a:p>
                   </a:txBody>
-                  <a:tcPr/>
+                  <a:tcPr>
+                    <a:lnL w="12700" cap="flat" cmpd="sng" algn="ctr">
+                      <a:solidFill>
+                        <a:schemeClr val="tx1"/>
+                      </a:solidFill>
+                      <a:prstDash val="solid"/>
+                      <a:round/>
+                      <a:headEnd type="none" w="med" len="med"/>
+                      <a:tailEnd type="none" w="med" len="med"/>
+                    </a:lnL>
+                    <a:lnR w="12700" cap="flat" cmpd="sng" algn="ctr">
+                      <a:noFill/>
+                      <a:prstDash val="solid"/>
+                      <a:round/>
+                      <a:headEnd type="none" w="med" len="med"/>
+                      <a:tailEnd type="none" w="med" len="med"/>
+                    </a:lnR>
+                    <a:lnT w="12700" cap="flat" cmpd="sng" algn="ctr">
+                      <a:noFill/>
+                      <a:prstDash val="solid"/>
+                      <a:round/>
+                      <a:headEnd type="none" w="med" len="med"/>
+                      <a:tailEnd type="none" w="med" len="med"/>
+                    </a:lnT>
+                    <a:lnB w="12700" cap="flat" cmpd="sng" algn="ctr">
+                      <a:solidFill>
+                        <a:schemeClr val="tx1"/>
+                      </a:solidFill>
+                      <a:prstDash val="solid"/>
+                      <a:round/>
+                      <a:headEnd type="none" w="med" len="med"/>
+                      <a:tailEnd type="none" w="med" len="med"/>
+                    </a:lnB>
+                  </a:tcPr>
                 </a:tc>
                 <a:extLst>
                   <a:ext uri="{0D108BD9-81ED-4DB2-BD59-A6C34878D82A}">
@@ -7070,80 +10702,406 @@
                     <a:bodyPr/>
                     <a:lstStyle/>
                     <a:p>
-                      <a:endParaRPr lang="en-US" dirty="0"/>
-                    </a:p>
-                  </a:txBody>
-                  <a:tcPr/>
-                </a:tc>
-                <a:tc>
-                  <a:txBody>
-                    <a:bodyPr/>
-                    <a:lstStyle/>
-                    <a:p>
-                      <a:endParaRPr lang="en-US" dirty="0"/>
-                    </a:p>
-                  </a:txBody>
-                  <a:tcPr/>
-                </a:tc>
-                <a:tc>
-                  <a:txBody>
-                    <a:bodyPr/>
-                    <a:lstStyle/>
-                    <a:p>
-                      <a:endParaRPr lang="en-US" dirty="0"/>
-                    </a:p>
-                  </a:txBody>
-                  <a:tcPr/>
-                </a:tc>
-                <a:tc>
-                  <a:txBody>
-                    <a:bodyPr/>
-                    <a:lstStyle/>
-                    <a:p>
-                      <a:endParaRPr lang="en-US" dirty="0"/>
-                    </a:p>
-                  </a:txBody>
-                  <a:tcPr/>
-                </a:tc>
-                <a:tc>
-                  <a:txBody>
-                    <a:bodyPr/>
-                    <a:lstStyle/>
-                    <a:p>
-                      <a:endParaRPr lang="en-US" dirty="0"/>
-                    </a:p>
-                  </a:txBody>
-                  <a:tcPr/>
-                </a:tc>
-                <a:tc>
-                  <a:txBody>
-                    <a:bodyPr/>
-                    <a:lstStyle/>
-                    <a:p>
-                      <a:endParaRPr lang="en-US" dirty="0"/>
-                    </a:p>
-                  </a:txBody>
-                  <a:tcPr/>
-                </a:tc>
-                <a:tc>
-                  <a:txBody>
-                    <a:bodyPr/>
-                    <a:lstStyle/>
-                    <a:p>
-                      <a:endParaRPr lang="en-US" dirty="0"/>
-                    </a:p>
-                  </a:txBody>
-                  <a:tcPr/>
-                </a:tc>
-                <a:tc>
-                  <a:txBody>
-                    <a:bodyPr/>
-                    <a:lstStyle/>
-                    <a:p>
-                      <a:endParaRPr lang="en-US" dirty="0"/>
-                    </a:p>
-                  </a:txBody>
-                  <a:tcPr/>
+                      <a:endParaRPr lang="en-US" dirty="0">
+                        <a:solidFill>
+                          <a:srgbClr val="0070C0"/>
+                        </a:solidFill>
+                      </a:endParaRPr>
+                    </a:p>
+                  </a:txBody>
+                  <a:tcPr>
+                    <a:lnL w="12700" cap="flat" cmpd="sng" algn="ctr">
+                      <a:noFill/>
+                      <a:prstDash val="solid"/>
+                      <a:round/>
+                      <a:headEnd type="none" w="med" len="med"/>
+                      <a:tailEnd type="none" w="med" len="med"/>
+                    </a:lnL>
+                    <a:lnR w="12700" cap="flat" cmpd="sng" algn="ctr">
+                      <a:solidFill>
+                        <a:schemeClr val="tx1"/>
+                      </a:solidFill>
+                      <a:prstDash val="solid"/>
+                      <a:round/>
+                      <a:headEnd type="none" w="med" len="med"/>
+                      <a:tailEnd type="none" w="med" len="med"/>
+                    </a:lnR>
+                    <a:lnT w="12700" cap="flat" cmpd="sng" algn="ctr">
+                      <a:solidFill>
+                        <a:schemeClr val="tx1"/>
+                      </a:solidFill>
+                      <a:prstDash val="solid"/>
+                      <a:round/>
+                      <a:headEnd type="none" w="med" len="med"/>
+                      <a:tailEnd type="none" w="med" len="med"/>
+                    </a:lnT>
+                    <a:lnB w="12700" cap="flat" cmpd="sng" algn="ctr">
+                      <a:solidFill>
+                        <a:schemeClr val="tx1"/>
+                      </a:solidFill>
+                      <a:prstDash val="solid"/>
+                      <a:round/>
+                      <a:headEnd type="none" w="med" len="med"/>
+                      <a:tailEnd type="none" w="med" len="med"/>
+                    </a:lnB>
+                  </a:tcPr>
+                </a:tc>
+                <a:tc>
+                  <a:txBody>
+                    <a:bodyPr/>
+                    <a:lstStyle/>
+                    <a:p>
+                      <a:endParaRPr lang="en-US" dirty="0">
+                        <a:solidFill>
+                          <a:srgbClr val="0070C0"/>
+                        </a:solidFill>
+                      </a:endParaRPr>
+                    </a:p>
+                  </a:txBody>
+                  <a:tcPr>
+                    <a:lnL w="12700" cap="flat" cmpd="sng" algn="ctr">
+                      <a:solidFill>
+                        <a:schemeClr val="tx1"/>
+                      </a:solidFill>
+                      <a:prstDash val="solid"/>
+                      <a:round/>
+                      <a:headEnd type="none" w="med" len="med"/>
+                      <a:tailEnd type="none" w="med" len="med"/>
+                    </a:lnL>
+                    <a:lnR w="12700" cap="flat" cmpd="sng" algn="ctr">
+                      <a:solidFill>
+                        <a:schemeClr val="tx1"/>
+                      </a:solidFill>
+                      <a:prstDash val="solid"/>
+                      <a:round/>
+                      <a:headEnd type="none" w="med" len="med"/>
+                      <a:tailEnd type="none" w="med" len="med"/>
+                    </a:lnR>
+                    <a:lnT w="12700" cap="flat" cmpd="sng" algn="ctr">
+                      <a:solidFill>
+                        <a:schemeClr val="tx1"/>
+                      </a:solidFill>
+                      <a:prstDash val="solid"/>
+                      <a:round/>
+                      <a:headEnd type="none" w="med" len="med"/>
+                      <a:tailEnd type="none" w="med" len="med"/>
+                    </a:lnT>
+                    <a:lnB w="12700" cap="flat" cmpd="sng" algn="ctr">
+                      <a:solidFill>
+                        <a:schemeClr val="tx1"/>
+                      </a:solidFill>
+                      <a:prstDash val="solid"/>
+                      <a:round/>
+                      <a:headEnd type="none" w="med" len="med"/>
+                      <a:tailEnd type="none" w="med" len="med"/>
+                    </a:lnB>
+                  </a:tcPr>
+                </a:tc>
+                <a:tc>
+                  <a:txBody>
+                    <a:bodyPr/>
+                    <a:lstStyle/>
+                    <a:p>
+                      <a:endParaRPr lang="en-US" dirty="0">
+                        <a:solidFill>
+                          <a:srgbClr val="0070C0"/>
+                        </a:solidFill>
+                      </a:endParaRPr>
+                    </a:p>
+                  </a:txBody>
+                  <a:tcPr>
+                    <a:lnL w="12700" cap="flat" cmpd="sng" algn="ctr">
+                      <a:solidFill>
+                        <a:schemeClr val="tx1"/>
+                      </a:solidFill>
+                      <a:prstDash val="solid"/>
+                      <a:round/>
+                      <a:headEnd type="none" w="med" len="med"/>
+                      <a:tailEnd type="none" w="med" len="med"/>
+                    </a:lnL>
+                    <a:lnR w="12700" cap="flat" cmpd="sng" algn="ctr">
+                      <a:solidFill>
+                        <a:schemeClr val="tx1"/>
+                      </a:solidFill>
+                      <a:prstDash val="solid"/>
+                      <a:round/>
+                      <a:headEnd type="none" w="med" len="med"/>
+                      <a:tailEnd type="none" w="med" len="med"/>
+                    </a:lnR>
+                    <a:lnT w="12700" cap="flat" cmpd="sng" algn="ctr">
+                      <a:solidFill>
+                        <a:schemeClr val="tx1"/>
+                      </a:solidFill>
+                      <a:prstDash val="solid"/>
+                      <a:round/>
+                      <a:headEnd type="none" w="med" len="med"/>
+                      <a:tailEnd type="none" w="med" len="med"/>
+                    </a:lnT>
+                    <a:lnB w="12700" cap="flat" cmpd="sng" algn="ctr">
+                      <a:solidFill>
+                        <a:schemeClr val="tx1"/>
+                      </a:solidFill>
+                      <a:prstDash val="solid"/>
+                      <a:round/>
+                      <a:headEnd type="none" w="med" len="med"/>
+                      <a:tailEnd type="none" w="med" len="med"/>
+                    </a:lnB>
+                  </a:tcPr>
+                </a:tc>
+                <a:tc>
+                  <a:txBody>
+                    <a:bodyPr/>
+                    <a:lstStyle/>
+                    <a:p>
+                      <a:endParaRPr lang="en-US" dirty="0">
+                        <a:solidFill>
+                          <a:srgbClr val="0070C0"/>
+                        </a:solidFill>
+                      </a:endParaRPr>
+                    </a:p>
+                  </a:txBody>
+                  <a:tcPr>
+                    <a:lnL w="12700" cap="flat" cmpd="sng" algn="ctr">
+                      <a:solidFill>
+                        <a:schemeClr val="tx1"/>
+                      </a:solidFill>
+                      <a:prstDash val="solid"/>
+                      <a:round/>
+                      <a:headEnd type="none" w="med" len="med"/>
+                      <a:tailEnd type="none" w="med" len="med"/>
+                    </a:lnL>
+                    <a:lnR w="12700" cap="flat" cmpd="sng" algn="ctr">
+                      <a:solidFill>
+                        <a:schemeClr val="tx1"/>
+                      </a:solidFill>
+                      <a:prstDash val="solid"/>
+                      <a:round/>
+                      <a:headEnd type="none" w="med" len="med"/>
+                      <a:tailEnd type="none" w="med" len="med"/>
+                    </a:lnR>
+                    <a:lnT w="12700" cap="flat" cmpd="sng" algn="ctr">
+                      <a:solidFill>
+                        <a:schemeClr val="tx1"/>
+                      </a:solidFill>
+                      <a:prstDash val="solid"/>
+                      <a:round/>
+                      <a:headEnd type="none" w="med" len="med"/>
+                      <a:tailEnd type="none" w="med" len="med"/>
+                    </a:lnT>
+                    <a:lnB w="12700" cap="flat" cmpd="sng" algn="ctr">
+                      <a:solidFill>
+                        <a:schemeClr val="tx1"/>
+                      </a:solidFill>
+                      <a:prstDash val="solid"/>
+                      <a:round/>
+                      <a:headEnd type="none" w="med" len="med"/>
+                      <a:tailEnd type="none" w="med" len="med"/>
+                    </a:lnB>
+                  </a:tcPr>
+                </a:tc>
+                <a:tc>
+                  <a:txBody>
+                    <a:bodyPr/>
+                    <a:lstStyle/>
+                    <a:p>
+                      <a:endParaRPr lang="en-US" dirty="0">
+                        <a:solidFill>
+                          <a:srgbClr val="0070C0"/>
+                        </a:solidFill>
+                      </a:endParaRPr>
+                    </a:p>
+                  </a:txBody>
+                  <a:tcPr>
+                    <a:lnL w="12700" cap="flat" cmpd="sng" algn="ctr">
+                      <a:solidFill>
+                        <a:schemeClr val="tx1"/>
+                      </a:solidFill>
+                      <a:prstDash val="solid"/>
+                      <a:round/>
+                      <a:headEnd type="none" w="med" len="med"/>
+                      <a:tailEnd type="none" w="med" len="med"/>
+                    </a:lnL>
+                    <a:lnR w="12700" cap="flat" cmpd="sng" algn="ctr">
+                      <a:solidFill>
+                        <a:schemeClr val="tx1"/>
+                      </a:solidFill>
+                      <a:prstDash val="solid"/>
+                      <a:round/>
+                      <a:headEnd type="none" w="med" len="med"/>
+                      <a:tailEnd type="none" w="med" len="med"/>
+                    </a:lnR>
+                    <a:lnT w="12700" cap="flat" cmpd="sng" algn="ctr">
+                      <a:solidFill>
+                        <a:schemeClr val="tx1"/>
+                      </a:solidFill>
+                      <a:prstDash val="solid"/>
+                      <a:round/>
+                      <a:headEnd type="none" w="med" len="med"/>
+                      <a:tailEnd type="none" w="med" len="med"/>
+                    </a:lnT>
+                    <a:lnB w="12700" cap="flat" cmpd="sng" algn="ctr">
+                      <a:solidFill>
+                        <a:schemeClr val="tx1"/>
+                      </a:solidFill>
+                      <a:prstDash val="solid"/>
+                      <a:round/>
+                      <a:headEnd type="none" w="med" len="med"/>
+                      <a:tailEnd type="none" w="med" len="med"/>
+                    </a:lnB>
+                  </a:tcPr>
+                </a:tc>
+                <a:tc>
+                  <a:txBody>
+                    <a:bodyPr/>
+                    <a:lstStyle/>
+                    <a:p>
+                      <a:endParaRPr lang="en-US" dirty="0">
+                        <a:solidFill>
+                          <a:srgbClr val="0070C0"/>
+                        </a:solidFill>
+                      </a:endParaRPr>
+                    </a:p>
+                  </a:txBody>
+                  <a:tcPr>
+                    <a:lnL w="12700" cap="flat" cmpd="sng" algn="ctr">
+                      <a:solidFill>
+                        <a:schemeClr val="tx1"/>
+                      </a:solidFill>
+                      <a:prstDash val="solid"/>
+                      <a:round/>
+                      <a:headEnd type="none" w="med" len="med"/>
+                      <a:tailEnd type="none" w="med" len="med"/>
+                    </a:lnL>
+                    <a:lnR w="12700" cap="flat" cmpd="sng" algn="ctr">
+                      <a:solidFill>
+                        <a:schemeClr val="tx1"/>
+                      </a:solidFill>
+                      <a:prstDash val="solid"/>
+                      <a:round/>
+                      <a:headEnd type="none" w="med" len="med"/>
+                      <a:tailEnd type="none" w="med" len="med"/>
+                    </a:lnR>
+                    <a:lnT w="12700" cap="flat" cmpd="sng" algn="ctr">
+                      <a:solidFill>
+                        <a:schemeClr val="tx1"/>
+                      </a:solidFill>
+                      <a:prstDash val="solid"/>
+                      <a:round/>
+                      <a:headEnd type="none" w="med" len="med"/>
+                      <a:tailEnd type="none" w="med" len="med"/>
+                    </a:lnT>
+                    <a:lnB w="12700" cap="flat" cmpd="sng" algn="ctr">
+                      <a:solidFill>
+                        <a:schemeClr val="tx1"/>
+                      </a:solidFill>
+                      <a:prstDash val="solid"/>
+                      <a:round/>
+                      <a:headEnd type="none" w="med" len="med"/>
+                      <a:tailEnd type="none" w="med" len="med"/>
+                    </a:lnB>
+                  </a:tcPr>
+                </a:tc>
+                <a:tc>
+                  <a:txBody>
+                    <a:bodyPr/>
+                    <a:lstStyle/>
+                    <a:p>
+                      <a:endParaRPr lang="en-US" dirty="0">
+                        <a:solidFill>
+                          <a:srgbClr val="0070C0"/>
+                        </a:solidFill>
+                      </a:endParaRPr>
+                    </a:p>
+                  </a:txBody>
+                  <a:tcPr>
+                    <a:lnL w="12700" cap="flat" cmpd="sng" algn="ctr">
+                      <a:solidFill>
+                        <a:schemeClr val="tx1"/>
+                      </a:solidFill>
+                      <a:prstDash val="solid"/>
+                      <a:round/>
+                      <a:headEnd type="none" w="med" len="med"/>
+                      <a:tailEnd type="none" w="med" len="med"/>
+                    </a:lnL>
+                    <a:lnR w="12700" cap="flat" cmpd="sng" algn="ctr">
+                      <a:solidFill>
+                        <a:schemeClr val="tx1"/>
+                      </a:solidFill>
+                      <a:prstDash val="solid"/>
+                      <a:round/>
+                      <a:headEnd type="none" w="med" len="med"/>
+                      <a:tailEnd type="none" w="med" len="med"/>
+                    </a:lnR>
+                    <a:lnT w="12700" cap="flat" cmpd="sng" algn="ctr">
+                      <a:solidFill>
+                        <a:schemeClr val="tx1"/>
+                      </a:solidFill>
+                      <a:prstDash val="solid"/>
+                      <a:round/>
+                      <a:headEnd type="none" w="med" len="med"/>
+                      <a:tailEnd type="none" w="med" len="med"/>
+                    </a:lnT>
+                    <a:lnB w="12700" cap="flat" cmpd="sng" algn="ctr">
+                      <a:solidFill>
+                        <a:schemeClr val="tx1"/>
+                      </a:solidFill>
+                      <a:prstDash val="solid"/>
+                      <a:round/>
+                      <a:headEnd type="none" w="med" len="med"/>
+                      <a:tailEnd type="none" w="med" len="med"/>
+                    </a:lnB>
+                  </a:tcPr>
+                </a:tc>
+                <a:tc>
+                  <a:txBody>
+                    <a:bodyPr/>
+                    <a:lstStyle/>
+                    <a:p>
+                      <a:endParaRPr lang="en-US" dirty="0">
+                        <a:solidFill>
+                          <a:srgbClr val="0070C0"/>
+                        </a:solidFill>
+                      </a:endParaRPr>
+                    </a:p>
+                  </a:txBody>
+                  <a:tcPr>
+                    <a:lnL w="12700" cap="flat" cmpd="sng" algn="ctr">
+                      <a:solidFill>
+                        <a:schemeClr val="tx1"/>
+                      </a:solidFill>
+                      <a:prstDash val="solid"/>
+                      <a:round/>
+                      <a:headEnd type="none" w="med" len="med"/>
+                      <a:tailEnd type="none" w="med" len="med"/>
+                    </a:lnL>
+                    <a:lnR w="12700" cap="flat" cmpd="sng" algn="ctr">
+                      <a:solidFill>
+                        <a:schemeClr val="tx1"/>
+                      </a:solidFill>
+                      <a:prstDash val="solid"/>
+                      <a:round/>
+                      <a:headEnd type="none" w="med" len="med"/>
+                      <a:tailEnd type="none" w="med" len="med"/>
+                    </a:lnR>
+                    <a:lnT w="12700" cap="flat" cmpd="sng" algn="ctr">
+                      <a:solidFill>
+                        <a:schemeClr val="tx1"/>
+                      </a:solidFill>
+                      <a:prstDash val="solid"/>
+                      <a:round/>
+                      <a:headEnd type="none" w="med" len="med"/>
+                      <a:tailEnd type="none" w="med" len="med"/>
+                    </a:lnT>
+                    <a:lnB w="12700" cap="flat" cmpd="sng" algn="ctr">
+                      <a:solidFill>
+                        <a:schemeClr val="tx1"/>
+                      </a:solidFill>
+                      <a:prstDash val="solid"/>
+                      <a:round/>
+                      <a:headEnd type="none" w="med" len="med"/>
+                      <a:tailEnd type="none" w="med" len="med"/>
+                    </a:lnB>
+                  </a:tcPr>
                 </a:tc>
                 <a:tc>
                   <a:txBody>
@@ -7151,12 +11109,51 @@
                     <a:lstStyle/>
                     <a:p>
                       <a:r>
-                        <a:rPr lang="en-US" dirty="0"/>
+                        <a:rPr lang="en-US" dirty="0">
+                          <a:solidFill>
+                            <a:srgbClr val="0070C0"/>
+                          </a:solidFill>
+                        </a:rPr>
                         <a:t>56</a:t>
                       </a:r>
                     </a:p>
                   </a:txBody>
-                  <a:tcPr/>
+                  <a:tcPr>
+                    <a:lnL w="12700" cap="flat" cmpd="sng" algn="ctr">
+                      <a:solidFill>
+                        <a:schemeClr val="tx1"/>
+                      </a:solidFill>
+                      <a:prstDash val="solid"/>
+                      <a:round/>
+                      <a:headEnd type="none" w="med" len="med"/>
+                      <a:tailEnd type="none" w="med" len="med"/>
+                    </a:lnL>
+                    <a:lnR w="12700" cap="flat" cmpd="sng" algn="ctr">
+                      <a:noFill/>
+                      <a:prstDash val="solid"/>
+                      <a:round/>
+                      <a:headEnd type="none" w="med" len="med"/>
+                      <a:tailEnd type="none" w="med" len="med"/>
+                    </a:lnR>
+                    <a:lnT w="12700" cap="flat" cmpd="sng" algn="ctr">
+                      <a:solidFill>
+                        <a:schemeClr val="tx1"/>
+                      </a:solidFill>
+                      <a:prstDash val="solid"/>
+                      <a:round/>
+                      <a:headEnd type="none" w="med" len="med"/>
+                      <a:tailEnd type="none" w="med" len="med"/>
+                    </a:lnT>
+                    <a:lnB w="12700" cap="flat" cmpd="sng" algn="ctr">
+                      <a:solidFill>
+                        <a:schemeClr val="tx1"/>
+                      </a:solidFill>
+                      <a:prstDash val="solid"/>
+                      <a:round/>
+                      <a:headEnd type="none" w="med" len="med"/>
+                      <a:tailEnd type="none" w="med" len="med"/>
+                    </a:lnB>
+                  </a:tcPr>
                 </a:tc>
                 <a:extLst>
                   <a:ext uri="{0D108BD9-81ED-4DB2-BD59-A6C34878D82A}">
@@ -7170,80 +11167,406 @@
                     <a:bodyPr/>
                     <a:lstStyle/>
                     <a:p>
-                      <a:endParaRPr lang="en-US" dirty="0"/>
-                    </a:p>
-                  </a:txBody>
-                  <a:tcPr/>
-                </a:tc>
-                <a:tc>
-                  <a:txBody>
-                    <a:bodyPr/>
-                    <a:lstStyle/>
-                    <a:p>
-                      <a:endParaRPr lang="en-US" dirty="0"/>
-                    </a:p>
-                  </a:txBody>
-                  <a:tcPr/>
-                </a:tc>
-                <a:tc>
-                  <a:txBody>
-                    <a:bodyPr/>
-                    <a:lstStyle/>
-                    <a:p>
-                      <a:endParaRPr lang="en-US" dirty="0"/>
-                    </a:p>
-                  </a:txBody>
-                  <a:tcPr/>
-                </a:tc>
-                <a:tc>
-                  <a:txBody>
-                    <a:bodyPr/>
-                    <a:lstStyle/>
-                    <a:p>
-                      <a:endParaRPr lang="en-US" dirty="0"/>
-                    </a:p>
-                  </a:txBody>
-                  <a:tcPr/>
-                </a:tc>
-                <a:tc>
-                  <a:txBody>
-                    <a:bodyPr/>
-                    <a:lstStyle/>
-                    <a:p>
-                      <a:endParaRPr lang="en-US" dirty="0"/>
-                    </a:p>
-                  </a:txBody>
-                  <a:tcPr/>
-                </a:tc>
-                <a:tc>
-                  <a:txBody>
-                    <a:bodyPr/>
-                    <a:lstStyle/>
-                    <a:p>
-                      <a:endParaRPr lang="en-US" dirty="0"/>
-                    </a:p>
-                  </a:txBody>
-                  <a:tcPr/>
-                </a:tc>
-                <a:tc>
-                  <a:txBody>
-                    <a:bodyPr/>
-                    <a:lstStyle/>
-                    <a:p>
-                      <a:endParaRPr lang="en-US" dirty="0"/>
-                    </a:p>
-                  </a:txBody>
-                  <a:tcPr/>
-                </a:tc>
-                <a:tc>
-                  <a:txBody>
-                    <a:bodyPr/>
-                    <a:lstStyle/>
-                    <a:p>
-                      <a:endParaRPr lang="en-US" dirty="0"/>
-                    </a:p>
-                  </a:txBody>
-                  <a:tcPr/>
+                      <a:endParaRPr lang="en-US" dirty="0">
+                        <a:solidFill>
+                          <a:srgbClr val="0070C0"/>
+                        </a:solidFill>
+                      </a:endParaRPr>
+                    </a:p>
+                  </a:txBody>
+                  <a:tcPr>
+                    <a:lnL w="12700" cap="flat" cmpd="sng" algn="ctr">
+                      <a:noFill/>
+                      <a:prstDash val="solid"/>
+                      <a:round/>
+                      <a:headEnd type="none" w="med" len="med"/>
+                      <a:tailEnd type="none" w="med" len="med"/>
+                    </a:lnL>
+                    <a:lnR w="12700" cap="flat" cmpd="sng" algn="ctr">
+                      <a:solidFill>
+                        <a:schemeClr val="tx1"/>
+                      </a:solidFill>
+                      <a:prstDash val="solid"/>
+                      <a:round/>
+                      <a:headEnd type="none" w="med" len="med"/>
+                      <a:tailEnd type="none" w="med" len="med"/>
+                    </a:lnR>
+                    <a:lnT w="12700" cap="flat" cmpd="sng" algn="ctr">
+                      <a:solidFill>
+                        <a:schemeClr val="tx1"/>
+                      </a:solidFill>
+                      <a:prstDash val="solid"/>
+                      <a:round/>
+                      <a:headEnd type="none" w="med" len="med"/>
+                      <a:tailEnd type="none" w="med" len="med"/>
+                    </a:lnT>
+                    <a:lnB w="12700" cap="flat" cmpd="sng" algn="ctr">
+                      <a:solidFill>
+                        <a:schemeClr val="tx1"/>
+                      </a:solidFill>
+                      <a:prstDash val="solid"/>
+                      <a:round/>
+                      <a:headEnd type="none" w="med" len="med"/>
+                      <a:tailEnd type="none" w="med" len="med"/>
+                    </a:lnB>
+                  </a:tcPr>
+                </a:tc>
+                <a:tc>
+                  <a:txBody>
+                    <a:bodyPr/>
+                    <a:lstStyle/>
+                    <a:p>
+                      <a:endParaRPr lang="en-US" dirty="0">
+                        <a:solidFill>
+                          <a:srgbClr val="0070C0"/>
+                        </a:solidFill>
+                      </a:endParaRPr>
+                    </a:p>
+                  </a:txBody>
+                  <a:tcPr>
+                    <a:lnL w="12700" cap="flat" cmpd="sng" algn="ctr">
+                      <a:solidFill>
+                        <a:schemeClr val="tx1"/>
+                      </a:solidFill>
+                      <a:prstDash val="solid"/>
+                      <a:round/>
+                      <a:headEnd type="none" w="med" len="med"/>
+                      <a:tailEnd type="none" w="med" len="med"/>
+                    </a:lnL>
+                    <a:lnR w="12700" cap="flat" cmpd="sng" algn="ctr">
+                      <a:solidFill>
+                        <a:schemeClr val="tx1"/>
+                      </a:solidFill>
+                      <a:prstDash val="solid"/>
+                      <a:round/>
+                      <a:headEnd type="none" w="med" len="med"/>
+                      <a:tailEnd type="none" w="med" len="med"/>
+                    </a:lnR>
+                    <a:lnT w="12700" cap="flat" cmpd="sng" algn="ctr">
+                      <a:solidFill>
+                        <a:schemeClr val="tx1"/>
+                      </a:solidFill>
+                      <a:prstDash val="solid"/>
+                      <a:round/>
+                      <a:headEnd type="none" w="med" len="med"/>
+                      <a:tailEnd type="none" w="med" len="med"/>
+                    </a:lnT>
+                    <a:lnB w="12700" cap="flat" cmpd="sng" algn="ctr">
+                      <a:solidFill>
+                        <a:schemeClr val="tx1"/>
+                      </a:solidFill>
+                      <a:prstDash val="solid"/>
+                      <a:round/>
+                      <a:headEnd type="none" w="med" len="med"/>
+                      <a:tailEnd type="none" w="med" len="med"/>
+                    </a:lnB>
+                  </a:tcPr>
+                </a:tc>
+                <a:tc>
+                  <a:txBody>
+                    <a:bodyPr/>
+                    <a:lstStyle/>
+                    <a:p>
+                      <a:endParaRPr lang="en-US" dirty="0">
+                        <a:solidFill>
+                          <a:srgbClr val="0070C0"/>
+                        </a:solidFill>
+                      </a:endParaRPr>
+                    </a:p>
+                  </a:txBody>
+                  <a:tcPr>
+                    <a:lnL w="12700" cap="flat" cmpd="sng" algn="ctr">
+                      <a:solidFill>
+                        <a:schemeClr val="tx1"/>
+                      </a:solidFill>
+                      <a:prstDash val="solid"/>
+                      <a:round/>
+                      <a:headEnd type="none" w="med" len="med"/>
+                      <a:tailEnd type="none" w="med" len="med"/>
+                    </a:lnL>
+                    <a:lnR w="12700" cap="flat" cmpd="sng" algn="ctr">
+                      <a:solidFill>
+                        <a:schemeClr val="tx1"/>
+                      </a:solidFill>
+                      <a:prstDash val="solid"/>
+                      <a:round/>
+                      <a:headEnd type="none" w="med" len="med"/>
+                      <a:tailEnd type="none" w="med" len="med"/>
+                    </a:lnR>
+                    <a:lnT w="12700" cap="flat" cmpd="sng" algn="ctr">
+                      <a:solidFill>
+                        <a:schemeClr val="tx1"/>
+                      </a:solidFill>
+                      <a:prstDash val="solid"/>
+                      <a:round/>
+                      <a:headEnd type="none" w="med" len="med"/>
+                      <a:tailEnd type="none" w="med" len="med"/>
+                    </a:lnT>
+                    <a:lnB w="12700" cap="flat" cmpd="sng" algn="ctr">
+                      <a:solidFill>
+                        <a:schemeClr val="tx1"/>
+                      </a:solidFill>
+                      <a:prstDash val="solid"/>
+                      <a:round/>
+                      <a:headEnd type="none" w="med" len="med"/>
+                      <a:tailEnd type="none" w="med" len="med"/>
+                    </a:lnB>
+                  </a:tcPr>
+                </a:tc>
+                <a:tc>
+                  <a:txBody>
+                    <a:bodyPr/>
+                    <a:lstStyle/>
+                    <a:p>
+                      <a:endParaRPr lang="en-US" dirty="0">
+                        <a:solidFill>
+                          <a:srgbClr val="0070C0"/>
+                        </a:solidFill>
+                      </a:endParaRPr>
+                    </a:p>
+                  </a:txBody>
+                  <a:tcPr>
+                    <a:lnL w="12700" cap="flat" cmpd="sng" algn="ctr">
+                      <a:solidFill>
+                        <a:schemeClr val="tx1"/>
+                      </a:solidFill>
+                      <a:prstDash val="solid"/>
+                      <a:round/>
+                      <a:headEnd type="none" w="med" len="med"/>
+                      <a:tailEnd type="none" w="med" len="med"/>
+                    </a:lnL>
+                    <a:lnR w="12700" cap="flat" cmpd="sng" algn="ctr">
+                      <a:solidFill>
+                        <a:schemeClr val="tx1"/>
+                      </a:solidFill>
+                      <a:prstDash val="solid"/>
+                      <a:round/>
+                      <a:headEnd type="none" w="med" len="med"/>
+                      <a:tailEnd type="none" w="med" len="med"/>
+                    </a:lnR>
+                    <a:lnT w="12700" cap="flat" cmpd="sng" algn="ctr">
+                      <a:solidFill>
+                        <a:schemeClr val="tx1"/>
+                      </a:solidFill>
+                      <a:prstDash val="solid"/>
+                      <a:round/>
+                      <a:headEnd type="none" w="med" len="med"/>
+                      <a:tailEnd type="none" w="med" len="med"/>
+                    </a:lnT>
+                    <a:lnB w="12700" cap="flat" cmpd="sng" algn="ctr">
+                      <a:solidFill>
+                        <a:schemeClr val="tx1"/>
+                      </a:solidFill>
+                      <a:prstDash val="solid"/>
+                      <a:round/>
+                      <a:headEnd type="none" w="med" len="med"/>
+                      <a:tailEnd type="none" w="med" len="med"/>
+                    </a:lnB>
+                  </a:tcPr>
+                </a:tc>
+                <a:tc>
+                  <a:txBody>
+                    <a:bodyPr/>
+                    <a:lstStyle/>
+                    <a:p>
+                      <a:endParaRPr lang="en-US" dirty="0">
+                        <a:solidFill>
+                          <a:srgbClr val="0070C0"/>
+                        </a:solidFill>
+                      </a:endParaRPr>
+                    </a:p>
+                  </a:txBody>
+                  <a:tcPr>
+                    <a:lnL w="12700" cap="flat" cmpd="sng" algn="ctr">
+                      <a:solidFill>
+                        <a:schemeClr val="tx1"/>
+                      </a:solidFill>
+                      <a:prstDash val="solid"/>
+                      <a:round/>
+                      <a:headEnd type="none" w="med" len="med"/>
+                      <a:tailEnd type="none" w="med" len="med"/>
+                    </a:lnL>
+                    <a:lnR w="12700" cap="flat" cmpd="sng" algn="ctr">
+                      <a:solidFill>
+                        <a:schemeClr val="tx1"/>
+                      </a:solidFill>
+                      <a:prstDash val="solid"/>
+                      <a:round/>
+                      <a:headEnd type="none" w="med" len="med"/>
+                      <a:tailEnd type="none" w="med" len="med"/>
+                    </a:lnR>
+                    <a:lnT w="12700" cap="flat" cmpd="sng" algn="ctr">
+                      <a:solidFill>
+                        <a:schemeClr val="tx1"/>
+                      </a:solidFill>
+                      <a:prstDash val="solid"/>
+                      <a:round/>
+                      <a:headEnd type="none" w="med" len="med"/>
+                      <a:tailEnd type="none" w="med" len="med"/>
+                    </a:lnT>
+                    <a:lnB w="12700" cap="flat" cmpd="sng" algn="ctr">
+                      <a:solidFill>
+                        <a:schemeClr val="tx1"/>
+                      </a:solidFill>
+                      <a:prstDash val="solid"/>
+                      <a:round/>
+                      <a:headEnd type="none" w="med" len="med"/>
+                      <a:tailEnd type="none" w="med" len="med"/>
+                    </a:lnB>
+                  </a:tcPr>
+                </a:tc>
+                <a:tc>
+                  <a:txBody>
+                    <a:bodyPr/>
+                    <a:lstStyle/>
+                    <a:p>
+                      <a:endParaRPr lang="en-US" dirty="0">
+                        <a:solidFill>
+                          <a:srgbClr val="0070C0"/>
+                        </a:solidFill>
+                      </a:endParaRPr>
+                    </a:p>
+                  </a:txBody>
+                  <a:tcPr>
+                    <a:lnL w="12700" cap="flat" cmpd="sng" algn="ctr">
+                      <a:solidFill>
+                        <a:schemeClr val="tx1"/>
+                      </a:solidFill>
+                      <a:prstDash val="solid"/>
+                      <a:round/>
+                      <a:headEnd type="none" w="med" len="med"/>
+                      <a:tailEnd type="none" w="med" len="med"/>
+                    </a:lnL>
+                    <a:lnR w="12700" cap="flat" cmpd="sng" algn="ctr">
+                      <a:solidFill>
+                        <a:schemeClr val="tx1"/>
+                      </a:solidFill>
+                      <a:prstDash val="solid"/>
+                      <a:round/>
+                      <a:headEnd type="none" w="med" len="med"/>
+                      <a:tailEnd type="none" w="med" len="med"/>
+                    </a:lnR>
+                    <a:lnT w="12700" cap="flat" cmpd="sng" algn="ctr">
+                      <a:solidFill>
+                        <a:schemeClr val="tx1"/>
+                      </a:solidFill>
+                      <a:prstDash val="solid"/>
+                      <a:round/>
+                      <a:headEnd type="none" w="med" len="med"/>
+                      <a:tailEnd type="none" w="med" len="med"/>
+                    </a:lnT>
+                    <a:lnB w="12700" cap="flat" cmpd="sng" algn="ctr">
+                      <a:solidFill>
+                        <a:schemeClr val="tx1"/>
+                      </a:solidFill>
+                      <a:prstDash val="solid"/>
+                      <a:round/>
+                      <a:headEnd type="none" w="med" len="med"/>
+                      <a:tailEnd type="none" w="med" len="med"/>
+                    </a:lnB>
+                  </a:tcPr>
+                </a:tc>
+                <a:tc>
+                  <a:txBody>
+                    <a:bodyPr/>
+                    <a:lstStyle/>
+                    <a:p>
+                      <a:endParaRPr lang="en-US" dirty="0">
+                        <a:solidFill>
+                          <a:srgbClr val="0070C0"/>
+                        </a:solidFill>
+                      </a:endParaRPr>
+                    </a:p>
+                  </a:txBody>
+                  <a:tcPr>
+                    <a:lnL w="12700" cap="flat" cmpd="sng" algn="ctr">
+                      <a:solidFill>
+                        <a:schemeClr val="tx1"/>
+                      </a:solidFill>
+                      <a:prstDash val="solid"/>
+                      <a:round/>
+                      <a:headEnd type="none" w="med" len="med"/>
+                      <a:tailEnd type="none" w="med" len="med"/>
+                    </a:lnL>
+                    <a:lnR w="12700" cap="flat" cmpd="sng" algn="ctr">
+                      <a:solidFill>
+                        <a:schemeClr val="tx1"/>
+                      </a:solidFill>
+                      <a:prstDash val="solid"/>
+                      <a:round/>
+                      <a:headEnd type="none" w="med" len="med"/>
+                      <a:tailEnd type="none" w="med" len="med"/>
+                    </a:lnR>
+                    <a:lnT w="12700" cap="flat" cmpd="sng" algn="ctr">
+                      <a:solidFill>
+                        <a:schemeClr val="tx1"/>
+                      </a:solidFill>
+                      <a:prstDash val="solid"/>
+                      <a:round/>
+                      <a:headEnd type="none" w="med" len="med"/>
+                      <a:tailEnd type="none" w="med" len="med"/>
+                    </a:lnT>
+                    <a:lnB w="12700" cap="flat" cmpd="sng" algn="ctr">
+                      <a:solidFill>
+                        <a:schemeClr val="tx1"/>
+                      </a:solidFill>
+                      <a:prstDash val="solid"/>
+                      <a:round/>
+                      <a:headEnd type="none" w="med" len="med"/>
+                      <a:tailEnd type="none" w="med" len="med"/>
+                    </a:lnB>
+                  </a:tcPr>
+                </a:tc>
+                <a:tc>
+                  <a:txBody>
+                    <a:bodyPr/>
+                    <a:lstStyle/>
+                    <a:p>
+                      <a:endParaRPr lang="en-US" dirty="0">
+                        <a:solidFill>
+                          <a:srgbClr val="0070C0"/>
+                        </a:solidFill>
+                      </a:endParaRPr>
+                    </a:p>
+                  </a:txBody>
+                  <a:tcPr>
+                    <a:lnL w="12700" cap="flat" cmpd="sng" algn="ctr">
+                      <a:solidFill>
+                        <a:schemeClr val="tx1"/>
+                      </a:solidFill>
+                      <a:prstDash val="solid"/>
+                      <a:round/>
+                      <a:headEnd type="none" w="med" len="med"/>
+                      <a:tailEnd type="none" w="med" len="med"/>
+                    </a:lnL>
+                    <a:lnR w="12700" cap="flat" cmpd="sng" algn="ctr">
+                      <a:solidFill>
+                        <a:schemeClr val="tx1"/>
+                      </a:solidFill>
+                      <a:prstDash val="solid"/>
+                      <a:round/>
+                      <a:headEnd type="none" w="med" len="med"/>
+                      <a:tailEnd type="none" w="med" len="med"/>
+                    </a:lnR>
+                    <a:lnT w="12700" cap="flat" cmpd="sng" algn="ctr">
+                      <a:solidFill>
+                        <a:schemeClr val="tx1"/>
+                      </a:solidFill>
+                      <a:prstDash val="solid"/>
+                      <a:round/>
+                      <a:headEnd type="none" w="med" len="med"/>
+                      <a:tailEnd type="none" w="med" len="med"/>
+                    </a:lnT>
+                    <a:lnB w="12700" cap="flat" cmpd="sng" algn="ctr">
+                      <a:solidFill>
+                        <a:schemeClr val="tx1"/>
+                      </a:solidFill>
+                      <a:prstDash val="solid"/>
+                      <a:round/>
+                      <a:headEnd type="none" w="med" len="med"/>
+                      <a:tailEnd type="none" w="med" len="med"/>
+                    </a:lnB>
+                  </a:tcPr>
                 </a:tc>
                 <a:tc>
                   <a:txBody>
@@ -7251,12 +11574,51 @@
                     <a:lstStyle/>
                     <a:p>
                       <a:r>
-                        <a:rPr lang="en-US" dirty="0"/>
+                        <a:rPr lang="en-US" dirty="0">
+                          <a:solidFill>
+                            <a:srgbClr val="0070C0"/>
+                          </a:solidFill>
+                        </a:rPr>
                         <a:t>75</a:t>
                       </a:r>
                     </a:p>
                   </a:txBody>
-                  <a:tcPr/>
+                  <a:tcPr>
+                    <a:lnL w="12700" cap="flat" cmpd="sng" algn="ctr">
+                      <a:solidFill>
+                        <a:schemeClr val="tx1"/>
+                      </a:solidFill>
+                      <a:prstDash val="solid"/>
+                      <a:round/>
+                      <a:headEnd type="none" w="med" len="med"/>
+                      <a:tailEnd type="none" w="med" len="med"/>
+                    </a:lnL>
+                    <a:lnR w="12700" cap="flat" cmpd="sng" algn="ctr">
+                      <a:noFill/>
+                      <a:prstDash val="solid"/>
+                      <a:round/>
+                      <a:headEnd type="none" w="med" len="med"/>
+                      <a:tailEnd type="none" w="med" len="med"/>
+                    </a:lnR>
+                    <a:lnT w="12700" cap="flat" cmpd="sng" algn="ctr">
+                      <a:solidFill>
+                        <a:schemeClr val="tx1"/>
+                      </a:solidFill>
+                      <a:prstDash val="solid"/>
+                      <a:round/>
+                      <a:headEnd type="none" w="med" len="med"/>
+                      <a:tailEnd type="none" w="med" len="med"/>
+                    </a:lnT>
+                    <a:lnB w="12700" cap="flat" cmpd="sng" algn="ctr">
+                      <a:solidFill>
+                        <a:schemeClr val="tx1"/>
+                      </a:solidFill>
+                      <a:prstDash val="solid"/>
+                      <a:round/>
+                      <a:headEnd type="none" w="med" len="med"/>
+                      <a:tailEnd type="none" w="med" len="med"/>
+                    </a:lnB>
+                  </a:tcPr>
                 </a:tc>
                 <a:extLst>
                   <a:ext uri="{0D108BD9-81ED-4DB2-BD59-A6C34878D82A}">
@@ -7270,80 +11632,406 @@
                     <a:bodyPr/>
                     <a:lstStyle/>
                     <a:p>
-                      <a:endParaRPr lang="en-US" dirty="0"/>
-                    </a:p>
-                  </a:txBody>
-                  <a:tcPr/>
-                </a:tc>
-                <a:tc>
-                  <a:txBody>
-                    <a:bodyPr/>
-                    <a:lstStyle/>
-                    <a:p>
-                      <a:endParaRPr lang="en-US" dirty="0"/>
-                    </a:p>
-                  </a:txBody>
-                  <a:tcPr/>
-                </a:tc>
-                <a:tc>
-                  <a:txBody>
-                    <a:bodyPr/>
-                    <a:lstStyle/>
-                    <a:p>
-                      <a:endParaRPr lang="en-US" dirty="0"/>
-                    </a:p>
-                  </a:txBody>
-                  <a:tcPr/>
-                </a:tc>
-                <a:tc>
-                  <a:txBody>
-                    <a:bodyPr/>
-                    <a:lstStyle/>
-                    <a:p>
-                      <a:endParaRPr lang="en-US" dirty="0"/>
-                    </a:p>
-                  </a:txBody>
-                  <a:tcPr/>
-                </a:tc>
-                <a:tc>
-                  <a:txBody>
-                    <a:bodyPr/>
-                    <a:lstStyle/>
-                    <a:p>
-                      <a:endParaRPr lang="en-US" dirty="0"/>
-                    </a:p>
-                  </a:txBody>
-                  <a:tcPr/>
-                </a:tc>
-                <a:tc>
-                  <a:txBody>
-                    <a:bodyPr/>
-                    <a:lstStyle/>
-                    <a:p>
-                      <a:endParaRPr lang="en-US" dirty="0"/>
-                    </a:p>
-                  </a:txBody>
-                  <a:tcPr/>
-                </a:tc>
-                <a:tc>
-                  <a:txBody>
-                    <a:bodyPr/>
-                    <a:lstStyle/>
-                    <a:p>
-                      <a:endParaRPr lang="en-US" dirty="0"/>
-                    </a:p>
-                  </a:txBody>
-                  <a:tcPr/>
-                </a:tc>
-                <a:tc>
-                  <a:txBody>
-                    <a:bodyPr/>
-                    <a:lstStyle/>
-                    <a:p>
-                      <a:endParaRPr lang="en-US" dirty="0"/>
-                    </a:p>
-                  </a:txBody>
-                  <a:tcPr/>
+                      <a:endParaRPr lang="en-US" dirty="0">
+                        <a:solidFill>
+                          <a:srgbClr val="0070C0"/>
+                        </a:solidFill>
+                      </a:endParaRPr>
+                    </a:p>
+                  </a:txBody>
+                  <a:tcPr>
+                    <a:lnL w="12700" cap="flat" cmpd="sng" algn="ctr">
+                      <a:noFill/>
+                      <a:prstDash val="solid"/>
+                      <a:round/>
+                      <a:headEnd type="none" w="med" len="med"/>
+                      <a:tailEnd type="none" w="med" len="med"/>
+                    </a:lnL>
+                    <a:lnR w="12700" cap="flat" cmpd="sng" algn="ctr">
+                      <a:solidFill>
+                        <a:schemeClr val="tx1"/>
+                      </a:solidFill>
+                      <a:prstDash val="solid"/>
+                      <a:round/>
+                      <a:headEnd type="none" w="med" len="med"/>
+                      <a:tailEnd type="none" w="med" len="med"/>
+                    </a:lnR>
+                    <a:lnT w="12700" cap="flat" cmpd="sng" algn="ctr">
+                      <a:solidFill>
+                        <a:schemeClr val="tx1"/>
+                      </a:solidFill>
+                      <a:prstDash val="solid"/>
+                      <a:round/>
+                      <a:headEnd type="none" w="med" len="med"/>
+                      <a:tailEnd type="none" w="med" len="med"/>
+                    </a:lnT>
+                    <a:lnB w="12700" cap="flat" cmpd="sng" algn="ctr">
+                      <a:solidFill>
+                        <a:schemeClr val="tx1"/>
+                      </a:solidFill>
+                      <a:prstDash val="solid"/>
+                      <a:round/>
+                      <a:headEnd type="none" w="med" len="med"/>
+                      <a:tailEnd type="none" w="med" len="med"/>
+                    </a:lnB>
+                  </a:tcPr>
+                </a:tc>
+                <a:tc>
+                  <a:txBody>
+                    <a:bodyPr/>
+                    <a:lstStyle/>
+                    <a:p>
+                      <a:endParaRPr lang="en-US" dirty="0">
+                        <a:solidFill>
+                          <a:srgbClr val="0070C0"/>
+                        </a:solidFill>
+                      </a:endParaRPr>
+                    </a:p>
+                  </a:txBody>
+                  <a:tcPr>
+                    <a:lnL w="12700" cap="flat" cmpd="sng" algn="ctr">
+                      <a:solidFill>
+                        <a:schemeClr val="tx1"/>
+                      </a:solidFill>
+                      <a:prstDash val="solid"/>
+                      <a:round/>
+                      <a:headEnd type="none" w="med" len="med"/>
+                      <a:tailEnd type="none" w="med" len="med"/>
+                    </a:lnL>
+                    <a:lnR w="12700" cap="flat" cmpd="sng" algn="ctr">
+                      <a:solidFill>
+                        <a:schemeClr val="tx1"/>
+                      </a:solidFill>
+                      <a:prstDash val="solid"/>
+                      <a:round/>
+                      <a:headEnd type="none" w="med" len="med"/>
+                      <a:tailEnd type="none" w="med" len="med"/>
+                    </a:lnR>
+                    <a:lnT w="12700" cap="flat" cmpd="sng" algn="ctr">
+                      <a:solidFill>
+                        <a:schemeClr val="tx1"/>
+                      </a:solidFill>
+                      <a:prstDash val="solid"/>
+                      <a:round/>
+                      <a:headEnd type="none" w="med" len="med"/>
+                      <a:tailEnd type="none" w="med" len="med"/>
+                    </a:lnT>
+                    <a:lnB w="12700" cap="flat" cmpd="sng" algn="ctr">
+                      <a:solidFill>
+                        <a:schemeClr val="tx1"/>
+                      </a:solidFill>
+                      <a:prstDash val="solid"/>
+                      <a:round/>
+                      <a:headEnd type="none" w="med" len="med"/>
+                      <a:tailEnd type="none" w="med" len="med"/>
+                    </a:lnB>
+                  </a:tcPr>
+                </a:tc>
+                <a:tc>
+                  <a:txBody>
+                    <a:bodyPr/>
+                    <a:lstStyle/>
+                    <a:p>
+                      <a:endParaRPr lang="en-US" dirty="0">
+                        <a:solidFill>
+                          <a:srgbClr val="0070C0"/>
+                        </a:solidFill>
+                      </a:endParaRPr>
+                    </a:p>
+                  </a:txBody>
+                  <a:tcPr>
+                    <a:lnL w="12700" cap="flat" cmpd="sng" algn="ctr">
+                      <a:solidFill>
+                        <a:schemeClr val="tx1"/>
+                      </a:solidFill>
+                      <a:prstDash val="solid"/>
+                      <a:round/>
+                      <a:headEnd type="none" w="med" len="med"/>
+                      <a:tailEnd type="none" w="med" len="med"/>
+                    </a:lnL>
+                    <a:lnR w="12700" cap="flat" cmpd="sng" algn="ctr">
+                      <a:solidFill>
+                        <a:schemeClr val="tx1"/>
+                      </a:solidFill>
+                      <a:prstDash val="solid"/>
+                      <a:round/>
+                      <a:headEnd type="none" w="med" len="med"/>
+                      <a:tailEnd type="none" w="med" len="med"/>
+                    </a:lnR>
+                    <a:lnT w="12700" cap="flat" cmpd="sng" algn="ctr">
+                      <a:solidFill>
+                        <a:schemeClr val="tx1"/>
+                      </a:solidFill>
+                      <a:prstDash val="solid"/>
+                      <a:round/>
+                      <a:headEnd type="none" w="med" len="med"/>
+                      <a:tailEnd type="none" w="med" len="med"/>
+                    </a:lnT>
+                    <a:lnB w="12700" cap="flat" cmpd="sng" algn="ctr">
+                      <a:solidFill>
+                        <a:schemeClr val="tx1"/>
+                      </a:solidFill>
+                      <a:prstDash val="solid"/>
+                      <a:round/>
+                      <a:headEnd type="none" w="med" len="med"/>
+                      <a:tailEnd type="none" w="med" len="med"/>
+                    </a:lnB>
+                  </a:tcPr>
+                </a:tc>
+                <a:tc>
+                  <a:txBody>
+                    <a:bodyPr/>
+                    <a:lstStyle/>
+                    <a:p>
+                      <a:endParaRPr lang="en-US" dirty="0">
+                        <a:solidFill>
+                          <a:srgbClr val="0070C0"/>
+                        </a:solidFill>
+                      </a:endParaRPr>
+                    </a:p>
+                  </a:txBody>
+                  <a:tcPr>
+                    <a:lnL w="12700" cap="flat" cmpd="sng" algn="ctr">
+                      <a:solidFill>
+                        <a:schemeClr val="tx1"/>
+                      </a:solidFill>
+                      <a:prstDash val="solid"/>
+                      <a:round/>
+                      <a:headEnd type="none" w="med" len="med"/>
+                      <a:tailEnd type="none" w="med" len="med"/>
+                    </a:lnL>
+                    <a:lnR w="12700" cap="flat" cmpd="sng" algn="ctr">
+                      <a:solidFill>
+                        <a:schemeClr val="tx1"/>
+                      </a:solidFill>
+                      <a:prstDash val="solid"/>
+                      <a:round/>
+                      <a:headEnd type="none" w="med" len="med"/>
+                      <a:tailEnd type="none" w="med" len="med"/>
+                    </a:lnR>
+                    <a:lnT w="12700" cap="flat" cmpd="sng" algn="ctr">
+                      <a:solidFill>
+                        <a:schemeClr val="tx1"/>
+                      </a:solidFill>
+                      <a:prstDash val="solid"/>
+                      <a:round/>
+                      <a:headEnd type="none" w="med" len="med"/>
+                      <a:tailEnd type="none" w="med" len="med"/>
+                    </a:lnT>
+                    <a:lnB w="12700" cap="flat" cmpd="sng" algn="ctr">
+                      <a:solidFill>
+                        <a:schemeClr val="tx1"/>
+                      </a:solidFill>
+                      <a:prstDash val="solid"/>
+                      <a:round/>
+                      <a:headEnd type="none" w="med" len="med"/>
+                      <a:tailEnd type="none" w="med" len="med"/>
+                    </a:lnB>
+                  </a:tcPr>
+                </a:tc>
+                <a:tc>
+                  <a:txBody>
+                    <a:bodyPr/>
+                    <a:lstStyle/>
+                    <a:p>
+                      <a:endParaRPr lang="en-US" dirty="0">
+                        <a:solidFill>
+                          <a:srgbClr val="0070C0"/>
+                        </a:solidFill>
+                      </a:endParaRPr>
+                    </a:p>
+                  </a:txBody>
+                  <a:tcPr>
+                    <a:lnL w="12700" cap="flat" cmpd="sng" algn="ctr">
+                      <a:solidFill>
+                        <a:schemeClr val="tx1"/>
+                      </a:solidFill>
+                      <a:prstDash val="solid"/>
+                      <a:round/>
+                      <a:headEnd type="none" w="med" len="med"/>
+                      <a:tailEnd type="none" w="med" len="med"/>
+                    </a:lnL>
+                    <a:lnR w="12700" cap="flat" cmpd="sng" algn="ctr">
+                      <a:solidFill>
+                        <a:schemeClr val="tx1"/>
+                      </a:solidFill>
+                      <a:prstDash val="solid"/>
+                      <a:round/>
+                      <a:headEnd type="none" w="med" len="med"/>
+                      <a:tailEnd type="none" w="med" len="med"/>
+                    </a:lnR>
+                    <a:lnT w="12700" cap="flat" cmpd="sng" algn="ctr">
+                      <a:solidFill>
+                        <a:schemeClr val="tx1"/>
+                      </a:solidFill>
+                      <a:prstDash val="solid"/>
+                      <a:round/>
+                      <a:headEnd type="none" w="med" len="med"/>
+                      <a:tailEnd type="none" w="med" len="med"/>
+                    </a:lnT>
+                    <a:lnB w="12700" cap="flat" cmpd="sng" algn="ctr">
+                      <a:solidFill>
+                        <a:schemeClr val="tx1"/>
+                      </a:solidFill>
+                      <a:prstDash val="solid"/>
+                      <a:round/>
+                      <a:headEnd type="none" w="med" len="med"/>
+                      <a:tailEnd type="none" w="med" len="med"/>
+                    </a:lnB>
+                  </a:tcPr>
+                </a:tc>
+                <a:tc>
+                  <a:txBody>
+                    <a:bodyPr/>
+                    <a:lstStyle/>
+                    <a:p>
+                      <a:endParaRPr lang="en-US" dirty="0">
+                        <a:solidFill>
+                          <a:srgbClr val="0070C0"/>
+                        </a:solidFill>
+                      </a:endParaRPr>
+                    </a:p>
+                  </a:txBody>
+                  <a:tcPr>
+                    <a:lnL w="12700" cap="flat" cmpd="sng" algn="ctr">
+                      <a:solidFill>
+                        <a:schemeClr val="tx1"/>
+                      </a:solidFill>
+                      <a:prstDash val="solid"/>
+                      <a:round/>
+                      <a:headEnd type="none" w="med" len="med"/>
+                      <a:tailEnd type="none" w="med" len="med"/>
+                    </a:lnL>
+                    <a:lnR w="12700" cap="flat" cmpd="sng" algn="ctr">
+                      <a:solidFill>
+                        <a:schemeClr val="tx1"/>
+                      </a:solidFill>
+                      <a:prstDash val="solid"/>
+                      <a:round/>
+                      <a:headEnd type="none" w="med" len="med"/>
+                      <a:tailEnd type="none" w="med" len="med"/>
+                    </a:lnR>
+                    <a:lnT w="12700" cap="flat" cmpd="sng" algn="ctr">
+                      <a:solidFill>
+                        <a:schemeClr val="tx1"/>
+                      </a:solidFill>
+                      <a:prstDash val="solid"/>
+                      <a:round/>
+                      <a:headEnd type="none" w="med" len="med"/>
+                      <a:tailEnd type="none" w="med" len="med"/>
+                    </a:lnT>
+                    <a:lnB w="12700" cap="flat" cmpd="sng" algn="ctr">
+                      <a:solidFill>
+                        <a:schemeClr val="tx1"/>
+                      </a:solidFill>
+                      <a:prstDash val="solid"/>
+                      <a:round/>
+                      <a:headEnd type="none" w="med" len="med"/>
+                      <a:tailEnd type="none" w="med" len="med"/>
+                    </a:lnB>
+                  </a:tcPr>
+                </a:tc>
+                <a:tc>
+                  <a:txBody>
+                    <a:bodyPr/>
+                    <a:lstStyle/>
+                    <a:p>
+                      <a:endParaRPr lang="en-US" dirty="0">
+                        <a:solidFill>
+                          <a:srgbClr val="0070C0"/>
+                        </a:solidFill>
+                      </a:endParaRPr>
+                    </a:p>
+                  </a:txBody>
+                  <a:tcPr>
+                    <a:lnL w="12700" cap="flat" cmpd="sng" algn="ctr">
+                      <a:solidFill>
+                        <a:schemeClr val="tx1"/>
+                      </a:solidFill>
+                      <a:prstDash val="solid"/>
+                      <a:round/>
+                      <a:headEnd type="none" w="med" len="med"/>
+                      <a:tailEnd type="none" w="med" len="med"/>
+                    </a:lnL>
+                    <a:lnR w="12700" cap="flat" cmpd="sng" algn="ctr">
+                      <a:solidFill>
+                        <a:schemeClr val="tx1"/>
+                      </a:solidFill>
+                      <a:prstDash val="solid"/>
+                      <a:round/>
+                      <a:headEnd type="none" w="med" len="med"/>
+                      <a:tailEnd type="none" w="med" len="med"/>
+                    </a:lnR>
+                    <a:lnT w="12700" cap="flat" cmpd="sng" algn="ctr">
+                      <a:solidFill>
+                        <a:schemeClr val="tx1"/>
+                      </a:solidFill>
+                      <a:prstDash val="solid"/>
+                      <a:round/>
+                      <a:headEnd type="none" w="med" len="med"/>
+                      <a:tailEnd type="none" w="med" len="med"/>
+                    </a:lnT>
+                    <a:lnB w="12700" cap="flat" cmpd="sng" algn="ctr">
+                      <a:solidFill>
+                        <a:schemeClr val="tx1"/>
+                      </a:solidFill>
+                      <a:prstDash val="solid"/>
+                      <a:round/>
+                      <a:headEnd type="none" w="med" len="med"/>
+                      <a:tailEnd type="none" w="med" len="med"/>
+                    </a:lnB>
+                  </a:tcPr>
+                </a:tc>
+                <a:tc>
+                  <a:txBody>
+                    <a:bodyPr/>
+                    <a:lstStyle/>
+                    <a:p>
+                      <a:endParaRPr lang="en-US" dirty="0">
+                        <a:solidFill>
+                          <a:srgbClr val="0070C0"/>
+                        </a:solidFill>
+                      </a:endParaRPr>
+                    </a:p>
+                  </a:txBody>
+                  <a:tcPr>
+                    <a:lnL w="12700" cap="flat" cmpd="sng" algn="ctr">
+                      <a:solidFill>
+                        <a:schemeClr val="tx1"/>
+                      </a:solidFill>
+                      <a:prstDash val="solid"/>
+                      <a:round/>
+                      <a:headEnd type="none" w="med" len="med"/>
+                      <a:tailEnd type="none" w="med" len="med"/>
+                    </a:lnL>
+                    <a:lnR w="12700" cap="flat" cmpd="sng" algn="ctr">
+                      <a:solidFill>
+                        <a:schemeClr val="tx1"/>
+                      </a:solidFill>
+                      <a:prstDash val="solid"/>
+                      <a:round/>
+                      <a:headEnd type="none" w="med" len="med"/>
+                      <a:tailEnd type="none" w="med" len="med"/>
+                    </a:lnR>
+                    <a:lnT w="12700" cap="flat" cmpd="sng" algn="ctr">
+                      <a:solidFill>
+                        <a:schemeClr val="tx1"/>
+                      </a:solidFill>
+                      <a:prstDash val="solid"/>
+                      <a:round/>
+                      <a:headEnd type="none" w="med" len="med"/>
+                      <a:tailEnd type="none" w="med" len="med"/>
+                    </a:lnT>
+                    <a:lnB w="12700" cap="flat" cmpd="sng" algn="ctr">
+                      <a:solidFill>
+                        <a:schemeClr val="tx1"/>
+                      </a:solidFill>
+                      <a:prstDash val="solid"/>
+                      <a:round/>
+                      <a:headEnd type="none" w="med" len="med"/>
+                      <a:tailEnd type="none" w="med" len="med"/>
+                    </a:lnB>
+                  </a:tcPr>
                 </a:tc>
                 <a:tc>
                   <a:txBody>
@@ -7351,12 +12039,51 @@
                     <a:lstStyle/>
                     <a:p>
                       <a:r>
-                        <a:rPr lang="en-US" dirty="0"/>
+                        <a:rPr lang="en-US" dirty="0">
+                          <a:solidFill>
+                            <a:srgbClr val="0070C0"/>
+                          </a:solidFill>
+                        </a:rPr>
                         <a:t>100</a:t>
                       </a:r>
                     </a:p>
                   </a:txBody>
-                  <a:tcPr/>
+                  <a:tcPr>
+                    <a:lnL w="12700" cap="flat" cmpd="sng" algn="ctr">
+                      <a:solidFill>
+                        <a:schemeClr val="tx1"/>
+                      </a:solidFill>
+                      <a:prstDash val="solid"/>
+                      <a:round/>
+                      <a:headEnd type="none" w="med" len="med"/>
+                      <a:tailEnd type="none" w="med" len="med"/>
+                    </a:lnL>
+                    <a:lnR w="12700" cap="flat" cmpd="sng" algn="ctr">
+                      <a:noFill/>
+                      <a:prstDash val="solid"/>
+                      <a:round/>
+                      <a:headEnd type="none" w="med" len="med"/>
+                      <a:tailEnd type="none" w="med" len="med"/>
+                    </a:lnR>
+                    <a:lnT w="12700" cap="flat" cmpd="sng" algn="ctr">
+                      <a:solidFill>
+                        <a:schemeClr val="tx1"/>
+                      </a:solidFill>
+                      <a:prstDash val="solid"/>
+                      <a:round/>
+                      <a:headEnd type="none" w="med" len="med"/>
+                      <a:tailEnd type="none" w="med" len="med"/>
+                    </a:lnT>
+                    <a:lnB w="12700" cap="flat" cmpd="sng" algn="ctr">
+                      <a:solidFill>
+                        <a:schemeClr val="tx1"/>
+                      </a:solidFill>
+                      <a:prstDash val="solid"/>
+                      <a:round/>
+                      <a:headEnd type="none" w="med" len="med"/>
+                      <a:tailEnd type="none" w="med" len="med"/>
+                    </a:lnB>
+                  </a:tcPr>
                 </a:tc>
                 <a:extLst>
                   <a:ext uri="{0D108BD9-81ED-4DB2-BD59-A6C34878D82A}">
@@ -7370,80 +12097,406 @@
                     <a:bodyPr/>
                     <a:lstStyle/>
                     <a:p>
-                      <a:endParaRPr lang="en-US" dirty="0"/>
-                    </a:p>
-                  </a:txBody>
-                  <a:tcPr/>
-                </a:tc>
-                <a:tc>
-                  <a:txBody>
-                    <a:bodyPr/>
-                    <a:lstStyle/>
-                    <a:p>
-                      <a:endParaRPr lang="en-US" dirty="0"/>
-                    </a:p>
-                  </a:txBody>
-                  <a:tcPr/>
-                </a:tc>
-                <a:tc>
-                  <a:txBody>
-                    <a:bodyPr/>
-                    <a:lstStyle/>
-                    <a:p>
-                      <a:endParaRPr lang="en-US" dirty="0"/>
-                    </a:p>
-                  </a:txBody>
-                  <a:tcPr/>
-                </a:tc>
-                <a:tc>
-                  <a:txBody>
-                    <a:bodyPr/>
-                    <a:lstStyle/>
-                    <a:p>
-                      <a:endParaRPr lang="en-US" dirty="0"/>
-                    </a:p>
-                  </a:txBody>
-                  <a:tcPr/>
-                </a:tc>
-                <a:tc>
-                  <a:txBody>
-                    <a:bodyPr/>
-                    <a:lstStyle/>
-                    <a:p>
-                      <a:endParaRPr lang="en-US" dirty="0"/>
-                    </a:p>
-                  </a:txBody>
-                  <a:tcPr/>
-                </a:tc>
-                <a:tc>
-                  <a:txBody>
-                    <a:bodyPr/>
-                    <a:lstStyle/>
-                    <a:p>
-                      <a:endParaRPr lang="en-US" dirty="0"/>
-                    </a:p>
-                  </a:txBody>
-                  <a:tcPr/>
-                </a:tc>
-                <a:tc>
-                  <a:txBody>
-                    <a:bodyPr/>
-                    <a:lstStyle/>
-                    <a:p>
-                      <a:endParaRPr lang="en-US" dirty="0"/>
-                    </a:p>
-                  </a:txBody>
-                  <a:tcPr/>
-                </a:tc>
-                <a:tc>
-                  <a:txBody>
-                    <a:bodyPr/>
-                    <a:lstStyle/>
-                    <a:p>
-                      <a:endParaRPr lang="en-US" dirty="0"/>
-                    </a:p>
-                  </a:txBody>
-                  <a:tcPr/>
+                      <a:endParaRPr lang="en-US" dirty="0">
+                        <a:solidFill>
+                          <a:srgbClr val="0070C0"/>
+                        </a:solidFill>
+                      </a:endParaRPr>
+                    </a:p>
+                  </a:txBody>
+                  <a:tcPr>
+                    <a:lnL w="12700" cap="flat" cmpd="sng" algn="ctr">
+                      <a:noFill/>
+                      <a:prstDash val="solid"/>
+                      <a:round/>
+                      <a:headEnd type="none" w="med" len="med"/>
+                      <a:tailEnd type="none" w="med" len="med"/>
+                    </a:lnL>
+                    <a:lnR w="12700" cap="flat" cmpd="sng" algn="ctr">
+                      <a:solidFill>
+                        <a:schemeClr val="tx1"/>
+                      </a:solidFill>
+                      <a:prstDash val="solid"/>
+                      <a:round/>
+                      <a:headEnd type="none" w="med" len="med"/>
+                      <a:tailEnd type="none" w="med" len="med"/>
+                    </a:lnR>
+                    <a:lnT w="12700" cap="flat" cmpd="sng" algn="ctr">
+                      <a:solidFill>
+                        <a:schemeClr val="tx1"/>
+                      </a:solidFill>
+                      <a:prstDash val="solid"/>
+                      <a:round/>
+                      <a:headEnd type="none" w="med" len="med"/>
+                      <a:tailEnd type="none" w="med" len="med"/>
+                    </a:lnT>
+                    <a:lnB w="12700" cap="flat" cmpd="sng" algn="ctr">
+                      <a:solidFill>
+                        <a:schemeClr val="tx1"/>
+                      </a:solidFill>
+                      <a:prstDash val="solid"/>
+                      <a:round/>
+                      <a:headEnd type="none" w="med" len="med"/>
+                      <a:tailEnd type="none" w="med" len="med"/>
+                    </a:lnB>
+                  </a:tcPr>
+                </a:tc>
+                <a:tc>
+                  <a:txBody>
+                    <a:bodyPr/>
+                    <a:lstStyle/>
+                    <a:p>
+                      <a:endParaRPr lang="en-US" dirty="0">
+                        <a:solidFill>
+                          <a:srgbClr val="0070C0"/>
+                        </a:solidFill>
+                      </a:endParaRPr>
+                    </a:p>
+                  </a:txBody>
+                  <a:tcPr>
+                    <a:lnL w="12700" cap="flat" cmpd="sng" algn="ctr">
+                      <a:solidFill>
+                        <a:schemeClr val="tx1"/>
+                      </a:solidFill>
+                      <a:prstDash val="solid"/>
+                      <a:round/>
+                      <a:headEnd type="none" w="med" len="med"/>
+                      <a:tailEnd type="none" w="med" len="med"/>
+                    </a:lnL>
+                    <a:lnR w="12700" cap="flat" cmpd="sng" algn="ctr">
+                      <a:solidFill>
+                        <a:schemeClr val="tx1"/>
+                      </a:solidFill>
+                      <a:prstDash val="solid"/>
+                      <a:round/>
+                      <a:headEnd type="none" w="med" len="med"/>
+                      <a:tailEnd type="none" w="med" len="med"/>
+                    </a:lnR>
+                    <a:lnT w="12700" cap="flat" cmpd="sng" algn="ctr">
+                      <a:solidFill>
+                        <a:schemeClr val="tx1"/>
+                      </a:solidFill>
+                      <a:prstDash val="solid"/>
+                      <a:round/>
+                      <a:headEnd type="none" w="med" len="med"/>
+                      <a:tailEnd type="none" w="med" len="med"/>
+                    </a:lnT>
+                    <a:lnB w="12700" cap="flat" cmpd="sng" algn="ctr">
+                      <a:solidFill>
+                        <a:schemeClr val="tx1"/>
+                      </a:solidFill>
+                      <a:prstDash val="solid"/>
+                      <a:round/>
+                      <a:headEnd type="none" w="med" len="med"/>
+                      <a:tailEnd type="none" w="med" len="med"/>
+                    </a:lnB>
+                  </a:tcPr>
+                </a:tc>
+                <a:tc>
+                  <a:txBody>
+                    <a:bodyPr/>
+                    <a:lstStyle/>
+                    <a:p>
+                      <a:endParaRPr lang="en-US" dirty="0">
+                        <a:solidFill>
+                          <a:srgbClr val="0070C0"/>
+                        </a:solidFill>
+                      </a:endParaRPr>
+                    </a:p>
+                  </a:txBody>
+                  <a:tcPr>
+                    <a:lnL w="12700" cap="flat" cmpd="sng" algn="ctr">
+                      <a:solidFill>
+                        <a:schemeClr val="tx1"/>
+                      </a:solidFill>
+                      <a:prstDash val="solid"/>
+                      <a:round/>
+                      <a:headEnd type="none" w="med" len="med"/>
+                      <a:tailEnd type="none" w="med" len="med"/>
+                    </a:lnL>
+                    <a:lnR w="12700" cap="flat" cmpd="sng" algn="ctr">
+                      <a:solidFill>
+                        <a:schemeClr val="tx1"/>
+                      </a:solidFill>
+                      <a:prstDash val="solid"/>
+                      <a:round/>
+                      <a:headEnd type="none" w="med" len="med"/>
+                      <a:tailEnd type="none" w="med" len="med"/>
+                    </a:lnR>
+                    <a:lnT w="12700" cap="flat" cmpd="sng" algn="ctr">
+                      <a:solidFill>
+                        <a:schemeClr val="tx1"/>
+                      </a:solidFill>
+                      <a:prstDash val="solid"/>
+                      <a:round/>
+                      <a:headEnd type="none" w="med" len="med"/>
+                      <a:tailEnd type="none" w="med" len="med"/>
+                    </a:lnT>
+                    <a:lnB w="12700" cap="flat" cmpd="sng" algn="ctr">
+                      <a:solidFill>
+                        <a:schemeClr val="tx1"/>
+                      </a:solidFill>
+                      <a:prstDash val="solid"/>
+                      <a:round/>
+                      <a:headEnd type="none" w="med" len="med"/>
+                      <a:tailEnd type="none" w="med" len="med"/>
+                    </a:lnB>
+                  </a:tcPr>
+                </a:tc>
+                <a:tc>
+                  <a:txBody>
+                    <a:bodyPr/>
+                    <a:lstStyle/>
+                    <a:p>
+                      <a:endParaRPr lang="en-US" dirty="0">
+                        <a:solidFill>
+                          <a:srgbClr val="0070C0"/>
+                        </a:solidFill>
+                      </a:endParaRPr>
+                    </a:p>
+                  </a:txBody>
+                  <a:tcPr>
+                    <a:lnL w="12700" cap="flat" cmpd="sng" algn="ctr">
+                      <a:solidFill>
+                        <a:schemeClr val="tx1"/>
+                      </a:solidFill>
+                      <a:prstDash val="solid"/>
+                      <a:round/>
+                      <a:headEnd type="none" w="med" len="med"/>
+                      <a:tailEnd type="none" w="med" len="med"/>
+                    </a:lnL>
+                    <a:lnR w="12700" cap="flat" cmpd="sng" algn="ctr">
+                      <a:solidFill>
+                        <a:schemeClr val="tx1"/>
+                      </a:solidFill>
+                      <a:prstDash val="solid"/>
+                      <a:round/>
+                      <a:headEnd type="none" w="med" len="med"/>
+                      <a:tailEnd type="none" w="med" len="med"/>
+                    </a:lnR>
+                    <a:lnT w="12700" cap="flat" cmpd="sng" algn="ctr">
+                      <a:solidFill>
+                        <a:schemeClr val="tx1"/>
+                      </a:solidFill>
+                      <a:prstDash val="solid"/>
+                      <a:round/>
+                      <a:headEnd type="none" w="med" len="med"/>
+                      <a:tailEnd type="none" w="med" len="med"/>
+                    </a:lnT>
+                    <a:lnB w="12700" cap="flat" cmpd="sng" algn="ctr">
+                      <a:solidFill>
+                        <a:schemeClr val="tx1"/>
+                      </a:solidFill>
+                      <a:prstDash val="solid"/>
+                      <a:round/>
+                      <a:headEnd type="none" w="med" len="med"/>
+                      <a:tailEnd type="none" w="med" len="med"/>
+                    </a:lnB>
+                  </a:tcPr>
+                </a:tc>
+                <a:tc>
+                  <a:txBody>
+                    <a:bodyPr/>
+                    <a:lstStyle/>
+                    <a:p>
+                      <a:endParaRPr lang="en-US" dirty="0">
+                        <a:solidFill>
+                          <a:srgbClr val="0070C0"/>
+                        </a:solidFill>
+                      </a:endParaRPr>
+                    </a:p>
+                  </a:txBody>
+                  <a:tcPr>
+                    <a:lnL w="12700" cap="flat" cmpd="sng" algn="ctr">
+                      <a:solidFill>
+                        <a:schemeClr val="tx1"/>
+                      </a:solidFill>
+                      <a:prstDash val="solid"/>
+                      <a:round/>
+                      <a:headEnd type="none" w="med" len="med"/>
+                      <a:tailEnd type="none" w="med" len="med"/>
+                    </a:lnL>
+                    <a:lnR w="12700" cap="flat" cmpd="sng" algn="ctr">
+                      <a:solidFill>
+                        <a:schemeClr val="tx1"/>
+                      </a:solidFill>
+                      <a:prstDash val="solid"/>
+                      <a:round/>
+                      <a:headEnd type="none" w="med" len="med"/>
+                      <a:tailEnd type="none" w="med" len="med"/>
+                    </a:lnR>
+                    <a:lnT w="12700" cap="flat" cmpd="sng" algn="ctr">
+                      <a:solidFill>
+                        <a:schemeClr val="tx1"/>
+                      </a:solidFill>
+                      <a:prstDash val="solid"/>
+                      <a:round/>
+                      <a:headEnd type="none" w="med" len="med"/>
+                      <a:tailEnd type="none" w="med" len="med"/>
+                    </a:lnT>
+                    <a:lnB w="12700" cap="flat" cmpd="sng" algn="ctr">
+                      <a:solidFill>
+                        <a:schemeClr val="tx1"/>
+                      </a:solidFill>
+                      <a:prstDash val="solid"/>
+                      <a:round/>
+                      <a:headEnd type="none" w="med" len="med"/>
+                      <a:tailEnd type="none" w="med" len="med"/>
+                    </a:lnB>
+                  </a:tcPr>
+                </a:tc>
+                <a:tc>
+                  <a:txBody>
+                    <a:bodyPr/>
+                    <a:lstStyle/>
+                    <a:p>
+                      <a:endParaRPr lang="en-US" dirty="0">
+                        <a:solidFill>
+                          <a:srgbClr val="0070C0"/>
+                        </a:solidFill>
+                      </a:endParaRPr>
+                    </a:p>
+                  </a:txBody>
+                  <a:tcPr>
+                    <a:lnL w="12700" cap="flat" cmpd="sng" algn="ctr">
+                      <a:solidFill>
+                        <a:schemeClr val="tx1"/>
+                      </a:solidFill>
+                      <a:prstDash val="solid"/>
+                      <a:round/>
+                      <a:headEnd type="none" w="med" len="med"/>
+                      <a:tailEnd type="none" w="med" len="med"/>
+                    </a:lnL>
+                    <a:lnR w="12700" cap="flat" cmpd="sng" algn="ctr">
+                      <a:solidFill>
+                        <a:schemeClr val="tx1"/>
+                      </a:solidFill>
+                      <a:prstDash val="solid"/>
+                      <a:round/>
+                      <a:headEnd type="none" w="med" len="med"/>
+                      <a:tailEnd type="none" w="med" len="med"/>
+                    </a:lnR>
+                    <a:lnT w="12700" cap="flat" cmpd="sng" algn="ctr">
+                      <a:solidFill>
+                        <a:schemeClr val="tx1"/>
+                      </a:solidFill>
+                      <a:prstDash val="solid"/>
+                      <a:round/>
+                      <a:headEnd type="none" w="med" len="med"/>
+                      <a:tailEnd type="none" w="med" len="med"/>
+                    </a:lnT>
+                    <a:lnB w="12700" cap="flat" cmpd="sng" algn="ctr">
+                      <a:solidFill>
+                        <a:schemeClr val="tx1"/>
+                      </a:solidFill>
+                      <a:prstDash val="solid"/>
+                      <a:round/>
+                      <a:headEnd type="none" w="med" len="med"/>
+                      <a:tailEnd type="none" w="med" len="med"/>
+                    </a:lnB>
+                  </a:tcPr>
+                </a:tc>
+                <a:tc>
+                  <a:txBody>
+                    <a:bodyPr/>
+                    <a:lstStyle/>
+                    <a:p>
+                      <a:endParaRPr lang="en-US" dirty="0">
+                        <a:solidFill>
+                          <a:srgbClr val="0070C0"/>
+                        </a:solidFill>
+                      </a:endParaRPr>
+                    </a:p>
+                  </a:txBody>
+                  <a:tcPr>
+                    <a:lnL w="12700" cap="flat" cmpd="sng" algn="ctr">
+                      <a:solidFill>
+                        <a:schemeClr val="tx1"/>
+                      </a:solidFill>
+                      <a:prstDash val="solid"/>
+                      <a:round/>
+                      <a:headEnd type="none" w="med" len="med"/>
+                      <a:tailEnd type="none" w="med" len="med"/>
+                    </a:lnL>
+                    <a:lnR w="12700" cap="flat" cmpd="sng" algn="ctr">
+                      <a:solidFill>
+                        <a:schemeClr val="tx1"/>
+                      </a:solidFill>
+                      <a:prstDash val="solid"/>
+                      <a:round/>
+                      <a:headEnd type="none" w="med" len="med"/>
+                      <a:tailEnd type="none" w="med" len="med"/>
+                    </a:lnR>
+                    <a:lnT w="12700" cap="flat" cmpd="sng" algn="ctr">
+                      <a:solidFill>
+                        <a:schemeClr val="tx1"/>
+                      </a:solidFill>
+                      <a:prstDash val="solid"/>
+                      <a:round/>
+                      <a:headEnd type="none" w="med" len="med"/>
+                      <a:tailEnd type="none" w="med" len="med"/>
+                    </a:lnT>
+                    <a:lnB w="12700" cap="flat" cmpd="sng" algn="ctr">
+                      <a:solidFill>
+                        <a:schemeClr val="tx1"/>
+                      </a:solidFill>
+                      <a:prstDash val="solid"/>
+                      <a:round/>
+                      <a:headEnd type="none" w="med" len="med"/>
+                      <a:tailEnd type="none" w="med" len="med"/>
+                    </a:lnB>
+                  </a:tcPr>
+                </a:tc>
+                <a:tc>
+                  <a:txBody>
+                    <a:bodyPr/>
+                    <a:lstStyle/>
+                    <a:p>
+                      <a:endParaRPr lang="en-US" dirty="0">
+                        <a:solidFill>
+                          <a:srgbClr val="0070C0"/>
+                        </a:solidFill>
+                      </a:endParaRPr>
+                    </a:p>
+                  </a:txBody>
+                  <a:tcPr>
+                    <a:lnL w="12700" cap="flat" cmpd="sng" algn="ctr">
+                      <a:solidFill>
+                        <a:schemeClr val="tx1"/>
+                      </a:solidFill>
+                      <a:prstDash val="solid"/>
+                      <a:round/>
+                      <a:headEnd type="none" w="med" len="med"/>
+                      <a:tailEnd type="none" w="med" len="med"/>
+                    </a:lnL>
+                    <a:lnR w="12700" cap="flat" cmpd="sng" algn="ctr">
+                      <a:solidFill>
+                        <a:schemeClr val="tx1"/>
+                      </a:solidFill>
+                      <a:prstDash val="solid"/>
+                      <a:round/>
+                      <a:headEnd type="none" w="med" len="med"/>
+                      <a:tailEnd type="none" w="med" len="med"/>
+                    </a:lnR>
+                    <a:lnT w="12700" cap="flat" cmpd="sng" algn="ctr">
+                      <a:solidFill>
+                        <a:schemeClr val="tx1"/>
+                      </a:solidFill>
+                      <a:prstDash val="solid"/>
+                      <a:round/>
+                      <a:headEnd type="none" w="med" len="med"/>
+                      <a:tailEnd type="none" w="med" len="med"/>
+                    </a:lnT>
+                    <a:lnB w="12700" cap="flat" cmpd="sng" algn="ctr">
+                      <a:solidFill>
+                        <a:schemeClr val="tx1"/>
+                      </a:solidFill>
+                      <a:prstDash val="solid"/>
+                      <a:round/>
+                      <a:headEnd type="none" w="med" len="med"/>
+                      <a:tailEnd type="none" w="med" len="med"/>
+                    </a:lnB>
+                  </a:tcPr>
                 </a:tc>
                 <a:tc>
                   <a:txBody>
@@ -7451,12 +12504,51 @@
                     <a:lstStyle/>
                     <a:p>
                       <a:r>
-                        <a:rPr lang="en-US" dirty="0"/>
+                        <a:rPr lang="en-US" dirty="0">
+                          <a:solidFill>
+                            <a:srgbClr val="0070C0"/>
+                          </a:solidFill>
+                        </a:rPr>
                         <a:t>125</a:t>
                       </a:r>
                     </a:p>
                   </a:txBody>
-                  <a:tcPr/>
+                  <a:tcPr>
+                    <a:lnL w="12700" cap="flat" cmpd="sng" algn="ctr">
+                      <a:solidFill>
+                        <a:schemeClr val="tx1"/>
+                      </a:solidFill>
+                      <a:prstDash val="solid"/>
+                      <a:round/>
+                      <a:headEnd type="none" w="med" len="med"/>
+                      <a:tailEnd type="none" w="med" len="med"/>
+                    </a:lnL>
+                    <a:lnR w="12700" cap="flat" cmpd="sng" algn="ctr">
+                      <a:noFill/>
+                      <a:prstDash val="solid"/>
+                      <a:round/>
+                      <a:headEnd type="none" w="med" len="med"/>
+                      <a:tailEnd type="none" w="med" len="med"/>
+                    </a:lnR>
+                    <a:lnT w="12700" cap="flat" cmpd="sng" algn="ctr">
+                      <a:solidFill>
+                        <a:schemeClr val="tx1"/>
+                      </a:solidFill>
+                      <a:prstDash val="solid"/>
+                      <a:round/>
+                      <a:headEnd type="none" w="med" len="med"/>
+                      <a:tailEnd type="none" w="med" len="med"/>
+                    </a:lnT>
+                    <a:lnB w="12700" cap="flat" cmpd="sng" algn="ctr">
+                      <a:solidFill>
+                        <a:schemeClr val="tx1"/>
+                      </a:solidFill>
+                      <a:prstDash val="solid"/>
+                      <a:round/>
+                      <a:headEnd type="none" w="med" len="med"/>
+                      <a:tailEnd type="none" w="med" len="med"/>
+                    </a:lnB>
+                  </a:tcPr>
                 </a:tc>
                 <a:extLst>
                   <a:ext uri="{0D108BD9-81ED-4DB2-BD59-A6C34878D82A}">
@@ -7470,80 +12562,406 @@
                     <a:bodyPr/>
                     <a:lstStyle/>
                     <a:p>
-                      <a:endParaRPr lang="en-US" dirty="0"/>
-                    </a:p>
-                  </a:txBody>
-                  <a:tcPr/>
-                </a:tc>
-                <a:tc>
-                  <a:txBody>
-                    <a:bodyPr/>
-                    <a:lstStyle/>
-                    <a:p>
-                      <a:endParaRPr lang="en-US" dirty="0"/>
-                    </a:p>
-                  </a:txBody>
-                  <a:tcPr/>
-                </a:tc>
-                <a:tc>
-                  <a:txBody>
-                    <a:bodyPr/>
-                    <a:lstStyle/>
-                    <a:p>
-                      <a:endParaRPr lang="en-US" dirty="0"/>
-                    </a:p>
-                  </a:txBody>
-                  <a:tcPr/>
-                </a:tc>
-                <a:tc>
-                  <a:txBody>
-                    <a:bodyPr/>
-                    <a:lstStyle/>
-                    <a:p>
-                      <a:endParaRPr lang="en-US" dirty="0"/>
-                    </a:p>
-                  </a:txBody>
-                  <a:tcPr/>
-                </a:tc>
-                <a:tc>
-                  <a:txBody>
-                    <a:bodyPr/>
-                    <a:lstStyle/>
-                    <a:p>
-                      <a:endParaRPr lang="en-US" dirty="0"/>
-                    </a:p>
-                  </a:txBody>
-                  <a:tcPr/>
-                </a:tc>
-                <a:tc>
-                  <a:txBody>
-                    <a:bodyPr/>
-                    <a:lstStyle/>
-                    <a:p>
-                      <a:endParaRPr lang="en-US" dirty="0"/>
-                    </a:p>
-                  </a:txBody>
-                  <a:tcPr/>
-                </a:tc>
-                <a:tc>
-                  <a:txBody>
-                    <a:bodyPr/>
-                    <a:lstStyle/>
-                    <a:p>
-                      <a:endParaRPr lang="en-US" dirty="0"/>
-                    </a:p>
-                  </a:txBody>
-                  <a:tcPr/>
-                </a:tc>
-                <a:tc>
-                  <a:txBody>
-                    <a:bodyPr/>
-                    <a:lstStyle/>
-                    <a:p>
-                      <a:endParaRPr lang="en-US" dirty="0"/>
-                    </a:p>
-                  </a:txBody>
-                  <a:tcPr/>
+                      <a:endParaRPr lang="en-US" dirty="0">
+                        <a:solidFill>
+                          <a:srgbClr val="0070C0"/>
+                        </a:solidFill>
+                      </a:endParaRPr>
+                    </a:p>
+                  </a:txBody>
+                  <a:tcPr>
+                    <a:lnL w="12700" cap="flat" cmpd="sng" algn="ctr">
+                      <a:noFill/>
+                      <a:prstDash val="solid"/>
+                      <a:round/>
+                      <a:headEnd type="none" w="med" len="med"/>
+                      <a:tailEnd type="none" w="med" len="med"/>
+                    </a:lnL>
+                    <a:lnR w="12700" cap="flat" cmpd="sng" algn="ctr">
+                      <a:solidFill>
+                        <a:schemeClr val="tx1"/>
+                      </a:solidFill>
+                      <a:prstDash val="solid"/>
+                      <a:round/>
+                      <a:headEnd type="none" w="med" len="med"/>
+                      <a:tailEnd type="none" w="med" len="med"/>
+                    </a:lnR>
+                    <a:lnT w="12700" cap="flat" cmpd="sng" algn="ctr">
+                      <a:solidFill>
+                        <a:schemeClr val="tx1"/>
+                      </a:solidFill>
+                      <a:prstDash val="solid"/>
+                      <a:round/>
+                      <a:headEnd type="none" w="med" len="med"/>
+                      <a:tailEnd type="none" w="med" len="med"/>
+                    </a:lnT>
+                    <a:lnB w="12700" cap="flat" cmpd="sng" algn="ctr">
+                      <a:solidFill>
+                        <a:schemeClr val="tx1"/>
+                      </a:solidFill>
+                      <a:prstDash val="solid"/>
+                      <a:round/>
+                      <a:headEnd type="none" w="med" len="med"/>
+                      <a:tailEnd type="none" w="med" len="med"/>
+                    </a:lnB>
+                  </a:tcPr>
+                </a:tc>
+                <a:tc>
+                  <a:txBody>
+                    <a:bodyPr/>
+                    <a:lstStyle/>
+                    <a:p>
+                      <a:endParaRPr lang="en-US" dirty="0">
+                        <a:solidFill>
+                          <a:srgbClr val="0070C0"/>
+                        </a:solidFill>
+                      </a:endParaRPr>
+                    </a:p>
+                  </a:txBody>
+                  <a:tcPr>
+                    <a:lnL w="12700" cap="flat" cmpd="sng" algn="ctr">
+                      <a:solidFill>
+                        <a:schemeClr val="tx1"/>
+                      </a:solidFill>
+                      <a:prstDash val="solid"/>
+                      <a:round/>
+                      <a:headEnd type="none" w="med" len="med"/>
+                      <a:tailEnd type="none" w="med" len="med"/>
+                    </a:lnL>
+                    <a:lnR w="12700" cap="flat" cmpd="sng" algn="ctr">
+                      <a:solidFill>
+                        <a:schemeClr val="tx1"/>
+                      </a:solidFill>
+                      <a:prstDash val="solid"/>
+                      <a:round/>
+                      <a:headEnd type="none" w="med" len="med"/>
+                      <a:tailEnd type="none" w="med" len="med"/>
+                    </a:lnR>
+                    <a:lnT w="12700" cap="flat" cmpd="sng" algn="ctr">
+                      <a:solidFill>
+                        <a:schemeClr val="tx1"/>
+                      </a:solidFill>
+                      <a:prstDash val="solid"/>
+                      <a:round/>
+                      <a:headEnd type="none" w="med" len="med"/>
+                      <a:tailEnd type="none" w="med" len="med"/>
+                    </a:lnT>
+                    <a:lnB w="12700" cap="flat" cmpd="sng" algn="ctr">
+                      <a:solidFill>
+                        <a:schemeClr val="tx1"/>
+                      </a:solidFill>
+                      <a:prstDash val="solid"/>
+                      <a:round/>
+                      <a:headEnd type="none" w="med" len="med"/>
+                      <a:tailEnd type="none" w="med" len="med"/>
+                    </a:lnB>
+                  </a:tcPr>
+                </a:tc>
+                <a:tc>
+                  <a:txBody>
+                    <a:bodyPr/>
+                    <a:lstStyle/>
+                    <a:p>
+                      <a:endParaRPr lang="en-US" dirty="0">
+                        <a:solidFill>
+                          <a:srgbClr val="0070C0"/>
+                        </a:solidFill>
+                      </a:endParaRPr>
+                    </a:p>
+                  </a:txBody>
+                  <a:tcPr>
+                    <a:lnL w="12700" cap="flat" cmpd="sng" algn="ctr">
+                      <a:solidFill>
+                        <a:schemeClr val="tx1"/>
+                      </a:solidFill>
+                      <a:prstDash val="solid"/>
+                      <a:round/>
+                      <a:headEnd type="none" w="med" len="med"/>
+                      <a:tailEnd type="none" w="med" len="med"/>
+                    </a:lnL>
+                    <a:lnR w="12700" cap="flat" cmpd="sng" algn="ctr">
+                      <a:solidFill>
+                        <a:schemeClr val="tx1"/>
+                      </a:solidFill>
+                      <a:prstDash val="solid"/>
+                      <a:round/>
+                      <a:headEnd type="none" w="med" len="med"/>
+                      <a:tailEnd type="none" w="med" len="med"/>
+                    </a:lnR>
+                    <a:lnT w="12700" cap="flat" cmpd="sng" algn="ctr">
+                      <a:solidFill>
+                        <a:schemeClr val="tx1"/>
+                      </a:solidFill>
+                      <a:prstDash val="solid"/>
+                      <a:round/>
+                      <a:headEnd type="none" w="med" len="med"/>
+                      <a:tailEnd type="none" w="med" len="med"/>
+                    </a:lnT>
+                    <a:lnB w="12700" cap="flat" cmpd="sng" algn="ctr">
+                      <a:solidFill>
+                        <a:schemeClr val="tx1"/>
+                      </a:solidFill>
+                      <a:prstDash val="solid"/>
+                      <a:round/>
+                      <a:headEnd type="none" w="med" len="med"/>
+                      <a:tailEnd type="none" w="med" len="med"/>
+                    </a:lnB>
+                  </a:tcPr>
+                </a:tc>
+                <a:tc>
+                  <a:txBody>
+                    <a:bodyPr/>
+                    <a:lstStyle/>
+                    <a:p>
+                      <a:endParaRPr lang="en-US" dirty="0">
+                        <a:solidFill>
+                          <a:srgbClr val="0070C0"/>
+                        </a:solidFill>
+                      </a:endParaRPr>
+                    </a:p>
+                  </a:txBody>
+                  <a:tcPr>
+                    <a:lnL w="12700" cap="flat" cmpd="sng" algn="ctr">
+                      <a:solidFill>
+                        <a:schemeClr val="tx1"/>
+                      </a:solidFill>
+                      <a:prstDash val="solid"/>
+                      <a:round/>
+                      <a:headEnd type="none" w="med" len="med"/>
+                      <a:tailEnd type="none" w="med" len="med"/>
+                    </a:lnL>
+                    <a:lnR w="12700" cap="flat" cmpd="sng" algn="ctr">
+                      <a:solidFill>
+                        <a:schemeClr val="tx1"/>
+                      </a:solidFill>
+                      <a:prstDash val="solid"/>
+                      <a:round/>
+                      <a:headEnd type="none" w="med" len="med"/>
+                      <a:tailEnd type="none" w="med" len="med"/>
+                    </a:lnR>
+                    <a:lnT w="12700" cap="flat" cmpd="sng" algn="ctr">
+                      <a:solidFill>
+                        <a:schemeClr val="tx1"/>
+                      </a:solidFill>
+                      <a:prstDash val="solid"/>
+                      <a:round/>
+                      <a:headEnd type="none" w="med" len="med"/>
+                      <a:tailEnd type="none" w="med" len="med"/>
+                    </a:lnT>
+                    <a:lnB w="12700" cap="flat" cmpd="sng" algn="ctr">
+                      <a:solidFill>
+                        <a:schemeClr val="tx1"/>
+                      </a:solidFill>
+                      <a:prstDash val="solid"/>
+                      <a:round/>
+                      <a:headEnd type="none" w="med" len="med"/>
+                      <a:tailEnd type="none" w="med" len="med"/>
+                    </a:lnB>
+                  </a:tcPr>
+                </a:tc>
+                <a:tc>
+                  <a:txBody>
+                    <a:bodyPr/>
+                    <a:lstStyle/>
+                    <a:p>
+                      <a:endParaRPr lang="en-US" dirty="0">
+                        <a:solidFill>
+                          <a:srgbClr val="0070C0"/>
+                        </a:solidFill>
+                      </a:endParaRPr>
+                    </a:p>
+                  </a:txBody>
+                  <a:tcPr>
+                    <a:lnL w="12700" cap="flat" cmpd="sng" algn="ctr">
+                      <a:solidFill>
+                        <a:schemeClr val="tx1"/>
+                      </a:solidFill>
+                      <a:prstDash val="solid"/>
+                      <a:round/>
+                      <a:headEnd type="none" w="med" len="med"/>
+                      <a:tailEnd type="none" w="med" len="med"/>
+                    </a:lnL>
+                    <a:lnR w="12700" cap="flat" cmpd="sng" algn="ctr">
+                      <a:solidFill>
+                        <a:schemeClr val="tx1"/>
+                      </a:solidFill>
+                      <a:prstDash val="solid"/>
+                      <a:round/>
+                      <a:headEnd type="none" w="med" len="med"/>
+                      <a:tailEnd type="none" w="med" len="med"/>
+                    </a:lnR>
+                    <a:lnT w="12700" cap="flat" cmpd="sng" algn="ctr">
+                      <a:solidFill>
+                        <a:schemeClr val="tx1"/>
+                      </a:solidFill>
+                      <a:prstDash val="solid"/>
+                      <a:round/>
+                      <a:headEnd type="none" w="med" len="med"/>
+                      <a:tailEnd type="none" w="med" len="med"/>
+                    </a:lnT>
+                    <a:lnB w="12700" cap="flat" cmpd="sng" algn="ctr">
+                      <a:solidFill>
+                        <a:schemeClr val="tx1"/>
+                      </a:solidFill>
+                      <a:prstDash val="solid"/>
+                      <a:round/>
+                      <a:headEnd type="none" w="med" len="med"/>
+                      <a:tailEnd type="none" w="med" len="med"/>
+                    </a:lnB>
+                  </a:tcPr>
+                </a:tc>
+                <a:tc>
+                  <a:txBody>
+                    <a:bodyPr/>
+                    <a:lstStyle/>
+                    <a:p>
+                      <a:endParaRPr lang="en-US" dirty="0">
+                        <a:solidFill>
+                          <a:srgbClr val="0070C0"/>
+                        </a:solidFill>
+                      </a:endParaRPr>
+                    </a:p>
+                  </a:txBody>
+                  <a:tcPr>
+                    <a:lnL w="12700" cap="flat" cmpd="sng" algn="ctr">
+                      <a:solidFill>
+                        <a:schemeClr val="tx1"/>
+                      </a:solidFill>
+                      <a:prstDash val="solid"/>
+                      <a:round/>
+                      <a:headEnd type="none" w="med" len="med"/>
+                      <a:tailEnd type="none" w="med" len="med"/>
+                    </a:lnL>
+                    <a:lnR w="12700" cap="flat" cmpd="sng" algn="ctr">
+                      <a:solidFill>
+                        <a:schemeClr val="tx1"/>
+                      </a:solidFill>
+                      <a:prstDash val="solid"/>
+                      <a:round/>
+                      <a:headEnd type="none" w="med" len="med"/>
+                      <a:tailEnd type="none" w="med" len="med"/>
+                    </a:lnR>
+                    <a:lnT w="12700" cap="flat" cmpd="sng" algn="ctr">
+                      <a:solidFill>
+                        <a:schemeClr val="tx1"/>
+                      </a:solidFill>
+                      <a:prstDash val="solid"/>
+                      <a:round/>
+                      <a:headEnd type="none" w="med" len="med"/>
+                      <a:tailEnd type="none" w="med" len="med"/>
+                    </a:lnT>
+                    <a:lnB w="12700" cap="flat" cmpd="sng" algn="ctr">
+                      <a:solidFill>
+                        <a:schemeClr val="tx1"/>
+                      </a:solidFill>
+                      <a:prstDash val="solid"/>
+                      <a:round/>
+                      <a:headEnd type="none" w="med" len="med"/>
+                      <a:tailEnd type="none" w="med" len="med"/>
+                    </a:lnB>
+                  </a:tcPr>
+                </a:tc>
+                <a:tc>
+                  <a:txBody>
+                    <a:bodyPr/>
+                    <a:lstStyle/>
+                    <a:p>
+                      <a:endParaRPr lang="en-US" dirty="0">
+                        <a:solidFill>
+                          <a:srgbClr val="0070C0"/>
+                        </a:solidFill>
+                      </a:endParaRPr>
+                    </a:p>
+                  </a:txBody>
+                  <a:tcPr>
+                    <a:lnL w="12700" cap="flat" cmpd="sng" algn="ctr">
+                      <a:solidFill>
+                        <a:schemeClr val="tx1"/>
+                      </a:solidFill>
+                      <a:prstDash val="solid"/>
+                      <a:round/>
+                      <a:headEnd type="none" w="med" len="med"/>
+                      <a:tailEnd type="none" w="med" len="med"/>
+                    </a:lnL>
+                    <a:lnR w="12700" cap="flat" cmpd="sng" algn="ctr">
+                      <a:solidFill>
+                        <a:schemeClr val="tx1"/>
+                      </a:solidFill>
+                      <a:prstDash val="solid"/>
+                      <a:round/>
+                      <a:headEnd type="none" w="med" len="med"/>
+                      <a:tailEnd type="none" w="med" len="med"/>
+                    </a:lnR>
+                    <a:lnT w="12700" cap="flat" cmpd="sng" algn="ctr">
+                      <a:solidFill>
+                        <a:schemeClr val="tx1"/>
+                      </a:solidFill>
+                      <a:prstDash val="solid"/>
+                      <a:round/>
+                      <a:headEnd type="none" w="med" len="med"/>
+                      <a:tailEnd type="none" w="med" len="med"/>
+                    </a:lnT>
+                    <a:lnB w="12700" cap="flat" cmpd="sng" algn="ctr">
+                      <a:solidFill>
+                        <a:schemeClr val="tx1"/>
+                      </a:solidFill>
+                      <a:prstDash val="solid"/>
+                      <a:round/>
+                      <a:headEnd type="none" w="med" len="med"/>
+                      <a:tailEnd type="none" w="med" len="med"/>
+                    </a:lnB>
+                  </a:tcPr>
+                </a:tc>
+                <a:tc>
+                  <a:txBody>
+                    <a:bodyPr/>
+                    <a:lstStyle/>
+                    <a:p>
+                      <a:endParaRPr lang="en-US" dirty="0">
+                        <a:solidFill>
+                          <a:srgbClr val="0070C0"/>
+                        </a:solidFill>
+                      </a:endParaRPr>
+                    </a:p>
+                  </a:txBody>
+                  <a:tcPr>
+                    <a:lnL w="12700" cap="flat" cmpd="sng" algn="ctr">
+                      <a:solidFill>
+                        <a:schemeClr val="tx1"/>
+                      </a:solidFill>
+                      <a:prstDash val="solid"/>
+                      <a:round/>
+                      <a:headEnd type="none" w="med" len="med"/>
+                      <a:tailEnd type="none" w="med" len="med"/>
+                    </a:lnL>
+                    <a:lnR w="12700" cap="flat" cmpd="sng" algn="ctr">
+                      <a:solidFill>
+                        <a:schemeClr val="tx1"/>
+                      </a:solidFill>
+                      <a:prstDash val="solid"/>
+                      <a:round/>
+                      <a:headEnd type="none" w="med" len="med"/>
+                      <a:tailEnd type="none" w="med" len="med"/>
+                    </a:lnR>
+                    <a:lnT w="12700" cap="flat" cmpd="sng" algn="ctr">
+                      <a:solidFill>
+                        <a:schemeClr val="tx1"/>
+                      </a:solidFill>
+                      <a:prstDash val="solid"/>
+                      <a:round/>
+                      <a:headEnd type="none" w="med" len="med"/>
+                      <a:tailEnd type="none" w="med" len="med"/>
+                    </a:lnT>
+                    <a:lnB w="12700" cap="flat" cmpd="sng" algn="ctr">
+                      <a:solidFill>
+                        <a:schemeClr val="tx1"/>
+                      </a:solidFill>
+                      <a:prstDash val="solid"/>
+                      <a:round/>
+                      <a:headEnd type="none" w="med" len="med"/>
+                      <a:tailEnd type="none" w="med" len="med"/>
+                    </a:lnB>
+                  </a:tcPr>
                 </a:tc>
                 <a:tc>
                   <a:txBody>
@@ -7551,12 +12969,51 @@
                     <a:lstStyle/>
                     <a:p>
                       <a:r>
-                        <a:rPr lang="en-US" dirty="0"/>
+                        <a:rPr lang="en-US" dirty="0">
+                          <a:solidFill>
+                            <a:srgbClr val="0070C0"/>
+                          </a:solidFill>
+                        </a:rPr>
                         <a:t>167</a:t>
                       </a:r>
                     </a:p>
                   </a:txBody>
-                  <a:tcPr/>
+                  <a:tcPr>
+                    <a:lnL w="12700" cap="flat" cmpd="sng" algn="ctr">
+                      <a:solidFill>
+                        <a:schemeClr val="tx1"/>
+                      </a:solidFill>
+                      <a:prstDash val="solid"/>
+                      <a:round/>
+                      <a:headEnd type="none" w="med" len="med"/>
+                      <a:tailEnd type="none" w="med" len="med"/>
+                    </a:lnL>
+                    <a:lnR w="12700" cap="flat" cmpd="sng" algn="ctr">
+                      <a:noFill/>
+                      <a:prstDash val="solid"/>
+                      <a:round/>
+                      <a:headEnd type="none" w="med" len="med"/>
+                      <a:tailEnd type="none" w="med" len="med"/>
+                    </a:lnR>
+                    <a:lnT w="12700" cap="flat" cmpd="sng" algn="ctr">
+                      <a:solidFill>
+                        <a:schemeClr val="tx1"/>
+                      </a:solidFill>
+                      <a:prstDash val="solid"/>
+                      <a:round/>
+                      <a:headEnd type="none" w="med" len="med"/>
+                      <a:tailEnd type="none" w="med" len="med"/>
+                    </a:lnT>
+                    <a:lnB w="12700" cap="flat" cmpd="sng" algn="ctr">
+                      <a:solidFill>
+                        <a:schemeClr val="tx1"/>
+                      </a:solidFill>
+                      <a:prstDash val="solid"/>
+                      <a:round/>
+                      <a:headEnd type="none" w="med" len="med"/>
+                      <a:tailEnd type="none" w="med" len="med"/>
+                    </a:lnB>
+                  </a:tcPr>
                 </a:tc>
                 <a:extLst>
                   <a:ext uri="{0D108BD9-81ED-4DB2-BD59-A6C34878D82A}">
@@ -7570,80 +13027,406 @@
                     <a:bodyPr/>
                     <a:lstStyle/>
                     <a:p>
-                      <a:endParaRPr lang="en-US" dirty="0"/>
-                    </a:p>
-                  </a:txBody>
-                  <a:tcPr/>
-                </a:tc>
-                <a:tc>
-                  <a:txBody>
-                    <a:bodyPr/>
-                    <a:lstStyle/>
-                    <a:p>
-                      <a:endParaRPr lang="en-US" dirty="0"/>
-                    </a:p>
-                  </a:txBody>
-                  <a:tcPr/>
-                </a:tc>
-                <a:tc>
-                  <a:txBody>
-                    <a:bodyPr/>
-                    <a:lstStyle/>
-                    <a:p>
-                      <a:endParaRPr lang="en-US" dirty="0"/>
-                    </a:p>
-                  </a:txBody>
-                  <a:tcPr/>
-                </a:tc>
-                <a:tc>
-                  <a:txBody>
-                    <a:bodyPr/>
-                    <a:lstStyle/>
-                    <a:p>
-                      <a:endParaRPr lang="en-US" dirty="0"/>
-                    </a:p>
-                  </a:txBody>
-                  <a:tcPr/>
-                </a:tc>
-                <a:tc>
-                  <a:txBody>
-                    <a:bodyPr/>
-                    <a:lstStyle/>
-                    <a:p>
-                      <a:endParaRPr lang="en-US" dirty="0"/>
-                    </a:p>
-                  </a:txBody>
-                  <a:tcPr/>
-                </a:tc>
-                <a:tc>
-                  <a:txBody>
-                    <a:bodyPr/>
-                    <a:lstStyle/>
-                    <a:p>
-                      <a:endParaRPr lang="en-US" dirty="0"/>
-                    </a:p>
-                  </a:txBody>
-                  <a:tcPr/>
-                </a:tc>
-                <a:tc>
-                  <a:txBody>
-                    <a:bodyPr/>
-                    <a:lstStyle/>
-                    <a:p>
-                      <a:endParaRPr lang="en-US" dirty="0"/>
-                    </a:p>
-                  </a:txBody>
-                  <a:tcPr/>
-                </a:tc>
-                <a:tc>
-                  <a:txBody>
-                    <a:bodyPr/>
-                    <a:lstStyle/>
-                    <a:p>
-                      <a:endParaRPr lang="en-US" dirty="0"/>
-                    </a:p>
-                  </a:txBody>
-                  <a:tcPr/>
+                      <a:endParaRPr lang="en-US" dirty="0">
+                        <a:solidFill>
+                          <a:srgbClr val="0070C0"/>
+                        </a:solidFill>
+                      </a:endParaRPr>
+                    </a:p>
+                  </a:txBody>
+                  <a:tcPr>
+                    <a:lnL w="12700" cap="flat" cmpd="sng" algn="ctr">
+                      <a:noFill/>
+                      <a:prstDash val="solid"/>
+                      <a:round/>
+                      <a:headEnd type="none" w="med" len="med"/>
+                      <a:tailEnd type="none" w="med" len="med"/>
+                    </a:lnL>
+                    <a:lnR w="12700" cap="flat" cmpd="sng" algn="ctr">
+                      <a:solidFill>
+                        <a:schemeClr val="tx1"/>
+                      </a:solidFill>
+                      <a:prstDash val="solid"/>
+                      <a:round/>
+                      <a:headEnd type="none" w="med" len="med"/>
+                      <a:tailEnd type="none" w="med" len="med"/>
+                    </a:lnR>
+                    <a:lnT w="12700" cap="flat" cmpd="sng" algn="ctr">
+                      <a:solidFill>
+                        <a:schemeClr val="tx1"/>
+                      </a:solidFill>
+                      <a:prstDash val="solid"/>
+                      <a:round/>
+                      <a:headEnd type="none" w="med" len="med"/>
+                      <a:tailEnd type="none" w="med" len="med"/>
+                    </a:lnT>
+                    <a:lnB w="12700" cap="flat" cmpd="sng" algn="ctr">
+                      <a:solidFill>
+                        <a:schemeClr val="tx1"/>
+                      </a:solidFill>
+                      <a:prstDash val="solid"/>
+                      <a:round/>
+                      <a:headEnd type="none" w="med" len="med"/>
+                      <a:tailEnd type="none" w="med" len="med"/>
+                    </a:lnB>
+                  </a:tcPr>
+                </a:tc>
+                <a:tc>
+                  <a:txBody>
+                    <a:bodyPr/>
+                    <a:lstStyle/>
+                    <a:p>
+                      <a:endParaRPr lang="en-US" dirty="0">
+                        <a:solidFill>
+                          <a:srgbClr val="0070C0"/>
+                        </a:solidFill>
+                      </a:endParaRPr>
+                    </a:p>
+                  </a:txBody>
+                  <a:tcPr>
+                    <a:lnL w="12700" cap="flat" cmpd="sng" algn="ctr">
+                      <a:solidFill>
+                        <a:schemeClr val="tx1"/>
+                      </a:solidFill>
+                      <a:prstDash val="solid"/>
+                      <a:round/>
+                      <a:headEnd type="none" w="med" len="med"/>
+                      <a:tailEnd type="none" w="med" len="med"/>
+                    </a:lnL>
+                    <a:lnR w="12700" cap="flat" cmpd="sng" algn="ctr">
+                      <a:solidFill>
+                        <a:schemeClr val="tx1"/>
+                      </a:solidFill>
+                      <a:prstDash val="solid"/>
+                      <a:round/>
+                      <a:headEnd type="none" w="med" len="med"/>
+                      <a:tailEnd type="none" w="med" len="med"/>
+                    </a:lnR>
+                    <a:lnT w="12700" cap="flat" cmpd="sng" algn="ctr">
+                      <a:solidFill>
+                        <a:schemeClr val="tx1"/>
+                      </a:solidFill>
+                      <a:prstDash val="solid"/>
+                      <a:round/>
+                      <a:headEnd type="none" w="med" len="med"/>
+                      <a:tailEnd type="none" w="med" len="med"/>
+                    </a:lnT>
+                    <a:lnB w="12700" cap="flat" cmpd="sng" algn="ctr">
+                      <a:solidFill>
+                        <a:schemeClr val="tx1"/>
+                      </a:solidFill>
+                      <a:prstDash val="solid"/>
+                      <a:round/>
+                      <a:headEnd type="none" w="med" len="med"/>
+                      <a:tailEnd type="none" w="med" len="med"/>
+                    </a:lnB>
+                  </a:tcPr>
+                </a:tc>
+                <a:tc>
+                  <a:txBody>
+                    <a:bodyPr/>
+                    <a:lstStyle/>
+                    <a:p>
+                      <a:endParaRPr lang="en-US" dirty="0">
+                        <a:solidFill>
+                          <a:srgbClr val="0070C0"/>
+                        </a:solidFill>
+                      </a:endParaRPr>
+                    </a:p>
+                  </a:txBody>
+                  <a:tcPr>
+                    <a:lnL w="12700" cap="flat" cmpd="sng" algn="ctr">
+                      <a:solidFill>
+                        <a:schemeClr val="tx1"/>
+                      </a:solidFill>
+                      <a:prstDash val="solid"/>
+                      <a:round/>
+                      <a:headEnd type="none" w="med" len="med"/>
+                      <a:tailEnd type="none" w="med" len="med"/>
+                    </a:lnL>
+                    <a:lnR w="12700" cap="flat" cmpd="sng" algn="ctr">
+                      <a:solidFill>
+                        <a:schemeClr val="tx1"/>
+                      </a:solidFill>
+                      <a:prstDash val="solid"/>
+                      <a:round/>
+                      <a:headEnd type="none" w="med" len="med"/>
+                      <a:tailEnd type="none" w="med" len="med"/>
+                    </a:lnR>
+                    <a:lnT w="12700" cap="flat" cmpd="sng" algn="ctr">
+                      <a:solidFill>
+                        <a:schemeClr val="tx1"/>
+                      </a:solidFill>
+                      <a:prstDash val="solid"/>
+                      <a:round/>
+                      <a:headEnd type="none" w="med" len="med"/>
+                      <a:tailEnd type="none" w="med" len="med"/>
+                    </a:lnT>
+                    <a:lnB w="12700" cap="flat" cmpd="sng" algn="ctr">
+                      <a:solidFill>
+                        <a:schemeClr val="tx1"/>
+                      </a:solidFill>
+                      <a:prstDash val="solid"/>
+                      <a:round/>
+                      <a:headEnd type="none" w="med" len="med"/>
+                      <a:tailEnd type="none" w="med" len="med"/>
+                    </a:lnB>
+                  </a:tcPr>
+                </a:tc>
+                <a:tc>
+                  <a:txBody>
+                    <a:bodyPr/>
+                    <a:lstStyle/>
+                    <a:p>
+                      <a:endParaRPr lang="en-US" dirty="0">
+                        <a:solidFill>
+                          <a:srgbClr val="0070C0"/>
+                        </a:solidFill>
+                      </a:endParaRPr>
+                    </a:p>
+                  </a:txBody>
+                  <a:tcPr>
+                    <a:lnL w="12700" cap="flat" cmpd="sng" algn="ctr">
+                      <a:solidFill>
+                        <a:schemeClr val="tx1"/>
+                      </a:solidFill>
+                      <a:prstDash val="solid"/>
+                      <a:round/>
+                      <a:headEnd type="none" w="med" len="med"/>
+                      <a:tailEnd type="none" w="med" len="med"/>
+                    </a:lnL>
+                    <a:lnR w="12700" cap="flat" cmpd="sng" algn="ctr">
+                      <a:solidFill>
+                        <a:schemeClr val="tx1"/>
+                      </a:solidFill>
+                      <a:prstDash val="solid"/>
+                      <a:round/>
+                      <a:headEnd type="none" w="med" len="med"/>
+                      <a:tailEnd type="none" w="med" len="med"/>
+                    </a:lnR>
+                    <a:lnT w="12700" cap="flat" cmpd="sng" algn="ctr">
+                      <a:solidFill>
+                        <a:schemeClr val="tx1"/>
+                      </a:solidFill>
+                      <a:prstDash val="solid"/>
+                      <a:round/>
+                      <a:headEnd type="none" w="med" len="med"/>
+                      <a:tailEnd type="none" w="med" len="med"/>
+                    </a:lnT>
+                    <a:lnB w="12700" cap="flat" cmpd="sng" algn="ctr">
+                      <a:solidFill>
+                        <a:schemeClr val="tx1"/>
+                      </a:solidFill>
+                      <a:prstDash val="solid"/>
+                      <a:round/>
+                      <a:headEnd type="none" w="med" len="med"/>
+                      <a:tailEnd type="none" w="med" len="med"/>
+                    </a:lnB>
+                  </a:tcPr>
+                </a:tc>
+                <a:tc>
+                  <a:txBody>
+                    <a:bodyPr/>
+                    <a:lstStyle/>
+                    <a:p>
+                      <a:endParaRPr lang="en-US" dirty="0">
+                        <a:solidFill>
+                          <a:srgbClr val="0070C0"/>
+                        </a:solidFill>
+                      </a:endParaRPr>
+                    </a:p>
+                  </a:txBody>
+                  <a:tcPr>
+                    <a:lnL w="12700" cap="flat" cmpd="sng" algn="ctr">
+                      <a:solidFill>
+                        <a:schemeClr val="tx1"/>
+                      </a:solidFill>
+                      <a:prstDash val="solid"/>
+                      <a:round/>
+                      <a:headEnd type="none" w="med" len="med"/>
+                      <a:tailEnd type="none" w="med" len="med"/>
+                    </a:lnL>
+                    <a:lnR w="12700" cap="flat" cmpd="sng" algn="ctr">
+                      <a:solidFill>
+                        <a:schemeClr val="tx1"/>
+                      </a:solidFill>
+                      <a:prstDash val="solid"/>
+                      <a:round/>
+                      <a:headEnd type="none" w="med" len="med"/>
+                      <a:tailEnd type="none" w="med" len="med"/>
+                    </a:lnR>
+                    <a:lnT w="12700" cap="flat" cmpd="sng" algn="ctr">
+                      <a:solidFill>
+                        <a:schemeClr val="tx1"/>
+                      </a:solidFill>
+                      <a:prstDash val="solid"/>
+                      <a:round/>
+                      <a:headEnd type="none" w="med" len="med"/>
+                      <a:tailEnd type="none" w="med" len="med"/>
+                    </a:lnT>
+                    <a:lnB w="12700" cap="flat" cmpd="sng" algn="ctr">
+                      <a:solidFill>
+                        <a:schemeClr val="tx1"/>
+                      </a:solidFill>
+                      <a:prstDash val="solid"/>
+                      <a:round/>
+                      <a:headEnd type="none" w="med" len="med"/>
+                      <a:tailEnd type="none" w="med" len="med"/>
+                    </a:lnB>
+                  </a:tcPr>
+                </a:tc>
+                <a:tc>
+                  <a:txBody>
+                    <a:bodyPr/>
+                    <a:lstStyle/>
+                    <a:p>
+                      <a:endParaRPr lang="en-US" dirty="0">
+                        <a:solidFill>
+                          <a:srgbClr val="0070C0"/>
+                        </a:solidFill>
+                      </a:endParaRPr>
+                    </a:p>
+                  </a:txBody>
+                  <a:tcPr>
+                    <a:lnL w="12700" cap="flat" cmpd="sng" algn="ctr">
+                      <a:solidFill>
+                        <a:schemeClr val="tx1"/>
+                      </a:solidFill>
+                      <a:prstDash val="solid"/>
+                      <a:round/>
+                      <a:headEnd type="none" w="med" len="med"/>
+                      <a:tailEnd type="none" w="med" len="med"/>
+                    </a:lnL>
+                    <a:lnR w="12700" cap="flat" cmpd="sng" algn="ctr">
+                      <a:solidFill>
+                        <a:schemeClr val="tx1"/>
+                      </a:solidFill>
+                      <a:prstDash val="solid"/>
+                      <a:round/>
+                      <a:headEnd type="none" w="med" len="med"/>
+                      <a:tailEnd type="none" w="med" len="med"/>
+                    </a:lnR>
+                    <a:lnT w="12700" cap="flat" cmpd="sng" algn="ctr">
+                      <a:solidFill>
+                        <a:schemeClr val="tx1"/>
+                      </a:solidFill>
+                      <a:prstDash val="solid"/>
+                      <a:round/>
+                      <a:headEnd type="none" w="med" len="med"/>
+                      <a:tailEnd type="none" w="med" len="med"/>
+                    </a:lnT>
+                    <a:lnB w="12700" cap="flat" cmpd="sng" algn="ctr">
+                      <a:solidFill>
+                        <a:schemeClr val="tx1"/>
+                      </a:solidFill>
+                      <a:prstDash val="solid"/>
+                      <a:round/>
+                      <a:headEnd type="none" w="med" len="med"/>
+                      <a:tailEnd type="none" w="med" len="med"/>
+                    </a:lnB>
+                  </a:tcPr>
+                </a:tc>
+                <a:tc>
+                  <a:txBody>
+                    <a:bodyPr/>
+                    <a:lstStyle/>
+                    <a:p>
+                      <a:endParaRPr lang="en-US" dirty="0">
+                        <a:solidFill>
+                          <a:srgbClr val="0070C0"/>
+                        </a:solidFill>
+                      </a:endParaRPr>
+                    </a:p>
+                  </a:txBody>
+                  <a:tcPr>
+                    <a:lnL w="12700" cap="flat" cmpd="sng" algn="ctr">
+                      <a:solidFill>
+                        <a:schemeClr val="tx1"/>
+                      </a:solidFill>
+                      <a:prstDash val="solid"/>
+                      <a:round/>
+                      <a:headEnd type="none" w="med" len="med"/>
+                      <a:tailEnd type="none" w="med" len="med"/>
+                    </a:lnL>
+                    <a:lnR w="12700" cap="flat" cmpd="sng" algn="ctr">
+                      <a:solidFill>
+                        <a:schemeClr val="tx1"/>
+                      </a:solidFill>
+                      <a:prstDash val="solid"/>
+                      <a:round/>
+                      <a:headEnd type="none" w="med" len="med"/>
+                      <a:tailEnd type="none" w="med" len="med"/>
+                    </a:lnR>
+                    <a:lnT w="12700" cap="flat" cmpd="sng" algn="ctr">
+                      <a:solidFill>
+                        <a:schemeClr val="tx1"/>
+                      </a:solidFill>
+                      <a:prstDash val="solid"/>
+                      <a:round/>
+                      <a:headEnd type="none" w="med" len="med"/>
+                      <a:tailEnd type="none" w="med" len="med"/>
+                    </a:lnT>
+                    <a:lnB w="12700" cap="flat" cmpd="sng" algn="ctr">
+                      <a:solidFill>
+                        <a:schemeClr val="tx1"/>
+                      </a:solidFill>
+                      <a:prstDash val="solid"/>
+                      <a:round/>
+                      <a:headEnd type="none" w="med" len="med"/>
+                      <a:tailEnd type="none" w="med" len="med"/>
+                    </a:lnB>
+                  </a:tcPr>
+                </a:tc>
+                <a:tc>
+                  <a:txBody>
+                    <a:bodyPr/>
+                    <a:lstStyle/>
+                    <a:p>
+                      <a:endParaRPr lang="en-US" dirty="0">
+                        <a:solidFill>
+                          <a:srgbClr val="0070C0"/>
+                        </a:solidFill>
+                      </a:endParaRPr>
+                    </a:p>
+                  </a:txBody>
+                  <a:tcPr>
+                    <a:lnL w="12700" cap="flat" cmpd="sng" algn="ctr">
+                      <a:solidFill>
+                        <a:schemeClr val="tx1"/>
+                      </a:solidFill>
+                      <a:prstDash val="solid"/>
+                      <a:round/>
+                      <a:headEnd type="none" w="med" len="med"/>
+                      <a:tailEnd type="none" w="med" len="med"/>
+                    </a:lnL>
+                    <a:lnR w="12700" cap="flat" cmpd="sng" algn="ctr">
+                      <a:solidFill>
+                        <a:schemeClr val="tx1"/>
+                      </a:solidFill>
+                      <a:prstDash val="solid"/>
+                      <a:round/>
+                      <a:headEnd type="none" w="med" len="med"/>
+                      <a:tailEnd type="none" w="med" len="med"/>
+                    </a:lnR>
+                    <a:lnT w="12700" cap="flat" cmpd="sng" algn="ctr">
+                      <a:solidFill>
+                        <a:schemeClr val="tx1"/>
+                      </a:solidFill>
+                      <a:prstDash val="solid"/>
+                      <a:round/>
+                      <a:headEnd type="none" w="med" len="med"/>
+                      <a:tailEnd type="none" w="med" len="med"/>
+                    </a:lnT>
+                    <a:lnB w="12700" cap="flat" cmpd="sng" algn="ctr">
+                      <a:solidFill>
+                        <a:schemeClr val="tx1"/>
+                      </a:solidFill>
+                      <a:prstDash val="solid"/>
+                      <a:round/>
+                      <a:headEnd type="none" w="med" len="med"/>
+                      <a:tailEnd type="none" w="med" len="med"/>
+                    </a:lnB>
+                  </a:tcPr>
                 </a:tc>
                 <a:tc>
                   <a:txBody>
@@ -7651,12 +13434,51 @@
                     <a:lstStyle/>
                     <a:p>
                       <a:r>
-                        <a:rPr lang="en-US" dirty="0"/>
+                        <a:rPr lang="en-US" dirty="0">
+                          <a:solidFill>
+                            <a:srgbClr val="0070C0"/>
+                          </a:solidFill>
+                        </a:rPr>
                         <a:t>229</a:t>
                       </a:r>
                     </a:p>
                   </a:txBody>
-                  <a:tcPr/>
+                  <a:tcPr>
+                    <a:lnL w="12700" cap="flat" cmpd="sng" algn="ctr">
+                      <a:solidFill>
+                        <a:schemeClr val="tx1"/>
+                      </a:solidFill>
+                      <a:prstDash val="solid"/>
+                      <a:round/>
+                      <a:headEnd type="none" w="med" len="med"/>
+                      <a:tailEnd type="none" w="med" len="med"/>
+                    </a:lnL>
+                    <a:lnR w="12700" cap="flat" cmpd="sng" algn="ctr">
+                      <a:noFill/>
+                      <a:prstDash val="solid"/>
+                      <a:round/>
+                      <a:headEnd type="none" w="med" len="med"/>
+                      <a:tailEnd type="none" w="med" len="med"/>
+                    </a:lnR>
+                    <a:lnT w="12700" cap="flat" cmpd="sng" algn="ctr">
+                      <a:solidFill>
+                        <a:schemeClr val="tx1"/>
+                      </a:solidFill>
+                      <a:prstDash val="solid"/>
+                      <a:round/>
+                      <a:headEnd type="none" w="med" len="med"/>
+                      <a:tailEnd type="none" w="med" len="med"/>
+                    </a:lnT>
+                    <a:lnB w="12700" cap="flat" cmpd="sng" algn="ctr">
+                      <a:solidFill>
+                        <a:schemeClr val="tx1"/>
+                      </a:solidFill>
+                      <a:prstDash val="solid"/>
+                      <a:round/>
+                      <a:headEnd type="none" w="med" len="med"/>
+                      <a:tailEnd type="none" w="med" len="med"/>
+                    </a:lnB>
+                  </a:tcPr>
                 </a:tc>
                 <a:extLst>
                   <a:ext uri="{0D108BD9-81ED-4DB2-BD59-A6C34878D82A}">
@@ -7670,80 +13492,390 @@
                     <a:bodyPr/>
                     <a:lstStyle/>
                     <a:p>
-                      <a:endParaRPr lang="en-US" dirty="0"/>
-                    </a:p>
-                  </a:txBody>
-                  <a:tcPr/>
-                </a:tc>
-                <a:tc>
-                  <a:txBody>
-                    <a:bodyPr/>
-                    <a:lstStyle/>
-                    <a:p>
-                      <a:endParaRPr lang="en-US" dirty="0"/>
-                    </a:p>
-                  </a:txBody>
-                  <a:tcPr/>
-                </a:tc>
-                <a:tc>
-                  <a:txBody>
-                    <a:bodyPr/>
-                    <a:lstStyle/>
-                    <a:p>
-                      <a:endParaRPr lang="en-US" dirty="0"/>
-                    </a:p>
-                  </a:txBody>
-                  <a:tcPr/>
-                </a:tc>
-                <a:tc>
-                  <a:txBody>
-                    <a:bodyPr/>
-                    <a:lstStyle/>
-                    <a:p>
-                      <a:endParaRPr lang="en-US" dirty="0"/>
-                    </a:p>
-                  </a:txBody>
-                  <a:tcPr/>
-                </a:tc>
-                <a:tc>
-                  <a:txBody>
-                    <a:bodyPr/>
-                    <a:lstStyle/>
-                    <a:p>
-                      <a:endParaRPr lang="en-US" dirty="0"/>
-                    </a:p>
-                  </a:txBody>
-                  <a:tcPr/>
-                </a:tc>
-                <a:tc>
-                  <a:txBody>
-                    <a:bodyPr/>
-                    <a:lstStyle/>
-                    <a:p>
-                      <a:endParaRPr lang="en-US" dirty="0"/>
-                    </a:p>
-                  </a:txBody>
-                  <a:tcPr/>
-                </a:tc>
-                <a:tc>
-                  <a:txBody>
-                    <a:bodyPr/>
-                    <a:lstStyle/>
-                    <a:p>
-                      <a:endParaRPr lang="en-US" dirty="0"/>
-                    </a:p>
-                  </a:txBody>
-                  <a:tcPr/>
-                </a:tc>
-                <a:tc>
-                  <a:txBody>
-                    <a:bodyPr/>
-                    <a:lstStyle/>
-                    <a:p>
-                      <a:endParaRPr lang="en-US" dirty="0"/>
-                    </a:p>
-                  </a:txBody>
-                  <a:tcPr/>
+                      <a:endParaRPr lang="en-US" dirty="0">
+                        <a:solidFill>
+                          <a:srgbClr val="0070C0"/>
+                        </a:solidFill>
+                      </a:endParaRPr>
+                    </a:p>
+                  </a:txBody>
+                  <a:tcPr>
+                    <a:lnL w="12700" cap="flat" cmpd="sng" algn="ctr">
+                      <a:noFill/>
+                      <a:prstDash val="solid"/>
+                      <a:round/>
+                      <a:headEnd type="none" w="med" len="med"/>
+                      <a:tailEnd type="none" w="med" len="med"/>
+                    </a:lnL>
+                    <a:lnR w="12700" cap="flat" cmpd="sng" algn="ctr">
+                      <a:solidFill>
+                        <a:schemeClr val="tx1"/>
+                      </a:solidFill>
+                      <a:prstDash val="solid"/>
+                      <a:round/>
+                      <a:headEnd type="none" w="med" len="med"/>
+                      <a:tailEnd type="none" w="med" len="med"/>
+                    </a:lnR>
+                    <a:lnT w="12700" cap="flat" cmpd="sng" algn="ctr">
+                      <a:solidFill>
+                        <a:schemeClr val="tx1"/>
+                      </a:solidFill>
+                      <a:prstDash val="solid"/>
+                      <a:round/>
+                      <a:headEnd type="none" w="med" len="med"/>
+                      <a:tailEnd type="none" w="med" len="med"/>
+                    </a:lnT>
+                    <a:lnB w="12700" cap="flat" cmpd="sng" algn="ctr">
+                      <a:noFill/>
+                      <a:prstDash val="solid"/>
+                      <a:round/>
+                      <a:headEnd type="none" w="med" len="med"/>
+                      <a:tailEnd type="none" w="med" len="med"/>
+                    </a:lnB>
+                  </a:tcPr>
+                </a:tc>
+                <a:tc>
+                  <a:txBody>
+                    <a:bodyPr/>
+                    <a:lstStyle/>
+                    <a:p>
+                      <a:endParaRPr lang="en-US" dirty="0">
+                        <a:solidFill>
+                          <a:srgbClr val="0070C0"/>
+                        </a:solidFill>
+                      </a:endParaRPr>
+                    </a:p>
+                  </a:txBody>
+                  <a:tcPr>
+                    <a:lnL w="12700" cap="flat" cmpd="sng" algn="ctr">
+                      <a:solidFill>
+                        <a:schemeClr val="tx1"/>
+                      </a:solidFill>
+                      <a:prstDash val="solid"/>
+                      <a:round/>
+                      <a:headEnd type="none" w="med" len="med"/>
+                      <a:tailEnd type="none" w="med" len="med"/>
+                    </a:lnL>
+                    <a:lnR w="12700" cap="flat" cmpd="sng" algn="ctr">
+                      <a:solidFill>
+                        <a:schemeClr val="tx1"/>
+                      </a:solidFill>
+                      <a:prstDash val="solid"/>
+                      <a:round/>
+                      <a:headEnd type="none" w="med" len="med"/>
+                      <a:tailEnd type="none" w="med" len="med"/>
+                    </a:lnR>
+                    <a:lnT w="12700" cap="flat" cmpd="sng" algn="ctr">
+                      <a:solidFill>
+                        <a:schemeClr val="tx1"/>
+                      </a:solidFill>
+                      <a:prstDash val="solid"/>
+                      <a:round/>
+                      <a:headEnd type="none" w="med" len="med"/>
+                      <a:tailEnd type="none" w="med" len="med"/>
+                    </a:lnT>
+                    <a:lnB w="12700" cap="flat" cmpd="sng" algn="ctr">
+                      <a:noFill/>
+                      <a:prstDash val="solid"/>
+                      <a:round/>
+                      <a:headEnd type="none" w="med" len="med"/>
+                      <a:tailEnd type="none" w="med" len="med"/>
+                    </a:lnB>
+                  </a:tcPr>
+                </a:tc>
+                <a:tc>
+                  <a:txBody>
+                    <a:bodyPr/>
+                    <a:lstStyle/>
+                    <a:p>
+                      <a:endParaRPr lang="en-US" dirty="0">
+                        <a:solidFill>
+                          <a:srgbClr val="0070C0"/>
+                        </a:solidFill>
+                      </a:endParaRPr>
+                    </a:p>
+                  </a:txBody>
+                  <a:tcPr>
+                    <a:lnL w="12700" cap="flat" cmpd="sng" algn="ctr">
+                      <a:solidFill>
+                        <a:schemeClr val="tx1"/>
+                      </a:solidFill>
+                      <a:prstDash val="solid"/>
+                      <a:round/>
+                      <a:headEnd type="none" w="med" len="med"/>
+                      <a:tailEnd type="none" w="med" len="med"/>
+                    </a:lnL>
+                    <a:lnR w="12700" cap="flat" cmpd="sng" algn="ctr">
+                      <a:solidFill>
+                        <a:schemeClr val="tx1"/>
+                      </a:solidFill>
+                      <a:prstDash val="solid"/>
+                      <a:round/>
+                      <a:headEnd type="none" w="med" len="med"/>
+                      <a:tailEnd type="none" w="med" len="med"/>
+                    </a:lnR>
+                    <a:lnT w="12700" cap="flat" cmpd="sng" algn="ctr">
+                      <a:solidFill>
+                        <a:schemeClr val="tx1"/>
+                      </a:solidFill>
+                      <a:prstDash val="solid"/>
+                      <a:round/>
+                      <a:headEnd type="none" w="med" len="med"/>
+                      <a:tailEnd type="none" w="med" len="med"/>
+                    </a:lnT>
+                    <a:lnB w="12700" cap="flat" cmpd="sng" algn="ctr">
+                      <a:noFill/>
+                      <a:prstDash val="solid"/>
+                      <a:round/>
+                      <a:headEnd type="none" w="med" len="med"/>
+                      <a:tailEnd type="none" w="med" len="med"/>
+                    </a:lnB>
+                  </a:tcPr>
+                </a:tc>
+                <a:tc>
+                  <a:txBody>
+                    <a:bodyPr/>
+                    <a:lstStyle/>
+                    <a:p>
+                      <a:endParaRPr lang="en-US" dirty="0">
+                        <a:solidFill>
+                          <a:srgbClr val="0070C0"/>
+                        </a:solidFill>
+                      </a:endParaRPr>
+                    </a:p>
+                  </a:txBody>
+                  <a:tcPr>
+                    <a:lnL w="12700" cap="flat" cmpd="sng" algn="ctr">
+                      <a:solidFill>
+                        <a:schemeClr val="tx1"/>
+                      </a:solidFill>
+                      <a:prstDash val="solid"/>
+                      <a:round/>
+                      <a:headEnd type="none" w="med" len="med"/>
+                      <a:tailEnd type="none" w="med" len="med"/>
+                    </a:lnL>
+                    <a:lnR w="12700" cap="flat" cmpd="sng" algn="ctr">
+                      <a:solidFill>
+                        <a:schemeClr val="tx1"/>
+                      </a:solidFill>
+                      <a:prstDash val="solid"/>
+                      <a:round/>
+                      <a:headEnd type="none" w="med" len="med"/>
+                      <a:tailEnd type="none" w="med" len="med"/>
+                    </a:lnR>
+                    <a:lnT w="12700" cap="flat" cmpd="sng" algn="ctr">
+                      <a:solidFill>
+                        <a:schemeClr val="tx1"/>
+                      </a:solidFill>
+                      <a:prstDash val="solid"/>
+                      <a:round/>
+                      <a:headEnd type="none" w="med" len="med"/>
+                      <a:tailEnd type="none" w="med" len="med"/>
+                    </a:lnT>
+                    <a:lnB w="12700" cap="flat" cmpd="sng" algn="ctr">
+                      <a:noFill/>
+                      <a:prstDash val="solid"/>
+                      <a:round/>
+                      <a:headEnd type="none" w="med" len="med"/>
+                      <a:tailEnd type="none" w="med" len="med"/>
+                    </a:lnB>
+                  </a:tcPr>
+                </a:tc>
+                <a:tc>
+                  <a:txBody>
+                    <a:bodyPr/>
+                    <a:lstStyle/>
+                    <a:p>
+                      <a:endParaRPr lang="en-US" dirty="0">
+                        <a:solidFill>
+                          <a:srgbClr val="0070C0"/>
+                        </a:solidFill>
+                      </a:endParaRPr>
+                    </a:p>
+                  </a:txBody>
+                  <a:tcPr>
+                    <a:lnL w="12700" cap="flat" cmpd="sng" algn="ctr">
+                      <a:solidFill>
+                        <a:schemeClr val="tx1"/>
+                      </a:solidFill>
+                      <a:prstDash val="solid"/>
+                      <a:round/>
+                      <a:headEnd type="none" w="med" len="med"/>
+                      <a:tailEnd type="none" w="med" len="med"/>
+                    </a:lnL>
+                    <a:lnR w="12700" cap="flat" cmpd="sng" algn="ctr">
+                      <a:solidFill>
+                        <a:schemeClr val="tx1"/>
+                      </a:solidFill>
+                      <a:prstDash val="solid"/>
+                      <a:round/>
+                      <a:headEnd type="none" w="med" len="med"/>
+                      <a:tailEnd type="none" w="med" len="med"/>
+                    </a:lnR>
+                    <a:lnT w="12700" cap="flat" cmpd="sng" algn="ctr">
+                      <a:solidFill>
+                        <a:schemeClr val="tx1"/>
+                      </a:solidFill>
+                      <a:prstDash val="solid"/>
+                      <a:round/>
+                      <a:headEnd type="none" w="med" len="med"/>
+                      <a:tailEnd type="none" w="med" len="med"/>
+                    </a:lnT>
+                    <a:lnB w="12700" cap="flat" cmpd="sng" algn="ctr">
+                      <a:noFill/>
+                      <a:prstDash val="solid"/>
+                      <a:round/>
+                      <a:headEnd type="none" w="med" len="med"/>
+                      <a:tailEnd type="none" w="med" len="med"/>
+                    </a:lnB>
+                  </a:tcPr>
+                </a:tc>
+                <a:tc>
+                  <a:txBody>
+                    <a:bodyPr/>
+                    <a:lstStyle/>
+                    <a:p>
+                      <a:endParaRPr lang="en-US" dirty="0">
+                        <a:solidFill>
+                          <a:srgbClr val="0070C0"/>
+                        </a:solidFill>
+                      </a:endParaRPr>
+                    </a:p>
+                  </a:txBody>
+                  <a:tcPr>
+                    <a:lnL w="12700" cap="flat" cmpd="sng" algn="ctr">
+                      <a:solidFill>
+                        <a:schemeClr val="tx1"/>
+                      </a:solidFill>
+                      <a:prstDash val="solid"/>
+                      <a:round/>
+                      <a:headEnd type="none" w="med" len="med"/>
+                      <a:tailEnd type="none" w="med" len="med"/>
+                    </a:lnL>
+                    <a:lnR w="12700" cap="flat" cmpd="sng" algn="ctr">
+                      <a:solidFill>
+                        <a:schemeClr val="tx1"/>
+                      </a:solidFill>
+                      <a:prstDash val="solid"/>
+                      <a:round/>
+                      <a:headEnd type="none" w="med" len="med"/>
+                      <a:tailEnd type="none" w="med" len="med"/>
+                    </a:lnR>
+                    <a:lnT w="12700" cap="flat" cmpd="sng" algn="ctr">
+                      <a:solidFill>
+                        <a:schemeClr val="tx1"/>
+                      </a:solidFill>
+                      <a:prstDash val="solid"/>
+                      <a:round/>
+                      <a:headEnd type="none" w="med" len="med"/>
+                      <a:tailEnd type="none" w="med" len="med"/>
+                    </a:lnT>
+                    <a:lnB w="12700" cap="flat" cmpd="sng" algn="ctr">
+                      <a:noFill/>
+                      <a:prstDash val="solid"/>
+                      <a:round/>
+                      <a:headEnd type="none" w="med" len="med"/>
+                      <a:tailEnd type="none" w="med" len="med"/>
+                    </a:lnB>
+                  </a:tcPr>
+                </a:tc>
+                <a:tc>
+                  <a:txBody>
+                    <a:bodyPr/>
+                    <a:lstStyle/>
+                    <a:p>
+                      <a:endParaRPr lang="en-US" dirty="0">
+                        <a:solidFill>
+                          <a:srgbClr val="0070C0"/>
+                        </a:solidFill>
+                      </a:endParaRPr>
+                    </a:p>
+                  </a:txBody>
+                  <a:tcPr>
+                    <a:lnL w="12700" cap="flat" cmpd="sng" algn="ctr">
+                      <a:solidFill>
+                        <a:schemeClr val="tx1"/>
+                      </a:solidFill>
+                      <a:prstDash val="solid"/>
+                      <a:round/>
+                      <a:headEnd type="none" w="med" len="med"/>
+                      <a:tailEnd type="none" w="med" len="med"/>
+                    </a:lnL>
+                    <a:lnR w="12700" cap="flat" cmpd="sng" algn="ctr">
+                      <a:solidFill>
+                        <a:schemeClr val="tx1"/>
+                      </a:solidFill>
+                      <a:prstDash val="solid"/>
+                      <a:round/>
+                      <a:headEnd type="none" w="med" len="med"/>
+                      <a:tailEnd type="none" w="med" len="med"/>
+                    </a:lnR>
+                    <a:lnT w="12700" cap="flat" cmpd="sng" algn="ctr">
+                      <a:solidFill>
+                        <a:schemeClr val="tx1"/>
+                      </a:solidFill>
+                      <a:prstDash val="solid"/>
+                      <a:round/>
+                      <a:headEnd type="none" w="med" len="med"/>
+                      <a:tailEnd type="none" w="med" len="med"/>
+                    </a:lnT>
+                    <a:lnB w="12700" cap="flat" cmpd="sng" algn="ctr">
+                      <a:noFill/>
+                      <a:prstDash val="solid"/>
+                      <a:round/>
+                      <a:headEnd type="none" w="med" len="med"/>
+                      <a:tailEnd type="none" w="med" len="med"/>
+                    </a:lnB>
+                  </a:tcPr>
+                </a:tc>
+                <a:tc>
+                  <a:txBody>
+                    <a:bodyPr/>
+                    <a:lstStyle/>
+                    <a:p>
+                      <a:endParaRPr lang="en-US" dirty="0">
+                        <a:solidFill>
+                          <a:srgbClr val="0070C0"/>
+                        </a:solidFill>
+                      </a:endParaRPr>
+                    </a:p>
+                  </a:txBody>
+                  <a:tcPr>
+                    <a:lnL w="12700" cap="flat" cmpd="sng" algn="ctr">
+                      <a:solidFill>
+                        <a:schemeClr val="tx1"/>
+                      </a:solidFill>
+                      <a:prstDash val="solid"/>
+                      <a:round/>
+                      <a:headEnd type="none" w="med" len="med"/>
+                      <a:tailEnd type="none" w="med" len="med"/>
+                    </a:lnL>
+                    <a:lnR w="12700" cap="flat" cmpd="sng" algn="ctr">
+                      <a:solidFill>
+                        <a:schemeClr val="tx1"/>
+                      </a:solidFill>
+                      <a:prstDash val="solid"/>
+                      <a:round/>
+                      <a:headEnd type="none" w="med" len="med"/>
+                      <a:tailEnd type="none" w="med" len="med"/>
+                    </a:lnR>
+                    <a:lnT w="12700" cap="flat" cmpd="sng" algn="ctr">
+                      <a:solidFill>
+                        <a:schemeClr val="tx1"/>
+                      </a:solidFill>
+                      <a:prstDash val="solid"/>
+                      <a:round/>
+                      <a:headEnd type="none" w="med" len="med"/>
+                      <a:tailEnd type="none" w="med" len="med"/>
+                    </a:lnT>
+                    <a:lnB w="12700" cap="flat" cmpd="sng" algn="ctr">
+                      <a:noFill/>
+                      <a:prstDash val="solid"/>
+                      <a:round/>
+                      <a:headEnd type="none" w="med" len="med"/>
+                      <a:tailEnd type="none" w="med" len="med"/>
+                    </a:lnB>
+                  </a:tcPr>
                 </a:tc>
                 <a:tc>
                   <a:txBody>
@@ -7751,12 +13883,49 @@
                     <a:lstStyle/>
                     <a:p>
                       <a:r>
-                        <a:rPr lang="en-US" dirty="0"/>
+                        <a:rPr lang="en-US" dirty="0">
+                          <a:solidFill>
+                            <a:srgbClr val="0070C0"/>
+                          </a:solidFill>
+                        </a:rPr>
                         <a:t>254</a:t>
                       </a:r>
                     </a:p>
                   </a:txBody>
-                  <a:tcPr/>
+                  <a:tcPr>
+                    <a:lnL w="12700" cap="flat" cmpd="sng" algn="ctr">
+                      <a:solidFill>
+                        <a:schemeClr val="tx1"/>
+                      </a:solidFill>
+                      <a:prstDash val="solid"/>
+                      <a:round/>
+                      <a:headEnd type="none" w="med" len="med"/>
+                      <a:tailEnd type="none" w="med" len="med"/>
+                    </a:lnL>
+                    <a:lnR w="12700" cap="flat" cmpd="sng" algn="ctr">
+                      <a:noFill/>
+                      <a:prstDash val="solid"/>
+                      <a:round/>
+                      <a:headEnd type="none" w="med" len="med"/>
+                      <a:tailEnd type="none" w="med" len="med"/>
+                    </a:lnR>
+                    <a:lnT w="12700" cap="flat" cmpd="sng" algn="ctr">
+                      <a:solidFill>
+                        <a:schemeClr val="tx1"/>
+                      </a:solidFill>
+                      <a:prstDash val="solid"/>
+                      <a:round/>
+                      <a:headEnd type="none" w="med" len="med"/>
+                      <a:tailEnd type="none" w="med" len="med"/>
+                    </a:lnT>
+                    <a:lnB w="12700" cap="flat" cmpd="sng" algn="ctr">
+                      <a:noFill/>
+                      <a:prstDash val="solid"/>
+                      <a:round/>
+                      <a:headEnd type="none" w="med" len="med"/>
+                      <a:tailEnd type="none" w="med" len="med"/>
+                    </a:lnB>
+                  </a:tcPr>
                 </a:tc>
                 <a:extLst>
                   <a:ext uri="{0D108BD9-81ED-4DB2-BD59-A6C34878D82A}">
@@ -8672,20 +14841,20 @@
           <p:nvPr>
             <p:extLst>
               <p:ext uri="{D42A27DB-BD31-4B8C-83A1-F6EECF244321}">
-                <p14:modId xmlns:p14="http://schemas.microsoft.com/office/powerpoint/2010/main" val="606976090"/>
+                <p14:modId xmlns:p14="http://schemas.microsoft.com/office/powerpoint/2010/main" val="2518664495"/>
               </p:ext>
             </p:extLst>
           </p:nvPr>
         </p:nvGraphicFramePr>
         <p:xfrm>
-          <a:off x="1468309" y="3948951"/>
+          <a:off x="1418614" y="4261780"/>
           <a:ext cx="8128000" cy="2397760"/>
         </p:xfrm>
         <a:graphic>
           <a:graphicData uri="http://schemas.openxmlformats.org/drawingml/2006/table">
             <a:tbl>
               <a:tblPr firstRow="1" bandRow="1">
-                <a:tableStyleId>{5C22544A-7EE6-4342-B048-85BDC9FD1C3A}</a:tableStyleId>
+                <a:tableStyleId>{72833802-FEF1-4C79-8D5D-14CF1EAF98D9}</a:tableStyleId>
               </a:tblPr>
               <a:tblGrid>
                 <a:gridCol w="8128000">
@@ -8696,6 +14865,117 @@
                   </a:extLst>
                 </a:gridCol>
               </a:tblGrid>
+              <a:tr h="370840">
+                <a:tc>
+                  <a:txBody>
+                    <a:bodyPr/>
+                    <a:lstStyle/>
+                    <a:p>
+                      <a:pPr marL="0" marR="0" lvl="0" indent="0" algn="l" defTabSz="914400" rtl="0" eaLnBrk="1" fontAlgn="auto" latinLnBrk="0" hangingPunct="1">
+                        <a:lnSpc>
+                          <a:spcPct val="100000"/>
+                        </a:lnSpc>
+                        <a:spcBef>
+                          <a:spcPts val="0"/>
+                        </a:spcBef>
+                        <a:spcAft>
+                          <a:spcPts val="0"/>
+                        </a:spcAft>
+                        <a:buClrTx/>
+                        <a:buSzTx/>
+                        <a:buFontTx/>
+                        <a:buNone/>
+                        <a:tabLst/>
+                        <a:defRPr/>
+                      </a:pPr>
+                      <a:r>
+                        <a:rPr lang="en-US" dirty="0"/>
+                        <a:t>Something to ALWAYS REMEMBER</a:t>
+                      </a:r>
+                      <a:endParaRPr lang="en-US" dirty="0">
+                        <a:solidFill>
+                          <a:srgbClr val="FFC000"/>
+                        </a:solidFill>
+                        <a:latin typeface="Courier" pitchFamily="2" charset="0"/>
+                      </a:endParaRPr>
+                    </a:p>
+                  </a:txBody>
+                  <a:tcPr/>
+                </a:tc>
+                <a:extLst>
+                  <a:ext uri="{0D108BD9-81ED-4DB2-BD59-A6C34878D82A}">
+                    <a16:rowId xmlns:a16="http://schemas.microsoft.com/office/drawing/2014/main" val="1493460176"/>
+                  </a:ext>
+                </a:extLst>
+              </a:tr>
+              <a:tr h="370840">
+                <a:tc>
+                  <a:txBody>
+                    <a:bodyPr/>
+                    <a:lstStyle/>
+                    <a:p>
+                      <a:r>
+                        <a:rPr lang="en-US" dirty="0">
+                          <a:solidFill>
+                            <a:schemeClr val="tx2">
+                              <a:lumMod val="75000"/>
+                            </a:schemeClr>
+                          </a:solidFill>
+                        </a:rPr>
+                        <a:t>All data is stored in memory</a:t>
+                      </a:r>
+                      <a:endParaRPr lang="en-US" dirty="0">
+                        <a:solidFill>
+                          <a:schemeClr val="tx2">
+                            <a:lumMod val="75000"/>
+                          </a:schemeClr>
+                        </a:solidFill>
+                        <a:latin typeface="Courier" pitchFamily="2" charset="0"/>
+                      </a:endParaRPr>
+                    </a:p>
+                  </a:txBody>
+                  <a:tcPr/>
+                </a:tc>
+                <a:extLst>
+                  <a:ext uri="{0D108BD9-81ED-4DB2-BD59-A6C34878D82A}">
+                    <a16:rowId xmlns:a16="http://schemas.microsoft.com/office/drawing/2014/main" val="3337534506"/>
+                  </a:ext>
+                </a:extLst>
+              </a:tr>
+              <a:tr h="370840">
+                <a:tc>
+                  <a:txBody>
+                    <a:bodyPr/>
+                    <a:lstStyle/>
+                    <a:p>
+                      <a:r>
+                        <a:rPr lang="en-US" dirty="0">
+                          <a:solidFill>
+                            <a:schemeClr val="tx2">
+                              <a:lumMod val="75000"/>
+                            </a:schemeClr>
+                          </a:solidFill>
+                        </a:rPr>
+                        <a:t>Memory composes of bits</a:t>
+                      </a:r>
+                      <a:endParaRPr lang="en-US" dirty="0">
+                        <a:solidFill>
+                          <a:schemeClr val="tx2">
+                            <a:lumMod val="75000"/>
+                          </a:schemeClr>
+                        </a:solidFill>
+                        <a:latin typeface="Courier" pitchFamily="2" charset="0"/>
+                      </a:endParaRPr>
+                    </a:p>
+                  </a:txBody>
+                  <a:tcPr/>
+                </a:tc>
+                <a:extLst>
+                  <a:ext uri="{0D108BD9-81ED-4DB2-BD59-A6C34878D82A}">
+                    <a16:rowId xmlns:a16="http://schemas.microsoft.com/office/drawing/2014/main" val="1573534774"/>
+                  </a:ext>
+                </a:extLst>
+              </a:tr>
               <a:tr h="370840">
                 <a:tc>
                   <a:txBody>
@@ -8722,69 +15002,28 @@
                       <a:r>
                         <a:rPr lang="en-US" dirty="0">
                           <a:solidFill>
-                            <a:srgbClr val="FFC000"/>
+                            <a:schemeClr val="tx2">
+                              <a:lumMod val="75000"/>
+                            </a:schemeClr>
                           </a:solidFill>
-                          <a:latin typeface="Courier" pitchFamily="2" charset="0"/>
                         </a:rPr>
-                        <a:t>Something to ALWAYS REMEMBER</a:t>
+                        <a:t>Operations are performed on data</a:t>
                       </a:r>
+                      <a:endParaRPr lang="en-US" dirty="0">
+                        <a:solidFill>
+                          <a:schemeClr val="tx2">
+                            <a:lumMod val="75000"/>
+                          </a:schemeClr>
+                        </a:solidFill>
+                        <a:latin typeface="Courier" pitchFamily="2" charset="0"/>
+                      </a:endParaRPr>
                     </a:p>
                   </a:txBody>
                   <a:tcPr/>
                 </a:tc>
                 <a:extLst>
                   <a:ext uri="{0D108BD9-81ED-4DB2-BD59-A6C34878D82A}">
-                    <a16:rowId xmlns:a16="http://schemas.microsoft.com/office/drawing/2014/main" val="1493460176"/>
-                  </a:ext>
-                </a:extLst>
-              </a:tr>
-              <a:tr h="370840">
-                <a:tc>
-                  <a:txBody>
-                    <a:bodyPr/>
-                    <a:lstStyle/>
-                    <a:p>
-                      <a:r>
-                        <a:rPr lang="en-US" dirty="0">
-                          <a:solidFill>
-                            <a:schemeClr val="tx2"/>
-                          </a:solidFill>
-                          <a:latin typeface="Courier" pitchFamily="2" charset="0"/>
-                        </a:rPr>
-                        <a:t>All data is stored in memory</a:t>
-                      </a:r>
-                    </a:p>
-                  </a:txBody>
-                  <a:tcPr/>
-                </a:tc>
-                <a:extLst>
-                  <a:ext uri="{0D108BD9-81ED-4DB2-BD59-A6C34878D82A}">
-                    <a16:rowId xmlns:a16="http://schemas.microsoft.com/office/drawing/2014/main" val="3337534506"/>
-                  </a:ext>
-                </a:extLst>
-              </a:tr>
-              <a:tr h="370840">
-                <a:tc>
-                  <a:txBody>
-                    <a:bodyPr/>
-                    <a:lstStyle/>
-                    <a:p>
-                      <a:r>
-                        <a:rPr lang="en-US" dirty="0">
-                          <a:solidFill>
-                            <a:schemeClr val="tx2"/>
-                          </a:solidFill>
-                          <a:latin typeface="Courier" pitchFamily="2" charset="0"/>
-                        </a:rPr>
-                        <a:t>Memory composes of bits</a:t>
-                      </a:r>
-                    </a:p>
-                  </a:txBody>
-                  <a:tcPr/>
-                </a:tc>
-                <a:extLst>
-                  <a:ext uri="{0D108BD9-81ED-4DB2-BD59-A6C34878D82A}">
-                    <a16:rowId xmlns:a16="http://schemas.microsoft.com/office/drawing/2014/main" val="1573534774"/>
+                    <a16:rowId xmlns:a16="http://schemas.microsoft.com/office/drawing/2014/main" val="1710101527"/>
                   </a:ext>
                 </a:extLst>
               </a:tr>
@@ -8814,29 +15053,16 @@
                       <a:r>
                         <a:rPr lang="en-US" dirty="0">
                           <a:solidFill>
-                            <a:schemeClr val="tx2"/>
+                            <a:schemeClr val="tx2">
+                              <a:lumMod val="75000"/>
+                            </a:schemeClr>
                           </a:solidFill>
-                          <a:latin typeface="Courier" pitchFamily="2" charset="0"/>
                         </a:rPr>
-                        <a:t>Operations are performed on data</a:t>
+                        <a:t>From above statements, </a:t>
                       </a:r>
                     </a:p>
-                  </a:txBody>
-                  <a:tcPr/>
-                </a:tc>
-                <a:extLst>
-                  <a:ext uri="{0D108BD9-81ED-4DB2-BD59-A6C34878D82A}">
-                    <a16:rowId xmlns:a16="http://schemas.microsoft.com/office/drawing/2014/main" val="1710101527"/>
-                  </a:ext>
-                </a:extLst>
-              </a:tr>
-              <a:tr h="370840">
-                <a:tc>
-                  <a:txBody>
-                    <a:bodyPr/>
-                    <a:lstStyle/>
-                    <a:p>
-                      <a:pPr marL="0" marR="0" lvl="0" indent="0" algn="l" defTabSz="914400" rtl="0" eaLnBrk="1" fontAlgn="auto" latinLnBrk="0" hangingPunct="1">
+                    <a:p>
+                      <a:pPr marL="285750" marR="0" lvl="0" indent="-285750" algn="l" defTabSz="914400" rtl="0" eaLnBrk="1" fontAlgn="auto" latinLnBrk="0" hangingPunct="1">
                         <a:lnSpc>
                           <a:spcPct val="100000"/>
                         </a:lnSpc>
@@ -8848,23 +15074,24 @@
                         </a:spcAft>
                         <a:buClrTx/>
                         <a:buSzTx/>
-                        <a:buFontTx/>
-                        <a:buNone/>
+                        <a:buFont typeface="Arial" panose="020B0604020202020204" pitchFamily="34" charset="0"/>
+                        <a:buChar char="•"/>
                         <a:tabLst/>
                         <a:defRPr/>
                       </a:pPr>
                       <a:r>
                         <a:rPr lang="en-US" dirty="0">
                           <a:solidFill>
-                            <a:schemeClr val="tx2"/>
+                            <a:schemeClr val="tx2">
+                              <a:lumMod val="75000"/>
+                            </a:schemeClr>
                           </a:solidFill>
-                          <a:latin typeface="Courier" pitchFamily="2" charset="0"/>
                         </a:rPr>
-                        <a:t>From above statements, </a:t>
+                        <a:t>Data are Bits</a:t>
                       </a:r>
                     </a:p>
                     <a:p>
-                      <a:pPr marL="0" marR="0" lvl="0" indent="0" algn="l" defTabSz="914400" rtl="0" eaLnBrk="1" fontAlgn="auto" latinLnBrk="0" hangingPunct="1">
+                      <a:pPr marL="285750" marR="0" lvl="0" indent="-285750" algn="l" defTabSz="914400" rtl="0" eaLnBrk="1" fontAlgn="auto" latinLnBrk="0" hangingPunct="1">
                         <a:lnSpc>
                           <a:spcPct val="100000"/>
                         </a:lnSpc>
@@ -8876,48 +15103,29 @@
                         </a:spcAft>
                         <a:buClrTx/>
                         <a:buSzTx/>
-                        <a:buFontTx/>
-                        <a:buNone/>
+                        <a:buFont typeface="Arial" panose="020B0604020202020204" pitchFamily="34" charset="0"/>
+                        <a:buChar char="•"/>
                         <a:tabLst/>
                         <a:defRPr/>
                       </a:pPr>
                       <a:r>
-                        <a:rPr lang="en-US" b="1" dirty="0">
+                        <a:rPr lang="en-US" dirty="0">
                           <a:solidFill>
-                            <a:schemeClr val="tx2"/>
+                            <a:schemeClr val="tx2">
+                              <a:lumMod val="75000"/>
+                            </a:schemeClr>
                           </a:solidFill>
-                          <a:latin typeface="Courier" pitchFamily="2" charset="0"/>
-                        </a:rPr>
-                        <a:t>Data are Bits</a:t>
-                      </a:r>
-                    </a:p>
-                    <a:p>
-                      <a:pPr marL="0" marR="0" lvl="0" indent="0" algn="l" defTabSz="914400" rtl="0" eaLnBrk="1" fontAlgn="auto" latinLnBrk="0" hangingPunct="1">
-                        <a:lnSpc>
-                          <a:spcPct val="100000"/>
-                        </a:lnSpc>
-                        <a:spcBef>
-                          <a:spcPts val="0"/>
-                        </a:spcBef>
-                        <a:spcAft>
-                          <a:spcPts val="0"/>
-                        </a:spcAft>
-                        <a:buClrTx/>
-                        <a:buSzTx/>
-                        <a:buFontTx/>
-                        <a:buNone/>
-                        <a:tabLst/>
-                        <a:defRPr/>
-                      </a:pPr>
-                      <a:r>
-                        <a:rPr lang="en-US" b="1" dirty="0">
-                          <a:solidFill>
-                            <a:schemeClr val="tx2"/>
-                          </a:solidFill>
-                          <a:latin typeface="Courier" pitchFamily="2" charset="0"/>
                         </a:rPr>
                         <a:t>Operations are performed on Bits</a:t>
                       </a:r>
+                      <a:endParaRPr lang="en-US" b="1" dirty="0">
+                        <a:solidFill>
+                          <a:schemeClr val="tx2">
+                            <a:lumMod val="75000"/>
+                          </a:schemeClr>
+                        </a:solidFill>
+                        <a:latin typeface="Courier" pitchFamily="2" charset="0"/>
+                      </a:endParaRPr>
                     </a:p>
                   </a:txBody>
                   <a:tcPr/>
@@ -9013,7 +15221,7 @@
             <p:ph idx="1"/>
             <p:extLst>
               <p:ext uri="{D42A27DB-BD31-4B8C-83A1-F6EECF244321}">
-                <p14:modId xmlns:p14="http://schemas.microsoft.com/office/powerpoint/2010/main" val="1073073859"/>
+                <p14:modId xmlns:p14="http://schemas.microsoft.com/office/powerpoint/2010/main" val="990386959"/>
               </p:ext>
             </p:extLst>
           </p:nvPr>
@@ -9026,7 +15234,7 @@
           <a:graphicData uri="http://schemas.openxmlformats.org/drawingml/2006/table">
             <a:tbl>
               <a:tblPr firstRow="1" bandRow="1">
-                <a:tableStyleId>{5C22544A-7EE6-4342-B048-85BDC9FD1C3A}</a:tableStyleId>
+                <a:tableStyleId>{9DCAF9ED-07DC-4A11-8D7F-57B35C25682E}</a:tableStyleId>
               </a:tblPr>
               <a:tblGrid>
                 <a:gridCol w="4896644">
@@ -9335,18 +15543,15 @@
                             </a:schemeClr>
                           </a:solidFill>
                         </a:rPr>
-                        <a:t>in </a:t>
+                        <a:t>in not in</a:t>
                       </a:r>
-                      <a:r>
-                        <a:rPr lang="en-US" i="1" dirty="0">
-                          <a:solidFill>
-                            <a:schemeClr val="tx2">
-                              <a:lumMod val="75000"/>
-                            </a:schemeClr>
-                          </a:solidFill>
-                        </a:rPr>
-                        <a:t>not in</a:t>
-                      </a:r>
+                      <a:endParaRPr lang="en-US" i="1" dirty="0">
+                        <a:solidFill>
+                          <a:schemeClr val="tx2">
+                            <a:lumMod val="75000"/>
+                          </a:schemeClr>
+                        </a:solidFill>
+                      </a:endParaRPr>
                     </a:p>
                   </a:txBody>
                   <a:tcPr/>
@@ -9390,18 +15595,15 @@
                             </a:schemeClr>
                           </a:solidFill>
                         </a:rPr>
-                        <a:t>is </a:t>
+                        <a:t>is is not</a:t>
                       </a:r>
-                      <a:r>
-                        <a:rPr lang="en-US" i="1" dirty="0">
-                          <a:solidFill>
-                            <a:schemeClr val="tx2">
-                              <a:lumMod val="75000"/>
-                            </a:schemeClr>
-                          </a:solidFill>
-                        </a:rPr>
-                        <a:t>is not</a:t>
-                      </a:r>
+                      <a:endParaRPr lang="en-US" i="1" dirty="0">
+                        <a:solidFill>
+                          <a:schemeClr val="tx2">
+                            <a:lumMod val="75000"/>
+                          </a:schemeClr>
+                        </a:solidFill>
+                      </a:endParaRPr>
                     </a:p>
                   </a:txBody>
                   <a:tcPr/>
@@ -10435,6 +16637,92 @@
               <a:latin typeface="Consolas" panose="020B0609020204030204" pitchFamily="49" charset="0"/>
               <a:cs typeface="Consolas" panose="020B0609020204030204" pitchFamily="49" charset="0"/>
             </a:endParaRPr>
+          </a:p>
+        </p:txBody>
+      </p:sp>
+      <p:sp>
+        <p:nvSpPr>
+          <p:cNvPr id="20" name="TextBox 19">
+            <a:extLst>
+              <a:ext uri="{FF2B5EF4-FFF2-40B4-BE49-F238E27FC236}">
+                <a16:creationId xmlns:a16="http://schemas.microsoft.com/office/drawing/2014/main" id="{F48BDF42-50FB-C641-88BE-D4FFC78A3C83}"/>
+              </a:ext>
+            </a:extLst>
+          </p:cNvPr>
+          <p:cNvSpPr txBox="1"/>
+          <p:nvPr/>
+        </p:nvSpPr>
+        <p:spPr>
+          <a:xfrm>
+            <a:off x="4552118" y="5434562"/>
+            <a:ext cx="944489" cy="369332"/>
+          </a:xfrm>
+          <a:prstGeom prst="rect">
+            <a:avLst/>
+          </a:prstGeom>
+          <a:noFill/>
+        </p:spPr>
+        <p:txBody>
+          <a:bodyPr wrap="none" rtlCol="0">
+            <a:spAutoFit/>
+          </a:bodyPr>
+          <a:lstStyle/>
+          <a:p>
+            <a:r>
+              <a:rPr lang="en-US" dirty="0">
+                <a:solidFill>
+                  <a:schemeClr val="tx2">
+                    <a:lumMod val="75000"/>
+                  </a:schemeClr>
+                </a:solidFill>
+                <a:latin typeface="Consolas" panose="020B0609020204030204" pitchFamily="49" charset="0"/>
+                <a:cs typeface="Consolas" panose="020B0609020204030204" pitchFamily="49" charset="0"/>
+              </a:rPr>
+              <a:t>. . . </a:t>
+            </a:r>
+          </a:p>
+        </p:txBody>
+      </p:sp>
+      <p:sp>
+        <p:nvSpPr>
+          <p:cNvPr id="21" name="TextBox 20">
+            <a:extLst>
+              <a:ext uri="{FF2B5EF4-FFF2-40B4-BE49-F238E27FC236}">
+                <a16:creationId xmlns:a16="http://schemas.microsoft.com/office/drawing/2014/main" id="{70D82BBE-2EB3-E842-A84D-962FCB108377}"/>
+              </a:ext>
+            </a:extLst>
+          </p:cNvPr>
+          <p:cNvSpPr txBox="1"/>
+          <p:nvPr/>
+        </p:nvSpPr>
+        <p:spPr>
+          <a:xfrm>
+            <a:off x="4552119" y="5750007"/>
+            <a:ext cx="944489" cy="369332"/>
+          </a:xfrm>
+          <a:prstGeom prst="rect">
+            <a:avLst/>
+          </a:prstGeom>
+          <a:noFill/>
+        </p:spPr>
+        <p:txBody>
+          <a:bodyPr wrap="none" rtlCol="0">
+            <a:spAutoFit/>
+          </a:bodyPr>
+          <a:lstStyle/>
+          <a:p>
+            <a:r>
+              <a:rPr lang="en-US" dirty="0">
+                <a:solidFill>
+                  <a:schemeClr val="tx2">
+                    <a:lumMod val="75000"/>
+                  </a:schemeClr>
+                </a:solidFill>
+                <a:latin typeface="Consolas" panose="020B0609020204030204" pitchFamily="49" charset="0"/>
+                <a:cs typeface="Consolas" panose="020B0609020204030204" pitchFamily="49" charset="0"/>
+              </a:rPr>
+              <a:t>. . . </a:t>
+            </a:r>
           </a:p>
         </p:txBody>
       </p:sp>

--- a/fundamentals/3-Binary Numbers, Operations.pptx
+++ b/fundamentals/3-Binary Numbers, Operations.pptx
@@ -5,7 +5,7 @@
     <p:sldMasterId id="2147483954" r:id="rId1"/>
   </p:sldMasterIdLst>
   <p:notesMasterIdLst>
-    <p:notesMasterId r:id="rId14"/>
+    <p:notesMasterId r:id="rId15"/>
   </p:notesMasterIdLst>
   <p:sldIdLst>
     <p:sldId id="256" r:id="rId2"/>
@@ -15,11 +15,12 @@
     <p:sldId id="282" r:id="rId6"/>
     <p:sldId id="276" r:id="rId7"/>
     <p:sldId id="275" r:id="rId8"/>
-    <p:sldId id="283" r:id="rId9"/>
-    <p:sldId id="284" r:id="rId10"/>
-    <p:sldId id="277" r:id="rId11"/>
-    <p:sldId id="285" r:id="rId12"/>
-    <p:sldId id="270" r:id="rId13"/>
+    <p:sldId id="286" r:id="rId9"/>
+    <p:sldId id="283" r:id="rId10"/>
+    <p:sldId id="284" r:id="rId11"/>
+    <p:sldId id="277" r:id="rId12"/>
+    <p:sldId id="285" r:id="rId13"/>
+    <p:sldId id="270" r:id="rId14"/>
   </p:sldIdLst>
   <p:sldSz cx="12192000" cy="6858000"/>
   <p:notesSz cx="6858000" cy="9144000"/>
@@ -211,7 +212,7 @@
           <a:p>
             <a:fld id="{720C9186-47A3-C54A-A8AF-47B660C0099D}" type="datetimeFigureOut">
               <a:rPr lang="en-US" smtClean="0"/>
-              <a:t>6/16/20</a:t>
+              <a:t>6/17/20</a:t>
             </a:fld>
             <a:endParaRPr lang="en-US"/>
           </a:p>
@@ -640,7 +641,7 @@
           <a:p>
             <a:fld id="{4AAD347D-5ACD-4C99-B74B-A9C85AD731AF}" type="datetimeFigureOut">
               <a:rPr lang="en-US" smtClean="0"/>
-              <a:t>6/16/20</a:t>
+              <a:t>6/17/20</a:t>
             </a:fld>
             <a:endParaRPr lang="en-US" dirty="0"/>
           </a:p>
@@ -840,7 +841,7 @@
           <a:p>
             <a:fld id="{4AAD347D-5ACD-4C99-B74B-A9C85AD731AF}" type="datetimeFigureOut">
               <a:rPr lang="en-US" smtClean="0"/>
-              <a:t>6/16/20</a:t>
+              <a:t>6/17/20</a:t>
             </a:fld>
             <a:endParaRPr lang="en-US" dirty="0"/>
           </a:p>
@@ -1051,7 +1052,7 @@
           <a:p>
             <a:fld id="{4AAD347D-5ACD-4C99-B74B-A9C85AD731AF}" type="datetimeFigureOut">
               <a:rPr lang="en-US" smtClean="0"/>
-              <a:t>6/16/20</a:t>
+              <a:t>6/17/20</a:t>
             </a:fld>
             <a:endParaRPr lang="en-US" dirty="0"/>
           </a:p>
@@ -1308,7 +1309,7 @@
           <a:p>
             <a:fld id="{4AAD347D-5ACD-4C99-B74B-A9C85AD731AF}" type="datetimeFigureOut">
               <a:rPr lang="en-US" smtClean="0"/>
-              <a:t>6/16/20</a:t>
+              <a:t>6/17/20</a:t>
             </a:fld>
             <a:endParaRPr lang="en-US" dirty="0"/>
           </a:p>
@@ -1591,7 +1592,7 @@
           <a:p>
             <a:fld id="{9796027F-7875-4030-9381-8BD8C4F21935}" type="datetimeFigureOut">
               <a:rPr lang="en-US" smtClean="0"/>
-              <a:t>6/16/20</a:t>
+              <a:t>6/17/20</a:t>
             </a:fld>
             <a:endParaRPr lang="en-US" dirty="0"/>
           </a:p>
@@ -1859,7 +1860,7 @@
           <a:p>
             <a:fld id="{4AAD347D-5ACD-4C99-B74B-A9C85AD731AF}" type="datetimeFigureOut">
               <a:rPr lang="en-US" smtClean="0"/>
-              <a:t>6/16/20</a:t>
+              <a:t>6/17/20</a:t>
             </a:fld>
             <a:endParaRPr lang="en-US" dirty="0"/>
           </a:p>
@@ -2280,7 +2281,7 @@
           <a:p>
             <a:fld id="{4AAD347D-5ACD-4C99-B74B-A9C85AD731AF}" type="datetimeFigureOut">
               <a:rPr lang="en-US" smtClean="0"/>
-              <a:t>6/16/20</a:t>
+              <a:t>6/17/20</a:t>
             </a:fld>
             <a:endParaRPr lang="en-US" dirty="0"/>
           </a:p>
@@ -2423,7 +2424,7 @@
           <a:p>
             <a:fld id="{4509A250-FF31-4206-8172-F9D3106AACB1}" type="datetimeFigureOut">
               <a:rPr lang="en-US" smtClean="0"/>
-              <a:t>6/16/20</a:t>
+              <a:t>6/17/20</a:t>
             </a:fld>
             <a:endParaRPr lang="en-US" dirty="0"/>
           </a:p>
@@ -2536,7 +2537,7 @@
           <a:p>
             <a:fld id="{4509A250-FF31-4206-8172-F9D3106AACB1}" type="datetimeFigureOut">
               <a:rPr lang="en-US" smtClean="0"/>
-              <a:t>6/16/20</a:t>
+              <a:t>6/17/20</a:t>
             </a:fld>
             <a:endParaRPr lang="en-US" dirty="0"/>
           </a:p>
@@ -2849,7 +2850,7 @@
           <a:p>
             <a:fld id="{4AAD347D-5ACD-4C99-B74B-A9C85AD731AF}" type="datetimeFigureOut">
               <a:rPr lang="en-US" smtClean="0"/>
-              <a:t>6/16/20</a:t>
+              <a:t>6/17/20</a:t>
             </a:fld>
             <a:endParaRPr lang="en-US" dirty="0"/>
           </a:p>
@@ -3144,7 +3145,7 @@
           <a:p>
             <a:fld id="{4509A250-FF31-4206-8172-F9D3106AACB1}" type="datetimeFigureOut">
               <a:rPr lang="en-US" smtClean="0"/>
-              <a:t>6/16/20</a:t>
+              <a:t>6/17/20</a:t>
             </a:fld>
             <a:endParaRPr lang="en-US" dirty="0"/>
           </a:p>
@@ -3387,7 +3388,7 @@
           <a:p>
             <a:fld id="{4AAD347D-5ACD-4C99-B74B-A9C85AD731AF}" type="datetimeFigureOut">
               <a:rPr lang="en-US" smtClean="0"/>
-              <a:t>6/16/20</a:t>
+              <a:t>6/17/20</a:t>
             </a:fld>
             <a:endParaRPr lang="en-US" dirty="0"/>
           </a:p>
@@ -3946,6 +3947,918 @@
       </p:grpSpPr>
       <p:sp>
         <p:nvSpPr>
+          <p:cNvPr id="4" name="TextBox 3">
+            <a:extLst>
+              <a:ext uri="{FF2B5EF4-FFF2-40B4-BE49-F238E27FC236}">
+                <a16:creationId xmlns:a16="http://schemas.microsoft.com/office/drawing/2014/main" id="{F00468B6-B47E-6D48-9321-EF1097D22474}"/>
+              </a:ext>
+            </a:extLst>
+          </p:cNvPr>
+          <p:cNvSpPr txBox="1"/>
+          <p:nvPr/>
+        </p:nvSpPr>
+        <p:spPr>
+          <a:xfrm>
+            <a:off x="4552122" y="337930"/>
+            <a:ext cx="944489" cy="369332"/>
+          </a:xfrm>
+          <a:prstGeom prst="rect">
+            <a:avLst/>
+          </a:prstGeom>
+          <a:noFill/>
+        </p:spPr>
+        <p:txBody>
+          <a:bodyPr wrap="none" rtlCol="0">
+            <a:spAutoFit/>
+          </a:bodyPr>
+          <a:lstStyle/>
+          <a:p>
+            <a:r>
+              <a:rPr lang="en-US" dirty="0">
+                <a:solidFill>
+                  <a:schemeClr val="tx2">
+                    <a:lumMod val="75000"/>
+                  </a:schemeClr>
+                </a:solidFill>
+                <a:latin typeface="Consolas" panose="020B0609020204030204" pitchFamily="49" charset="0"/>
+                <a:cs typeface="Consolas" panose="020B0609020204030204" pitchFamily="49" charset="0"/>
+              </a:rPr>
+              <a:t>main()</a:t>
+            </a:r>
+          </a:p>
+        </p:txBody>
+      </p:sp>
+      <p:sp>
+        <p:nvSpPr>
+          <p:cNvPr id="5" name="TextBox 4">
+            <a:extLst>
+              <a:ext uri="{FF2B5EF4-FFF2-40B4-BE49-F238E27FC236}">
+                <a16:creationId xmlns:a16="http://schemas.microsoft.com/office/drawing/2014/main" id="{4DA6F0BE-B6D1-EB41-A30C-6D39832C2A9F}"/>
+              </a:ext>
+            </a:extLst>
+          </p:cNvPr>
+          <p:cNvSpPr txBox="1"/>
+          <p:nvPr/>
+        </p:nvSpPr>
+        <p:spPr>
+          <a:xfrm>
+            <a:off x="4552121" y="707262"/>
+            <a:ext cx="944489" cy="369332"/>
+          </a:xfrm>
+          <a:prstGeom prst="rect">
+            <a:avLst/>
+          </a:prstGeom>
+          <a:noFill/>
+        </p:spPr>
+        <p:txBody>
+          <a:bodyPr wrap="none" rtlCol="0">
+            <a:spAutoFit/>
+          </a:bodyPr>
+          <a:lstStyle/>
+          <a:p>
+            <a:r>
+              <a:rPr lang="en-US" dirty="0">
+                <a:solidFill>
+                  <a:schemeClr val="tx2">
+                    <a:lumMod val="75000"/>
+                  </a:schemeClr>
+                </a:solidFill>
+                <a:latin typeface="Consolas" panose="020B0609020204030204" pitchFamily="49" charset="0"/>
+                <a:cs typeface="Consolas" panose="020B0609020204030204" pitchFamily="49" charset="0"/>
+              </a:rPr>
+              <a:t>line 1</a:t>
+            </a:r>
+          </a:p>
+        </p:txBody>
+      </p:sp>
+      <p:sp>
+        <p:nvSpPr>
+          <p:cNvPr id="6" name="TextBox 5">
+            <a:extLst>
+              <a:ext uri="{FF2B5EF4-FFF2-40B4-BE49-F238E27FC236}">
+                <a16:creationId xmlns:a16="http://schemas.microsoft.com/office/drawing/2014/main" id="{558D2EC4-B872-8045-A283-AD218B5BF6E3}"/>
+              </a:ext>
+            </a:extLst>
+          </p:cNvPr>
+          <p:cNvSpPr txBox="1"/>
+          <p:nvPr/>
+        </p:nvSpPr>
+        <p:spPr>
+          <a:xfrm>
+            <a:off x="4552120" y="1076594"/>
+            <a:ext cx="944489" cy="369332"/>
+          </a:xfrm>
+          <a:prstGeom prst="rect">
+            <a:avLst/>
+          </a:prstGeom>
+          <a:noFill/>
+        </p:spPr>
+        <p:txBody>
+          <a:bodyPr wrap="none" rtlCol="0">
+            <a:spAutoFit/>
+          </a:bodyPr>
+          <a:lstStyle/>
+          <a:p>
+            <a:r>
+              <a:rPr lang="en-US" dirty="0">
+                <a:solidFill>
+                  <a:schemeClr val="tx2">
+                    <a:lumMod val="75000"/>
+                  </a:schemeClr>
+                </a:solidFill>
+                <a:latin typeface="Consolas" panose="020B0609020204030204" pitchFamily="49" charset="0"/>
+                <a:cs typeface="Consolas" panose="020B0609020204030204" pitchFamily="49" charset="0"/>
+              </a:rPr>
+              <a:t>line 2</a:t>
+            </a:r>
+          </a:p>
+        </p:txBody>
+      </p:sp>
+      <p:sp>
+        <p:nvSpPr>
+          <p:cNvPr id="7" name="TextBox 6">
+            <a:extLst>
+              <a:ext uri="{FF2B5EF4-FFF2-40B4-BE49-F238E27FC236}">
+                <a16:creationId xmlns:a16="http://schemas.microsoft.com/office/drawing/2014/main" id="{E57EF363-A6B9-694C-A780-04B0E3440BCF}"/>
+              </a:ext>
+            </a:extLst>
+          </p:cNvPr>
+          <p:cNvSpPr txBox="1"/>
+          <p:nvPr/>
+        </p:nvSpPr>
+        <p:spPr>
+          <a:xfrm>
+            <a:off x="4025615" y="1470556"/>
+            <a:ext cx="2663420" cy="369332"/>
+          </a:xfrm>
+          <a:prstGeom prst="rect">
+            <a:avLst/>
+          </a:prstGeom>
+          <a:noFill/>
+        </p:spPr>
+        <p:txBody>
+          <a:bodyPr wrap="square" rtlCol="0">
+            <a:spAutoFit/>
+          </a:bodyPr>
+          <a:lstStyle/>
+          <a:p>
+            <a:r>
+              <a:rPr lang="en-US" dirty="0">
+                <a:solidFill>
+                  <a:schemeClr val="tx2">
+                    <a:lumMod val="75000"/>
+                  </a:schemeClr>
+                </a:solidFill>
+                <a:latin typeface="Consolas" panose="020B0609020204030204" pitchFamily="49" charset="0"/>
+                <a:cs typeface="Consolas" panose="020B0609020204030204" pitchFamily="49" charset="0"/>
+              </a:rPr>
+              <a:t>line 3 is a </a:t>
+            </a:r>
+            <a:r>
+              <a:rPr lang="en-US" i="1" dirty="0">
+                <a:solidFill>
+                  <a:schemeClr val="tx2">
+                    <a:lumMod val="75000"/>
+                  </a:schemeClr>
+                </a:solidFill>
+                <a:latin typeface="Consolas" panose="020B0609020204030204" pitchFamily="49" charset="0"/>
+                <a:cs typeface="Consolas" panose="020B0609020204030204" pitchFamily="49" charset="0"/>
+              </a:rPr>
+              <a:t>branch</a:t>
+            </a:r>
+            <a:endParaRPr lang="en-US" dirty="0">
+              <a:solidFill>
+                <a:schemeClr val="tx2">
+                  <a:lumMod val="75000"/>
+                </a:schemeClr>
+              </a:solidFill>
+              <a:latin typeface="Consolas" panose="020B0609020204030204" pitchFamily="49" charset="0"/>
+              <a:cs typeface="Consolas" panose="020B0609020204030204" pitchFamily="49" charset="0"/>
+            </a:endParaRPr>
+          </a:p>
+        </p:txBody>
+      </p:sp>
+      <p:sp>
+        <p:nvSpPr>
+          <p:cNvPr id="8" name="TextBox 7">
+            <a:extLst>
+              <a:ext uri="{FF2B5EF4-FFF2-40B4-BE49-F238E27FC236}">
+                <a16:creationId xmlns:a16="http://schemas.microsoft.com/office/drawing/2014/main" id="{DFDA6AC0-D2E0-BD43-B779-36B5325801AB}"/>
+              </a:ext>
+            </a:extLst>
+          </p:cNvPr>
+          <p:cNvSpPr txBox="1"/>
+          <p:nvPr/>
+        </p:nvSpPr>
+        <p:spPr>
+          <a:xfrm>
+            <a:off x="8888895" y="2042418"/>
+            <a:ext cx="944489" cy="369332"/>
+          </a:xfrm>
+          <a:prstGeom prst="rect">
+            <a:avLst/>
+          </a:prstGeom>
+          <a:noFill/>
+        </p:spPr>
+        <p:txBody>
+          <a:bodyPr wrap="none" rtlCol="0">
+            <a:spAutoFit/>
+          </a:bodyPr>
+          <a:lstStyle/>
+          <a:p>
+            <a:r>
+              <a:rPr lang="en-US" dirty="0">
+                <a:solidFill>
+                  <a:schemeClr val="tx2">
+                    <a:lumMod val="75000"/>
+                  </a:schemeClr>
+                </a:solidFill>
+                <a:latin typeface="Consolas" panose="020B0609020204030204" pitchFamily="49" charset="0"/>
+                <a:cs typeface="Consolas" panose="020B0609020204030204" pitchFamily="49" charset="0"/>
+              </a:rPr>
+              <a:t>line 1</a:t>
+            </a:r>
+          </a:p>
+        </p:txBody>
+      </p:sp>
+      <p:sp>
+        <p:nvSpPr>
+          <p:cNvPr id="9" name="TextBox 8">
+            <a:extLst>
+              <a:ext uri="{FF2B5EF4-FFF2-40B4-BE49-F238E27FC236}">
+                <a16:creationId xmlns:a16="http://schemas.microsoft.com/office/drawing/2014/main" id="{B82A8398-BE5C-C442-9C48-A4D1EE97491A}"/>
+              </a:ext>
+            </a:extLst>
+          </p:cNvPr>
+          <p:cNvSpPr txBox="1"/>
+          <p:nvPr/>
+        </p:nvSpPr>
+        <p:spPr>
+          <a:xfrm>
+            <a:off x="8888894" y="2411750"/>
+            <a:ext cx="944489" cy="369332"/>
+          </a:xfrm>
+          <a:prstGeom prst="rect">
+            <a:avLst/>
+          </a:prstGeom>
+          <a:noFill/>
+        </p:spPr>
+        <p:txBody>
+          <a:bodyPr wrap="none" rtlCol="0">
+            <a:spAutoFit/>
+          </a:bodyPr>
+          <a:lstStyle/>
+          <a:p>
+            <a:r>
+              <a:rPr lang="en-US" dirty="0">
+                <a:solidFill>
+                  <a:schemeClr val="tx2">
+                    <a:lumMod val="75000"/>
+                  </a:schemeClr>
+                </a:solidFill>
+                <a:latin typeface="Consolas" panose="020B0609020204030204" pitchFamily="49" charset="0"/>
+                <a:cs typeface="Consolas" panose="020B0609020204030204" pitchFamily="49" charset="0"/>
+              </a:rPr>
+              <a:t>line 2</a:t>
+            </a:r>
+          </a:p>
+        </p:txBody>
+      </p:sp>
+      <p:sp>
+        <p:nvSpPr>
+          <p:cNvPr id="10" name="TextBox 9">
+            <a:extLst>
+              <a:ext uri="{FF2B5EF4-FFF2-40B4-BE49-F238E27FC236}">
+                <a16:creationId xmlns:a16="http://schemas.microsoft.com/office/drawing/2014/main" id="{531A70BB-C5D4-B84A-85D8-B73F7312EEE4}"/>
+              </a:ext>
+            </a:extLst>
+          </p:cNvPr>
+          <p:cNvSpPr txBox="1"/>
+          <p:nvPr/>
+        </p:nvSpPr>
+        <p:spPr>
+          <a:xfrm>
+            <a:off x="8888893" y="2781082"/>
+            <a:ext cx="944489" cy="369332"/>
+          </a:xfrm>
+          <a:prstGeom prst="rect">
+            <a:avLst/>
+          </a:prstGeom>
+          <a:noFill/>
+        </p:spPr>
+        <p:txBody>
+          <a:bodyPr wrap="none" rtlCol="0">
+            <a:spAutoFit/>
+          </a:bodyPr>
+          <a:lstStyle/>
+          <a:p>
+            <a:r>
+              <a:rPr lang="en-US" dirty="0">
+                <a:solidFill>
+                  <a:schemeClr val="tx2">
+                    <a:lumMod val="75000"/>
+                  </a:schemeClr>
+                </a:solidFill>
+                <a:latin typeface="Consolas" panose="020B0609020204030204" pitchFamily="49" charset="0"/>
+                <a:cs typeface="Consolas" panose="020B0609020204030204" pitchFamily="49" charset="0"/>
+              </a:rPr>
+              <a:t>line 3</a:t>
+            </a:r>
+          </a:p>
+        </p:txBody>
+      </p:sp>
+      <p:sp>
+        <p:nvSpPr>
+          <p:cNvPr id="11" name="TextBox 10">
+            <a:extLst>
+              <a:ext uri="{FF2B5EF4-FFF2-40B4-BE49-F238E27FC236}">
+                <a16:creationId xmlns:a16="http://schemas.microsoft.com/office/drawing/2014/main" id="{8F4B6D7F-6036-454B-996E-05FD8B3F531C}"/>
+              </a:ext>
+            </a:extLst>
+          </p:cNvPr>
+          <p:cNvSpPr txBox="1"/>
+          <p:nvPr/>
+        </p:nvSpPr>
+        <p:spPr>
+          <a:xfrm>
+            <a:off x="8103972" y="3150414"/>
+            <a:ext cx="2663420" cy="646331"/>
+          </a:xfrm>
+          <a:prstGeom prst="rect">
+            <a:avLst/>
+          </a:prstGeom>
+          <a:noFill/>
+        </p:spPr>
+        <p:txBody>
+          <a:bodyPr wrap="square" rtlCol="0">
+            <a:spAutoFit/>
+          </a:bodyPr>
+          <a:lstStyle/>
+          <a:p>
+            <a:r>
+              <a:rPr lang="en-US" dirty="0">
+                <a:solidFill>
+                  <a:schemeClr val="tx2">
+                    <a:lumMod val="75000"/>
+                  </a:schemeClr>
+                </a:solidFill>
+                <a:latin typeface="Consolas" panose="020B0609020204030204" pitchFamily="49" charset="0"/>
+                <a:cs typeface="Consolas" panose="020B0609020204030204" pitchFamily="49" charset="0"/>
+              </a:rPr>
+              <a:t>line 4 is a </a:t>
+            </a:r>
+            <a:r>
+              <a:rPr lang="en-US" i="1" dirty="0">
+                <a:solidFill>
+                  <a:schemeClr val="tx2">
+                    <a:lumMod val="75000"/>
+                  </a:schemeClr>
+                </a:solidFill>
+                <a:latin typeface="Consolas" panose="020B0609020204030204" pitchFamily="49" charset="0"/>
+                <a:cs typeface="Consolas" panose="020B0609020204030204" pitchFamily="49" charset="0"/>
+              </a:rPr>
+              <a:t>branch to </a:t>
+            </a:r>
+            <a:r>
+              <a:rPr lang="en-US" b="1" i="1" dirty="0">
+                <a:solidFill>
+                  <a:schemeClr val="tx2">
+                    <a:lumMod val="75000"/>
+                  </a:schemeClr>
+                </a:solidFill>
+                <a:latin typeface="Consolas" panose="020B0609020204030204" pitchFamily="49" charset="0"/>
+                <a:cs typeface="Consolas" panose="020B0609020204030204" pitchFamily="49" charset="0"/>
+              </a:rPr>
+              <a:t>main()</a:t>
+            </a:r>
+            <a:endParaRPr lang="en-US" dirty="0">
+              <a:solidFill>
+                <a:schemeClr val="tx2">
+                  <a:lumMod val="75000"/>
+                </a:schemeClr>
+              </a:solidFill>
+              <a:latin typeface="Consolas" panose="020B0609020204030204" pitchFamily="49" charset="0"/>
+              <a:cs typeface="Consolas" panose="020B0609020204030204" pitchFamily="49" charset="0"/>
+            </a:endParaRPr>
+          </a:p>
+        </p:txBody>
+      </p:sp>
+      <p:sp>
+        <p:nvSpPr>
+          <p:cNvPr id="12" name="TextBox 11">
+            <a:extLst>
+              <a:ext uri="{FF2B5EF4-FFF2-40B4-BE49-F238E27FC236}">
+                <a16:creationId xmlns:a16="http://schemas.microsoft.com/office/drawing/2014/main" id="{914EBA13-7121-EF42-9A17-D60579580718}"/>
+              </a:ext>
+            </a:extLst>
+          </p:cNvPr>
+          <p:cNvSpPr txBox="1"/>
+          <p:nvPr/>
+        </p:nvSpPr>
+        <p:spPr>
+          <a:xfrm>
+            <a:off x="4552121" y="3930853"/>
+            <a:ext cx="944489" cy="369332"/>
+          </a:xfrm>
+          <a:prstGeom prst="rect">
+            <a:avLst/>
+          </a:prstGeom>
+          <a:noFill/>
+        </p:spPr>
+        <p:txBody>
+          <a:bodyPr wrap="none" rtlCol="0">
+            <a:spAutoFit/>
+          </a:bodyPr>
+          <a:lstStyle/>
+          <a:p>
+            <a:r>
+              <a:rPr lang="en-US" dirty="0">
+                <a:solidFill>
+                  <a:schemeClr val="tx2">
+                    <a:lumMod val="75000"/>
+                  </a:schemeClr>
+                </a:solidFill>
+                <a:latin typeface="Consolas" panose="020B0609020204030204" pitchFamily="49" charset="0"/>
+                <a:cs typeface="Consolas" panose="020B0609020204030204" pitchFamily="49" charset="0"/>
+              </a:rPr>
+              <a:t>line 1</a:t>
+            </a:r>
+          </a:p>
+        </p:txBody>
+      </p:sp>
+      <p:sp>
+        <p:nvSpPr>
+          <p:cNvPr id="13" name="TextBox 12">
+            <a:extLst>
+              <a:ext uri="{FF2B5EF4-FFF2-40B4-BE49-F238E27FC236}">
+                <a16:creationId xmlns:a16="http://schemas.microsoft.com/office/drawing/2014/main" id="{F3E4DEBA-DBA7-7C47-8386-487F3E57FF5F}"/>
+              </a:ext>
+            </a:extLst>
+          </p:cNvPr>
+          <p:cNvSpPr txBox="1"/>
+          <p:nvPr/>
+        </p:nvSpPr>
+        <p:spPr>
+          <a:xfrm>
+            <a:off x="4552120" y="4300185"/>
+            <a:ext cx="944489" cy="369332"/>
+          </a:xfrm>
+          <a:prstGeom prst="rect">
+            <a:avLst/>
+          </a:prstGeom>
+          <a:noFill/>
+        </p:spPr>
+        <p:txBody>
+          <a:bodyPr wrap="none" rtlCol="0">
+            <a:spAutoFit/>
+          </a:bodyPr>
+          <a:lstStyle/>
+          <a:p>
+            <a:r>
+              <a:rPr lang="en-US" dirty="0">
+                <a:solidFill>
+                  <a:schemeClr val="tx2">
+                    <a:lumMod val="75000"/>
+                  </a:schemeClr>
+                </a:solidFill>
+                <a:latin typeface="Consolas" panose="020B0609020204030204" pitchFamily="49" charset="0"/>
+                <a:cs typeface="Consolas" panose="020B0609020204030204" pitchFamily="49" charset="0"/>
+              </a:rPr>
+              <a:t>line 2</a:t>
+            </a:r>
+          </a:p>
+        </p:txBody>
+      </p:sp>
+      <p:sp>
+        <p:nvSpPr>
+          <p:cNvPr id="14" name="TextBox 13">
+            <a:extLst>
+              <a:ext uri="{FF2B5EF4-FFF2-40B4-BE49-F238E27FC236}">
+                <a16:creationId xmlns:a16="http://schemas.microsoft.com/office/drawing/2014/main" id="{ABD4BD1B-D421-2542-89BC-777E1AB85EFC}"/>
+              </a:ext>
+            </a:extLst>
+          </p:cNvPr>
+          <p:cNvSpPr txBox="1"/>
+          <p:nvPr/>
+        </p:nvSpPr>
+        <p:spPr>
+          <a:xfrm>
+            <a:off x="4552120" y="4648781"/>
+            <a:ext cx="944489" cy="369332"/>
+          </a:xfrm>
+          <a:prstGeom prst="rect">
+            <a:avLst/>
+          </a:prstGeom>
+          <a:noFill/>
+        </p:spPr>
+        <p:txBody>
+          <a:bodyPr wrap="none" rtlCol="0">
+            <a:spAutoFit/>
+          </a:bodyPr>
+          <a:lstStyle/>
+          <a:p>
+            <a:r>
+              <a:rPr lang="en-US" dirty="0">
+                <a:solidFill>
+                  <a:schemeClr val="tx2">
+                    <a:lumMod val="75000"/>
+                  </a:schemeClr>
+                </a:solidFill>
+                <a:latin typeface="Consolas" panose="020B0609020204030204" pitchFamily="49" charset="0"/>
+                <a:cs typeface="Consolas" panose="020B0609020204030204" pitchFamily="49" charset="0"/>
+              </a:rPr>
+              <a:t>line 3</a:t>
+            </a:r>
+          </a:p>
+        </p:txBody>
+      </p:sp>
+      <p:sp>
+        <p:nvSpPr>
+          <p:cNvPr id="15" name="TextBox 14">
+            <a:extLst>
+              <a:ext uri="{FF2B5EF4-FFF2-40B4-BE49-F238E27FC236}">
+                <a16:creationId xmlns:a16="http://schemas.microsoft.com/office/drawing/2014/main" id="{33F52E8E-99F1-2949-9569-38C849F287D5}"/>
+              </a:ext>
+            </a:extLst>
+          </p:cNvPr>
+          <p:cNvSpPr txBox="1"/>
+          <p:nvPr/>
+        </p:nvSpPr>
+        <p:spPr>
+          <a:xfrm>
+            <a:off x="4552119" y="5000407"/>
+            <a:ext cx="944489" cy="369332"/>
+          </a:xfrm>
+          <a:prstGeom prst="rect">
+            <a:avLst/>
+          </a:prstGeom>
+          <a:noFill/>
+        </p:spPr>
+        <p:txBody>
+          <a:bodyPr wrap="none" rtlCol="0">
+            <a:spAutoFit/>
+          </a:bodyPr>
+          <a:lstStyle/>
+          <a:p>
+            <a:r>
+              <a:rPr lang="en-US" dirty="0">
+                <a:solidFill>
+                  <a:schemeClr val="tx2">
+                    <a:lumMod val="75000"/>
+                  </a:schemeClr>
+                </a:solidFill>
+                <a:latin typeface="Consolas" panose="020B0609020204030204" pitchFamily="49" charset="0"/>
+                <a:cs typeface="Consolas" panose="020B0609020204030204" pitchFamily="49" charset="0"/>
+              </a:rPr>
+              <a:t>line 4</a:t>
+            </a:r>
+          </a:p>
+        </p:txBody>
+      </p:sp>
+      <p:cxnSp>
+        <p:nvCxnSpPr>
+          <p:cNvPr id="17" name="Straight Arrow Connector 16">
+            <a:extLst>
+              <a:ext uri="{FF2B5EF4-FFF2-40B4-BE49-F238E27FC236}">
+                <a16:creationId xmlns:a16="http://schemas.microsoft.com/office/drawing/2014/main" id="{707670F8-B962-0048-A988-85BF17AFA8B7}"/>
+              </a:ext>
+            </a:extLst>
+          </p:cNvPr>
+          <p:cNvCxnSpPr/>
+          <p:nvPr/>
+        </p:nvCxnSpPr>
+        <p:spPr>
+          <a:xfrm>
+            <a:off x="7046843" y="417948"/>
+            <a:ext cx="0" cy="1317292"/>
+          </a:xfrm>
+          <a:prstGeom prst="straightConnector1">
+            <a:avLst/>
+          </a:prstGeom>
+          <a:ln w="63500">
+            <a:tailEnd type="triangle"/>
+          </a:ln>
+        </p:spPr>
+        <p:style>
+          <a:lnRef idx="1">
+            <a:schemeClr val="accent1"/>
+          </a:lnRef>
+          <a:fillRef idx="0">
+            <a:schemeClr val="accent1"/>
+          </a:fillRef>
+          <a:effectRef idx="0">
+            <a:schemeClr val="accent1"/>
+          </a:effectRef>
+          <a:fontRef idx="minor">
+            <a:schemeClr val="tx1"/>
+          </a:fontRef>
+        </p:style>
+      </p:cxnSp>
+      <p:cxnSp>
+        <p:nvCxnSpPr>
+          <p:cNvPr id="19" name="Straight Arrow Connector 18">
+            <a:extLst>
+              <a:ext uri="{FF2B5EF4-FFF2-40B4-BE49-F238E27FC236}">
+                <a16:creationId xmlns:a16="http://schemas.microsoft.com/office/drawing/2014/main" id="{EADB394F-31A9-B74B-8A0E-5DDB06E1D29A}"/>
+              </a:ext>
+            </a:extLst>
+          </p:cNvPr>
+          <p:cNvCxnSpPr>
+            <a:cxnSpLocks/>
+            <a:endCxn id="8" idx="0"/>
+          </p:cNvCxnSpPr>
+          <p:nvPr/>
+        </p:nvCxnSpPr>
+        <p:spPr>
+          <a:xfrm>
+            <a:off x="7046843" y="1735240"/>
+            <a:ext cx="2314297" cy="307178"/>
+          </a:xfrm>
+          <a:prstGeom prst="straightConnector1">
+            <a:avLst/>
+          </a:prstGeom>
+          <a:ln w="63500">
+            <a:tailEnd type="triangle"/>
+          </a:ln>
+        </p:spPr>
+        <p:style>
+          <a:lnRef idx="1">
+            <a:schemeClr val="accent1"/>
+          </a:lnRef>
+          <a:fillRef idx="0">
+            <a:schemeClr val="accent1"/>
+          </a:fillRef>
+          <a:effectRef idx="0">
+            <a:schemeClr val="accent1"/>
+          </a:effectRef>
+          <a:fontRef idx="minor">
+            <a:schemeClr val="tx1"/>
+          </a:fontRef>
+        </p:style>
+      </p:cxnSp>
+      <p:cxnSp>
+        <p:nvCxnSpPr>
+          <p:cNvPr id="22" name="Straight Arrow Connector 21">
+            <a:extLst>
+              <a:ext uri="{FF2B5EF4-FFF2-40B4-BE49-F238E27FC236}">
+                <a16:creationId xmlns:a16="http://schemas.microsoft.com/office/drawing/2014/main" id="{BCEDA23A-1F8E-B24A-9083-1FB0DE9D604F}"/>
+              </a:ext>
+            </a:extLst>
+          </p:cNvPr>
+          <p:cNvCxnSpPr>
+            <a:cxnSpLocks/>
+            <a:stCxn id="11" idx="2"/>
+          </p:cNvCxnSpPr>
+          <p:nvPr/>
+        </p:nvCxnSpPr>
+        <p:spPr>
+          <a:xfrm flipH="1">
+            <a:off x="7046843" y="3796745"/>
+            <a:ext cx="2388839" cy="318774"/>
+          </a:xfrm>
+          <a:prstGeom prst="straightConnector1">
+            <a:avLst/>
+          </a:prstGeom>
+          <a:ln w="63500">
+            <a:tailEnd type="triangle"/>
+          </a:ln>
+        </p:spPr>
+        <p:style>
+          <a:lnRef idx="1">
+            <a:schemeClr val="accent1"/>
+          </a:lnRef>
+          <a:fillRef idx="0">
+            <a:schemeClr val="accent1"/>
+          </a:fillRef>
+          <a:effectRef idx="0">
+            <a:schemeClr val="accent1"/>
+          </a:effectRef>
+          <a:fontRef idx="minor">
+            <a:schemeClr val="tx1"/>
+          </a:fontRef>
+        </p:style>
+      </p:cxnSp>
+      <p:cxnSp>
+        <p:nvCxnSpPr>
+          <p:cNvPr id="27" name="Straight Arrow Connector 26">
+            <a:extLst>
+              <a:ext uri="{FF2B5EF4-FFF2-40B4-BE49-F238E27FC236}">
+                <a16:creationId xmlns:a16="http://schemas.microsoft.com/office/drawing/2014/main" id="{72913C2C-9D2A-254A-AF02-DDDD7876851A}"/>
+              </a:ext>
+            </a:extLst>
+          </p:cNvPr>
+          <p:cNvCxnSpPr/>
+          <p:nvPr/>
+        </p:nvCxnSpPr>
+        <p:spPr>
+          <a:xfrm>
+            <a:off x="7063088" y="4115519"/>
+            <a:ext cx="0" cy="1317292"/>
+          </a:xfrm>
+          <a:prstGeom prst="straightConnector1">
+            <a:avLst/>
+          </a:prstGeom>
+          <a:ln w="63500">
+            <a:tailEnd type="triangle"/>
+          </a:ln>
+        </p:spPr>
+        <p:style>
+          <a:lnRef idx="1">
+            <a:schemeClr val="accent1"/>
+          </a:lnRef>
+          <a:fillRef idx="0">
+            <a:schemeClr val="accent1"/>
+          </a:fillRef>
+          <a:effectRef idx="0">
+            <a:schemeClr val="accent1"/>
+          </a:effectRef>
+          <a:fontRef idx="minor">
+            <a:schemeClr val="tx1"/>
+          </a:fontRef>
+        </p:style>
+      </p:cxnSp>
+      <p:sp>
+        <p:nvSpPr>
+          <p:cNvPr id="28" name="TextBox 27">
+            <a:extLst>
+              <a:ext uri="{FF2B5EF4-FFF2-40B4-BE49-F238E27FC236}">
+                <a16:creationId xmlns:a16="http://schemas.microsoft.com/office/drawing/2014/main" id="{A154EEAA-98C5-B544-A6A0-B7DB9135D0A5}"/>
+              </a:ext>
+            </a:extLst>
+          </p:cNvPr>
+          <p:cNvSpPr txBox="1"/>
+          <p:nvPr/>
+        </p:nvSpPr>
+        <p:spPr>
+          <a:xfrm>
+            <a:off x="3585854" y="6098603"/>
+            <a:ext cx="3477234" cy="369332"/>
+          </a:xfrm>
+          <a:prstGeom prst="rect">
+            <a:avLst/>
+          </a:prstGeom>
+          <a:noFill/>
+        </p:spPr>
+        <p:txBody>
+          <a:bodyPr wrap="none" rtlCol="0">
+            <a:spAutoFit/>
+          </a:bodyPr>
+          <a:lstStyle/>
+          <a:p>
+            <a:r>
+              <a:rPr lang="en-US" dirty="0">
+                <a:solidFill>
+                  <a:schemeClr val="tx2">
+                    <a:lumMod val="75000"/>
+                  </a:schemeClr>
+                </a:solidFill>
+                <a:latin typeface="Consolas" panose="020B0609020204030204" pitchFamily="49" charset="0"/>
+                <a:cs typeface="Consolas" panose="020B0609020204030204" pitchFamily="49" charset="0"/>
+              </a:rPr>
+              <a:t>line ’n’ is </a:t>
+            </a:r>
+            <a:r>
+              <a:rPr lang="en-US" i="1" dirty="0">
+                <a:solidFill>
+                  <a:schemeClr val="tx2">
+                    <a:lumMod val="75000"/>
+                  </a:schemeClr>
+                </a:solidFill>
+                <a:latin typeface="Consolas" panose="020B0609020204030204" pitchFamily="49" charset="0"/>
+                <a:cs typeface="Consolas" panose="020B0609020204030204" pitchFamily="49" charset="0"/>
+              </a:rPr>
+              <a:t>end of program</a:t>
+            </a:r>
+            <a:endParaRPr lang="en-US" dirty="0">
+              <a:solidFill>
+                <a:schemeClr val="tx2">
+                  <a:lumMod val="75000"/>
+                </a:schemeClr>
+              </a:solidFill>
+              <a:latin typeface="Consolas" panose="020B0609020204030204" pitchFamily="49" charset="0"/>
+              <a:cs typeface="Consolas" panose="020B0609020204030204" pitchFamily="49" charset="0"/>
+            </a:endParaRPr>
+          </a:p>
+        </p:txBody>
+      </p:sp>
+      <p:sp>
+        <p:nvSpPr>
+          <p:cNvPr id="20" name="TextBox 19">
+            <a:extLst>
+              <a:ext uri="{FF2B5EF4-FFF2-40B4-BE49-F238E27FC236}">
+                <a16:creationId xmlns:a16="http://schemas.microsoft.com/office/drawing/2014/main" id="{F48BDF42-50FB-C641-88BE-D4FFC78A3C83}"/>
+              </a:ext>
+            </a:extLst>
+          </p:cNvPr>
+          <p:cNvSpPr txBox="1"/>
+          <p:nvPr/>
+        </p:nvSpPr>
+        <p:spPr>
+          <a:xfrm>
+            <a:off x="4552118" y="5434562"/>
+            <a:ext cx="944489" cy="369332"/>
+          </a:xfrm>
+          <a:prstGeom prst="rect">
+            <a:avLst/>
+          </a:prstGeom>
+          <a:noFill/>
+        </p:spPr>
+        <p:txBody>
+          <a:bodyPr wrap="none" rtlCol="0">
+            <a:spAutoFit/>
+          </a:bodyPr>
+          <a:lstStyle/>
+          <a:p>
+            <a:r>
+              <a:rPr lang="en-US" dirty="0">
+                <a:solidFill>
+                  <a:schemeClr val="tx2">
+                    <a:lumMod val="75000"/>
+                  </a:schemeClr>
+                </a:solidFill>
+                <a:latin typeface="Consolas" panose="020B0609020204030204" pitchFamily="49" charset="0"/>
+                <a:cs typeface="Consolas" panose="020B0609020204030204" pitchFamily="49" charset="0"/>
+              </a:rPr>
+              <a:t>. . . </a:t>
+            </a:r>
+          </a:p>
+        </p:txBody>
+      </p:sp>
+      <p:sp>
+        <p:nvSpPr>
+          <p:cNvPr id="21" name="TextBox 20">
+            <a:extLst>
+              <a:ext uri="{FF2B5EF4-FFF2-40B4-BE49-F238E27FC236}">
+                <a16:creationId xmlns:a16="http://schemas.microsoft.com/office/drawing/2014/main" id="{70D82BBE-2EB3-E842-A84D-962FCB108377}"/>
+              </a:ext>
+            </a:extLst>
+          </p:cNvPr>
+          <p:cNvSpPr txBox="1"/>
+          <p:nvPr/>
+        </p:nvSpPr>
+        <p:spPr>
+          <a:xfrm>
+            <a:off x="4552119" y="5750007"/>
+            <a:ext cx="944489" cy="369332"/>
+          </a:xfrm>
+          <a:prstGeom prst="rect">
+            <a:avLst/>
+          </a:prstGeom>
+          <a:noFill/>
+        </p:spPr>
+        <p:txBody>
+          <a:bodyPr wrap="none" rtlCol="0">
+            <a:spAutoFit/>
+          </a:bodyPr>
+          <a:lstStyle/>
+          <a:p>
+            <a:r>
+              <a:rPr lang="en-US" dirty="0">
+                <a:solidFill>
+                  <a:schemeClr val="tx2">
+                    <a:lumMod val="75000"/>
+                  </a:schemeClr>
+                </a:solidFill>
+                <a:latin typeface="Consolas" panose="020B0609020204030204" pitchFamily="49" charset="0"/>
+                <a:cs typeface="Consolas" panose="020B0609020204030204" pitchFamily="49" charset="0"/>
+              </a:rPr>
+              <a:t>. . . </a:t>
+            </a:r>
+          </a:p>
+        </p:txBody>
+      </p:sp>
+    </p:spTree>
+    <p:extLst>
+      <p:ext uri="{BB962C8B-B14F-4D97-AF65-F5344CB8AC3E}">
+        <p14:creationId xmlns:p14="http://schemas.microsoft.com/office/powerpoint/2010/main" val="3391122747"/>
+      </p:ext>
+    </p:extLst>
+  </p:cSld>
+  <p:clrMapOvr>
+    <a:masterClrMapping/>
+  </p:clrMapOvr>
+</p:sld>
+</file>
+
+<file path=ppt/slides/slide11.xml><?xml version="1.0" encoding="utf-8"?>
+<p:sld xmlns:a="http://schemas.openxmlformats.org/drawingml/2006/main" xmlns:r="http://schemas.openxmlformats.org/officeDocument/2006/relationships" xmlns:p="http://schemas.openxmlformats.org/presentationml/2006/main">
+  <p:cSld>
+    <p:spTree>
+      <p:nvGrpSpPr>
+        <p:cNvPr id="1" name=""/>
+        <p:cNvGrpSpPr/>
+        <p:nvPr/>
+      </p:nvGrpSpPr>
+      <p:grpSpPr>
+        <a:xfrm>
+          <a:off x="0" y="0"/>
+          <a:ext cx="0" cy="0"/>
+          <a:chOff x="0" y="0"/>
+          <a:chExt cx="0" cy="0"/>
+        </a:xfrm>
+      </p:grpSpPr>
+      <p:sp>
+        <p:nvSpPr>
           <p:cNvPr id="2" name="Title 1">
             <a:extLst>
               <a:ext uri="{FF2B5EF4-FFF2-40B4-BE49-F238E27FC236}">
@@ -4831,7 +5744,7 @@
 </p:sld>
 </file>
 
-<file path=ppt/slides/slide11.xml><?xml version="1.0" encoding="utf-8"?>
+<file path=ppt/slides/slide12.xml><?xml version="1.0" encoding="utf-8"?>
 <p:sld xmlns:a="http://schemas.openxmlformats.org/drawingml/2006/main" xmlns:r="http://schemas.openxmlformats.org/officeDocument/2006/relationships" xmlns:p="http://schemas.openxmlformats.org/presentationml/2006/main">
   <p:cSld>
     <p:spTree>
@@ -5117,7 +6030,7 @@
 </p:sld>
 </file>
 
-<file path=ppt/slides/slide12.xml><?xml version="1.0" encoding="utf-8"?>
+<file path=ppt/slides/slide13.xml><?xml version="1.0" encoding="utf-8"?>
 <p:sld xmlns:a="http://schemas.openxmlformats.org/drawingml/2006/main" xmlns:r="http://schemas.openxmlformats.org/officeDocument/2006/relationships" xmlns:p="http://schemas.openxmlformats.org/presentationml/2006/main">
   <p:cSld>
     <p:spTree>
@@ -15706,7 +16619,7 @@
           <p:cNvPr id="2" name="Title 1">
             <a:extLst>
               <a:ext uri="{FF2B5EF4-FFF2-40B4-BE49-F238E27FC236}">
-                <a16:creationId xmlns:a16="http://schemas.microsoft.com/office/drawing/2014/main" id="{B3F7E8BF-4C03-5F44-8331-DBC550527E3A}"/>
+                <a16:creationId xmlns:a16="http://schemas.microsoft.com/office/drawing/2014/main" id="{EF181E71-A3EA-AA43-81C7-90B3F507B4FE}"/>
               </a:ext>
             </a:extLst>
           </p:cNvPr>
@@ -15724,7 +16637,7 @@
           <a:p>
             <a:r>
               <a:rPr lang="en-US" dirty="0"/>
-              <a:t>Control flow in a program</a:t>
+              <a:t>Digression: Terminologies</a:t>
             </a:r>
           </a:p>
         </p:txBody>
@@ -15734,7 +16647,7 @@
           <p:cNvPr id="3" name="Content Placeholder 2">
             <a:extLst>
               <a:ext uri="{FF2B5EF4-FFF2-40B4-BE49-F238E27FC236}">
-                <a16:creationId xmlns:a16="http://schemas.microsoft.com/office/drawing/2014/main" id="{CE0E962A-AD68-464B-AB24-5A4AF546DAA3}"/>
+                <a16:creationId xmlns:a16="http://schemas.microsoft.com/office/drawing/2014/main" id="{4C9B994A-7134-D048-9D9F-CD47943D67CF}"/>
               </a:ext>
             </a:extLst>
           </p:cNvPr>
@@ -15742,74 +16655,166 @@
             <a:spLocks noGrp="1"/>
           </p:cNvSpPr>
           <p:nvPr>
-            <p:ph idx="1"/>
+            <p:ph sz="half" idx="1"/>
           </p:nvPr>
         </p:nvSpPr>
-        <p:spPr/>
+        <p:spPr>
+          <a:xfrm>
+            <a:off x="838200" y="1825625"/>
+            <a:ext cx="3733800" cy="4351338"/>
+          </a:xfrm>
+        </p:spPr>
         <p:txBody>
-          <a:bodyPr/>
+          <a:bodyPr>
+            <a:normAutofit/>
+          </a:bodyPr>
           <a:lstStyle/>
           <a:p>
             <a:r>
               <a:rPr lang="en-US" dirty="0"/>
-              <a:t>When the program is started, the control is given to a special </a:t>
+              <a:t>expression</a:t>
+            </a:r>
+          </a:p>
+          <a:p>
+            <a:r>
+              <a:rPr lang="en-US" dirty="0"/>
+              <a:t>statement</a:t>
+            </a:r>
+          </a:p>
+          <a:p>
+            <a:r>
+              <a:rPr lang="en-US" dirty="0"/>
+              <a:t>literal</a:t>
+            </a:r>
+          </a:p>
+          <a:p>
+            <a:r>
+              <a:rPr lang="en-US" dirty="0"/>
+              <a:t>operator</a:t>
+            </a:r>
+          </a:p>
+          <a:p>
+            <a:r>
+              <a:rPr lang="en-US" dirty="0"/>
+              <a:t>operation</a:t>
+            </a:r>
+          </a:p>
+          <a:p>
+            <a:r>
+              <a:rPr lang="en-US" dirty="0"/>
+              <a:t>operand</a:t>
+            </a:r>
+          </a:p>
+          <a:p>
+            <a:r>
+              <a:rPr lang="en-US" dirty="0"/>
+              <a:t>keyword</a:t>
+            </a:r>
+          </a:p>
+          <a:p>
+            <a:r>
+              <a:rPr lang="en-US" dirty="0"/>
+              <a:t>identifier</a:t>
+            </a:r>
+          </a:p>
+          <a:p>
+            <a:endParaRPr lang="en-US" dirty="0"/>
+          </a:p>
+        </p:txBody>
+      </p:sp>
+      <p:sp>
+        <p:nvSpPr>
+          <p:cNvPr id="4" name="Content Placeholder 3">
+            <a:extLst>
+              <a:ext uri="{FF2B5EF4-FFF2-40B4-BE49-F238E27FC236}">
+                <a16:creationId xmlns:a16="http://schemas.microsoft.com/office/drawing/2014/main" id="{B072F2F7-048C-D348-B2D0-0154AE4DC2F3}"/>
+              </a:ext>
+            </a:extLst>
+          </p:cNvPr>
+          <p:cNvSpPr>
+            <a:spLocks noGrp="1"/>
+          </p:cNvSpPr>
+          <p:nvPr>
+            <p:ph sz="half" idx="2"/>
+          </p:nvPr>
+        </p:nvSpPr>
+        <p:spPr>
+          <a:xfrm>
+            <a:off x="5311739" y="1825625"/>
+            <a:ext cx="6042061" cy="4351338"/>
+          </a:xfrm>
+        </p:spPr>
+        <p:txBody>
+          <a:bodyPr>
+            <a:normAutofit/>
+          </a:bodyPr>
+          <a:lstStyle/>
+          <a:p>
+            <a:r>
+              <a:rPr lang="en-US" dirty="0"/>
+              <a:t>Always evaluates to a single value</a:t>
+            </a:r>
+          </a:p>
+          <a:p>
+            <a:r>
+              <a:rPr lang="en-US" dirty="0"/>
+              <a:t>Makes up a </a:t>
             </a:r>
             <a:r>
               <a:rPr lang="en-US" i="1" dirty="0"/>
-              <a:t>function</a:t>
+              <a:t>line</a:t>
             </a:r>
             <a:r>
               <a:rPr lang="en-US" dirty="0"/>
-              <a:t> called </a:t>
-            </a:r>
-            <a:r>
-              <a:rPr lang="en-US" b="1" dirty="0"/>
-              <a:t>main()</a:t>
-            </a:r>
-            <a:endParaRPr lang="en-US" dirty="0"/>
+              <a:t> in a program</a:t>
+            </a:r>
           </a:p>
           <a:p>
             <a:r>
               <a:rPr lang="en-US" dirty="0"/>
-              <a:t>From here, the control keeps </a:t>
-            </a:r>
-            <a:r>
-              <a:rPr lang="en-US" i="1" dirty="0"/>
-              <a:t>flowing</a:t>
-            </a:r>
+              <a:t>345, “This is a literal”, 6.779</a:t>
+            </a:r>
+          </a:p>
+          <a:p>
             <a:r>
               <a:rPr lang="en-US" dirty="0"/>
-              <a:t> </a:t>
-            </a:r>
-            <a:r>
-              <a:rPr lang="en-US" i="1" dirty="0"/>
-              <a:t>sequentially </a:t>
-            </a:r>
+              <a:t>+, -, *, **, /, ()</a:t>
+            </a:r>
+          </a:p>
+          <a:p>
             <a:r>
               <a:rPr lang="en-US" dirty="0"/>
-              <a:t>from one instruction to the next until it meets a </a:t>
-            </a:r>
-            <a:r>
-              <a:rPr lang="en-US" i="1" dirty="0"/>
-              <a:t>branch</a:t>
-            </a:r>
+              <a:t>a + b, d // e</a:t>
+            </a:r>
+          </a:p>
+          <a:p>
             <a:r>
               <a:rPr lang="en-US" dirty="0"/>
-              <a:t> instruction</a:t>
+              <a:t>a, b in a + b</a:t>
             </a:r>
           </a:p>
           <a:p>
             <a:r>
               <a:rPr lang="en-US" dirty="0"/>
-              <a:t>It then branches out to some destination and continues to execute sequentially until it meets another </a:t>
-            </a:r>
-            <a:r>
-              <a:rPr lang="en-US" i="1" dirty="0"/>
-              <a:t>branch</a:t>
+              <a:t>if, </a:t>
+            </a:r>
+            <a:r>
+              <a:rPr lang="en-US" dirty="0" err="1"/>
+              <a:t>elif</a:t>
             </a:r>
             <a:r>
               <a:rPr lang="en-US" dirty="0"/>
-              <a:t> instruction</a:t>
+              <a:t>, def, while, True etc.</a:t>
+            </a:r>
+          </a:p>
+          <a:p>
+            <a:r>
+              <a:rPr lang="en-US" dirty="0" err="1"/>
+              <a:t>some_name</a:t>
+            </a:r>
+            <a:r>
+              <a:rPr lang="en-US" dirty="0"/>
+              <a:t>, x, y, a, b etc.</a:t>
             </a:r>
           </a:p>
         </p:txBody>
@@ -15817,7 +16822,7 @@
     </p:spTree>
     <p:extLst>
       <p:ext uri="{BB962C8B-B14F-4D97-AF65-F5344CB8AC3E}">
-        <p14:creationId xmlns:p14="http://schemas.microsoft.com/office/powerpoint/2010/main" val="1622771348"/>
+        <p14:creationId xmlns:p14="http://schemas.microsoft.com/office/powerpoint/2010/main" val="3698693212"/>
       </p:ext>
     </p:extLst>
   </p:cSld>
@@ -15846,882 +16851,113 @@
       </p:grpSpPr>
       <p:sp>
         <p:nvSpPr>
-          <p:cNvPr id="4" name="TextBox 3">
+          <p:cNvPr id="2" name="Title 1">
             <a:extLst>
               <a:ext uri="{FF2B5EF4-FFF2-40B4-BE49-F238E27FC236}">
-                <a16:creationId xmlns:a16="http://schemas.microsoft.com/office/drawing/2014/main" id="{F00468B6-B47E-6D48-9321-EF1097D22474}"/>
+                <a16:creationId xmlns:a16="http://schemas.microsoft.com/office/drawing/2014/main" id="{B3F7E8BF-4C03-5F44-8331-DBC550527E3A}"/>
               </a:ext>
             </a:extLst>
           </p:cNvPr>
-          <p:cNvSpPr txBox="1"/>
-          <p:nvPr/>
+          <p:cNvSpPr>
+            <a:spLocks noGrp="1"/>
+          </p:cNvSpPr>
+          <p:nvPr>
+            <p:ph type="title"/>
+          </p:nvPr>
         </p:nvSpPr>
-        <p:spPr>
-          <a:xfrm>
-            <a:off x="4552122" y="337930"/>
-            <a:ext cx="944489" cy="369332"/>
-          </a:xfrm>
-          <a:prstGeom prst="rect">
-            <a:avLst/>
-          </a:prstGeom>
-          <a:noFill/>
-        </p:spPr>
+        <p:spPr/>
         <p:txBody>
-          <a:bodyPr wrap="none" rtlCol="0">
-            <a:spAutoFit/>
-          </a:bodyPr>
+          <a:bodyPr/>
           <a:lstStyle/>
           <a:p>
             <a:r>
-              <a:rPr lang="en-US" dirty="0">
-                <a:solidFill>
-                  <a:schemeClr val="tx2">
-                    <a:lumMod val="75000"/>
-                  </a:schemeClr>
-                </a:solidFill>
-                <a:latin typeface="Consolas" panose="020B0609020204030204" pitchFamily="49" charset="0"/>
-                <a:cs typeface="Consolas" panose="020B0609020204030204" pitchFamily="49" charset="0"/>
-              </a:rPr>
-              <a:t>main()</a:t>
+              <a:rPr lang="en-US" dirty="0"/>
+              <a:t>Control flow in a program</a:t>
             </a:r>
           </a:p>
         </p:txBody>
       </p:sp>
       <p:sp>
         <p:nvSpPr>
-          <p:cNvPr id="5" name="TextBox 4">
+          <p:cNvPr id="3" name="Content Placeholder 2">
             <a:extLst>
               <a:ext uri="{FF2B5EF4-FFF2-40B4-BE49-F238E27FC236}">
-                <a16:creationId xmlns:a16="http://schemas.microsoft.com/office/drawing/2014/main" id="{4DA6F0BE-B6D1-EB41-A30C-6D39832C2A9F}"/>
+                <a16:creationId xmlns:a16="http://schemas.microsoft.com/office/drawing/2014/main" id="{CE0E962A-AD68-464B-AB24-5A4AF546DAA3}"/>
               </a:ext>
             </a:extLst>
           </p:cNvPr>
-          <p:cNvSpPr txBox="1"/>
-          <p:nvPr/>
+          <p:cNvSpPr>
+            <a:spLocks noGrp="1"/>
+          </p:cNvSpPr>
+          <p:nvPr>
+            <p:ph idx="1"/>
+          </p:nvPr>
         </p:nvSpPr>
-        <p:spPr>
-          <a:xfrm>
-            <a:off x="4552121" y="707262"/>
-            <a:ext cx="944489" cy="369332"/>
-          </a:xfrm>
-          <a:prstGeom prst="rect">
-            <a:avLst/>
-          </a:prstGeom>
-          <a:noFill/>
-        </p:spPr>
+        <p:spPr/>
         <p:txBody>
-          <a:bodyPr wrap="none" rtlCol="0">
-            <a:spAutoFit/>
-          </a:bodyPr>
+          <a:bodyPr/>
           <a:lstStyle/>
           <a:p>
             <a:r>
-              <a:rPr lang="en-US" dirty="0">
-                <a:solidFill>
-                  <a:schemeClr val="tx2">
-                    <a:lumMod val="75000"/>
-                  </a:schemeClr>
-                </a:solidFill>
-                <a:latin typeface="Consolas" panose="020B0609020204030204" pitchFamily="49" charset="0"/>
-                <a:cs typeface="Consolas" panose="020B0609020204030204" pitchFamily="49" charset="0"/>
-              </a:rPr>
-              <a:t>line 1</a:t>
-            </a:r>
-          </a:p>
-        </p:txBody>
-      </p:sp>
-      <p:sp>
-        <p:nvSpPr>
-          <p:cNvPr id="6" name="TextBox 5">
-            <a:extLst>
-              <a:ext uri="{FF2B5EF4-FFF2-40B4-BE49-F238E27FC236}">
-                <a16:creationId xmlns:a16="http://schemas.microsoft.com/office/drawing/2014/main" id="{558D2EC4-B872-8045-A283-AD218B5BF6E3}"/>
-              </a:ext>
-            </a:extLst>
-          </p:cNvPr>
-          <p:cNvSpPr txBox="1"/>
-          <p:nvPr/>
-        </p:nvSpPr>
-        <p:spPr>
-          <a:xfrm>
-            <a:off x="4552120" y="1076594"/>
-            <a:ext cx="944489" cy="369332"/>
-          </a:xfrm>
-          <a:prstGeom prst="rect">
-            <a:avLst/>
-          </a:prstGeom>
-          <a:noFill/>
-        </p:spPr>
-        <p:txBody>
-          <a:bodyPr wrap="none" rtlCol="0">
-            <a:spAutoFit/>
-          </a:bodyPr>
-          <a:lstStyle/>
-          <a:p>
-            <a:r>
-              <a:rPr lang="en-US" dirty="0">
-                <a:solidFill>
-                  <a:schemeClr val="tx2">
-                    <a:lumMod val="75000"/>
-                  </a:schemeClr>
-                </a:solidFill>
-                <a:latin typeface="Consolas" panose="020B0609020204030204" pitchFamily="49" charset="0"/>
-                <a:cs typeface="Consolas" panose="020B0609020204030204" pitchFamily="49" charset="0"/>
-              </a:rPr>
-              <a:t>line 2</a:t>
-            </a:r>
-          </a:p>
-        </p:txBody>
-      </p:sp>
-      <p:sp>
-        <p:nvSpPr>
-          <p:cNvPr id="7" name="TextBox 6">
-            <a:extLst>
-              <a:ext uri="{FF2B5EF4-FFF2-40B4-BE49-F238E27FC236}">
-                <a16:creationId xmlns:a16="http://schemas.microsoft.com/office/drawing/2014/main" id="{E57EF363-A6B9-694C-A780-04B0E3440BCF}"/>
-              </a:ext>
-            </a:extLst>
-          </p:cNvPr>
-          <p:cNvSpPr txBox="1"/>
-          <p:nvPr/>
-        </p:nvSpPr>
-        <p:spPr>
-          <a:xfrm>
-            <a:off x="4025615" y="1470556"/>
-            <a:ext cx="2663420" cy="369332"/>
-          </a:xfrm>
-          <a:prstGeom prst="rect">
-            <a:avLst/>
-          </a:prstGeom>
-          <a:noFill/>
-        </p:spPr>
-        <p:txBody>
-          <a:bodyPr wrap="square" rtlCol="0">
-            <a:spAutoFit/>
-          </a:bodyPr>
-          <a:lstStyle/>
-          <a:p>
-            <a:r>
-              <a:rPr lang="en-US" dirty="0">
-                <a:solidFill>
-                  <a:schemeClr val="tx2">
-                    <a:lumMod val="75000"/>
-                  </a:schemeClr>
-                </a:solidFill>
-                <a:latin typeface="Consolas" panose="020B0609020204030204" pitchFamily="49" charset="0"/>
-                <a:cs typeface="Consolas" panose="020B0609020204030204" pitchFamily="49" charset="0"/>
-              </a:rPr>
-              <a:t>line 3 is a </a:t>
-            </a:r>
-            <a:r>
-              <a:rPr lang="en-US" i="1" dirty="0">
-                <a:solidFill>
-                  <a:schemeClr val="tx2">
-                    <a:lumMod val="75000"/>
-                  </a:schemeClr>
-                </a:solidFill>
-                <a:latin typeface="Consolas" panose="020B0609020204030204" pitchFamily="49" charset="0"/>
-                <a:cs typeface="Consolas" panose="020B0609020204030204" pitchFamily="49" charset="0"/>
-              </a:rPr>
+              <a:rPr lang="en-US" dirty="0"/>
+              <a:t>When the program is started, the control is given to a special </a:t>
+            </a:r>
+            <a:r>
+              <a:rPr lang="en-US" i="1" dirty="0"/>
+              <a:t>function</a:t>
+            </a:r>
+            <a:r>
+              <a:rPr lang="en-US" dirty="0"/>
+              <a:t> called </a:t>
+            </a:r>
+            <a:r>
+              <a:rPr lang="en-US" b="1" dirty="0"/>
+              <a:t>main()</a:t>
+            </a:r>
+            <a:endParaRPr lang="en-US" dirty="0"/>
+          </a:p>
+          <a:p>
+            <a:r>
+              <a:rPr lang="en-US" dirty="0"/>
+              <a:t>From here, the control keeps </a:t>
+            </a:r>
+            <a:r>
+              <a:rPr lang="en-US" i="1" dirty="0"/>
+              <a:t>flowing</a:t>
+            </a:r>
+            <a:r>
+              <a:rPr lang="en-US" dirty="0"/>
+              <a:t> </a:t>
+            </a:r>
+            <a:r>
+              <a:rPr lang="en-US" i="1" dirty="0"/>
+              <a:t>sequentially </a:t>
+            </a:r>
+            <a:r>
+              <a:rPr lang="en-US" dirty="0"/>
+              <a:t>from one instruction to the next until it meets a </a:t>
+            </a:r>
+            <a:r>
+              <a:rPr lang="en-US" i="1" dirty="0"/>
               <a:t>branch</a:t>
             </a:r>
-            <a:endParaRPr lang="en-US" dirty="0">
-              <a:solidFill>
-                <a:schemeClr val="tx2">
-                  <a:lumMod val="75000"/>
-                </a:schemeClr>
-              </a:solidFill>
-              <a:latin typeface="Consolas" panose="020B0609020204030204" pitchFamily="49" charset="0"/>
-              <a:cs typeface="Consolas" panose="020B0609020204030204" pitchFamily="49" charset="0"/>
-            </a:endParaRPr>
-          </a:p>
-        </p:txBody>
-      </p:sp>
-      <p:sp>
-        <p:nvSpPr>
-          <p:cNvPr id="8" name="TextBox 7">
-            <a:extLst>
-              <a:ext uri="{FF2B5EF4-FFF2-40B4-BE49-F238E27FC236}">
-                <a16:creationId xmlns:a16="http://schemas.microsoft.com/office/drawing/2014/main" id="{DFDA6AC0-D2E0-BD43-B779-36B5325801AB}"/>
-              </a:ext>
-            </a:extLst>
-          </p:cNvPr>
-          <p:cNvSpPr txBox="1"/>
-          <p:nvPr/>
-        </p:nvSpPr>
-        <p:spPr>
-          <a:xfrm>
-            <a:off x="8888895" y="2042418"/>
-            <a:ext cx="944489" cy="369332"/>
-          </a:xfrm>
-          <a:prstGeom prst="rect">
-            <a:avLst/>
-          </a:prstGeom>
-          <a:noFill/>
-        </p:spPr>
-        <p:txBody>
-          <a:bodyPr wrap="none" rtlCol="0">
-            <a:spAutoFit/>
-          </a:bodyPr>
-          <a:lstStyle/>
-          <a:p>
-            <a:r>
-              <a:rPr lang="en-US" dirty="0">
-                <a:solidFill>
-                  <a:schemeClr val="tx2">
-                    <a:lumMod val="75000"/>
-                  </a:schemeClr>
-                </a:solidFill>
-                <a:latin typeface="Consolas" panose="020B0609020204030204" pitchFamily="49" charset="0"/>
-                <a:cs typeface="Consolas" panose="020B0609020204030204" pitchFamily="49" charset="0"/>
-              </a:rPr>
-              <a:t>line 1</a:t>
-            </a:r>
-          </a:p>
-        </p:txBody>
-      </p:sp>
-      <p:sp>
-        <p:nvSpPr>
-          <p:cNvPr id="9" name="TextBox 8">
-            <a:extLst>
-              <a:ext uri="{FF2B5EF4-FFF2-40B4-BE49-F238E27FC236}">
-                <a16:creationId xmlns:a16="http://schemas.microsoft.com/office/drawing/2014/main" id="{B82A8398-BE5C-C442-9C48-A4D1EE97491A}"/>
-              </a:ext>
-            </a:extLst>
-          </p:cNvPr>
-          <p:cNvSpPr txBox="1"/>
-          <p:nvPr/>
-        </p:nvSpPr>
-        <p:spPr>
-          <a:xfrm>
-            <a:off x="8888894" y="2411750"/>
-            <a:ext cx="944489" cy="369332"/>
-          </a:xfrm>
-          <a:prstGeom prst="rect">
-            <a:avLst/>
-          </a:prstGeom>
-          <a:noFill/>
-        </p:spPr>
-        <p:txBody>
-          <a:bodyPr wrap="none" rtlCol="0">
-            <a:spAutoFit/>
-          </a:bodyPr>
-          <a:lstStyle/>
-          <a:p>
-            <a:r>
-              <a:rPr lang="en-US" dirty="0">
-                <a:solidFill>
-                  <a:schemeClr val="tx2">
-                    <a:lumMod val="75000"/>
-                  </a:schemeClr>
-                </a:solidFill>
-                <a:latin typeface="Consolas" panose="020B0609020204030204" pitchFamily="49" charset="0"/>
-                <a:cs typeface="Consolas" panose="020B0609020204030204" pitchFamily="49" charset="0"/>
-              </a:rPr>
-              <a:t>line 2</a:t>
-            </a:r>
-          </a:p>
-        </p:txBody>
-      </p:sp>
-      <p:sp>
-        <p:nvSpPr>
-          <p:cNvPr id="10" name="TextBox 9">
-            <a:extLst>
-              <a:ext uri="{FF2B5EF4-FFF2-40B4-BE49-F238E27FC236}">
-                <a16:creationId xmlns:a16="http://schemas.microsoft.com/office/drawing/2014/main" id="{531A70BB-C5D4-B84A-85D8-B73F7312EEE4}"/>
-              </a:ext>
-            </a:extLst>
-          </p:cNvPr>
-          <p:cNvSpPr txBox="1"/>
-          <p:nvPr/>
-        </p:nvSpPr>
-        <p:spPr>
-          <a:xfrm>
-            <a:off x="8888893" y="2781082"/>
-            <a:ext cx="944489" cy="369332"/>
-          </a:xfrm>
-          <a:prstGeom prst="rect">
-            <a:avLst/>
-          </a:prstGeom>
-          <a:noFill/>
-        </p:spPr>
-        <p:txBody>
-          <a:bodyPr wrap="none" rtlCol="0">
-            <a:spAutoFit/>
-          </a:bodyPr>
-          <a:lstStyle/>
-          <a:p>
-            <a:r>
-              <a:rPr lang="en-US" dirty="0">
-                <a:solidFill>
-                  <a:schemeClr val="tx2">
-                    <a:lumMod val="75000"/>
-                  </a:schemeClr>
-                </a:solidFill>
-                <a:latin typeface="Consolas" panose="020B0609020204030204" pitchFamily="49" charset="0"/>
-                <a:cs typeface="Consolas" panose="020B0609020204030204" pitchFamily="49" charset="0"/>
-              </a:rPr>
-              <a:t>line 3</a:t>
-            </a:r>
-          </a:p>
-        </p:txBody>
-      </p:sp>
-      <p:sp>
-        <p:nvSpPr>
-          <p:cNvPr id="11" name="TextBox 10">
-            <a:extLst>
-              <a:ext uri="{FF2B5EF4-FFF2-40B4-BE49-F238E27FC236}">
-                <a16:creationId xmlns:a16="http://schemas.microsoft.com/office/drawing/2014/main" id="{8F4B6D7F-6036-454B-996E-05FD8B3F531C}"/>
-              </a:ext>
-            </a:extLst>
-          </p:cNvPr>
-          <p:cNvSpPr txBox="1"/>
-          <p:nvPr/>
-        </p:nvSpPr>
-        <p:spPr>
-          <a:xfrm>
-            <a:off x="8103972" y="3150414"/>
-            <a:ext cx="2663420" cy="646331"/>
-          </a:xfrm>
-          <a:prstGeom prst="rect">
-            <a:avLst/>
-          </a:prstGeom>
-          <a:noFill/>
-        </p:spPr>
-        <p:txBody>
-          <a:bodyPr wrap="square" rtlCol="0">
-            <a:spAutoFit/>
-          </a:bodyPr>
-          <a:lstStyle/>
-          <a:p>
-            <a:r>
-              <a:rPr lang="en-US" dirty="0">
-                <a:solidFill>
-                  <a:schemeClr val="tx2">
-                    <a:lumMod val="75000"/>
-                  </a:schemeClr>
-                </a:solidFill>
-                <a:latin typeface="Consolas" panose="020B0609020204030204" pitchFamily="49" charset="0"/>
-                <a:cs typeface="Consolas" panose="020B0609020204030204" pitchFamily="49" charset="0"/>
-              </a:rPr>
-              <a:t>line 4 is a </a:t>
-            </a:r>
-            <a:r>
-              <a:rPr lang="en-US" i="1" dirty="0">
-                <a:solidFill>
-                  <a:schemeClr val="tx2">
-                    <a:lumMod val="75000"/>
-                  </a:schemeClr>
-                </a:solidFill>
-                <a:latin typeface="Consolas" panose="020B0609020204030204" pitchFamily="49" charset="0"/>
-                <a:cs typeface="Consolas" panose="020B0609020204030204" pitchFamily="49" charset="0"/>
-              </a:rPr>
-              <a:t>branch to </a:t>
-            </a:r>
-            <a:r>
-              <a:rPr lang="en-US" b="1" i="1" dirty="0">
-                <a:solidFill>
-                  <a:schemeClr val="tx2">
-                    <a:lumMod val="75000"/>
-                  </a:schemeClr>
-                </a:solidFill>
-                <a:latin typeface="Consolas" panose="020B0609020204030204" pitchFamily="49" charset="0"/>
-                <a:cs typeface="Consolas" panose="020B0609020204030204" pitchFamily="49" charset="0"/>
-              </a:rPr>
-              <a:t>main()</a:t>
-            </a:r>
-            <a:endParaRPr lang="en-US" dirty="0">
-              <a:solidFill>
-                <a:schemeClr val="tx2">
-                  <a:lumMod val="75000"/>
-                </a:schemeClr>
-              </a:solidFill>
-              <a:latin typeface="Consolas" panose="020B0609020204030204" pitchFamily="49" charset="0"/>
-              <a:cs typeface="Consolas" panose="020B0609020204030204" pitchFamily="49" charset="0"/>
-            </a:endParaRPr>
-          </a:p>
-        </p:txBody>
-      </p:sp>
-      <p:sp>
-        <p:nvSpPr>
-          <p:cNvPr id="12" name="TextBox 11">
-            <a:extLst>
-              <a:ext uri="{FF2B5EF4-FFF2-40B4-BE49-F238E27FC236}">
-                <a16:creationId xmlns:a16="http://schemas.microsoft.com/office/drawing/2014/main" id="{914EBA13-7121-EF42-9A17-D60579580718}"/>
-              </a:ext>
-            </a:extLst>
-          </p:cNvPr>
-          <p:cNvSpPr txBox="1"/>
-          <p:nvPr/>
-        </p:nvSpPr>
-        <p:spPr>
-          <a:xfrm>
-            <a:off x="4552121" y="3930853"/>
-            <a:ext cx="944489" cy="369332"/>
-          </a:xfrm>
-          <a:prstGeom prst="rect">
-            <a:avLst/>
-          </a:prstGeom>
-          <a:noFill/>
-        </p:spPr>
-        <p:txBody>
-          <a:bodyPr wrap="none" rtlCol="0">
-            <a:spAutoFit/>
-          </a:bodyPr>
-          <a:lstStyle/>
-          <a:p>
-            <a:r>
-              <a:rPr lang="en-US" dirty="0">
-                <a:solidFill>
-                  <a:schemeClr val="tx2">
-                    <a:lumMod val="75000"/>
-                  </a:schemeClr>
-                </a:solidFill>
-                <a:latin typeface="Consolas" panose="020B0609020204030204" pitchFamily="49" charset="0"/>
-                <a:cs typeface="Consolas" panose="020B0609020204030204" pitchFamily="49" charset="0"/>
-              </a:rPr>
-              <a:t>line 1</a:t>
-            </a:r>
-          </a:p>
-        </p:txBody>
-      </p:sp>
-      <p:sp>
-        <p:nvSpPr>
-          <p:cNvPr id="13" name="TextBox 12">
-            <a:extLst>
-              <a:ext uri="{FF2B5EF4-FFF2-40B4-BE49-F238E27FC236}">
-                <a16:creationId xmlns:a16="http://schemas.microsoft.com/office/drawing/2014/main" id="{F3E4DEBA-DBA7-7C47-8386-487F3E57FF5F}"/>
-              </a:ext>
-            </a:extLst>
-          </p:cNvPr>
-          <p:cNvSpPr txBox="1"/>
-          <p:nvPr/>
-        </p:nvSpPr>
-        <p:spPr>
-          <a:xfrm>
-            <a:off x="4552120" y="4300185"/>
-            <a:ext cx="944489" cy="369332"/>
-          </a:xfrm>
-          <a:prstGeom prst="rect">
-            <a:avLst/>
-          </a:prstGeom>
-          <a:noFill/>
-        </p:spPr>
-        <p:txBody>
-          <a:bodyPr wrap="none" rtlCol="0">
-            <a:spAutoFit/>
-          </a:bodyPr>
-          <a:lstStyle/>
-          <a:p>
-            <a:r>
-              <a:rPr lang="en-US" dirty="0">
-                <a:solidFill>
-                  <a:schemeClr val="tx2">
-                    <a:lumMod val="75000"/>
-                  </a:schemeClr>
-                </a:solidFill>
-                <a:latin typeface="Consolas" panose="020B0609020204030204" pitchFamily="49" charset="0"/>
-                <a:cs typeface="Consolas" panose="020B0609020204030204" pitchFamily="49" charset="0"/>
-              </a:rPr>
-              <a:t>line 2</a:t>
-            </a:r>
-          </a:p>
-        </p:txBody>
-      </p:sp>
-      <p:sp>
-        <p:nvSpPr>
-          <p:cNvPr id="14" name="TextBox 13">
-            <a:extLst>
-              <a:ext uri="{FF2B5EF4-FFF2-40B4-BE49-F238E27FC236}">
-                <a16:creationId xmlns:a16="http://schemas.microsoft.com/office/drawing/2014/main" id="{ABD4BD1B-D421-2542-89BC-777E1AB85EFC}"/>
-              </a:ext>
-            </a:extLst>
-          </p:cNvPr>
-          <p:cNvSpPr txBox="1"/>
-          <p:nvPr/>
-        </p:nvSpPr>
-        <p:spPr>
-          <a:xfrm>
-            <a:off x="4552120" y="4648781"/>
-            <a:ext cx="944489" cy="369332"/>
-          </a:xfrm>
-          <a:prstGeom prst="rect">
-            <a:avLst/>
-          </a:prstGeom>
-          <a:noFill/>
-        </p:spPr>
-        <p:txBody>
-          <a:bodyPr wrap="none" rtlCol="0">
-            <a:spAutoFit/>
-          </a:bodyPr>
-          <a:lstStyle/>
-          <a:p>
-            <a:r>
-              <a:rPr lang="en-US" dirty="0">
-                <a:solidFill>
-                  <a:schemeClr val="tx2">
-                    <a:lumMod val="75000"/>
-                  </a:schemeClr>
-                </a:solidFill>
-                <a:latin typeface="Consolas" panose="020B0609020204030204" pitchFamily="49" charset="0"/>
-                <a:cs typeface="Consolas" panose="020B0609020204030204" pitchFamily="49" charset="0"/>
-              </a:rPr>
-              <a:t>line 3</a:t>
-            </a:r>
-          </a:p>
-        </p:txBody>
-      </p:sp>
-      <p:sp>
-        <p:nvSpPr>
-          <p:cNvPr id="15" name="TextBox 14">
-            <a:extLst>
-              <a:ext uri="{FF2B5EF4-FFF2-40B4-BE49-F238E27FC236}">
-                <a16:creationId xmlns:a16="http://schemas.microsoft.com/office/drawing/2014/main" id="{33F52E8E-99F1-2949-9569-38C849F287D5}"/>
-              </a:ext>
-            </a:extLst>
-          </p:cNvPr>
-          <p:cNvSpPr txBox="1"/>
-          <p:nvPr/>
-        </p:nvSpPr>
-        <p:spPr>
-          <a:xfrm>
-            <a:off x="4552119" y="5000407"/>
-            <a:ext cx="944489" cy="369332"/>
-          </a:xfrm>
-          <a:prstGeom prst="rect">
-            <a:avLst/>
-          </a:prstGeom>
-          <a:noFill/>
-        </p:spPr>
-        <p:txBody>
-          <a:bodyPr wrap="none" rtlCol="0">
-            <a:spAutoFit/>
-          </a:bodyPr>
-          <a:lstStyle/>
-          <a:p>
-            <a:r>
-              <a:rPr lang="en-US" dirty="0">
-                <a:solidFill>
-                  <a:schemeClr val="tx2">
-                    <a:lumMod val="75000"/>
-                  </a:schemeClr>
-                </a:solidFill>
-                <a:latin typeface="Consolas" panose="020B0609020204030204" pitchFamily="49" charset="0"/>
-                <a:cs typeface="Consolas" panose="020B0609020204030204" pitchFamily="49" charset="0"/>
-              </a:rPr>
-              <a:t>line 4</a:t>
-            </a:r>
-          </a:p>
-        </p:txBody>
-      </p:sp>
-      <p:cxnSp>
-        <p:nvCxnSpPr>
-          <p:cNvPr id="17" name="Straight Arrow Connector 16">
-            <a:extLst>
-              <a:ext uri="{FF2B5EF4-FFF2-40B4-BE49-F238E27FC236}">
-                <a16:creationId xmlns:a16="http://schemas.microsoft.com/office/drawing/2014/main" id="{707670F8-B962-0048-A988-85BF17AFA8B7}"/>
-              </a:ext>
-            </a:extLst>
-          </p:cNvPr>
-          <p:cNvCxnSpPr/>
-          <p:nvPr/>
-        </p:nvCxnSpPr>
-        <p:spPr>
-          <a:xfrm>
-            <a:off x="7046843" y="417948"/>
-            <a:ext cx="0" cy="1317292"/>
-          </a:xfrm>
-          <a:prstGeom prst="straightConnector1">
-            <a:avLst/>
-          </a:prstGeom>
-          <a:ln w="63500">
-            <a:tailEnd type="triangle"/>
-          </a:ln>
-        </p:spPr>
-        <p:style>
-          <a:lnRef idx="1">
-            <a:schemeClr val="accent1"/>
-          </a:lnRef>
-          <a:fillRef idx="0">
-            <a:schemeClr val="accent1"/>
-          </a:fillRef>
-          <a:effectRef idx="0">
-            <a:schemeClr val="accent1"/>
-          </a:effectRef>
-          <a:fontRef idx="minor">
-            <a:schemeClr val="tx1"/>
-          </a:fontRef>
-        </p:style>
-      </p:cxnSp>
-      <p:cxnSp>
-        <p:nvCxnSpPr>
-          <p:cNvPr id="19" name="Straight Arrow Connector 18">
-            <a:extLst>
-              <a:ext uri="{FF2B5EF4-FFF2-40B4-BE49-F238E27FC236}">
-                <a16:creationId xmlns:a16="http://schemas.microsoft.com/office/drawing/2014/main" id="{EADB394F-31A9-B74B-8A0E-5DDB06E1D29A}"/>
-              </a:ext>
-            </a:extLst>
-          </p:cNvPr>
-          <p:cNvCxnSpPr>
-            <a:cxnSpLocks/>
-            <a:endCxn id="8" idx="0"/>
-          </p:cNvCxnSpPr>
-          <p:nvPr/>
-        </p:nvCxnSpPr>
-        <p:spPr>
-          <a:xfrm>
-            <a:off x="7046843" y="1735240"/>
-            <a:ext cx="2314297" cy="307178"/>
-          </a:xfrm>
-          <a:prstGeom prst="straightConnector1">
-            <a:avLst/>
-          </a:prstGeom>
-          <a:ln w="63500">
-            <a:tailEnd type="triangle"/>
-          </a:ln>
-        </p:spPr>
-        <p:style>
-          <a:lnRef idx="1">
-            <a:schemeClr val="accent1"/>
-          </a:lnRef>
-          <a:fillRef idx="0">
-            <a:schemeClr val="accent1"/>
-          </a:fillRef>
-          <a:effectRef idx="0">
-            <a:schemeClr val="accent1"/>
-          </a:effectRef>
-          <a:fontRef idx="minor">
-            <a:schemeClr val="tx1"/>
-          </a:fontRef>
-        </p:style>
-      </p:cxnSp>
-      <p:cxnSp>
-        <p:nvCxnSpPr>
-          <p:cNvPr id="22" name="Straight Arrow Connector 21">
-            <a:extLst>
-              <a:ext uri="{FF2B5EF4-FFF2-40B4-BE49-F238E27FC236}">
-                <a16:creationId xmlns:a16="http://schemas.microsoft.com/office/drawing/2014/main" id="{BCEDA23A-1F8E-B24A-9083-1FB0DE9D604F}"/>
-              </a:ext>
-            </a:extLst>
-          </p:cNvPr>
-          <p:cNvCxnSpPr>
-            <a:cxnSpLocks/>
-            <a:stCxn id="11" idx="2"/>
-          </p:cNvCxnSpPr>
-          <p:nvPr/>
-        </p:nvCxnSpPr>
-        <p:spPr>
-          <a:xfrm flipH="1">
-            <a:off x="7046843" y="3796745"/>
-            <a:ext cx="2388839" cy="318774"/>
-          </a:xfrm>
-          <a:prstGeom prst="straightConnector1">
-            <a:avLst/>
-          </a:prstGeom>
-          <a:ln w="63500">
-            <a:tailEnd type="triangle"/>
-          </a:ln>
-        </p:spPr>
-        <p:style>
-          <a:lnRef idx="1">
-            <a:schemeClr val="accent1"/>
-          </a:lnRef>
-          <a:fillRef idx="0">
-            <a:schemeClr val="accent1"/>
-          </a:fillRef>
-          <a:effectRef idx="0">
-            <a:schemeClr val="accent1"/>
-          </a:effectRef>
-          <a:fontRef idx="minor">
-            <a:schemeClr val="tx1"/>
-          </a:fontRef>
-        </p:style>
-      </p:cxnSp>
-      <p:cxnSp>
-        <p:nvCxnSpPr>
-          <p:cNvPr id="27" name="Straight Arrow Connector 26">
-            <a:extLst>
-              <a:ext uri="{FF2B5EF4-FFF2-40B4-BE49-F238E27FC236}">
-                <a16:creationId xmlns:a16="http://schemas.microsoft.com/office/drawing/2014/main" id="{72913C2C-9D2A-254A-AF02-DDDD7876851A}"/>
-              </a:ext>
-            </a:extLst>
-          </p:cNvPr>
-          <p:cNvCxnSpPr/>
-          <p:nvPr/>
-        </p:nvCxnSpPr>
-        <p:spPr>
-          <a:xfrm>
-            <a:off x="7063088" y="4115519"/>
-            <a:ext cx="0" cy="1317292"/>
-          </a:xfrm>
-          <a:prstGeom prst="straightConnector1">
-            <a:avLst/>
-          </a:prstGeom>
-          <a:ln w="63500">
-            <a:tailEnd type="triangle"/>
-          </a:ln>
-        </p:spPr>
-        <p:style>
-          <a:lnRef idx="1">
-            <a:schemeClr val="accent1"/>
-          </a:lnRef>
-          <a:fillRef idx="0">
-            <a:schemeClr val="accent1"/>
-          </a:fillRef>
-          <a:effectRef idx="0">
-            <a:schemeClr val="accent1"/>
-          </a:effectRef>
-          <a:fontRef idx="minor">
-            <a:schemeClr val="tx1"/>
-          </a:fontRef>
-        </p:style>
-      </p:cxnSp>
-      <p:sp>
-        <p:nvSpPr>
-          <p:cNvPr id="28" name="TextBox 27">
-            <a:extLst>
-              <a:ext uri="{FF2B5EF4-FFF2-40B4-BE49-F238E27FC236}">
-                <a16:creationId xmlns:a16="http://schemas.microsoft.com/office/drawing/2014/main" id="{A154EEAA-98C5-B544-A6A0-B7DB9135D0A5}"/>
-              </a:ext>
-            </a:extLst>
-          </p:cNvPr>
-          <p:cNvSpPr txBox="1"/>
-          <p:nvPr/>
-        </p:nvSpPr>
-        <p:spPr>
-          <a:xfrm>
-            <a:off x="3585854" y="6098603"/>
-            <a:ext cx="3477234" cy="369332"/>
-          </a:xfrm>
-          <a:prstGeom prst="rect">
-            <a:avLst/>
-          </a:prstGeom>
-          <a:noFill/>
-        </p:spPr>
-        <p:txBody>
-          <a:bodyPr wrap="none" rtlCol="0">
-            <a:spAutoFit/>
-          </a:bodyPr>
-          <a:lstStyle/>
-          <a:p>
-            <a:r>
-              <a:rPr lang="en-US" dirty="0">
-                <a:solidFill>
-                  <a:schemeClr val="tx2">
-                    <a:lumMod val="75000"/>
-                  </a:schemeClr>
-                </a:solidFill>
-                <a:latin typeface="Consolas" panose="020B0609020204030204" pitchFamily="49" charset="0"/>
-                <a:cs typeface="Consolas" panose="020B0609020204030204" pitchFamily="49" charset="0"/>
-              </a:rPr>
-              <a:t>line ’n’ is </a:t>
-            </a:r>
-            <a:r>
-              <a:rPr lang="en-US" i="1" dirty="0">
-                <a:solidFill>
-                  <a:schemeClr val="tx2">
-                    <a:lumMod val="75000"/>
-                  </a:schemeClr>
-                </a:solidFill>
-                <a:latin typeface="Consolas" panose="020B0609020204030204" pitchFamily="49" charset="0"/>
-                <a:cs typeface="Consolas" panose="020B0609020204030204" pitchFamily="49" charset="0"/>
-              </a:rPr>
-              <a:t>end of program</a:t>
-            </a:r>
-            <a:endParaRPr lang="en-US" dirty="0">
-              <a:solidFill>
-                <a:schemeClr val="tx2">
-                  <a:lumMod val="75000"/>
-                </a:schemeClr>
-              </a:solidFill>
-              <a:latin typeface="Consolas" panose="020B0609020204030204" pitchFamily="49" charset="0"/>
-              <a:cs typeface="Consolas" panose="020B0609020204030204" pitchFamily="49" charset="0"/>
-            </a:endParaRPr>
-          </a:p>
-        </p:txBody>
-      </p:sp>
-      <p:sp>
-        <p:nvSpPr>
-          <p:cNvPr id="20" name="TextBox 19">
-            <a:extLst>
-              <a:ext uri="{FF2B5EF4-FFF2-40B4-BE49-F238E27FC236}">
-                <a16:creationId xmlns:a16="http://schemas.microsoft.com/office/drawing/2014/main" id="{F48BDF42-50FB-C641-88BE-D4FFC78A3C83}"/>
-              </a:ext>
-            </a:extLst>
-          </p:cNvPr>
-          <p:cNvSpPr txBox="1"/>
-          <p:nvPr/>
-        </p:nvSpPr>
-        <p:spPr>
-          <a:xfrm>
-            <a:off x="4552118" y="5434562"/>
-            <a:ext cx="944489" cy="369332"/>
-          </a:xfrm>
-          <a:prstGeom prst="rect">
-            <a:avLst/>
-          </a:prstGeom>
-          <a:noFill/>
-        </p:spPr>
-        <p:txBody>
-          <a:bodyPr wrap="none" rtlCol="0">
-            <a:spAutoFit/>
-          </a:bodyPr>
-          <a:lstStyle/>
-          <a:p>
-            <a:r>
-              <a:rPr lang="en-US" dirty="0">
-                <a:solidFill>
-                  <a:schemeClr val="tx2">
-                    <a:lumMod val="75000"/>
-                  </a:schemeClr>
-                </a:solidFill>
-                <a:latin typeface="Consolas" panose="020B0609020204030204" pitchFamily="49" charset="0"/>
-                <a:cs typeface="Consolas" panose="020B0609020204030204" pitchFamily="49" charset="0"/>
-              </a:rPr>
-              <a:t>. . . </a:t>
-            </a:r>
-          </a:p>
-        </p:txBody>
-      </p:sp>
-      <p:sp>
-        <p:nvSpPr>
-          <p:cNvPr id="21" name="TextBox 20">
-            <a:extLst>
-              <a:ext uri="{FF2B5EF4-FFF2-40B4-BE49-F238E27FC236}">
-                <a16:creationId xmlns:a16="http://schemas.microsoft.com/office/drawing/2014/main" id="{70D82BBE-2EB3-E842-A84D-962FCB108377}"/>
-              </a:ext>
-            </a:extLst>
-          </p:cNvPr>
-          <p:cNvSpPr txBox="1"/>
-          <p:nvPr/>
-        </p:nvSpPr>
-        <p:spPr>
-          <a:xfrm>
-            <a:off x="4552119" y="5750007"/>
-            <a:ext cx="944489" cy="369332"/>
-          </a:xfrm>
-          <a:prstGeom prst="rect">
-            <a:avLst/>
-          </a:prstGeom>
-          <a:noFill/>
-        </p:spPr>
-        <p:txBody>
-          <a:bodyPr wrap="none" rtlCol="0">
-            <a:spAutoFit/>
-          </a:bodyPr>
-          <a:lstStyle/>
-          <a:p>
-            <a:r>
-              <a:rPr lang="en-US" dirty="0">
-                <a:solidFill>
-                  <a:schemeClr val="tx2">
-                    <a:lumMod val="75000"/>
-                  </a:schemeClr>
-                </a:solidFill>
-                <a:latin typeface="Consolas" panose="020B0609020204030204" pitchFamily="49" charset="0"/>
-                <a:cs typeface="Consolas" panose="020B0609020204030204" pitchFamily="49" charset="0"/>
-              </a:rPr>
-              <a:t>. . . </a:t>
+            <a:r>
+              <a:rPr lang="en-US" dirty="0"/>
+              <a:t> instruction</a:t>
+            </a:r>
+          </a:p>
+          <a:p>
+            <a:r>
+              <a:rPr lang="en-US" dirty="0"/>
+              <a:t>It then branches out to some destination and continues to execute sequentially until it meets another </a:t>
+            </a:r>
+            <a:r>
+              <a:rPr lang="en-US" i="1" dirty="0"/>
+              <a:t>branch</a:t>
+            </a:r>
+            <a:r>
+              <a:rPr lang="en-US" dirty="0"/>
+              <a:t> instruction</a:t>
             </a:r>
           </a:p>
         </p:txBody>
@@ -16729,7 +16965,7 @@
     </p:spTree>
     <p:extLst>
       <p:ext uri="{BB962C8B-B14F-4D97-AF65-F5344CB8AC3E}">
-        <p14:creationId xmlns:p14="http://schemas.microsoft.com/office/powerpoint/2010/main" val="3391122747"/>
+        <p14:creationId xmlns:p14="http://schemas.microsoft.com/office/powerpoint/2010/main" val="1622771348"/>
       </p:ext>
     </p:extLst>
   </p:cSld>
